--- a/Prezent.pptx
+++ b/Prezent.pptx
@@ -5,10 +5,10 @@
     <p:sldMasterId id="2147484274" r:id="rId1"/>
   </p:sldMasterIdLst>
   <p:notesMasterIdLst>
-    <p:notesMasterId r:id="rId22"/>
+    <p:notesMasterId r:id="rId20"/>
   </p:notesMasterIdLst>
   <p:handoutMasterIdLst>
-    <p:handoutMasterId r:id="rId23"/>
+    <p:handoutMasterId r:id="rId21"/>
   </p:handoutMasterIdLst>
   <p:sldIdLst>
     <p:sldId id="256" r:id="rId2"/>
@@ -16,21 +16,19 @@
     <p:sldId id="258" r:id="rId4"/>
     <p:sldId id="263" r:id="rId5"/>
     <p:sldId id="272" r:id="rId6"/>
-    <p:sldId id="265" r:id="rId7"/>
-    <p:sldId id="269" r:id="rId8"/>
-    <p:sldId id="282" r:id="rId9"/>
-    <p:sldId id="262" r:id="rId10"/>
-    <p:sldId id="274" r:id="rId11"/>
-    <p:sldId id="280" r:id="rId12"/>
-    <p:sldId id="270" r:id="rId13"/>
-    <p:sldId id="281" r:id="rId14"/>
-    <p:sldId id="271" r:id="rId15"/>
-    <p:sldId id="279" r:id="rId16"/>
-    <p:sldId id="275" r:id="rId17"/>
-    <p:sldId id="276" r:id="rId18"/>
-    <p:sldId id="277" r:id="rId19"/>
-    <p:sldId id="259" r:id="rId20"/>
-    <p:sldId id="273" r:id="rId21"/>
+    <p:sldId id="282" r:id="rId7"/>
+    <p:sldId id="262" r:id="rId8"/>
+    <p:sldId id="274" r:id="rId9"/>
+    <p:sldId id="280" r:id="rId10"/>
+    <p:sldId id="270" r:id="rId11"/>
+    <p:sldId id="281" r:id="rId12"/>
+    <p:sldId id="271" r:id="rId13"/>
+    <p:sldId id="279" r:id="rId14"/>
+    <p:sldId id="275" r:id="rId15"/>
+    <p:sldId id="276" r:id="rId16"/>
+    <p:sldId id="277" r:id="rId17"/>
+    <p:sldId id="259" r:id="rId18"/>
+    <p:sldId id="273" r:id="rId19"/>
   </p:sldIdLst>
   <p:sldSz cx="10693400" cy="7561263"/>
   <p:notesSz cx="6858000" cy="9144000"/>
@@ -139,8 +137,6 @@
             <p14:sldId id="258"/>
             <p14:sldId id="263"/>
             <p14:sldId id="272"/>
-            <p14:sldId id="265"/>
-            <p14:sldId id="269"/>
             <p14:sldId id="282"/>
             <p14:sldId id="262"/>
             <p14:sldId id="274"/>
@@ -5060,7 +5056,7 @@
           <a:p>
             <a:r>
               <a:rPr lang="ru-RU" dirty="0" smtClean="0"/>
-              <a:t>Построение дерева решений</a:t>
+              <a:t>Диаграмма использования</a:t>
             </a:r>
             <a:endParaRPr lang="ru-RU" dirty="0"/>
           </a:p>
@@ -5068,12 +5064,12 @@
       </p:sp>
       <p:sp>
         <p:nvSpPr>
-          <p:cNvPr id="3" name="Объект 2"/>
-          <p:cNvSpPr>
-            <a:spLocks noGrp="1"/>
-          </p:cNvSpPr>
-          <p:nvPr>
-            <p:ph idx="1"/>
+          <p:cNvPr id="4" name="Номер слайда 3"/>
+          <p:cNvSpPr>
+            <a:spLocks noGrp="1"/>
+          </p:cNvSpPr>
+          <p:nvPr>
+            <p:ph type="sldNum" sz="quarter" idx="12"/>
           </p:nvPr>
         </p:nvSpPr>
         <p:spPr/>
@@ -5081,436 +5077,9 @@
           <a:bodyPr/>
           <a:lstStyle/>
           <a:p>
-            <a:r>
-              <a:rPr lang="ru-RU" sz="1400" dirty="0" smtClean="0"/>
-              <a:t>Задано </a:t>
-            </a:r>
-            <a:r>
-              <a:rPr lang="ru-RU" sz="1400" dirty="0"/>
-              <a:t>некоторое обучающее множество T, содержащее объекты (примеры), каждый из которых характеризуется m атрибутами (атрибутами), причем один из них указывает на принадлежность объекта к определенному </a:t>
-            </a:r>
-            <a:r>
-              <a:rPr lang="ru-RU" sz="1400" dirty="0" smtClean="0"/>
-              <a:t>классу. Через </a:t>
-            </a:r>
-            <a:r>
-              <a:rPr lang="ru-RU" sz="1400" dirty="0"/>
-              <a:t>{C</a:t>
-            </a:r>
-            <a:r>
-              <a:rPr lang="ru-RU" sz="1400" baseline="-25000" dirty="0"/>
-              <a:t>1</a:t>
-            </a:r>
-            <a:r>
-              <a:rPr lang="ru-RU" sz="1400" dirty="0"/>
-              <a:t>, C</a:t>
-            </a:r>
-            <a:r>
-              <a:rPr lang="ru-RU" sz="1400" baseline="-25000" dirty="0"/>
-              <a:t>2</a:t>
-            </a:r>
-            <a:r>
-              <a:rPr lang="ru-RU" sz="1400" dirty="0"/>
-              <a:t>, ... </a:t>
-            </a:r>
-            <a:r>
-              <a:rPr lang="ru-RU" sz="1400" dirty="0" err="1"/>
-              <a:t>C</a:t>
-            </a:r>
-            <a:r>
-              <a:rPr lang="ru-RU" sz="1400" baseline="-25000" dirty="0" err="1"/>
-              <a:t>k</a:t>
-            </a:r>
-            <a:r>
-              <a:rPr lang="ru-RU" sz="1400" dirty="0"/>
-              <a:t>} обозначены </a:t>
-            </a:r>
-            <a:r>
-              <a:rPr lang="ru-RU" sz="1400" dirty="0" smtClean="0"/>
-              <a:t>классы, тогда:</a:t>
-            </a:r>
-          </a:p>
-          <a:p>
-            <a:pPr>
-              <a:buFont typeface="+mj-lt"/>
-              <a:buAutoNum type="arabicPeriod"/>
-            </a:pPr>
-            <a:r>
-              <a:rPr lang="ru-RU" sz="1400" dirty="0"/>
-              <a:t>множество T содержит один или более примеров, относящихся к одному классу </a:t>
-            </a:r>
-            <a:r>
-              <a:rPr lang="ru-RU" sz="1400" dirty="0" err="1"/>
-              <a:t>C</a:t>
-            </a:r>
-            <a:r>
-              <a:rPr lang="ru-RU" sz="1400" baseline="-25000" dirty="0" err="1"/>
-              <a:t>k</a:t>
-            </a:r>
-            <a:r>
-              <a:rPr lang="ru-RU" sz="1400" dirty="0"/>
-              <a:t>. Тогда дерево решений для Т – это лист, определяющий класс </a:t>
-            </a:r>
-            <a:r>
-              <a:rPr lang="ru-RU" sz="1400" dirty="0" err="1"/>
-              <a:t>C</a:t>
-            </a:r>
-            <a:r>
-              <a:rPr lang="ru-RU" sz="1400" baseline="-25000" dirty="0" err="1"/>
-              <a:t>k</a:t>
-            </a:r>
-            <a:r>
-              <a:rPr lang="ru-RU" sz="1400" dirty="0"/>
-              <a:t>; </a:t>
-            </a:r>
-          </a:p>
-          <a:p>
-            <a:pPr>
-              <a:buFont typeface="+mj-lt"/>
-              <a:buAutoNum type="arabicPeriod"/>
-            </a:pPr>
-            <a:r>
-              <a:rPr lang="ru-RU" sz="1400" dirty="0"/>
-              <a:t>множество T не содержит ни одного примера, т.е. пустое множество. Тогда это снова лист, и класс, ассоциированный с листом, выбирается из другого множества отличного от T, скажем, из множества, ассоциированного с родителем; </a:t>
-            </a:r>
-          </a:p>
-          <a:p>
-            <a:pPr>
-              <a:buFont typeface="+mj-lt"/>
-              <a:buAutoNum type="arabicPeriod"/>
-            </a:pPr>
-            <a:r>
-              <a:rPr lang="ru-RU" sz="1400" dirty="0"/>
-              <a:t>множество T содержит примеры, относящиеся к разным классам. В этом случае следует разбить множество T на некоторые подмножества. Для этого выбирается один из признаков, имеющий два и более отличных друг от друга значений O</a:t>
-            </a:r>
-            <a:r>
-              <a:rPr lang="ru-RU" sz="1400" baseline="-25000" dirty="0"/>
-              <a:t>1</a:t>
-            </a:r>
-            <a:r>
-              <a:rPr lang="ru-RU" sz="1400" dirty="0"/>
-              <a:t>, O</a:t>
-            </a:r>
-            <a:r>
-              <a:rPr lang="ru-RU" sz="1400" baseline="-25000" dirty="0"/>
-              <a:t>2</a:t>
-            </a:r>
-            <a:r>
-              <a:rPr lang="ru-RU" sz="1400" dirty="0"/>
-              <a:t>, ... </a:t>
-            </a:r>
-            <a:r>
-              <a:rPr lang="ru-RU" sz="1400" dirty="0" err="1"/>
-              <a:t>O</a:t>
-            </a:r>
-            <a:r>
-              <a:rPr lang="ru-RU" sz="1400" baseline="-25000" dirty="0" err="1"/>
-              <a:t>n</a:t>
-            </a:r>
-            <a:r>
-              <a:rPr lang="ru-RU" sz="1400" dirty="0"/>
-              <a:t>. T разбивается на подмножества T</a:t>
-            </a:r>
-            <a:r>
-              <a:rPr lang="ru-RU" sz="1400" baseline="-25000" dirty="0"/>
-              <a:t>1</a:t>
-            </a:r>
-            <a:r>
-              <a:rPr lang="ru-RU" sz="1400" dirty="0"/>
-              <a:t>, T</a:t>
-            </a:r>
-            <a:r>
-              <a:rPr lang="ru-RU" sz="1400" baseline="-25000" dirty="0"/>
-              <a:t>2</a:t>
-            </a:r>
-            <a:r>
-              <a:rPr lang="ru-RU" sz="1400" dirty="0"/>
-              <a:t>, ... </a:t>
-            </a:r>
-            <a:r>
-              <a:rPr lang="ru-RU" sz="1400" dirty="0" err="1"/>
-              <a:t>T</a:t>
-            </a:r>
-            <a:r>
-              <a:rPr lang="ru-RU" sz="1400" baseline="-25000" dirty="0" err="1"/>
-              <a:t>n</a:t>
-            </a:r>
-            <a:r>
-              <a:rPr lang="ru-RU" sz="1400" dirty="0"/>
-              <a:t>, где каждое подмножество </a:t>
-            </a:r>
-            <a:r>
-              <a:rPr lang="ru-RU" sz="1400" dirty="0" err="1"/>
-              <a:t>T</a:t>
-            </a:r>
-            <a:r>
-              <a:rPr lang="ru-RU" sz="1400" baseline="-25000" dirty="0" err="1"/>
-              <a:t>i</a:t>
-            </a:r>
-            <a:r>
-              <a:rPr lang="ru-RU" sz="1400" dirty="0"/>
-              <a:t> содержит все примеры, имеющие значение </a:t>
-            </a:r>
-            <a:r>
-              <a:rPr lang="ru-RU" sz="1400" dirty="0" err="1"/>
-              <a:t>O</a:t>
-            </a:r>
-            <a:r>
-              <a:rPr lang="ru-RU" sz="1400" baseline="-25000" dirty="0" err="1"/>
-              <a:t>i</a:t>
-            </a:r>
-            <a:r>
-              <a:rPr lang="ru-RU" sz="1400" dirty="0"/>
-              <a:t> для выбранного признака. Это процедура будет рекурсивно продолжаться до тех пор, пока конечное множество не будет состоять из примеров, относящихся к одному и тому же классу.</a:t>
-            </a:r>
-          </a:p>
-        </p:txBody>
-      </p:sp>
-      <p:sp>
-        <p:nvSpPr>
-          <p:cNvPr id="4" name="Номер слайда 3"/>
-          <p:cNvSpPr>
-            <a:spLocks noGrp="1"/>
-          </p:cNvSpPr>
-          <p:nvPr>
-            <p:ph type="sldNum" sz="quarter" idx="12"/>
-          </p:nvPr>
-        </p:nvSpPr>
-        <p:spPr/>
-        <p:txBody>
-          <a:bodyPr/>
-          <a:lstStyle/>
-          <a:p>
             <a:fld id="{B19B0651-EE4F-4900-A07F-96A6BFA9D0F0}" type="slidenum">
               <a:rPr lang="ru-RU" smtClean="0"/>
               <a:t>10</a:t>
-            </a:fld>
-            <a:endParaRPr lang="ru-RU" dirty="0"/>
-          </a:p>
-        </p:txBody>
-      </p:sp>
-    </p:spTree>
-    <p:extLst>
-      <p:ext uri="{BB962C8B-B14F-4D97-AF65-F5344CB8AC3E}">
-        <p14:creationId xmlns:p14="http://schemas.microsoft.com/office/powerpoint/2010/main" val="490604760"/>
-      </p:ext>
-    </p:extLst>
-  </p:cSld>
-  <p:clrMapOvr>
-    <a:masterClrMapping/>
-  </p:clrMapOvr>
-  <p:timing>
-    <p:tnLst>
-      <p:par>
-        <p:cTn id="1" dur="indefinite" restart="never" nodeType="tmRoot"/>
-      </p:par>
-    </p:tnLst>
-  </p:timing>
-</p:sld>
-</file>
-
-<file path=ppt/slides/slide11.xml><?xml version="1.0" encoding="utf-8"?>
-<p:sld xmlns:a="http://schemas.openxmlformats.org/drawingml/2006/main" xmlns:r="http://schemas.openxmlformats.org/officeDocument/2006/relationships" xmlns:p="http://schemas.openxmlformats.org/presentationml/2006/main">
-  <p:cSld>
-    <p:spTree>
-      <p:nvGrpSpPr>
-        <p:cNvPr id="1" name=""/>
-        <p:cNvGrpSpPr/>
-        <p:nvPr/>
-      </p:nvGrpSpPr>
-      <p:grpSpPr>
-        <a:xfrm>
-          <a:off x="0" y="0"/>
-          <a:ext cx="0" cy="0"/>
-          <a:chOff x="0" y="0"/>
-          <a:chExt cx="0" cy="0"/>
-        </a:xfrm>
-      </p:grpSpPr>
-      <p:sp>
-        <p:nvSpPr>
-          <p:cNvPr id="2" name="Заголовок 1"/>
-          <p:cNvSpPr>
-            <a:spLocks noGrp="1"/>
-          </p:cNvSpPr>
-          <p:nvPr>
-            <p:ph type="title"/>
-          </p:nvPr>
-        </p:nvSpPr>
-        <p:spPr/>
-        <p:txBody>
-          <a:bodyPr/>
-          <a:lstStyle/>
-          <a:p>
-            <a:r>
-              <a:rPr lang="ru-RU" dirty="0" smtClean="0"/>
-              <a:t>Требование к программе</a:t>
-            </a:r>
-            <a:endParaRPr lang="ru-RU" dirty="0"/>
-          </a:p>
-        </p:txBody>
-      </p:sp>
-      <p:sp>
-        <p:nvSpPr>
-          <p:cNvPr id="3" name="Объект 2"/>
-          <p:cNvSpPr>
-            <a:spLocks noGrp="1"/>
-          </p:cNvSpPr>
-          <p:nvPr>
-            <p:ph idx="1"/>
-          </p:nvPr>
-        </p:nvSpPr>
-        <p:spPr/>
-        <p:txBody>
-          <a:bodyPr/>
-          <a:lstStyle/>
-          <a:p>
-            <a:r>
-              <a:rPr lang="ru-RU" dirty="0" smtClean="0"/>
-              <a:t>Загрузка данных</a:t>
-            </a:r>
-          </a:p>
-          <a:p>
-            <a:r>
-              <a:rPr lang="ru-RU" dirty="0" smtClean="0"/>
-              <a:t>Отображение загруженных данных</a:t>
-            </a:r>
-            <a:endParaRPr lang="ru-RU" dirty="0" smtClean="0"/>
-          </a:p>
-          <a:p>
-            <a:r>
-              <a:rPr lang="ru-RU" dirty="0" smtClean="0"/>
-              <a:t>Возможность редактирования загруженных данных</a:t>
-            </a:r>
-          </a:p>
-          <a:p>
-            <a:r>
-              <a:rPr lang="ru-RU" dirty="0" smtClean="0"/>
-              <a:t>Возможность изменять параметры построения дерева решений</a:t>
-            </a:r>
-          </a:p>
-          <a:p>
-            <a:r>
-              <a:rPr lang="ru-RU" dirty="0" smtClean="0"/>
-              <a:t>Построения дерева решений</a:t>
-            </a:r>
-          </a:p>
-          <a:p>
-            <a:r>
-              <a:rPr lang="ru-RU" dirty="0" smtClean="0"/>
-              <a:t>Визуализация дерева решений</a:t>
-            </a:r>
-          </a:p>
-          <a:p>
-            <a:r>
-              <a:rPr lang="ru-RU" dirty="0" smtClean="0"/>
-              <a:t>Оценка построенного дерева решений</a:t>
-            </a:r>
-          </a:p>
-          <a:p>
-            <a:r>
-              <a:rPr lang="ru-RU" dirty="0"/>
-              <a:t>Экспорт в картинку</a:t>
-            </a:r>
-          </a:p>
-          <a:p>
-            <a:endParaRPr lang="ru-RU" dirty="0"/>
-          </a:p>
-        </p:txBody>
-      </p:sp>
-      <p:sp>
-        <p:nvSpPr>
-          <p:cNvPr id="4" name="Номер слайда 3"/>
-          <p:cNvSpPr>
-            <a:spLocks noGrp="1"/>
-          </p:cNvSpPr>
-          <p:nvPr>
-            <p:ph type="sldNum" sz="quarter" idx="12"/>
-          </p:nvPr>
-        </p:nvSpPr>
-        <p:spPr/>
-        <p:txBody>
-          <a:bodyPr/>
-          <a:lstStyle/>
-          <a:p>
-            <a:fld id="{B19B0651-EE4F-4900-A07F-96A6BFA9D0F0}" type="slidenum">
-              <a:rPr lang="ru-RU" smtClean="0"/>
-              <a:t>11</a:t>
-            </a:fld>
-            <a:endParaRPr lang="ru-RU" dirty="0"/>
-          </a:p>
-        </p:txBody>
-      </p:sp>
-    </p:spTree>
-    <p:extLst>
-      <p:ext uri="{BB962C8B-B14F-4D97-AF65-F5344CB8AC3E}">
-        <p14:creationId xmlns:p14="http://schemas.microsoft.com/office/powerpoint/2010/main" val="1408244517"/>
-      </p:ext>
-    </p:extLst>
-  </p:cSld>
-  <p:clrMapOvr>
-    <a:masterClrMapping/>
-  </p:clrMapOvr>
-</p:sld>
-</file>
-
-<file path=ppt/slides/slide12.xml><?xml version="1.0" encoding="utf-8"?>
-<p:sld xmlns:a="http://schemas.openxmlformats.org/drawingml/2006/main" xmlns:r="http://schemas.openxmlformats.org/officeDocument/2006/relationships" xmlns:p="http://schemas.openxmlformats.org/presentationml/2006/main">
-  <p:cSld>
-    <p:spTree>
-      <p:nvGrpSpPr>
-        <p:cNvPr id="1" name=""/>
-        <p:cNvGrpSpPr/>
-        <p:nvPr/>
-      </p:nvGrpSpPr>
-      <p:grpSpPr>
-        <a:xfrm>
-          <a:off x="0" y="0"/>
-          <a:ext cx="0" cy="0"/>
-          <a:chOff x="0" y="0"/>
-          <a:chExt cx="0" cy="0"/>
-        </a:xfrm>
-      </p:grpSpPr>
-      <p:sp>
-        <p:nvSpPr>
-          <p:cNvPr id="2" name="Заголовок 1"/>
-          <p:cNvSpPr>
-            <a:spLocks noGrp="1"/>
-          </p:cNvSpPr>
-          <p:nvPr>
-            <p:ph type="title"/>
-          </p:nvPr>
-        </p:nvSpPr>
-        <p:spPr/>
-        <p:txBody>
-          <a:bodyPr/>
-          <a:lstStyle/>
-          <a:p>
-            <a:r>
-              <a:rPr lang="ru-RU" dirty="0" smtClean="0"/>
-              <a:t>Диаграмма использования</a:t>
-            </a:r>
-            <a:endParaRPr lang="ru-RU" dirty="0"/>
-          </a:p>
-        </p:txBody>
-      </p:sp>
-      <p:sp>
-        <p:nvSpPr>
-          <p:cNvPr id="4" name="Номер слайда 3"/>
-          <p:cNvSpPr>
-            <a:spLocks noGrp="1"/>
-          </p:cNvSpPr>
-          <p:nvPr>
-            <p:ph type="sldNum" sz="quarter" idx="12"/>
-          </p:nvPr>
-        </p:nvSpPr>
-        <p:spPr/>
-        <p:txBody>
-          <a:bodyPr/>
-          <a:lstStyle/>
-          <a:p>
-            <a:fld id="{B19B0651-EE4F-4900-A07F-96A6BFA9D0F0}" type="slidenum">
-              <a:rPr lang="ru-RU" smtClean="0"/>
-              <a:t>12</a:t>
             </a:fld>
             <a:endParaRPr lang="ru-RU" dirty="0"/>
           </a:p>
@@ -5579,7 +5148,7 @@
 </p:sld>
 </file>
 
-<file path=ppt/slides/slide13.xml><?xml version="1.0" encoding="utf-8"?>
+<file path=ppt/slides/slide11.xml><?xml version="1.0" encoding="utf-8"?>
 <p:sld xmlns:a="http://schemas.openxmlformats.org/drawingml/2006/main" xmlns:r="http://schemas.openxmlformats.org/officeDocument/2006/relationships" xmlns:p="http://schemas.openxmlformats.org/presentationml/2006/main">
   <p:cSld>
     <p:spTree>
@@ -5636,7 +5205,7 @@
           <a:p>
             <a:fld id="{B19B0651-EE4F-4900-A07F-96A6BFA9D0F0}" type="slidenum">
               <a:rPr lang="ru-RU" smtClean="0"/>
-              <a:t>13</a:t>
+              <a:t>11</a:t>
             </a:fld>
             <a:endParaRPr lang="ru-RU" dirty="0"/>
           </a:p>
@@ -5698,7 +5267,7 @@
 </p:sld>
 </file>
 
-<file path=ppt/slides/slide14.xml><?xml version="1.0" encoding="utf-8"?>
+<file path=ppt/slides/slide12.xml><?xml version="1.0" encoding="utf-8"?>
 <p:sld xmlns:a="http://schemas.openxmlformats.org/drawingml/2006/main" xmlns:r="http://schemas.openxmlformats.org/officeDocument/2006/relationships" xmlns:p="http://schemas.openxmlformats.org/presentationml/2006/main">
   <p:cSld>
     <p:spTree>
@@ -5774,7 +5343,7 @@
           <a:p>
             <a:fld id="{B19B0651-EE4F-4900-A07F-96A6BFA9D0F0}" type="slidenum">
               <a:rPr lang="ru-RU" smtClean="0"/>
-              <a:t>14</a:t>
+              <a:t>12</a:t>
             </a:fld>
             <a:endParaRPr lang="ru-RU" dirty="0"/>
           </a:p>
@@ -5841,7 +5410,7 @@
 </p:sld>
 </file>
 
-<file path=ppt/slides/slide15.xml><?xml version="1.0" encoding="utf-8"?>
+<file path=ppt/slides/slide13.xml><?xml version="1.0" encoding="utf-8"?>
 <p:sld xmlns:a="http://schemas.openxmlformats.org/drawingml/2006/main" xmlns:r="http://schemas.openxmlformats.org/officeDocument/2006/relationships" xmlns:p="http://schemas.openxmlformats.org/presentationml/2006/main">
   <p:cSld>
     <p:spTree>
@@ -5898,7 +5467,7 @@
           <a:p>
             <a:fld id="{B19B0651-EE4F-4900-A07F-96A6BFA9D0F0}" type="slidenum">
               <a:rPr lang="ru-RU" smtClean="0"/>
-              <a:t>15</a:t>
+              <a:t>13</a:t>
             </a:fld>
             <a:endParaRPr lang="ru-RU" dirty="0"/>
           </a:p>
@@ -5977,7 +5546,7 @@
 </p:sld>
 </file>
 
-<file path=ppt/slides/slide16.xml><?xml version="1.0" encoding="utf-8"?>
+<file path=ppt/slides/slide14.xml><?xml version="1.0" encoding="utf-8"?>
 <p:sld xmlns:a="http://schemas.openxmlformats.org/drawingml/2006/main" xmlns:r="http://schemas.openxmlformats.org/officeDocument/2006/relationships" xmlns:p="http://schemas.openxmlformats.org/presentationml/2006/main">
   <p:cSld>
     <p:spTree>
@@ -6082,7 +5651,7 @@
           <a:p>
             <a:fld id="{B19B0651-EE4F-4900-A07F-96A6BFA9D0F0}" type="slidenum">
               <a:rPr lang="ru-RU" smtClean="0"/>
-              <a:t>16</a:t>
+              <a:t>14</a:t>
             </a:fld>
             <a:endParaRPr lang="ru-RU" dirty="0"/>
           </a:p>
@@ -6236,7 +5805,7 @@
 </p:sld>
 </file>
 
-<file path=ppt/slides/slide17.xml><?xml version="1.0" encoding="utf-8"?>
+<file path=ppt/slides/slide15.xml><?xml version="1.0" encoding="utf-8"?>
 <p:sld xmlns:a="http://schemas.openxmlformats.org/drawingml/2006/main" xmlns:r="http://schemas.openxmlformats.org/officeDocument/2006/relationships" xmlns:p="http://schemas.openxmlformats.org/presentationml/2006/main">
   <p:cSld>
     <p:spTree>
@@ -6329,7 +5898,7 @@
           <a:p>
             <a:fld id="{B19B0651-EE4F-4900-A07F-96A6BFA9D0F0}" type="slidenum">
               <a:rPr lang="ru-RU" smtClean="0"/>
-              <a:t>17</a:t>
+              <a:t>15</a:t>
             </a:fld>
             <a:endParaRPr lang="ru-RU" dirty="0"/>
           </a:p>
@@ -6419,7 +5988,7 @@
 </p:sld>
 </file>
 
-<file path=ppt/slides/slide18.xml><?xml version="1.0" encoding="utf-8"?>
+<file path=ppt/slides/slide16.xml><?xml version="1.0" encoding="utf-8"?>
 <p:sld xmlns:a="http://schemas.openxmlformats.org/drawingml/2006/main" xmlns:r="http://schemas.openxmlformats.org/officeDocument/2006/relationships" xmlns:p="http://schemas.openxmlformats.org/presentationml/2006/main">
   <p:cSld>
     <p:spTree>
@@ -6525,7 +6094,7 @@
           <a:p>
             <a:fld id="{B19B0651-EE4F-4900-A07F-96A6BFA9D0F0}" type="slidenum">
               <a:rPr lang="ru-RU" smtClean="0"/>
-              <a:t>18</a:t>
+              <a:t>16</a:t>
             </a:fld>
             <a:endParaRPr lang="ru-RU" dirty="0"/>
           </a:p>
@@ -6679,7 +6248,7 @@
 </p:sld>
 </file>
 
-<file path=ppt/slides/slide19.xml><?xml version="1.0" encoding="utf-8"?>
+<file path=ppt/slides/slide17.xml><?xml version="1.0" encoding="utf-8"?>
 <p:sld xmlns:a="http://schemas.openxmlformats.org/drawingml/2006/main" xmlns:r="http://schemas.openxmlformats.org/officeDocument/2006/relationships" xmlns:p="http://schemas.openxmlformats.org/presentationml/2006/main">
   <p:cSld>
     <p:spTree>
@@ -6809,7 +6378,7 @@
             <a:fld id="{F3547098-4EA3-465E-87C3-A49A196ADC7F}" type="slidenum">
               <a:rPr lang="ru-RU" smtClean="0"/>
               <a:pPr/>
-              <a:t>19</a:t>
+              <a:t>17</a:t>
             </a:fld>
             <a:endParaRPr lang="ru-RU"/>
           </a:p>
@@ -6819,6 +6388,253 @@
     <p:extLst>
       <p:ext uri="{BB962C8B-B14F-4D97-AF65-F5344CB8AC3E}">
         <p14:creationId xmlns:p14="http://schemas.microsoft.com/office/powerpoint/2010/main" val="1488968114"/>
+      </p:ext>
+    </p:extLst>
+  </p:cSld>
+  <p:clrMapOvr>
+    <a:masterClrMapping/>
+  </p:clrMapOvr>
+  <p:timing>
+    <p:tnLst>
+      <p:par>
+        <p:cTn id="1" dur="indefinite" restart="never" nodeType="tmRoot"/>
+      </p:par>
+    </p:tnLst>
+  </p:timing>
+</p:sld>
+</file>
+
+<file path=ppt/slides/slide18.xml><?xml version="1.0" encoding="utf-8"?>
+<p:sld xmlns:a="http://schemas.openxmlformats.org/drawingml/2006/main" xmlns:r="http://schemas.openxmlformats.org/officeDocument/2006/relationships" xmlns:p="http://schemas.openxmlformats.org/presentationml/2006/main">
+  <p:cSld>
+    <p:spTree>
+      <p:nvGrpSpPr>
+        <p:cNvPr id="1" name=""/>
+        <p:cNvGrpSpPr/>
+        <p:nvPr/>
+      </p:nvGrpSpPr>
+      <p:grpSpPr>
+        <a:xfrm>
+          <a:off x="0" y="0"/>
+          <a:ext cx="0" cy="0"/>
+          <a:chOff x="0" y="0"/>
+          <a:chExt cx="0" cy="0"/>
+        </a:xfrm>
+      </p:grpSpPr>
+      <p:sp>
+        <p:nvSpPr>
+          <p:cNvPr id="2" name="Заголовок 1"/>
+          <p:cNvSpPr>
+            <a:spLocks noGrp="1"/>
+          </p:cNvSpPr>
+          <p:nvPr>
+            <p:ph type="title"/>
+          </p:nvPr>
+        </p:nvSpPr>
+        <p:spPr/>
+        <p:txBody>
+          <a:bodyPr/>
+          <a:lstStyle/>
+          <a:p>
+            <a:r>
+              <a:rPr lang="ru-RU" dirty="0" err="1" smtClean="0"/>
+              <a:t>Репозиторий</a:t>
+            </a:r>
+            <a:endParaRPr lang="ru-RU" dirty="0"/>
+          </a:p>
+        </p:txBody>
+      </p:sp>
+      <p:sp>
+        <p:nvSpPr>
+          <p:cNvPr id="3" name="Объект 2"/>
+          <p:cNvSpPr>
+            <a:spLocks noGrp="1"/>
+          </p:cNvSpPr>
+          <p:nvPr>
+            <p:ph idx="1"/>
+          </p:nvPr>
+        </p:nvSpPr>
+        <p:spPr/>
+        <p:txBody>
+          <a:bodyPr/>
+          <a:lstStyle/>
+          <a:p>
+            <a:pPr marL="365125" lvl="0" indent="-255588" algn="ctr" fontAlgn="base">
+              <a:lnSpc>
+                <a:spcPct val="100000"/>
+              </a:lnSpc>
+              <a:spcBef>
+                <a:spcPts val="300"/>
+              </a:spcBef>
+              <a:spcAft>
+                <a:spcPct val="0"/>
+              </a:spcAft>
+              <a:buClr>
+                <a:srgbClr val="A04DA3"/>
+              </a:buClr>
+            </a:pPr>
+            <a:endParaRPr lang="ru-RU" sz="2800" dirty="0" smtClean="0">
+              <a:solidFill>
+                <a:prstClr val="black"/>
+              </a:solidFill>
+              <a:latin typeface="Georgia"/>
+              <a:cs typeface="+mn-cs"/>
+            </a:endParaRPr>
+          </a:p>
+          <a:p>
+            <a:pPr marL="365125" lvl="0" indent="-255588" algn="ctr" fontAlgn="base">
+              <a:lnSpc>
+                <a:spcPct val="100000"/>
+              </a:lnSpc>
+              <a:spcBef>
+                <a:spcPts val="300"/>
+              </a:spcBef>
+              <a:spcAft>
+                <a:spcPct val="0"/>
+              </a:spcAft>
+              <a:buClr>
+                <a:srgbClr val="A04DA3"/>
+              </a:buClr>
+            </a:pPr>
+            <a:endParaRPr lang="ru-RU" sz="2800" dirty="0">
+              <a:solidFill>
+                <a:prstClr val="black"/>
+              </a:solidFill>
+              <a:latin typeface="Georgia"/>
+              <a:cs typeface="+mn-cs"/>
+            </a:endParaRPr>
+          </a:p>
+          <a:p>
+            <a:pPr marL="365125" lvl="0" indent="-255588" algn="ctr" fontAlgn="base">
+              <a:lnSpc>
+                <a:spcPct val="100000"/>
+              </a:lnSpc>
+              <a:spcBef>
+                <a:spcPts val="300"/>
+              </a:spcBef>
+              <a:spcAft>
+                <a:spcPct val="0"/>
+              </a:spcAft>
+              <a:buClr>
+                <a:srgbClr val="A04DA3"/>
+              </a:buClr>
+            </a:pPr>
+            <a:endParaRPr lang="ru-RU" sz="2800" dirty="0" smtClean="0">
+              <a:solidFill>
+                <a:prstClr val="black"/>
+              </a:solidFill>
+              <a:latin typeface="Georgia"/>
+              <a:cs typeface="+mn-cs"/>
+            </a:endParaRPr>
+          </a:p>
+          <a:p>
+            <a:pPr marL="365125" lvl="0" indent="-255588" algn="ctr" fontAlgn="base">
+              <a:lnSpc>
+                <a:spcPct val="100000"/>
+              </a:lnSpc>
+              <a:spcBef>
+                <a:spcPts val="300"/>
+              </a:spcBef>
+              <a:spcAft>
+                <a:spcPct val="0"/>
+              </a:spcAft>
+              <a:buClr>
+                <a:srgbClr val="A04DA3"/>
+              </a:buClr>
+            </a:pPr>
+            <a:endParaRPr lang="ru-RU" sz="2800" dirty="0">
+              <a:solidFill>
+                <a:prstClr val="black"/>
+              </a:solidFill>
+              <a:latin typeface="Georgia"/>
+              <a:cs typeface="+mn-cs"/>
+            </a:endParaRPr>
+          </a:p>
+          <a:p>
+            <a:pPr marL="365125" lvl="0" indent="-255588" algn="ctr" fontAlgn="base">
+              <a:lnSpc>
+                <a:spcPct val="100000"/>
+              </a:lnSpc>
+              <a:spcBef>
+                <a:spcPts val="300"/>
+              </a:spcBef>
+              <a:spcAft>
+                <a:spcPct val="0"/>
+              </a:spcAft>
+              <a:buClr>
+                <a:srgbClr val="A04DA3"/>
+              </a:buClr>
+            </a:pPr>
+            <a:endParaRPr lang="ru-RU" sz="2800" dirty="0">
+              <a:solidFill>
+                <a:prstClr val="black"/>
+              </a:solidFill>
+              <a:latin typeface="Georgia"/>
+              <a:cs typeface="+mn-cs"/>
+            </a:endParaRPr>
+          </a:p>
+          <a:p>
+            <a:pPr marL="365125" lvl="0" indent="-255588" algn="ctr" fontAlgn="base">
+              <a:lnSpc>
+                <a:spcPct val="100000"/>
+              </a:lnSpc>
+              <a:spcBef>
+                <a:spcPts val="300"/>
+              </a:spcBef>
+              <a:spcAft>
+                <a:spcPct val="0"/>
+              </a:spcAft>
+              <a:buClr>
+                <a:srgbClr val="A04DA3"/>
+              </a:buClr>
+            </a:pPr>
+            <a:r>
+              <a:rPr lang="en-US" sz="2800" dirty="0">
+                <a:solidFill>
+                  <a:prstClr val="black"/>
+                </a:solidFill>
+                <a:latin typeface="Georgia"/>
+                <a:cs typeface="+mn-cs"/>
+              </a:rPr>
+              <a:t>https://github.com/geper/Decision_tree.git</a:t>
+            </a:r>
+            <a:endParaRPr lang="ru-RU" sz="2800" dirty="0">
+              <a:solidFill>
+                <a:prstClr val="black"/>
+              </a:solidFill>
+              <a:latin typeface="Georgia"/>
+              <a:cs typeface="+mn-cs"/>
+            </a:endParaRPr>
+          </a:p>
+        </p:txBody>
+      </p:sp>
+      <p:sp>
+        <p:nvSpPr>
+          <p:cNvPr id="4" name="Номер слайда 3"/>
+          <p:cNvSpPr>
+            <a:spLocks noGrp="1"/>
+          </p:cNvSpPr>
+          <p:nvPr>
+            <p:ph type="sldNum" sz="quarter" idx="12"/>
+          </p:nvPr>
+        </p:nvSpPr>
+        <p:spPr/>
+        <p:txBody>
+          <a:bodyPr/>
+          <a:lstStyle/>
+          <a:p>
+            <a:fld id="{B19B0651-EE4F-4900-A07F-96A6BFA9D0F0}" type="slidenum">
+              <a:rPr lang="ru-RU" smtClean="0"/>
+              <a:t>18</a:t>
+            </a:fld>
+            <a:endParaRPr lang="ru-RU" dirty="0"/>
+          </a:p>
+        </p:txBody>
+      </p:sp>
+    </p:spTree>
+    <p:extLst>
+      <p:ext uri="{BB962C8B-B14F-4D97-AF65-F5344CB8AC3E}">
+        <p14:creationId xmlns:p14="http://schemas.microsoft.com/office/powerpoint/2010/main" val="789238555"/>
       </p:ext>
     </p:extLst>
   </p:cSld>
@@ -6977,253 +6793,6 @@
     <p:extLst>
       <p:ext uri="{BB962C8B-B14F-4D97-AF65-F5344CB8AC3E}">
         <p14:creationId xmlns:p14="http://schemas.microsoft.com/office/powerpoint/2010/main" val="100266306"/>
-      </p:ext>
-    </p:extLst>
-  </p:cSld>
-  <p:clrMapOvr>
-    <a:masterClrMapping/>
-  </p:clrMapOvr>
-  <p:timing>
-    <p:tnLst>
-      <p:par>
-        <p:cTn id="1" dur="indefinite" restart="never" nodeType="tmRoot"/>
-      </p:par>
-    </p:tnLst>
-  </p:timing>
-</p:sld>
-</file>
-
-<file path=ppt/slides/slide20.xml><?xml version="1.0" encoding="utf-8"?>
-<p:sld xmlns:a="http://schemas.openxmlformats.org/drawingml/2006/main" xmlns:r="http://schemas.openxmlformats.org/officeDocument/2006/relationships" xmlns:p="http://schemas.openxmlformats.org/presentationml/2006/main">
-  <p:cSld>
-    <p:spTree>
-      <p:nvGrpSpPr>
-        <p:cNvPr id="1" name=""/>
-        <p:cNvGrpSpPr/>
-        <p:nvPr/>
-      </p:nvGrpSpPr>
-      <p:grpSpPr>
-        <a:xfrm>
-          <a:off x="0" y="0"/>
-          <a:ext cx="0" cy="0"/>
-          <a:chOff x="0" y="0"/>
-          <a:chExt cx="0" cy="0"/>
-        </a:xfrm>
-      </p:grpSpPr>
-      <p:sp>
-        <p:nvSpPr>
-          <p:cNvPr id="2" name="Заголовок 1"/>
-          <p:cNvSpPr>
-            <a:spLocks noGrp="1"/>
-          </p:cNvSpPr>
-          <p:nvPr>
-            <p:ph type="title"/>
-          </p:nvPr>
-        </p:nvSpPr>
-        <p:spPr/>
-        <p:txBody>
-          <a:bodyPr/>
-          <a:lstStyle/>
-          <a:p>
-            <a:r>
-              <a:rPr lang="ru-RU" dirty="0" err="1" smtClean="0"/>
-              <a:t>Репозиторий</a:t>
-            </a:r>
-            <a:endParaRPr lang="ru-RU" dirty="0"/>
-          </a:p>
-        </p:txBody>
-      </p:sp>
-      <p:sp>
-        <p:nvSpPr>
-          <p:cNvPr id="3" name="Объект 2"/>
-          <p:cNvSpPr>
-            <a:spLocks noGrp="1"/>
-          </p:cNvSpPr>
-          <p:nvPr>
-            <p:ph idx="1"/>
-          </p:nvPr>
-        </p:nvSpPr>
-        <p:spPr/>
-        <p:txBody>
-          <a:bodyPr/>
-          <a:lstStyle/>
-          <a:p>
-            <a:pPr marL="365125" lvl="0" indent="-255588" algn="ctr" fontAlgn="base">
-              <a:lnSpc>
-                <a:spcPct val="100000"/>
-              </a:lnSpc>
-              <a:spcBef>
-                <a:spcPts val="300"/>
-              </a:spcBef>
-              <a:spcAft>
-                <a:spcPct val="0"/>
-              </a:spcAft>
-              <a:buClr>
-                <a:srgbClr val="A04DA3"/>
-              </a:buClr>
-            </a:pPr>
-            <a:endParaRPr lang="ru-RU" sz="2800" dirty="0" smtClean="0">
-              <a:solidFill>
-                <a:prstClr val="black"/>
-              </a:solidFill>
-              <a:latin typeface="Georgia"/>
-              <a:cs typeface="+mn-cs"/>
-            </a:endParaRPr>
-          </a:p>
-          <a:p>
-            <a:pPr marL="365125" lvl="0" indent="-255588" algn="ctr" fontAlgn="base">
-              <a:lnSpc>
-                <a:spcPct val="100000"/>
-              </a:lnSpc>
-              <a:spcBef>
-                <a:spcPts val="300"/>
-              </a:spcBef>
-              <a:spcAft>
-                <a:spcPct val="0"/>
-              </a:spcAft>
-              <a:buClr>
-                <a:srgbClr val="A04DA3"/>
-              </a:buClr>
-            </a:pPr>
-            <a:endParaRPr lang="ru-RU" sz="2800" dirty="0">
-              <a:solidFill>
-                <a:prstClr val="black"/>
-              </a:solidFill>
-              <a:latin typeface="Georgia"/>
-              <a:cs typeface="+mn-cs"/>
-            </a:endParaRPr>
-          </a:p>
-          <a:p>
-            <a:pPr marL="365125" lvl="0" indent="-255588" algn="ctr" fontAlgn="base">
-              <a:lnSpc>
-                <a:spcPct val="100000"/>
-              </a:lnSpc>
-              <a:spcBef>
-                <a:spcPts val="300"/>
-              </a:spcBef>
-              <a:spcAft>
-                <a:spcPct val="0"/>
-              </a:spcAft>
-              <a:buClr>
-                <a:srgbClr val="A04DA3"/>
-              </a:buClr>
-            </a:pPr>
-            <a:endParaRPr lang="ru-RU" sz="2800" dirty="0" smtClean="0">
-              <a:solidFill>
-                <a:prstClr val="black"/>
-              </a:solidFill>
-              <a:latin typeface="Georgia"/>
-              <a:cs typeface="+mn-cs"/>
-            </a:endParaRPr>
-          </a:p>
-          <a:p>
-            <a:pPr marL="365125" lvl="0" indent="-255588" algn="ctr" fontAlgn="base">
-              <a:lnSpc>
-                <a:spcPct val="100000"/>
-              </a:lnSpc>
-              <a:spcBef>
-                <a:spcPts val="300"/>
-              </a:spcBef>
-              <a:spcAft>
-                <a:spcPct val="0"/>
-              </a:spcAft>
-              <a:buClr>
-                <a:srgbClr val="A04DA3"/>
-              </a:buClr>
-            </a:pPr>
-            <a:endParaRPr lang="ru-RU" sz="2800" dirty="0">
-              <a:solidFill>
-                <a:prstClr val="black"/>
-              </a:solidFill>
-              <a:latin typeface="Georgia"/>
-              <a:cs typeface="+mn-cs"/>
-            </a:endParaRPr>
-          </a:p>
-          <a:p>
-            <a:pPr marL="365125" lvl="0" indent="-255588" algn="ctr" fontAlgn="base">
-              <a:lnSpc>
-                <a:spcPct val="100000"/>
-              </a:lnSpc>
-              <a:spcBef>
-                <a:spcPts val="300"/>
-              </a:spcBef>
-              <a:spcAft>
-                <a:spcPct val="0"/>
-              </a:spcAft>
-              <a:buClr>
-                <a:srgbClr val="A04DA3"/>
-              </a:buClr>
-            </a:pPr>
-            <a:endParaRPr lang="ru-RU" sz="2800" dirty="0">
-              <a:solidFill>
-                <a:prstClr val="black"/>
-              </a:solidFill>
-              <a:latin typeface="Georgia"/>
-              <a:cs typeface="+mn-cs"/>
-            </a:endParaRPr>
-          </a:p>
-          <a:p>
-            <a:pPr marL="365125" lvl="0" indent="-255588" algn="ctr" fontAlgn="base">
-              <a:lnSpc>
-                <a:spcPct val="100000"/>
-              </a:lnSpc>
-              <a:spcBef>
-                <a:spcPts val="300"/>
-              </a:spcBef>
-              <a:spcAft>
-                <a:spcPct val="0"/>
-              </a:spcAft>
-              <a:buClr>
-                <a:srgbClr val="A04DA3"/>
-              </a:buClr>
-            </a:pPr>
-            <a:r>
-              <a:rPr lang="en-US" sz="2800" dirty="0">
-                <a:solidFill>
-                  <a:prstClr val="black"/>
-                </a:solidFill>
-                <a:latin typeface="Georgia"/>
-                <a:cs typeface="+mn-cs"/>
-              </a:rPr>
-              <a:t>https://github.com/geper/Decision_tree.git</a:t>
-            </a:r>
-            <a:endParaRPr lang="ru-RU" sz="2800" dirty="0">
-              <a:solidFill>
-                <a:prstClr val="black"/>
-              </a:solidFill>
-              <a:latin typeface="Georgia"/>
-              <a:cs typeface="+mn-cs"/>
-            </a:endParaRPr>
-          </a:p>
-        </p:txBody>
-      </p:sp>
-      <p:sp>
-        <p:nvSpPr>
-          <p:cNvPr id="4" name="Номер слайда 3"/>
-          <p:cNvSpPr>
-            <a:spLocks noGrp="1"/>
-          </p:cNvSpPr>
-          <p:nvPr>
-            <p:ph type="sldNum" sz="quarter" idx="12"/>
-          </p:nvPr>
-        </p:nvSpPr>
-        <p:spPr/>
-        <p:txBody>
-          <a:bodyPr/>
-          <a:lstStyle/>
-          <a:p>
-            <a:fld id="{B19B0651-EE4F-4900-A07F-96A6BFA9D0F0}" type="slidenum">
-              <a:rPr lang="ru-RU" smtClean="0"/>
-              <a:t>20</a:t>
-            </a:fld>
-            <a:endParaRPr lang="ru-RU" dirty="0"/>
-          </a:p>
-        </p:txBody>
-      </p:sp>
-    </p:spTree>
-    <p:extLst>
-      <p:ext uri="{BB962C8B-B14F-4D97-AF65-F5344CB8AC3E}">
-        <p14:creationId xmlns:p14="http://schemas.microsoft.com/office/powerpoint/2010/main" val="789238555"/>
       </p:ext>
     </p:extLst>
   </p:cSld>
@@ -7628,4443 +7197,6 @@
 </file>
 
 <file path=ppt/slides/slide6.xml><?xml version="1.0" encoding="utf-8"?>
-<p:sld xmlns:a="http://schemas.openxmlformats.org/drawingml/2006/main" xmlns:r="http://schemas.openxmlformats.org/officeDocument/2006/relationships" xmlns:p="http://schemas.openxmlformats.org/presentationml/2006/main">
-  <p:cSld>
-    <p:spTree>
-      <p:nvGrpSpPr>
-        <p:cNvPr id="1" name=""/>
-        <p:cNvGrpSpPr/>
-        <p:nvPr/>
-      </p:nvGrpSpPr>
-      <p:grpSpPr>
-        <a:xfrm>
-          <a:off x="0" y="0"/>
-          <a:ext cx="0" cy="0"/>
-          <a:chOff x="0" y="0"/>
-          <a:chExt cx="0" cy="0"/>
-        </a:xfrm>
-      </p:grpSpPr>
-      <p:sp>
-        <p:nvSpPr>
-          <p:cNvPr id="2" name="Заголовок 1"/>
-          <p:cNvSpPr>
-            <a:spLocks noGrp="1"/>
-          </p:cNvSpPr>
-          <p:nvPr>
-            <p:ph type="title"/>
-          </p:nvPr>
-        </p:nvSpPr>
-        <p:spPr/>
-        <p:txBody>
-          <a:bodyPr/>
-          <a:lstStyle/>
-          <a:p>
-            <a:r>
-              <a:rPr lang="ru-RU" dirty="0" smtClean="0"/>
-              <a:t>Анализ методов</a:t>
-            </a:r>
-            <a:endParaRPr lang="ru-RU" dirty="0"/>
-          </a:p>
-        </p:txBody>
-      </p:sp>
-      <p:graphicFrame>
-        <p:nvGraphicFramePr>
-          <p:cNvPr id="5" name="Объект 4"/>
-          <p:cNvGraphicFramePr>
-            <a:graphicFrameLocks noGrp="1"/>
-          </p:cNvGraphicFramePr>
-          <p:nvPr>
-            <p:ph idx="1"/>
-            <p:extLst>
-              <p:ext uri="{D42A27DB-BD31-4B8C-83A1-F6EECF244321}">
-                <p14:modId xmlns:p14="http://schemas.microsoft.com/office/powerpoint/2010/main" val="3802451137"/>
-              </p:ext>
-            </p:extLst>
-          </p:nvPr>
-        </p:nvGraphicFramePr>
-        <p:xfrm>
-          <a:off x="306140" y="1188343"/>
-          <a:ext cx="10009112" cy="5871687"/>
-        </p:xfrm>
-        <a:graphic>
-          <a:graphicData uri="http://schemas.openxmlformats.org/drawingml/2006/table">
-            <a:tbl>
-              <a:tblPr firstRow="1" firstCol="1" bandRow="1">
-                <a:tableStyleId>{5C22544A-7EE6-4342-B048-85BDC9FD1C3A}</a:tableStyleId>
-              </a:tblPr>
-              <a:tblGrid>
-                <a:gridCol w="1189045"/>
-                <a:gridCol w="1137803"/>
-                <a:gridCol w="1137803"/>
-                <a:gridCol w="1075057"/>
-                <a:gridCol w="887864"/>
-                <a:gridCol w="1137803"/>
-                <a:gridCol w="1137803"/>
-                <a:gridCol w="1168131"/>
-                <a:gridCol w="1137803"/>
-              </a:tblGrid>
-              <a:tr h="1551297">
-                <a:tc>
-                  <a:txBody>
-                    <a:bodyPr/>
-                    <a:lstStyle/>
-                    <a:p>
-                      <a:pPr algn="ctr">
-                        <a:lnSpc>
-                          <a:spcPct val="115000"/>
-                        </a:lnSpc>
-                        <a:spcAft>
-                          <a:spcPts val="0"/>
-                        </a:spcAft>
-                      </a:pPr>
-                      <a:r>
-                        <a:rPr lang="ru-RU" sz="1400" dirty="0" smtClean="0">
-                          <a:effectLst/>
-                          <a:latin typeface="Arial" pitchFamily="34" charset="0"/>
-                          <a:cs typeface="Arial" pitchFamily="34" charset="0"/>
-                        </a:rPr>
-                        <a:t>Метод </a:t>
-                      </a:r>
-                      <a:endParaRPr lang="ru-RU" sz="1400" dirty="0">
-                        <a:effectLst/>
-                        <a:latin typeface="Arial" pitchFamily="34" charset="0"/>
-                        <a:ea typeface="Calibri"/>
-                        <a:cs typeface="Arial" pitchFamily="34" charset="0"/>
-                      </a:endParaRPr>
-                    </a:p>
-                  </a:txBody>
-                  <a:tcPr marL="43651" marR="43651" marT="0" marB="0"/>
-                </a:tc>
-                <a:tc>
-                  <a:txBody>
-                    <a:bodyPr/>
-                    <a:lstStyle/>
-                    <a:p>
-                      <a:pPr algn="ctr">
-                        <a:lnSpc>
-                          <a:spcPct val="115000"/>
-                        </a:lnSpc>
-                        <a:spcAft>
-                          <a:spcPts val="0"/>
-                        </a:spcAft>
-                      </a:pPr>
-                      <a:r>
-                        <a:rPr lang="ru-RU" sz="1400" dirty="0">
-                          <a:effectLst/>
-                          <a:latin typeface="Arial" pitchFamily="34" charset="0"/>
-                          <a:cs typeface="Arial" pitchFamily="34" charset="0"/>
-                        </a:rPr>
-                        <a:t>Точность</a:t>
-                      </a:r>
-                      <a:endParaRPr lang="ru-RU" sz="1400" dirty="0">
-                        <a:effectLst/>
-                        <a:latin typeface="Arial" pitchFamily="34" charset="0"/>
-                        <a:ea typeface="Calibri"/>
-                        <a:cs typeface="Arial" pitchFamily="34" charset="0"/>
-                      </a:endParaRPr>
-                    </a:p>
-                  </a:txBody>
-                  <a:tcPr marL="43651" marR="43651" marT="0" marB="0"/>
-                </a:tc>
-                <a:tc>
-                  <a:txBody>
-                    <a:bodyPr/>
-                    <a:lstStyle/>
-                    <a:p>
-                      <a:pPr algn="ctr">
-                        <a:lnSpc>
-                          <a:spcPct val="115000"/>
-                        </a:lnSpc>
-                        <a:spcAft>
-                          <a:spcPts val="0"/>
-                        </a:spcAft>
-                      </a:pPr>
-                      <a:r>
-                        <a:rPr lang="ru-RU" sz="1400" dirty="0" err="1" smtClean="0">
-                          <a:effectLst/>
-                          <a:latin typeface="Arial" pitchFamily="34" charset="0"/>
-                          <a:cs typeface="Arial" pitchFamily="34" charset="0"/>
-                        </a:rPr>
-                        <a:t>Масштаби</a:t>
-                      </a:r>
-                      <a:endParaRPr lang="ru-RU" sz="1400" dirty="0">
-                        <a:effectLst/>
-                        <a:latin typeface="Arial" pitchFamily="34" charset="0"/>
-                        <a:cs typeface="Arial" pitchFamily="34" charset="0"/>
-                      </a:endParaRPr>
-                    </a:p>
-                    <a:p>
-                      <a:pPr algn="ctr">
-                        <a:lnSpc>
-                          <a:spcPct val="115000"/>
-                        </a:lnSpc>
-                        <a:spcAft>
-                          <a:spcPts val="0"/>
-                        </a:spcAft>
-                      </a:pPr>
-                      <a:r>
-                        <a:rPr lang="ru-RU" sz="1400" dirty="0" err="1">
-                          <a:effectLst/>
-                          <a:latin typeface="Arial" pitchFamily="34" charset="0"/>
-                          <a:cs typeface="Arial" pitchFamily="34" charset="0"/>
-                        </a:rPr>
-                        <a:t>руемость</a:t>
-                      </a:r>
-                      <a:endParaRPr lang="ru-RU" sz="1400" dirty="0">
-                        <a:effectLst/>
-                        <a:latin typeface="Arial" pitchFamily="34" charset="0"/>
-                        <a:ea typeface="Calibri"/>
-                        <a:cs typeface="Arial" pitchFamily="34" charset="0"/>
-                      </a:endParaRPr>
-                    </a:p>
-                  </a:txBody>
-                  <a:tcPr marL="43651" marR="43651" marT="0" marB="0"/>
-                </a:tc>
-                <a:tc>
-                  <a:txBody>
-                    <a:bodyPr/>
-                    <a:lstStyle/>
-                    <a:p>
-                      <a:pPr algn="ctr">
-                        <a:lnSpc>
-                          <a:spcPct val="115000"/>
-                        </a:lnSpc>
-                        <a:spcAft>
-                          <a:spcPts val="0"/>
-                        </a:spcAft>
-                      </a:pPr>
-                      <a:r>
-                        <a:rPr lang="ru-RU" sz="1400" dirty="0" err="1">
-                          <a:effectLst/>
-                          <a:latin typeface="Arial" pitchFamily="34" charset="0"/>
-                          <a:cs typeface="Arial" pitchFamily="34" charset="0"/>
-                        </a:rPr>
-                        <a:t>Интерпрети</a:t>
-                      </a:r>
-                      <a:endParaRPr lang="ru-RU" sz="1400" dirty="0">
-                        <a:effectLst/>
-                        <a:latin typeface="Arial" pitchFamily="34" charset="0"/>
-                        <a:cs typeface="Arial" pitchFamily="34" charset="0"/>
-                      </a:endParaRPr>
-                    </a:p>
-                    <a:p>
-                      <a:pPr algn="ctr">
-                        <a:lnSpc>
-                          <a:spcPct val="115000"/>
-                        </a:lnSpc>
-                        <a:spcAft>
-                          <a:spcPts val="0"/>
-                        </a:spcAft>
-                      </a:pPr>
-                      <a:r>
-                        <a:rPr lang="ru-RU" sz="1400" dirty="0">
-                          <a:effectLst/>
-                          <a:latin typeface="Arial" pitchFamily="34" charset="0"/>
-                          <a:cs typeface="Arial" pitchFamily="34" charset="0"/>
-                        </a:rPr>
-                        <a:t>-</a:t>
-                      </a:r>
-                      <a:r>
-                        <a:rPr lang="ru-RU" sz="1400" dirty="0" err="1">
-                          <a:effectLst/>
-                          <a:latin typeface="Arial" pitchFamily="34" charset="0"/>
-                          <a:cs typeface="Arial" pitchFamily="34" charset="0"/>
-                        </a:rPr>
-                        <a:t>руемость</a:t>
-                      </a:r>
-                      <a:endParaRPr lang="ru-RU" sz="1400" dirty="0">
-                        <a:effectLst/>
-                        <a:latin typeface="Arial" pitchFamily="34" charset="0"/>
-                        <a:ea typeface="Calibri"/>
-                        <a:cs typeface="Arial" pitchFamily="34" charset="0"/>
-                      </a:endParaRPr>
-                    </a:p>
-                  </a:txBody>
-                  <a:tcPr marL="43651" marR="43651" marT="0" marB="0"/>
-                </a:tc>
-                <a:tc>
-                  <a:txBody>
-                    <a:bodyPr/>
-                    <a:lstStyle/>
-                    <a:p>
-                      <a:pPr algn="ctr">
-                        <a:lnSpc>
-                          <a:spcPct val="115000"/>
-                        </a:lnSpc>
-                        <a:spcAft>
-                          <a:spcPts val="0"/>
-                        </a:spcAft>
-                      </a:pPr>
-                      <a:r>
-                        <a:rPr lang="ru-RU" sz="1400" dirty="0" err="1">
-                          <a:effectLst/>
-                          <a:latin typeface="Arial" pitchFamily="34" charset="0"/>
-                          <a:cs typeface="Arial" pitchFamily="34" charset="0"/>
-                        </a:rPr>
-                        <a:t>Пригод</a:t>
-                      </a:r>
-                      <a:r>
-                        <a:rPr lang="ru-RU" sz="1400" dirty="0">
-                          <a:effectLst/>
-                          <a:latin typeface="Arial" pitchFamily="34" charset="0"/>
-                          <a:cs typeface="Arial" pitchFamily="34" charset="0"/>
-                        </a:rPr>
-                        <a:t>-</a:t>
-                      </a:r>
-                    </a:p>
-                    <a:p>
-                      <a:pPr algn="ctr">
-                        <a:lnSpc>
-                          <a:spcPct val="115000"/>
-                        </a:lnSpc>
-                        <a:spcAft>
-                          <a:spcPts val="0"/>
-                        </a:spcAft>
-                      </a:pPr>
-                      <a:r>
-                        <a:rPr lang="ru-RU" sz="1400" dirty="0" err="1">
-                          <a:effectLst/>
-                          <a:latin typeface="Arial" pitchFamily="34" charset="0"/>
-                          <a:cs typeface="Arial" pitchFamily="34" charset="0"/>
-                        </a:rPr>
-                        <a:t>ность</a:t>
-                      </a:r>
-                      <a:r>
-                        <a:rPr lang="ru-RU" sz="1400" dirty="0">
-                          <a:effectLst/>
-                          <a:latin typeface="Arial" pitchFamily="34" charset="0"/>
-                          <a:cs typeface="Arial" pitchFamily="34" charset="0"/>
-                        </a:rPr>
-                        <a:t> к</a:t>
-                      </a:r>
-                    </a:p>
-                    <a:p>
-                      <a:pPr algn="ctr">
-                        <a:lnSpc>
-                          <a:spcPct val="115000"/>
-                        </a:lnSpc>
-                        <a:spcAft>
-                          <a:spcPts val="0"/>
-                        </a:spcAft>
-                      </a:pPr>
-                      <a:r>
-                        <a:rPr lang="ru-RU" sz="1400" dirty="0" err="1">
-                          <a:effectLst/>
-                          <a:latin typeface="Arial" pitchFamily="34" charset="0"/>
-                          <a:cs typeface="Arial" pitchFamily="34" charset="0"/>
-                        </a:rPr>
-                        <a:t>исполь</a:t>
-                      </a:r>
-                      <a:r>
-                        <a:rPr lang="ru-RU" sz="1400" dirty="0">
-                          <a:effectLst/>
-                          <a:latin typeface="Arial" pitchFamily="34" charset="0"/>
-                          <a:cs typeface="Arial" pitchFamily="34" charset="0"/>
-                        </a:rPr>
-                        <a:t>-</a:t>
-                      </a:r>
-                    </a:p>
-                    <a:p>
-                      <a:pPr algn="ctr">
-                        <a:lnSpc>
-                          <a:spcPct val="115000"/>
-                        </a:lnSpc>
-                        <a:spcAft>
-                          <a:spcPts val="0"/>
-                        </a:spcAft>
-                      </a:pPr>
-                      <a:r>
-                        <a:rPr lang="ru-RU" sz="1400" dirty="0" err="1">
-                          <a:effectLst/>
-                          <a:latin typeface="Arial" pitchFamily="34" charset="0"/>
-                          <a:cs typeface="Arial" pitchFamily="34" charset="0"/>
-                        </a:rPr>
-                        <a:t>зованию</a:t>
-                      </a:r>
-                      <a:endParaRPr lang="ru-RU" sz="1400" dirty="0">
-                        <a:effectLst/>
-                        <a:latin typeface="Arial" pitchFamily="34" charset="0"/>
-                        <a:ea typeface="Calibri"/>
-                        <a:cs typeface="Arial" pitchFamily="34" charset="0"/>
-                      </a:endParaRPr>
-                    </a:p>
-                  </a:txBody>
-                  <a:tcPr marL="43651" marR="43651" marT="0" marB="0"/>
-                </a:tc>
-                <a:tc>
-                  <a:txBody>
-                    <a:bodyPr/>
-                    <a:lstStyle/>
-                    <a:p>
-                      <a:pPr algn="ctr">
-                        <a:lnSpc>
-                          <a:spcPct val="115000"/>
-                        </a:lnSpc>
-                        <a:spcAft>
-                          <a:spcPts val="0"/>
-                        </a:spcAft>
-                      </a:pPr>
-                      <a:r>
-                        <a:rPr lang="ru-RU" sz="1400" dirty="0" err="1">
-                          <a:effectLst/>
-                          <a:latin typeface="Arial" pitchFamily="34" charset="0"/>
-                          <a:cs typeface="Arial" pitchFamily="34" charset="0"/>
-                        </a:rPr>
-                        <a:t>Трудо</a:t>
-                      </a:r>
-                      <a:r>
-                        <a:rPr lang="ru-RU" sz="1400" dirty="0">
-                          <a:effectLst/>
-                          <a:latin typeface="Arial" pitchFamily="34" charset="0"/>
-                          <a:cs typeface="Arial" pitchFamily="34" charset="0"/>
-                        </a:rPr>
-                        <a:t>-</a:t>
-                      </a:r>
-                    </a:p>
-                    <a:p>
-                      <a:pPr algn="ctr">
-                        <a:lnSpc>
-                          <a:spcPct val="115000"/>
-                        </a:lnSpc>
-                        <a:spcAft>
-                          <a:spcPts val="0"/>
-                        </a:spcAft>
-                      </a:pPr>
-                      <a:r>
-                        <a:rPr lang="ru-RU" sz="1400" dirty="0">
-                          <a:effectLst/>
-                          <a:latin typeface="Arial" pitchFamily="34" charset="0"/>
-                          <a:cs typeface="Arial" pitchFamily="34" charset="0"/>
-                        </a:rPr>
-                        <a:t>емкость</a:t>
-                      </a:r>
-                      <a:endParaRPr lang="ru-RU" sz="1400" dirty="0">
-                        <a:effectLst/>
-                        <a:latin typeface="Arial" pitchFamily="34" charset="0"/>
-                        <a:ea typeface="Calibri"/>
-                        <a:cs typeface="Arial" pitchFamily="34" charset="0"/>
-                      </a:endParaRPr>
-                    </a:p>
-                  </a:txBody>
-                  <a:tcPr marL="43651" marR="43651" marT="0" marB="0"/>
-                </a:tc>
-                <a:tc>
-                  <a:txBody>
-                    <a:bodyPr/>
-                    <a:lstStyle/>
-                    <a:p>
-                      <a:pPr algn="ctr">
-                        <a:lnSpc>
-                          <a:spcPct val="115000"/>
-                        </a:lnSpc>
-                        <a:spcAft>
-                          <a:spcPts val="0"/>
-                        </a:spcAft>
-                      </a:pPr>
-                      <a:r>
-                        <a:rPr lang="ru-RU" sz="1400" dirty="0" err="1">
-                          <a:effectLst/>
-                          <a:latin typeface="Arial" pitchFamily="34" charset="0"/>
-                          <a:cs typeface="Arial" pitchFamily="34" charset="0"/>
-                        </a:rPr>
-                        <a:t>Разносто</a:t>
-                      </a:r>
-                      <a:endParaRPr lang="ru-RU" sz="1400" dirty="0">
-                        <a:effectLst/>
-                        <a:latin typeface="Arial" pitchFamily="34" charset="0"/>
-                        <a:cs typeface="Arial" pitchFamily="34" charset="0"/>
-                      </a:endParaRPr>
-                    </a:p>
-                    <a:p>
-                      <a:pPr algn="ctr">
-                        <a:lnSpc>
-                          <a:spcPct val="115000"/>
-                        </a:lnSpc>
-                        <a:spcAft>
-                          <a:spcPts val="0"/>
-                        </a:spcAft>
-                      </a:pPr>
-                      <a:r>
-                        <a:rPr lang="ru-RU" sz="1400" dirty="0">
-                          <a:effectLst/>
-                          <a:latin typeface="Arial" pitchFamily="34" charset="0"/>
-                          <a:cs typeface="Arial" pitchFamily="34" charset="0"/>
-                        </a:rPr>
-                        <a:t>-</a:t>
-                      </a:r>
-                    </a:p>
-                    <a:p>
-                      <a:pPr algn="ctr">
-                        <a:lnSpc>
-                          <a:spcPct val="115000"/>
-                        </a:lnSpc>
-                        <a:spcAft>
-                          <a:spcPts val="0"/>
-                        </a:spcAft>
-                      </a:pPr>
-                      <a:r>
-                        <a:rPr lang="ru-RU" sz="1400" dirty="0" err="1">
-                          <a:effectLst/>
-                          <a:latin typeface="Arial" pitchFamily="34" charset="0"/>
-                          <a:cs typeface="Arial" pitchFamily="34" charset="0"/>
-                        </a:rPr>
-                        <a:t>ронность</a:t>
-                      </a:r>
-                      <a:endParaRPr lang="ru-RU" sz="1400" dirty="0">
-                        <a:effectLst/>
-                        <a:latin typeface="Arial" pitchFamily="34" charset="0"/>
-                        <a:ea typeface="Calibri"/>
-                        <a:cs typeface="Arial" pitchFamily="34" charset="0"/>
-                      </a:endParaRPr>
-                    </a:p>
-                  </a:txBody>
-                  <a:tcPr marL="43651" marR="43651" marT="0" marB="0"/>
-                </a:tc>
-                <a:tc>
-                  <a:txBody>
-                    <a:bodyPr/>
-                    <a:lstStyle/>
-                    <a:p>
-                      <a:pPr algn="ctr">
-                        <a:lnSpc>
-                          <a:spcPct val="115000"/>
-                        </a:lnSpc>
-                        <a:spcAft>
-                          <a:spcPts val="0"/>
-                        </a:spcAft>
-                      </a:pPr>
-                      <a:r>
-                        <a:rPr lang="ru-RU" sz="1400" dirty="0">
-                          <a:effectLst/>
-                          <a:latin typeface="Arial" pitchFamily="34" charset="0"/>
-                          <a:cs typeface="Arial" pitchFamily="34" charset="0"/>
-                        </a:rPr>
-                        <a:t>Быстрота</a:t>
-                      </a:r>
-                      <a:endParaRPr lang="ru-RU" sz="1400" dirty="0">
-                        <a:effectLst/>
-                        <a:latin typeface="Arial" pitchFamily="34" charset="0"/>
-                        <a:ea typeface="Calibri"/>
-                        <a:cs typeface="Arial" pitchFamily="34" charset="0"/>
-                      </a:endParaRPr>
-                    </a:p>
-                  </a:txBody>
-                  <a:tcPr marL="43651" marR="43651" marT="0" marB="0"/>
-                </a:tc>
-                <a:tc>
-                  <a:txBody>
-                    <a:bodyPr/>
-                    <a:lstStyle/>
-                    <a:p>
-                      <a:pPr algn="ctr">
-                        <a:lnSpc>
-                          <a:spcPct val="115000"/>
-                        </a:lnSpc>
-                        <a:spcAft>
-                          <a:spcPts val="0"/>
-                        </a:spcAft>
-                      </a:pPr>
-                      <a:r>
-                        <a:rPr lang="ru-RU" sz="1400" dirty="0">
-                          <a:effectLst/>
-                          <a:latin typeface="Arial" pitchFamily="34" charset="0"/>
-                          <a:cs typeface="Arial" pitchFamily="34" charset="0"/>
-                        </a:rPr>
-                        <a:t>Популяр-</a:t>
-                      </a:r>
-                    </a:p>
-                    <a:p>
-                      <a:pPr algn="ctr">
-                        <a:lnSpc>
-                          <a:spcPct val="115000"/>
-                        </a:lnSpc>
-                        <a:spcAft>
-                          <a:spcPts val="0"/>
-                        </a:spcAft>
-                      </a:pPr>
-                      <a:r>
-                        <a:rPr lang="ru-RU" sz="1400" dirty="0" err="1">
-                          <a:effectLst/>
-                          <a:latin typeface="Arial" pitchFamily="34" charset="0"/>
-                          <a:cs typeface="Arial" pitchFamily="34" charset="0"/>
-                        </a:rPr>
-                        <a:t>ность</a:t>
-                      </a:r>
-                      <a:r>
-                        <a:rPr lang="ru-RU" sz="1400" dirty="0">
-                          <a:effectLst/>
-                          <a:latin typeface="Arial" pitchFamily="34" charset="0"/>
-                          <a:cs typeface="Arial" pitchFamily="34" charset="0"/>
-                        </a:rPr>
-                        <a:t>,</a:t>
-                      </a:r>
-                    </a:p>
-                    <a:p>
-                      <a:pPr algn="ctr">
-                        <a:lnSpc>
-                          <a:spcPct val="115000"/>
-                        </a:lnSpc>
-                        <a:spcAft>
-                          <a:spcPts val="0"/>
-                        </a:spcAft>
-                      </a:pPr>
-                      <a:r>
-                        <a:rPr lang="ru-RU" sz="1400" dirty="0">
-                          <a:effectLst/>
-                          <a:latin typeface="Arial" pitchFamily="34" charset="0"/>
-                          <a:cs typeface="Arial" pitchFamily="34" charset="0"/>
-                        </a:rPr>
-                        <a:t>широта</a:t>
-                      </a:r>
-                    </a:p>
-                    <a:p>
-                      <a:pPr algn="ctr">
-                        <a:lnSpc>
-                          <a:spcPct val="115000"/>
-                        </a:lnSpc>
-                        <a:spcAft>
-                          <a:spcPts val="0"/>
-                        </a:spcAft>
-                      </a:pPr>
-                      <a:r>
-                        <a:rPr lang="ru-RU" sz="1400" dirty="0" err="1">
-                          <a:effectLst/>
-                          <a:latin typeface="Arial" pitchFamily="34" charset="0"/>
-                          <a:cs typeface="Arial" pitchFamily="34" charset="0"/>
-                        </a:rPr>
-                        <a:t>исполь</a:t>
-                      </a:r>
-                      <a:r>
-                        <a:rPr lang="ru-RU" sz="1400" dirty="0">
-                          <a:effectLst/>
-                          <a:latin typeface="Arial" pitchFamily="34" charset="0"/>
-                          <a:cs typeface="Arial" pitchFamily="34" charset="0"/>
-                        </a:rPr>
-                        <a:t>-</a:t>
-                      </a:r>
-                    </a:p>
-                    <a:p>
-                      <a:pPr algn="ctr">
-                        <a:lnSpc>
-                          <a:spcPct val="115000"/>
-                        </a:lnSpc>
-                        <a:spcAft>
-                          <a:spcPts val="0"/>
-                        </a:spcAft>
-                      </a:pPr>
-                      <a:r>
-                        <a:rPr lang="ru-RU" sz="1400" dirty="0" err="1">
-                          <a:effectLst/>
-                          <a:latin typeface="Arial" pitchFamily="34" charset="0"/>
-                          <a:cs typeface="Arial" pitchFamily="34" charset="0"/>
-                        </a:rPr>
-                        <a:t>зования</a:t>
-                      </a:r>
-                      <a:endParaRPr lang="ru-RU" sz="1400" dirty="0">
-                        <a:effectLst/>
-                        <a:latin typeface="Arial" pitchFamily="34" charset="0"/>
-                        <a:ea typeface="Calibri"/>
-                        <a:cs typeface="Arial" pitchFamily="34" charset="0"/>
-                      </a:endParaRPr>
-                    </a:p>
-                  </a:txBody>
-                  <a:tcPr marL="43651" marR="43651" marT="0" marB="0"/>
-                </a:tc>
-              </a:tr>
-              <a:tr h="1267603">
-                <a:tc>
-                  <a:txBody>
-                    <a:bodyPr/>
-                    <a:lstStyle/>
-                    <a:p>
-                      <a:pPr>
-                        <a:lnSpc>
-                          <a:spcPct val="115000"/>
-                        </a:lnSpc>
-                        <a:spcAft>
-                          <a:spcPts val="0"/>
-                        </a:spcAft>
-                      </a:pPr>
-                      <a:r>
-                        <a:rPr lang="ru-RU" sz="1400">
-                          <a:effectLst/>
-                          <a:latin typeface="Arial" pitchFamily="34" charset="0"/>
-                          <a:cs typeface="Arial" pitchFamily="34" charset="0"/>
-                        </a:rPr>
-                        <a:t>классические методы (линейная</a:t>
-                      </a:r>
-                    </a:p>
-                    <a:p>
-                      <a:pPr>
-                        <a:lnSpc>
-                          <a:spcPct val="115000"/>
-                        </a:lnSpc>
-                        <a:spcAft>
-                          <a:spcPts val="0"/>
-                        </a:spcAft>
-                      </a:pPr>
-                      <a:r>
-                        <a:rPr lang="ru-RU" sz="1400">
-                          <a:effectLst/>
-                          <a:latin typeface="Arial" pitchFamily="34" charset="0"/>
-                          <a:cs typeface="Arial" pitchFamily="34" charset="0"/>
-                        </a:rPr>
-                        <a:t>регрессия)</a:t>
-                      </a:r>
-                      <a:endParaRPr lang="ru-RU" sz="1400">
-                        <a:effectLst/>
-                        <a:latin typeface="Arial" pitchFamily="34" charset="0"/>
-                        <a:ea typeface="Calibri"/>
-                        <a:cs typeface="Arial" pitchFamily="34" charset="0"/>
-                      </a:endParaRPr>
-                    </a:p>
-                  </a:txBody>
-                  <a:tcPr marL="43651" marR="43651" marT="0" marB="0"/>
-                </a:tc>
-                <a:tc>
-                  <a:txBody>
-                    <a:bodyPr/>
-                    <a:lstStyle/>
-                    <a:p>
-                      <a:pPr algn="ctr">
-                        <a:lnSpc>
-                          <a:spcPct val="115000"/>
-                        </a:lnSpc>
-                        <a:spcAft>
-                          <a:spcPts val="0"/>
-                        </a:spcAft>
-                      </a:pPr>
-                      <a:r>
-                        <a:rPr lang="ru-RU" sz="1400" dirty="0">
-                          <a:effectLst/>
-                          <a:latin typeface="Arial" pitchFamily="34" charset="0"/>
-                          <a:cs typeface="Arial" pitchFamily="34" charset="0"/>
-                        </a:rPr>
-                        <a:t>нейтральная</a:t>
-                      </a:r>
-                      <a:endParaRPr lang="ru-RU" sz="1400" dirty="0">
-                        <a:effectLst/>
-                        <a:latin typeface="Arial" pitchFamily="34" charset="0"/>
-                        <a:ea typeface="Calibri"/>
-                        <a:cs typeface="Arial" pitchFamily="34" charset="0"/>
-                      </a:endParaRPr>
-                    </a:p>
-                  </a:txBody>
-                  <a:tcPr marL="43651" marR="43651" marT="0" marB="0"/>
-                </a:tc>
-                <a:tc>
-                  <a:txBody>
-                    <a:bodyPr/>
-                    <a:lstStyle/>
-                    <a:p>
-                      <a:pPr algn="ctr">
-                        <a:lnSpc>
-                          <a:spcPct val="115000"/>
-                        </a:lnSpc>
-                        <a:spcAft>
-                          <a:spcPts val="0"/>
-                        </a:spcAft>
-                      </a:pPr>
-                      <a:r>
-                        <a:rPr lang="ru-RU" sz="1400" dirty="0">
-                          <a:effectLst/>
-                          <a:latin typeface="Arial" pitchFamily="34" charset="0"/>
-                          <a:cs typeface="Arial" pitchFamily="34" charset="0"/>
-                        </a:rPr>
-                        <a:t>высокая</a:t>
-                      </a:r>
-                      <a:endParaRPr lang="ru-RU" sz="1400" dirty="0">
-                        <a:effectLst/>
-                        <a:latin typeface="Arial" pitchFamily="34" charset="0"/>
-                        <a:ea typeface="Calibri"/>
-                        <a:cs typeface="Arial" pitchFamily="34" charset="0"/>
-                      </a:endParaRPr>
-                    </a:p>
-                  </a:txBody>
-                  <a:tcPr marL="43651" marR="43651" marT="0" marB="0"/>
-                </a:tc>
-                <a:tc>
-                  <a:txBody>
-                    <a:bodyPr/>
-                    <a:lstStyle/>
-                    <a:p>
-                      <a:pPr algn="ctr">
-                        <a:lnSpc>
-                          <a:spcPct val="115000"/>
-                        </a:lnSpc>
-                        <a:spcAft>
-                          <a:spcPts val="0"/>
-                        </a:spcAft>
-                      </a:pPr>
-                      <a:r>
-                        <a:rPr lang="ru-RU" sz="1400">
-                          <a:effectLst/>
-                          <a:latin typeface="Arial" pitchFamily="34" charset="0"/>
-                          <a:cs typeface="Arial" pitchFamily="34" charset="0"/>
-                        </a:rPr>
-                        <a:t>высокая /</a:t>
-                      </a:r>
-                    </a:p>
-                    <a:p>
-                      <a:pPr algn="ctr">
-                        <a:lnSpc>
-                          <a:spcPct val="115000"/>
-                        </a:lnSpc>
-                        <a:spcAft>
-                          <a:spcPts val="0"/>
-                        </a:spcAft>
-                      </a:pPr>
-                      <a:r>
-                        <a:rPr lang="ru-RU" sz="1400">
-                          <a:effectLst/>
-                          <a:latin typeface="Arial" pitchFamily="34" charset="0"/>
-                          <a:cs typeface="Arial" pitchFamily="34" charset="0"/>
-                        </a:rPr>
-                        <a:t>нейтраль</a:t>
-                      </a:r>
-                    </a:p>
-                    <a:p>
-                      <a:pPr algn="ctr">
-                        <a:lnSpc>
-                          <a:spcPct val="115000"/>
-                        </a:lnSpc>
-                        <a:spcAft>
-                          <a:spcPts val="0"/>
-                        </a:spcAft>
-                      </a:pPr>
-                      <a:r>
-                        <a:rPr lang="ru-RU" sz="1400">
-                          <a:effectLst/>
-                          <a:latin typeface="Arial" pitchFamily="34" charset="0"/>
-                          <a:cs typeface="Arial" pitchFamily="34" charset="0"/>
-                        </a:rPr>
-                        <a:t>ная</a:t>
-                      </a:r>
-                      <a:endParaRPr lang="ru-RU" sz="1400">
-                        <a:effectLst/>
-                        <a:latin typeface="Arial" pitchFamily="34" charset="0"/>
-                        <a:ea typeface="Calibri"/>
-                        <a:cs typeface="Arial" pitchFamily="34" charset="0"/>
-                      </a:endParaRPr>
-                    </a:p>
-                  </a:txBody>
-                  <a:tcPr marL="43651" marR="43651" marT="0" marB="0"/>
-                </a:tc>
-                <a:tc>
-                  <a:txBody>
-                    <a:bodyPr/>
-                    <a:lstStyle/>
-                    <a:p>
-                      <a:pPr algn="ctr">
-                        <a:lnSpc>
-                          <a:spcPct val="115000"/>
-                        </a:lnSpc>
-                        <a:spcAft>
-                          <a:spcPts val="0"/>
-                        </a:spcAft>
-                      </a:pPr>
-                      <a:r>
-                        <a:rPr lang="ru-RU" sz="1400">
-                          <a:effectLst/>
-                          <a:latin typeface="Arial" pitchFamily="34" charset="0"/>
-                          <a:cs typeface="Arial" pitchFamily="34" charset="0"/>
-                        </a:rPr>
-                        <a:t>высокая</a:t>
-                      </a:r>
-                      <a:endParaRPr lang="ru-RU" sz="1400">
-                        <a:effectLst/>
-                        <a:latin typeface="Arial" pitchFamily="34" charset="0"/>
-                        <a:ea typeface="Calibri"/>
-                        <a:cs typeface="Arial" pitchFamily="34" charset="0"/>
-                      </a:endParaRPr>
-                    </a:p>
-                  </a:txBody>
-                  <a:tcPr marL="43651" marR="43651" marT="0" marB="0"/>
-                </a:tc>
-                <a:tc>
-                  <a:txBody>
-                    <a:bodyPr/>
-                    <a:lstStyle/>
-                    <a:p>
-                      <a:pPr algn="ctr">
-                        <a:lnSpc>
-                          <a:spcPct val="115000"/>
-                        </a:lnSpc>
-                        <a:spcAft>
-                          <a:spcPts val="0"/>
-                        </a:spcAft>
-                      </a:pPr>
-                      <a:r>
-                        <a:rPr lang="ru-RU" sz="1400">
-                          <a:effectLst/>
-                          <a:latin typeface="Arial" pitchFamily="34" charset="0"/>
-                          <a:cs typeface="Arial" pitchFamily="34" charset="0"/>
-                        </a:rPr>
-                        <a:t>нейтральная</a:t>
-                      </a:r>
-                      <a:endParaRPr lang="ru-RU" sz="1400">
-                        <a:effectLst/>
-                        <a:latin typeface="Arial" pitchFamily="34" charset="0"/>
-                        <a:ea typeface="Calibri"/>
-                        <a:cs typeface="Arial" pitchFamily="34" charset="0"/>
-                      </a:endParaRPr>
-                    </a:p>
-                  </a:txBody>
-                  <a:tcPr marL="43651" marR="43651" marT="0" marB="0"/>
-                </a:tc>
-                <a:tc>
-                  <a:txBody>
-                    <a:bodyPr/>
-                    <a:lstStyle/>
-                    <a:p>
-                      <a:pPr algn="ctr">
-                        <a:lnSpc>
-                          <a:spcPct val="115000"/>
-                        </a:lnSpc>
-                        <a:spcAft>
-                          <a:spcPts val="0"/>
-                        </a:spcAft>
-                      </a:pPr>
-                      <a:r>
-                        <a:rPr lang="ru-RU" sz="1400">
-                          <a:effectLst/>
-                          <a:latin typeface="Arial" pitchFamily="34" charset="0"/>
-                          <a:cs typeface="Arial" pitchFamily="34" charset="0"/>
-                        </a:rPr>
-                        <a:t>нейтральная</a:t>
-                      </a:r>
-                      <a:endParaRPr lang="ru-RU" sz="1400">
-                        <a:effectLst/>
-                        <a:latin typeface="Arial" pitchFamily="34" charset="0"/>
-                        <a:ea typeface="Calibri"/>
-                        <a:cs typeface="Arial" pitchFamily="34" charset="0"/>
-                      </a:endParaRPr>
-                    </a:p>
-                  </a:txBody>
-                  <a:tcPr marL="43651" marR="43651" marT="0" marB="0"/>
-                </a:tc>
-                <a:tc>
-                  <a:txBody>
-                    <a:bodyPr/>
-                    <a:lstStyle/>
-                    <a:p>
-                      <a:pPr algn="ctr">
-                        <a:lnSpc>
-                          <a:spcPct val="115000"/>
-                        </a:lnSpc>
-                        <a:spcAft>
-                          <a:spcPts val="0"/>
-                        </a:spcAft>
-                      </a:pPr>
-                      <a:r>
-                        <a:rPr lang="ru-RU" sz="1400">
-                          <a:effectLst/>
-                          <a:latin typeface="Arial" pitchFamily="34" charset="0"/>
-                          <a:cs typeface="Arial" pitchFamily="34" charset="0"/>
-                        </a:rPr>
-                        <a:t>высокая</a:t>
-                      </a:r>
-                      <a:endParaRPr lang="ru-RU" sz="1400">
-                        <a:effectLst/>
-                        <a:latin typeface="Arial" pitchFamily="34" charset="0"/>
-                        <a:ea typeface="Calibri"/>
-                        <a:cs typeface="Arial" pitchFamily="34" charset="0"/>
-                      </a:endParaRPr>
-                    </a:p>
-                  </a:txBody>
-                  <a:tcPr marL="43651" marR="43651" marT="0" marB="0"/>
-                </a:tc>
-                <a:tc>
-                  <a:txBody>
-                    <a:bodyPr/>
-                    <a:lstStyle/>
-                    <a:p>
-                      <a:pPr algn="ctr">
-                        <a:lnSpc>
-                          <a:spcPct val="115000"/>
-                        </a:lnSpc>
-                        <a:spcAft>
-                          <a:spcPts val="0"/>
-                        </a:spcAft>
-                      </a:pPr>
-                      <a:r>
-                        <a:rPr lang="ru-RU" sz="1400" dirty="0">
-                          <a:effectLst/>
-                          <a:latin typeface="Arial" pitchFamily="34" charset="0"/>
-                          <a:cs typeface="Arial" pitchFamily="34" charset="0"/>
-                        </a:rPr>
-                        <a:t>низкая</a:t>
-                      </a:r>
-                      <a:endParaRPr lang="ru-RU" sz="1400" dirty="0">
-                        <a:effectLst/>
-                        <a:latin typeface="Arial" pitchFamily="34" charset="0"/>
-                        <a:ea typeface="Calibri"/>
-                        <a:cs typeface="Arial" pitchFamily="34" charset="0"/>
-                      </a:endParaRPr>
-                    </a:p>
-                  </a:txBody>
-                  <a:tcPr marL="43651" marR="43651" marT="0" marB="0"/>
-                </a:tc>
-              </a:tr>
-              <a:tr h="421327">
-                <a:tc>
-                  <a:txBody>
-                    <a:bodyPr/>
-                    <a:lstStyle/>
-                    <a:p>
-                      <a:pPr>
-                        <a:lnSpc>
-                          <a:spcPct val="115000"/>
-                        </a:lnSpc>
-                        <a:spcAft>
-                          <a:spcPts val="0"/>
-                        </a:spcAft>
-                      </a:pPr>
-                      <a:r>
-                        <a:rPr lang="ru-RU" sz="1400">
-                          <a:effectLst/>
-                          <a:latin typeface="Arial" pitchFamily="34" charset="0"/>
-                          <a:cs typeface="Arial" pitchFamily="34" charset="0"/>
-                        </a:rPr>
-                        <a:t>нейронны</a:t>
-                      </a:r>
-                    </a:p>
-                    <a:p>
-                      <a:pPr>
-                        <a:lnSpc>
-                          <a:spcPct val="115000"/>
-                        </a:lnSpc>
-                        <a:spcAft>
-                          <a:spcPts val="0"/>
-                        </a:spcAft>
-                      </a:pPr>
-                      <a:r>
-                        <a:rPr lang="ru-RU" sz="1400">
-                          <a:effectLst/>
-                          <a:latin typeface="Arial" pitchFamily="34" charset="0"/>
-                          <a:cs typeface="Arial" pitchFamily="34" charset="0"/>
-                        </a:rPr>
-                        <a:t>е сети</a:t>
-                      </a:r>
-                      <a:endParaRPr lang="ru-RU" sz="1400">
-                        <a:effectLst/>
-                        <a:latin typeface="Arial" pitchFamily="34" charset="0"/>
-                        <a:ea typeface="Calibri"/>
-                        <a:cs typeface="Arial" pitchFamily="34" charset="0"/>
-                      </a:endParaRPr>
-                    </a:p>
-                  </a:txBody>
-                  <a:tcPr marL="43651" marR="43651" marT="0" marB="0"/>
-                </a:tc>
-                <a:tc>
-                  <a:txBody>
-                    <a:bodyPr/>
-                    <a:lstStyle/>
-                    <a:p>
-                      <a:pPr algn="ctr">
-                        <a:lnSpc>
-                          <a:spcPct val="115000"/>
-                        </a:lnSpc>
-                        <a:spcAft>
-                          <a:spcPts val="0"/>
-                        </a:spcAft>
-                      </a:pPr>
-                      <a:r>
-                        <a:rPr lang="ru-RU" sz="1400">
-                          <a:effectLst/>
-                          <a:latin typeface="Arial" pitchFamily="34" charset="0"/>
-                          <a:cs typeface="Arial" pitchFamily="34" charset="0"/>
-                        </a:rPr>
-                        <a:t>высокая</a:t>
-                      </a:r>
-                      <a:endParaRPr lang="ru-RU" sz="1400">
-                        <a:effectLst/>
-                        <a:latin typeface="Arial" pitchFamily="34" charset="0"/>
-                        <a:ea typeface="Calibri"/>
-                        <a:cs typeface="Arial" pitchFamily="34" charset="0"/>
-                      </a:endParaRPr>
-                    </a:p>
-                  </a:txBody>
-                  <a:tcPr marL="43651" marR="43651" marT="0" marB="0"/>
-                </a:tc>
-                <a:tc>
-                  <a:txBody>
-                    <a:bodyPr/>
-                    <a:lstStyle/>
-                    <a:p>
-                      <a:pPr algn="ctr">
-                        <a:lnSpc>
-                          <a:spcPct val="115000"/>
-                        </a:lnSpc>
-                        <a:spcAft>
-                          <a:spcPts val="0"/>
-                        </a:spcAft>
-                      </a:pPr>
-                      <a:r>
-                        <a:rPr lang="ru-RU" sz="1400">
-                          <a:effectLst/>
-                          <a:latin typeface="Arial" pitchFamily="34" charset="0"/>
-                          <a:cs typeface="Arial" pitchFamily="34" charset="0"/>
-                        </a:rPr>
-                        <a:t>низкая</a:t>
-                      </a:r>
-                      <a:endParaRPr lang="ru-RU" sz="1400">
-                        <a:effectLst/>
-                        <a:latin typeface="Arial" pitchFamily="34" charset="0"/>
-                        <a:ea typeface="Calibri"/>
-                        <a:cs typeface="Arial" pitchFamily="34" charset="0"/>
-                      </a:endParaRPr>
-                    </a:p>
-                  </a:txBody>
-                  <a:tcPr marL="43651" marR="43651" marT="0" marB="0"/>
-                </a:tc>
-                <a:tc>
-                  <a:txBody>
-                    <a:bodyPr/>
-                    <a:lstStyle/>
-                    <a:p>
-                      <a:pPr algn="ctr">
-                        <a:lnSpc>
-                          <a:spcPct val="115000"/>
-                        </a:lnSpc>
-                        <a:spcAft>
-                          <a:spcPts val="0"/>
-                        </a:spcAft>
-                      </a:pPr>
-                      <a:r>
-                        <a:rPr lang="ru-RU" sz="1400" dirty="0">
-                          <a:effectLst/>
-                          <a:latin typeface="Arial" pitchFamily="34" charset="0"/>
-                          <a:cs typeface="Arial" pitchFamily="34" charset="0"/>
-                        </a:rPr>
-                        <a:t>низкая</a:t>
-                      </a:r>
-                      <a:endParaRPr lang="ru-RU" sz="1400" dirty="0">
-                        <a:effectLst/>
-                        <a:latin typeface="Arial" pitchFamily="34" charset="0"/>
-                        <a:ea typeface="Calibri"/>
-                        <a:cs typeface="Arial" pitchFamily="34" charset="0"/>
-                      </a:endParaRPr>
-                    </a:p>
-                  </a:txBody>
-                  <a:tcPr marL="43651" marR="43651" marT="0" marB="0"/>
-                </a:tc>
-                <a:tc>
-                  <a:txBody>
-                    <a:bodyPr/>
-                    <a:lstStyle/>
-                    <a:p>
-                      <a:pPr algn="ctr">
-                        <a:lnSpc>
-                          <a:spcPct val="115000"/>
-                        </a:lnSpc>
-                        <a:spcAft>
-                          <a:spcPts val="0"/>
-                        </a:spcAft>
-                      </a:pPr>
-                      <a:r>
-                        <a:rPr lang="ru-RU" sz="1400">
-                          <a:effectLst/>
-                          <a:latin typeface="Arial" pitchFamily="34" charset="0"/>
-                          <a:cs typeface="Arial" pitchFamily="34" charset="0"/>
-                        </a:rPr>
-                        <a:t>низкая</a:t>
-                      </a:r>
-                      <a:endParaRPr lang="ru-RU" sz="1400">
-                        <a:effectLst/>
-                        <a:latin typeface="Arial" pitchFamily="34" charset="0"/>
-                        <a:ea typeface="Calibri"/>
-                        <a:cs typeface="Arial" pitchFamily="34" charset="0"/>
-                      </a:endParaRPr>
-                    </a:p>
-                  </a:txBody>
-                  <a:tcPr marL="43651" marR="43651" marT="0" marB="0"/>
-                </a:tc>
-                <a:tc>
-                  <a:txBody>
-                    <a:bodyPr/>
-                    <a:lstStyle/>
-                    <a:p>
-                      <a:pPr algn="ctr">
-                        <a:lnSpc>
-                          <a:spcPct val="115000"/>
-                        </a:lnSpc>
-                        <a:spcAft>
-                          <a:spcPts val="0"/>
-                        </a:spcAft>
-                      </a:pPr>
-                      <a:r>
-                        <a:rPr lang="ru-RU" sz="1400">
-                          <a:effectLst/>
-                          <a:latin typeface="Arial" pitchFamily="34" charset="0"/>
-                          <a:cs typeface="Arial" pitchFamily="34" charset="0"/>
-                        </a:rPr>
-                        <a:t>нейтральная</a:t>
-                      </a:r>
-                      <a:endParaRPr lang="ru-RU" sz="1400">
-                        <a:effectLst/>
-                        <a:latin typeface="Arial" pitchFamily="34" charset="0"/>
-                        <a:ea typeface="Calibri"/>
-                        <a:cs typeface="Arial" pitchFamily="34" charset="0"/>
-                      </a:endParaRPr>
-                    </a:p>
-                  </a:txBody>
-                  <a:tcPr marL="43651" marR="43651" marT="0" marB="0"/>
-                </a:tc>
-                <a:tc>
-                  <a:txBody>
-                    <a:bodyPr/>
-                    <a:lstStyle/>
-                    <a:p>
-                      <a:pPr algn="ctr">
-                        <a:lnSpc>
-                          <a:spcPct val="115000"/>
-                        </a:lnSpc>
-                        <a:spcAft>
-                          <a:spcPts val="0"/>
-                        </a:spcAft>
-                      </a:pPr>
-                      <a:r>
-                        <a:rPr lang="ru-RU" sz="1400">
-                          <a:effectLst/>
-                          <a:latin typeface="Arial" pitchFamily="34" charset="0"/>
-                          <a:cs typeface="Arial" pitchFamily="34" charset="0"/>
-                        </a:rPr>
-                        <a:t>низкая</a:t>
-                      </a:r>
-                      <a:endParaRPr lang="ru-RU" sz="1400">
-                        <a:effectLst/>
-                        <a:latin typeface="Arial" pitchFamily="34" charset="0"/>
-                        <a:ea typeface="Calibri"/>
-                        <a:cs typeface="Arial" pitchFamily="34" charset="0"/>
-                      </a:endParaRPr>
-                    </a:p>
-                  </a:txBody>
-                  <a:tcPr marL="43651" marR="43651" marT="0" marB="0"/>
-                </a:tc>
-                <a:tc>
-                  <a:txBody>
-                    <a:bodyPr/>
-                    <a:lstStyle/>
-                    <a:p>
-                      <a:pPr algn="ctr">
-                        <a:lnSpc>
-                          <a:spcPct val="115000"/>
-                        </a:lnSpc>
-                        <a:spcAft>
-                          <a:spcPts val="0"/>
-                        </a:spcAft>
-                      </a:pPr>
-                      <a:r>
-                        <a:rPr lang="ru-RU" sz="1400">
-                          <a:effectLst/>
-                          <a:latin typeface="Arial" pitchFamily="34" charset="0"/>
-                          <a:cs typeface="Arial" pitchFamily="34" charset="0"/>
-                        </a:rPr>
-                        <a:t>очень низкая</a:t>
-                      </a:r>
-                      <a:endParaRPr lang="ru-RU" sz="1400">
-                        <a:effectLst/>
-                        <a:latin typeface="Arial" pitchFamily="34" charset="0"/>
-                        <a:ea typeface="Calibri"/>
-                        <a:cs typeface="Arial" pitchFamily="34" charset="0"/>
-                      </a:endParaRPr>
-                    </a:p>
-                  </a:txBody>
-                  <a:tcPr marL="43651" marR="43651" marT="0" marB="0"/>
-                </a:tc>
-                <a:tc>
-                  <a:txBody>
-                    <a:bodyPr/>
-                    <a:lstStyle/>
-                    <a:p>
-                      <a:pPr algn="ctr">
-                        <a:lnSpc>
-                          <a:spcPct val="115000"/>
-                        </a:lnSpc>
-                        <a:spcAft>
-                          <a:spcPts val="0"/>
-                        </a:spcAft>
-                      </a:pPr>
-                      <a:r>
-                        <a:rPr lang="ru-RU" sz="1400">
-                          <a:effectLst/>
-                          <a:latin typeface="Arial" pitchFamily="34" charset="0"/>
-                          <a:cs typeface="Arial" pitchFamily="34" charset="0"/>
-                        </a:rPr>
-                        <a:t>низкая</a:t>
-                      </a:r>
-                      <a:endParaRPr lang="ru-RU" sz="1400">
-                        <a:effectLst/>
-                        <a:latin typeface="Arial" pitchFamily="34" charset="0"/>
-                        <a:ea typeface="Calibri"/>
-                        <a:cs typeface="Arial" pitchFamily="34" charset="0"/>
-                      </a:endParaRPr>
-                    </a:p>
-                  </a:txBody>
-                  <a:tcPr marL="43651" marR="43651" marT="0" marB="0"/>
-                </a:tc>
-              </a:tr>
-              <a:tr h="842060">
-                <a:tc>
-                  <a:txBody>
-                    <a:bodyPr/>
-                    <a:lstStyle/>
-                    <a:p>
-                      <a:pPr>
-                        <a:lnSpc>
-                          <a:spcPct val="115000"/>
-                        </a:lnSpc>
-                        <a:spcAft>
-                          <a:spcPts val="0"/>
-                        </a:spcAft>
-                      </a:pPr>
-                      <a:r>
-                        <a:rPr lang="ru-RU" sz="1400">
-                          <a:effectLst/>
-                          <a:latin typeface="Arial" pitchFamily="34" charset="0"/>
-                          <a:cs typeface="Arial" pitchFamily="34" charset="0"/>
-                        </a:rPr>
-                        <a:t>методы</a:t>
-                      </a:r>
-                    </a:p>
-                    <a:p>
-                      <a:pPr>
-                        <a:lnSpc>
-                          <a:spcPct val="115000"/>
-                        </a:lnSpc>
-                        <a:spcAft>
-                          <a:spcPts val="0"/>
-                        </a:spcAft>
-                      </a:pPr>
-                      <a:r>
-                        <a:rPr lang="ru-RU" sz="1400">
-                          <a:effectLst/>
-                          <a:latin typeface="Arial" pitchFamily="34" charset="0"/>
-                          <a:cs typeface="Arial" pitchFamily="34" charset="0"/>
-                        </a:rPr>
-                        <a:t>визуали-</a:t>
-                      </a:r>
-                    </a:p>
-                    <a:p>
-                      <a:pPr>
-                        <a:lnSpc>
-                          <a:spcPct val="115000"/>
-                        </a:lnSpc>
-                        <a:spcAft>
-                          <a:spcPts val="0"/>
-                        </a:spcAft>
-                      </a:pPr>
-                      <a:r>
-                        <a:rPr lang="ru-RU" sz="1400">
-                          <a:effectLst/>
-                          <a:latin typeface="Arial" pitchFamily="34" charset="0"/>
-                          <a:cs typeface="Arial" pitchFamily="34" charset="0"/>
-                        </a:rPr>
-                        <a:t>зации</a:t>
-                      </a:r>
-                      <a:endParaRPr lang="ru-RU" sz="1400">
-                        <a:effectLst/>
-                        <a:latin typeface="Arial" pitchFamily="34" charset="0"/>
-                        <a:ea typeface="Calibri"/>
-                        <a:cs typeface="Arial" pitchFamily="34" charset="0"/>
-                      </a:endParaRPr>
-                    </a:p>
-                  </a:txBody>
-                  <a:tcPr marL="43651" marR="43651" marT="0" marB="0"/>
-                </a:tc>
-                <a:tc>
-                  <a:txBody>
-                    <a:bodyPr/>
-                    <a:lstStyle/>
-                    <a:p>
-                      <a:pPr algn="ctr">
-                        <a:lnSpc>
-                          <a:spcPct val="115000"/>
-                        </a:lnSpc>
-                        <a:spcAft>
-                          <a:spcPts val="0"/>
-                        </a:spcAft>
-                      </a:pPr>
-                      <a:r>
-                        <a:rPr lang="ru-RU" sz="1400">
-                          <a:effectLst/>
-                          <a:latin typeface="Arial" pitchFamily="34" charset="0"/>
-                          <a:cs typeface="Arial" pitchFamily="34" charset="0"/>
-                        </a:rPr>
-                        <a:t>высокая</a:t>
-                      </a:r>
-                      <a:endParaRPr lang="ru-RU" sz="1400">
-                        <a:effectLst/>
-                        <a:latin typeface="Arial" pitchFamily="34" charset="0"/>
-                        <a:ea typeface="Calibri"/>
-                        <a:cs typeface="Arial" pitchFamily="34" charset="0"/>
-                      </a:endParaRPr>
-                    </a:p>
-                  </a:txBody>
-                  <a:tcPr marL="43651" marR="43651" marT="0" marB="0"/>
-                </a:tc>
-                <a:tc>
-                  <a:txBody>
-                    <a:bodyPr/>
-                    <a:lstStyle/>
-                    <a:p>
-                      <a:pPr algn="ctr">
-                        <a:lnSpc>
-                          <a:spcPct val="115000"/>
-                        </a:lnSpc>
-                        <a:spcAft>
-                          <a:spcPts val="0"/>
-                        </a:spcAft>
-                      </a:pPr>
-                      <a:r>
-                        <a:rPr lang="ru-RU" sz="1400">
-                          <a:effectLst/>
-                          <a:latin typeface="Arial" pitchFamily="34" charset="0"/>
-                          <a:cs typeface="Arial" pitchFamily="34" charset="0"/>
-                        </a:rPr>
-                        <a:t>очень низкая</a:t>
-                      </a:r>
-                      <a:endParaRPr lang="ru-RU" sz="1400">
-                        <a:effectLst/>
-                        <a:latin typeface="Arial" pitchFamily="34" charset="0"/>
-                        <a:ea typeface="Calibri"/>
-                        <a:cs typeface="Arial" pitchFamily="34" charset="0"/>
-                      </a:endParaRPr>
-                    </a:p>
-                  </a:txBody>
-                  <a:tcPr marL="43651" marR="43651" marT="0" marB="0"/>
-                </a:tc>
-                <a:tc>
-                  <a:txBody>
-                    <a:bodyPr/>
-                    <a:lstStyle/>
-                    <a:p>
-                      <a:pPr algn="ctr">
-                        <a:lnSpc>
-                          <a:spcPct val="115000"/>
-                        </a:lnSpc>
-                        <a:spcAft>
-                          <a:spcPts val="0"/>
-                        </a:spcAft>
-                      </a:pPr>
-                      <a:r>
-                        <a:rPr lang="ru-RU" sz="1400" dirty="0">
-                          <a:effectLst/>
-                          <a:latin typeface="Arial" pitchFamily="34" charset="0"/>
-                          <a:cs typeface="Arial" pitchFamily="34" charset="0"/>
-                        </a:rPr>
-                        <a:t>высокая</a:t>
-                      </a:r>
-                      <a:endParaRPr lang="ru-RU" sz="1400" dirty="0">
-                        <a:effectLst/>
-                        <a:latin typeface="Arial" pitchFamily="34" charset="0"/>
-                        <a:ea typeface="Calibri"/>
-                        <a:cs typeface="Arial" pitchFamily="34" charset="0"/>
-                      </a:endParaRPr>
-                    </a:p>
-                  </a:txBody>
-                  <a:tcPr marL="43651" marR="43651" marT="0" marB="0"/>
-                </a:tc>
-                <a:tc>
-                  <a:txBody>
-                    <a:bodyPr/>
-                    <a:lstStyle/>
-                    <a:p>
-                      <a:pPr algn="ctr">
-                        <a:lnSpc>
-                          <a:spcPct val="115000"/>
-                        </a:lnSpc>
-                        <a:spcAft>
-                          <a:spcPts val="0"/>
-                        </a:spcAft>
-                      </a:pPr>
-                      <a:r>
-                        <a:rPr lang="ru-RU" sz="1400" dirty="0">
-                          <a:effectLst/>
-                          <a:latin typeface="Arial" pitchFamily="34" charset="0"/>
-                          <a:cs typeface="Arial" pitchFamily="34" charset="0"/>
-                        </a:rPr>
-                        <a:t>высокая</a:t>
-                      </a:r>
-                      <a:endParaRPr lang="ru-RU" sz="1400" dirty="0">
-                        <a:effectLst/>
-                        <a:latin typeface="Arial" pitchFamily="34" charset="0"/>
-                        <a:ea typeface="Calibri"/>
-                        <a:cs typeface="Arial" pitchFamily="34" charset="0"/>
-                      </a:endParaRPr>
-                    </a:p>
-                  </a:txBody>
-                  <a:tcPr marL="43651" marR="43651" marT="0" marB="0"/>
-                </a:tc>
-                <a:tc>
-                  <a:txBody>
-                    <a:bodyPr/>
-                    <a:lstStyle/>
-                    <a:p>
-                      <a:pPr algn="ctr">
-                        <a:lnSpc>
-                          <a:spcPct val="115000"/>
-                        </a:lnSpc>
-                        <a:spcAft>
-                          <a:spcPts val="0"/>
-                        </a:spcAft>
-                      </a:pPr>
-                      <a:r>
-                        <a:rPr lang="ru-RU" sz="1400">
-                          <a:effectLst/>
-                          <a:latin typeface="Arial" pitchFamily="34" charset="0"/>
-                          <a:cs typeface="Arial" pitchFamily="34" charset="0"/>
-                        </a:rPr>
-                        <a:t>очень высокая</a:t>
-                      </a:r>
-                      <a:endParaRPr lang="ru-RU" sz="1400">
-                        <a:effectLst/>
-                        <a:latin typeface="Arial" pitchFamily="34" charset="0"/>
-                        <a:ea typeface="Calibri"/>
-                        <a:cs typeface="Arial" pitchFamily="34" charset="0"/>
-                      </a:endParaRPr>
-                    </a:p>
-                  </a:txBody>
-                  <a:tcPr marL="43651" marR="43651" marT="0" marB="0"/>
-                </a:tc>
-                <a:tc>
-                  <a:txBody>
-                    <a:bodyPr/>
-                    <a:lstStyle/>
-                    <a:p>
-                      <a:pPr algn="ctr">
-                        <a:lnSpc>
-                          <a:spcPct val="115000"/>
-                        </a:lnSpc>
-                        <a:spcAft>
-                          <a:spcPts val="0"/>
-                        </a:spcAft>
-                      </a:pPr>
-                      <a:r>
-                        <a:rPr lang="ru-RU" sz="1400">
-                          <a:effectLst/>
-                          <a:latin typeface="Arial" pitchFamily="34" charset="0"/>
-                          <a:cs typeface="Arial" pitchFamily="34" charset="0"/>
-                        </a:rPr>
-                        <a:t>низкая</a:t>
-                      </a:r>
-                      <a:endParaRPr lang="ru-RU" sz="1400">
-                        <a:effectLst/>
-                        <a:latin typeface="Arial" pitchFamily="34" charset="0"/>
-                        <a:ea typeface="Calibri"/>
-                        <a:cs typeface="Arial" pitchFamily="34" charset="0"/>
-                      </a:endParaRPr>
-                    </a:p>
-                  </a:txBody>
-                  <a:tcPr marL="43651" marR="43651" marT="0" marB="0"/>
-                </a:tc>
-                <a:tc>
-                  <a:txBody>
-                    <a:bodyPr/>
-                    <a:lstStyle/>
-                    <a:p>
-                      <a:pPr algn="ctr">
-                        <a:lnSpc>
-                          <a:spcPct val="115000"/>
-                        </a:lnSpc>
-                        <a:spcAft>
-                          <a:spcPts val="0"/>
-                        </a:spcAft>
-                      </a:pPr>
-                      <a:r>
-                        <a:rPr lang="ru-RU" sz="1400" dirty="0" smtClean="0">
-                          <a:effectLst/>
-                          <a:latin typeface="Arial" pitchFamily="34" charset="0"/>
-                          <a:cs typeface="Arial" pitchFamily="34" charset="0"/>
-                        </a:rPr>
-                        <a:t>очень низкая</a:t>
-                      </a:r>
-                      <a:endParaRPr lang="ru-RU" sz="1400" dirty="0">
-                        <a:effectLst/>
-                        <a:latin typeface="Arial" pitchFamily="34" charset="0"/>
-                        <a:ea typeface="Calibri"/>
-                        <a:cs typeface="Arial" pitchFamily="34" charset="0"/>
-                      </a:endParaRPr>
-                    </a:p>
-                  </a:txBody>
-                  <a:tcPr marL="43651" marR="43651" marT="0" marB="0"/>
-                </a:tc>
-                <a:tc>
-                  <a:txBody>
-                    <a:bodyPr/>
-                    <a:lstStyle/>
-                    <a:p>
-                      <a:pPr algn="ctr">
-                        <a:lnSpc>
-                          <a:spcPct val="115000"/>
-                        </a:lnSpc>
-                        <a:spcAft>
-                          <a:spcPts val="0"/>
-                        </a:spcAft>
-                      </a:pPr>
-                      <a:r>
-                        <a:rPr lang="ru-RU" sz="1400">
-                          <a:effectLst/>
-                          <a:latin typeface="Arial" pitchFamily="34" charset="0"/>
-                          <a:cs typeface="Arial" pitchFamily="34" charset="0"/>
-                        </a:rPr>
-                        <a:t>высокая /</a:t>
-                      </a:r>
-                    </a:p>
-                    <a:p>
-                      <a:pPr algn="ctr">
-                        <a:lnSpc>
-                          <a:spcPct val="115000"/>
-                        </a:lnSpc>
-                        <a:spcAft>
-                          <a:spcPts val="0"/>
-                        </a:spcAft>
-                      </a:pPr>
-                      <a:r>
-                        <a:rPr lang="ru-RU" sz="1400">
-                          <a:effectLst/>
-                          <a:latin typeface="Arial" pitchFamily="34" charset="0"/>
-                          <a:cs typeface="Arial" pitchFamily="34" charset="0"/>
-                        </a:rPr>
-                        <a:t>нейтраль</a:t>
-                      </a:r>
-                    </a:p>
-                    <a:p>
-                      <a:pPr algn="ctr">
-                        <a:lnSpc>
-                          <a:spcPct val="115000"/>
-                        </a:lnSpc>
-                        <a:spcAft>
-                          <a:spcPts val="0"/>
-                        </a:spcAft>
-                      </a:pPr>
-                      <a:r>
-                        <a:rPr lang="ru-RU" sz="1400">
-                          <a:effectLst/>
-                          <a:latin typeface="Arial" pitchFamily="34" charset="0"/>
-                          <a:cs typeface="Arial" pitchFamily="34" charset="0"/>
-                        </a:rPr>
-                        <a:t>ная</a:t>
-                      </a:r>
-                      <a:endParaRPr lang="ru-RU" sz="1400">
-                        <a:effectLst/>
-                        <a:latin typeface="Arial" pitchFamily="34" charset="0"/>
-                        <a:ea typeface="Calibri"/>
-                        <a:cs typeface="Arial" pitchFamily="34" charset="0"/>
-                      </a:endParaRPr>
-                    </a:p>
-                  </a:txBody>
-                  <a:tcPr marL="43651" marR="43651" marT="0" marB="0"/>
-                </a:tc>
-              </a:tr>
-              <a:tr h="622438">
-                <a:tc>
-                  <a:txBody>
-                    <a:bodyPr/>
-                    <a:lstStyle/>
-                    <a:p>
-                      <a:pPr>
-                        <a:lnSpc>
-                          <a:spcPct val="115000"/>
-                        </a:lnSpc>
-                        <a:spcAft>
-                          <a:spcPts val="0"/>
-                        </a:spcAft>
-                      </a:pPr>
-                      <a:r>
-                        <a:rPr lang="ru-RU" sz="1400">
-                          <a:effectLst/>
-                          <a:latin typeface="Arial" pitchFamily="34" charset="0"/>
-                          <a:cs typeface="Arial" pitchFamily="34" charset="0"/>
-                        </a:rPr>
-                        <a:t>деревья</a:t>
-                      </a:r>
-                    </a:p>
-                    <a:p>
-                      <a:pPr>
-                        <a:lnSpc>
-                          <a:spcPct val="115000"/>
-                        </a:lnSpc>
-                        <a:spcAft>
-                          <a:spcPts val="0"/>
-                        </a:spcAft>
-                      </a:pPr>
-                      <a:r>
-                        <a:rPr lang="ru-RU" sz="1400">
-                          <a:effectLst/>
-                          <a:latin typeface="Arial" pitchFamily="34" charset="0"/>
-                          <a:cs typeface="Arial" pitchFamily="34" charset="0"/>
-                        </a:rPr>
-                        <a:t>решений</a:t>
-                      </a:r>
-                      <a:endParaRPr lang="ru-RU" sz="1400">
-                        <a:effectLst/>
-                        <a:latin typeface="Arial" pitchFamily="34" charset="0"/>
-                        <a:ea typeface="Calibri"/>
-                        <a:cs typeface="Arial" pitchFamily="34" charset="0"/>
-                      </a:endParaRPr>
-                    </a:p>
-                  </a:txBody>
-                  <a:tcPr marL="43651" marR="43651" marT="0" marB="0"/>
-                </a:tc>
-                <a:tc>
-                  <a:txBody>
-                    <a:bodyPr/>
-                    <a:lstStyle/>
-                    <a:p>
-                      <a:pPr algn="ctr">
-                        <a:lnSpc>
-                          <a:spcPct val="115000"/>
-                        </a:lnSpc>
-                        <a:spcAft>
-                          <a:spcPts val="0"/>
-                        </a:spcAft>
-                      </a:pPr>
-                      <a:r>
-                        <a:rPr lang="ru-RU" sz="1400">
-                          <a:effectLst/>
-                          <a:latin typeface="Arial" pitchFamily="34" charset="0"/>
-                          <a:cs typeface="Arial" pitchFamily="34" charset="0"/>
-                        </a:rPr>
-                        <a:t>низкая</a:t>
-                      </a:r>
-                      <a:endParaRPr lang="ru-RU" sz="1400">
-                        <a:effectLst/>
-                        <a:latin typeface="Arial" pitchFamily="34" charset="0"/>
-                        <a:ea typeface="Calibri"/>
-                        <a:cs typeface="Arial" pitchFamily="34" charset="0"/>
-                      </a:endParaRPr>
-                    </a:p>
-                  </a:txBody>
-                  <a:tcPr marL="43651" marR="43651" marT="0" marB="0"/>
-                </a:tc>
-                <a:tc>
-                  <a:txBody>
-                    <a:bodyPr/>
-                    <a:lstStyle/>
-                    <a:p>
-                      <a:pPr algn="ctr">
-                        <a:lnSpc>
-                          <a:spcPct val="115000"/>
-                        </a:lnSpc>
-                        <a:spcAft>
-                          <a:spcPts val="0"/>
-                        </a:spcAft>
-                      </a:pPr>
-                      <a:r>
-                        <a:rPr lang="ru-RU" sz="1400">
-                          <a:effectLst/>
-                          <a:latin typeface="Arial" pitchFamily="34" charset="0"/>
-                          <a:cs typeface="Arial" pitchFamily="34" charset="0"/>
-                        </a:rPr>
-                        <a:t>высокая</a:t>
-                      </a:r>
-                      <a:endParaRPr lang="ru-RU" sz="1400">
-                        <a:effectLst/>
-                        <a:latin typeface="Arial" pitchFamily="34" charset="0"/>
-                        <a:ea typeface="Calibri"/>
-                        <a:cs typeface="Arial" pitchFamily="34" charset="0"/>
-                      </a:endParaRPr>
-                    </a:p>
-                  </a:txBody>
-                  <a:tcPr marL="43651" marR="43651" marT="0" marB="0"/>
-                </a:tc>
-                <a:tc>
-                  <a:txBody>
-                    <a:bodyPr/>
-                    <a:lstStyle/>
-                    <a:p>
-                      <a:pPr algn="ctr">
-                        <a:lnSpc>
-                          <a:spcPct val="115000"/>
-                        </a:lnSpc>
-                        <a:spcAft>
-                          <a:spcPts val="0"/>
-                        </a:spcAft>
-                      </a:pPr>
-                      <a:r>
-                        <a:rPr lang="ru-RU" sz="1400">
-                          <a:effectLst/>
-                          <a:latin typeface="Arial" pitchFamily="34" charset="0"/>
-                          <a:cs typeface="Arial" pitchFamily="34" charset="0"/>
-                        </a:rPr>
-                        <a:t>высокая</a:t>
-                      </a:r>
-                      <a:endParaRPr lang="ru-RU" sz="1400">
-                        <a:effectLst/>
-                        <a:latin typeface="Arial" pitchFamily="34" charset="0"/>
-                        <a:ea typeface="Calibri"/>
-                        <a:cs typeface="Arial" pitchFamily="34" charset="0"/>
-                      </a:endParaRPr>
-                    </a:p>
-                  </a:txBody>
-                  <a:tcPr marL="43651" marR="43651" marT="0" marB="0"/>
-                </a:tc>
-                <a:tc>
-                  <a:txBody>
-                    <a:bodyPr/>
-                    <a:lstStyle/>
-                    <a:p>
-                      <a:pPr algn="ctr">
-                        <a:lnSpc>
-                          <a:spcPct val="115000"/>
-                        </a:lnSpc>
-                        <a:spcAft>
-                          <a:spcPts val="0"/>
-                        </a:spcAft>
-                      </a:pPr>
-                      <a:r>
-                        <a:rPr lang="ru-RU" sz="1400" dirty="0">
-                          <a:effectLst/>
-                          <a:latin typeface="Arial" pitchFamily="34" charset="0"/>
-                          <a:cs typeface="Arial" pitchFamily="34" charset="0"/>
-                        </a:rPr>
-                        <a:t>высокая /</a:t>
-                      </a:r>
-                    </a:p>
-                    <a:p>
-                      <a:pPr algn="ctr">
-                        <a:lnSpc>
-                          <a:spcPct val="115000"/>
-                        </a:lnSpc>
-                        <a:spcAft>
-                          <a:spcPts val="0"/>
-                        </a:spcAft>
-                      </a:pPr>
-                      <a:r>
-                        <a:rPr lang="ru-RU" sz="1400" dirty="0" err="1">
-                          <a:effectLst/>
-                          <a:latin typeface="Arial" pitchFamily="34" charset="0"/>
-                          <a:cs typeface="Arial" pitchFamily="34" charset="0"/>
-                        </a:rPr>
-                        <a:t>нейтраль</a:t>
-                      </a:r>
-                      <a:endParaRPr lang="ru-RU" sz="1400" dirty="0">
-                        <a:effectLst/>
-                        <a:latin typeface="Arial" pitchFamily="34" charset="0"/>
-                        <a:cs typeface="Arial" pitchFamily="34" charset="0"/>
-                      </a:endParaRPr>
-                    </a:p>
-                    <a:p>
-                      <a:pPr algn="ctr">
-                        <a:lnSpc>
-                          <a:spcPct val="115000"/>
-                        </a:lnSpc>
-                        <a:spcAft>
-                          <a:spcPts val="0"/>
-                        </a:spcAft>
-                      </a:pPr>
-                      <a:r>
-                        <a:rPr lang="ru-RU" sz="1400" dirty="0" err="1">
-                          <a:effectLst/>
-                          <a:latin typeface="Arial" pitchFamily="34" charset="0"/>
-                          <a:cs typeface="Arial" pitchFamily="34" charset="0"/>
-                        </a:rPr>
-                        <a:t>ная</a:t>
-                      </a:r>
-                      <a:endParaRPr lang="ru-RU" sz="1400" dirty="0">
-                        <a:effectLst/>
-                        <a:latin typeface="Arial" pitchFamily="34" charset="0"/>
-                        <a:ea typeface="Calibri"/>
-                        <a:cs typeface="Arial" pitchFamily="34" charset="0"/>
-                      </a:endParaRPr>
-                    </a:p>
-                  </a:txBody>
-                  <a:tcPr marL="43651" marR="43651" marT="0" marB="0"/>
-                </a:tc>
-                <a:tc>
-                  <a:txBody>
-                    <a:bodyPr/>
-                    <a:lstStyle/>
-                    <a:p>
-                      <a:pPr algn="ctr">
-                        <a:lnSpc>
-                          <a:spcPct val="115000"/>
-                        </a:lnSpc>
-                        <a:spcAft>
-                          <a:spcPts val="0"/>
-                        </a:spcAft>
-                      </a:pPr>
-                      <a:r>
-                        <a:rPr lang="ru-RU" sz="1400" dirty="0">
-                          <a:effectLst/>
-                          <a:latin typeface="Arial" pitchFamily="34" charset="0"/>
-                          <a:cs typeface="Arial" pitchFamily="34" charset="0"/>
-                        </a:rPr>
-                        <a:t>высокая</a:t>
-                      </a:r>
-                      <a:endParaRPr lang="ru-RU" sz="1400" dirty="0">
-                        <a:effectLst/>
-                        <a:latin typeface="Arial" pitchFamily="34" charset="0"/>
-                        <a:ea typeface="Calibri"/>
-                        <a:cs typeface="Arial" pitchFamily="34" charset="0"/>
-                      </a:endParaRPr>
-                    </a:p>
-                  </a:txBody>
-                  <a:tcPr marL="43651" marR="43651" marT="0" marB="0"/>
-                </a:tc>
-                <a:tc>
-                  <a:txBody>
-                    <a:bodyPr/>
-                    <a:lstStyle/>
-                    <a:p>
-                      <a:pPr algn="ctr">
-                        <a:lnSpc>
-                          <a:spcPct val="115000"/>
-                        </a:lnSpc>
-                        <a:spcAft>
-                          <a:spcPts val="0"/>
-                        </a:spcAft>
-                      </a:pPr>
-                      <a:r>
-                        <a:rPr lang="ru-RU" sz="1400" dirty="0">
-                          <a:effectLst/>
-                          <a:latin typeface="Arial" pitchFamily="34" charset="0"/>
-                          <a:cs typeface="Arial" pitchFamily="34" charset="0"/>
-                        </a:rPr>
-                        <a:t>высокая</a:t>
-                      </a:r>
-                      <a:endParaRPr lang="ru-RU" sz="1400" dirty="0">
-                        <a:effectLst/>
-                        <a:latin typeface="Arial" pitchFamily="34" charset="0"/>
-                        <a:ea typeface="Calibri"/>
-                        <a:cs typeface="Arial" pitchFamily="34" charset="0"/>
-                      </a:endParaRPr>
-                    </a:p>
-                  </a:txBody>
-                  <a:tcPr marL="43651" marR="43651" marT="0" marB="0"/>
-                </a:tc>
-                <a:tc>
-                  <a:txBody>
-                    <a:bodyPr/>
-                    <a:lstStyle/>
-                    <a:p>
-                      <a:pPr algn="ctr">
-                        <a:lnSpc>
-                          <a:spcPct val="115000"/>
-                        </a:lnSpc>
-                        <a:spcAft>
-                          <a:spcPts val="0"/>
-                        </a:spcAft>
-                      </a:pPr>
-                      <a:r>
-                        <a:rPr lang="ru-RU" sz="1400">
-                          <a:effectLst/>
-                          <a:latin typeface="Arial" pitchFamily="34" charset="0"/>
-                          <a:cs typeface="Arial" pitchFamily="34" charset="0"/>
-                        </a:rPr>
-                        <a:t>высокая /</a:t>
-                      </a:r>
-                    </a:p>
-                    <a:p>
-                      <a:pPr algn="ctr">
-                        <a:lnSpc>
-                          <a:spcPct val="115000"/>
-                        </a:lnSpc>
-                        <a:spcAft>
-                          <a:spcPts val="0"/>
-                        </a:spcAft>
-                      </a:pPr>
-                      <a:r>
-                        <a:rPr lang="ru-RU" sz="1400">
-                          <a:effectLst/>
-                          <a:latin typeface="Arial" pitchFamily="34" charset="0"/>
-                          <a:cs typeface="Arial" pitchFamily="34" charset="0"/>
-                        </a:rPr>
-                        <a:t>нейтраль</a:t>
-                      </a:r>
-                    </a:p>
-                    <a:p>
-                      <a:pPr algn="ctr">
-                        <a:lnSpc>
-                          <a:spcPct val="115000"/>
-                        </a:lnSpc>
-                        <a:spcAft>
-                          <a:spcPts val="0"/>
-                        </a:spcAft>
-                      </a:pPr>
-                      <a:r>
-                        <a:rPr lang="ru-RU" sz="1400">
-                          <a:effectLst/>
-                          <a:latin typeface="Arial" pitchFamily="34" charset="0"/>
-                          <a:cs typeface="Arial" pitchFamily="34" charset="0"/>
-                        </a:rPr>
-                        <a:t>ная</a:t>
-                      </a:r>
-                      <a:endParaRPr lang="ru-RU" sz="1400">
-                        <a:effectLst/>
-                        <a:latin typeface="Arial" pitchFamily="34" charset="0"/>
-                        <a:ea typeface="Calibri"/>
-                        <a:cs typeface="Arial" pitchFamily="34" charset="0"/>
-                      </a:endParaRPr>
-                    </a:p>
-                  </a:txBody>
-                  <a:tcPr marL="43651" marR="43651" marT="0" marB="0"/>
-                </a:tc>
-                <a:tc>
-                  <a:txBody>
-                    <a:bodyPr/>
-                    <a:lstStyle/>
-                    <a:p>
-                      <a:pPr algn="ctr">
-                        <a:lnSpc>
-                          <a:spcPct val="115000"/>
-                        </a:lnSpc>
-                        <a:spcAft>
-                          <a:spcPts val="0"/>
-                        </a:spcAft>
-                      </a:pPr>
-                      <a:r>
-                        <a:rPr lang="ru-RU" sz="1400">
-                          <a:effectLst/>
-                          <a:latin typeface="Arial" pitchFamily="34" charset="0"/>
-                          <a:cs typeface="Arial" pitchFamily="34" charset="0"/>
-                        </a:rPr>
-                        <a:t>высокая /</a:t>
-                      </a:r>
-                    </a:p>
-                    <a:p>
-                      <a:pPr algn="ctr">
-                        <a:lnSpc>
-                          <a:spcPct val="115000"/>
-                        </a:lnSpc>
-                        <a:spcAft>
-                          <a:spcPts val="0"/>
-                        </a:spcAft>
-                      </a:pPr>
-                      <a:r>
-                        <a:rPr lang="ru-RU" sz="1400">
-                          <a:effectLst/>
-                          <a:latin typeface="Arial" pitchFamily="34" charset="0"/>
-                          <a:cs typeface="Arial" pitchFamily="34" charset="0"/>
-                        </a:rPr>
-                        <a:t>нейтраль</a:t>
-                      </a:r>
-                    </a:p>
-                    <a:p>
-                      <a:pPr algn="ctr">
-                        <a:lnSpc>
-                          <a:spcPct val="115000"/>
-                        </a:lnSpc>
-                        <a:spcAft>
-                          <a:spcPts val="0"/>
-                        </a:spcAft>
-                      </a:pPr>
-                      <a:r>
-                        <a:rPr lang="ru-RU" sz="1400">
-                          <a:effectLst/>
-                          <a:latin typeface="Arial" pitchFamily="34" charset="0"/>
-                          <a:cs typeface="Arial" pitchFamily="34" charset="0"/>
-                        </a:rPr>
-                        <a:t>ная</a:t>
-                      </a:r>
-                      <a:endParaRPr lang="ru-RU" sz="1400">
-                        <a:effectLst/>
-                        <a:latin typeface="Arial" pitchFamily="34" charset="0"/>
-                        <a:ea typeface="Calibri"/>
-                        <a:cs typeface="Arial" pitchFamily="34" charset="0"/>
-                      </a:endParaRPr>
-                    </a:p>
-                  </a:txBody>
-                  <a:tcPr marL="43651" marR="43651" marT="0" marB="0"/>
-                </a:tc>
-              </a:tr>
-              <a:tr h="983907">
-                <a:tc>
-                  <a:txBody>
-                    <a:bodyPr/>
-                    <a:lstStyle/>
-                    <a:p>
-                      <a:pPr>
-                        <a:lnSpc>
-                          <a:spcPct val="115000"/>
-                        </a:lnSpc>
-                        <a:spcAft>
-                          <a:spcPts val="0"/>
-                        </a:spcAft>
-                      </a:pPr>
-                      <a:r>
-                        <a:rPr lang="ru-RU" sz="1400">
-                          <a:effectLst/>
-                          <a:latin typeface="Arial" pitchFamily="34" charset="0"/>
-                          <a:cs typeface="Arial" pitchFamily="34" charset="0"/>
-                        </a:rPr>
-                        <a:t>полино-</a:t>
-                      </a:r>
-                    </a:p>
-                    <a:p>
-                      <a:pPr>
-                        <a:lnSpc>
-                          <a:spcPct val="115000"/>
-                        </a:lnSpc>
-                        <a:spcAft>
-                          <a:spcPts val="0"/>
-                        </a:spcAft>
-                      </a:pPr>
-                      <a:r>
-                        <a:rPr lang="ru-RU" sz="1400">
-                          <a:effectLst/>
-                          <a:latin typeface="Arial" pitchFamily="34" charset="0"/>
-                          <a:cs typeface="Arial" pitchFamily="34" charset="0"/>
-                        </a:rPr>
-                        <a:t>миальные</a:t>
-                      </a:r>
-                    </a:p>
-                    <a:p>
-                      <a:pPr>
-                        <a:lnSpc>
-                          <a:spcPct val="115000"/>
-                        </a:lnSpc>
-                        <a:spcAft>
-                          <a:spcPts val="0"/>
-                        </a:spcAft>
-                      </a:pPr>
-                      <a:r>
-                        <a:rPr lang="ru-RU" sz="1400">
-                          <a:effectLst/>
-                          <a:latin typeface="Arial" pitchFamily="34" charset="0"/>
-                          <a:cs typeface="Arial" pitchFamily="34" charset="0"/>
-                        </a:rPr>
-                        <a:t>нейронны</a:t>
-                      </a:r>
-                    </a:p>
-                    <a:p>
-                      <a:pPr>
-                        <a:lnSpc>
-                          <a:spcPct val="115000"/>
-                        </a:lnSpc>
-                        <a:spcAft>
-                          <a:spcPts val="0"/>
-                        </a:spcAft>
-                      </a:pPr>
-                      <a:r>
-                        <a:rPr lang="ru-RU" sz="1400">
-                          <a:effectLst/>
-                          <a:latin typeface="Arial" pitchFamily="34" charset="0"/>
-                          <a:cs typeface="Arial" pitchFamily="34" charset="0"/>
-                        </a:rPr>
-                        <a:t>е сети</a:t>
-                      </a:r>
-                      <a:endParaRPr lang="ru-RU" sz="1400">
-                        <a:effectLst/>
-                        <a:latin typeface="Arial" pitchFamily="34" charset="0"/>
-                        <a:ea typeface="Calibri"/>
-                        <a:cs typeface="Arial" pitchFamily="34" charset="0"/>
-                      </a:endParaRPr>
-                    </a:p>
-                  </a:txBody>
-                  <a:tcPr marL="43651" marR="43651" marT="0" marB="0"/>
-                </a:tc>
-                <a:tc>
-                  <a:txBody>
-                    <a:bodyPr/>
-                    <a:lstStyle/>
-                    <a:p>
-                      <a:pPr algn="ctr">
-                        <a:lnSpc>
-                          <a:spcPct val="115000"/>
-                        </a:lnSpc>
-                        <a:spcAft>
-                          <a:spcPts val="0"/>
-                        </a:spcAft>
-                      </a:pPr>
-                      <a:r>
-                        <a:rPr lang="ru-RU" sz="1400">
-                          <a:effectLst/>
-                          <a:latin typeface="Arial" pitchFamily="34" charset="0"/>
-                          <a:cs typeface="Arial" pitchFamily="34" charset="0"/>
-                        </a:rPr>
-                        <a:t>высокая</a:t>
-                      </a:r>
-                      <a:endParaRPr lang="ru-RU" sz="1400">
-                        <a:effectLst/>
-                        <a:latin typeface="Arial" pitchFamily="34" charset="0"/>
-                        <a:ea typeface="Calibri"/>
-                        <a:cs typeface="Arial" pitchFamily="34" charset="0"/>
-                      </a:endParaRPr>
-                    </a:p>
-                  </a:txBody>
-                  <a:tcPr marL="43651" marR="43651" marT="0" marB="0"/>
-                </a:tc>
-                <a:tc>
-                  <a:txBody>
-                    <a:bodyPr/>
-                    <a:lstStyle/>
-                    <a:p>
-                      <a:pPr algn="ctr">
-                        <a:lnSpc>
-                          <a:spcPct val="115000"/>
-                        </a:lnSpc>
-                        <a:spcAft>
-                          <a:spcPts val="0"/>
-                        </a:spcAft>
-                      </a:pPr>
-                      <a:r>
-                        <a:rPr lang="ru-RU" sz="1400">
-                          <a:effectLst/>
-                          <a:latin typeface="Arial" pitchFamily="34" charset="0"/>
-                          <a:cs typeface="Arial" pitchFamily="34" charset="0"/>
-                        </a:rPr>
-                        <a:t>нейтральная</a:t>
-                      </a:r>
-                      <a:endParaRPr lang="ru-RU" sz="1400">
-                        <a:effectLst/>
-                        <a:latin typeface="Arial" pitchFamily="34" charset="0"/>
-                        <a:ea typeface="Calibri"/>
-                        <a:cs typeface="Arial" pitchFamily="34" charset="0"/>
-                      </a:endParaRPr>
-                    </a:p>
-                  </a:txBody>
-                  <a:tcPr marL="43651" marR="43651" marT="0" marB="0"/>
-                </a:tc>
-                <a:tc>
-                  <a:txBody>
-                    <a:bodyPr/>
-                    <a:lstStyle/>
-                    <a:p>
-                      <a:pPr algn="ctr">
-                        <a:lnSpc>
-                          <a:spcPct val="115000"/>
-                        </a:lnSpc>
-                        <a:spcAft>
-                          <a:spcPts val="0"/>
-                        </a:spcAft>
-                      </a:pPr>
-                      <a:r>
-                        <a:rPr lang="ru-RU" sz="1400">
-                          <a:effectLst/>
-                          <a:latin typeface="Arial" pitchFamily="34" charset="0"/>
-                          <a:cs typeface="Arial" pitchFamily="34" charset="0"/>
-                        </a:rPr>
-                        <a:t>низкая</a:t>
-                      </a:r>
-                      <a:endParaRPr lang="ru-RU" sz="1400">
-                        <a:effectLst/>
-                        <a:latin typeface="Arial" pitchFamily="34" charset="0"/>
-                        <a:ea typeface="Calibri"/>
-                        <a:cs typeface="Arial" pitchFamily="34" charset="0"/>
-                      </a:endParaRPr>
-                    </a:p>
-                  </a:txBody>
-                  <a:tcPr marL="43651" marR="43651" marT="0" marB="0"/>
-                </a:tc>
-                <a:tc>
-                  <a:txBody>
-                    <a:bodyPr/>
-                    <a:lstStyle/>
-                    <a:p>
-                      <a:pPr algn="ctr">
-                        <a:lnSpc>
-                          <a:spcPct val="115000"/>
-                        </a:lnSpc>
-                        <a:spcAft>
-                          <a:spcPts val="0"/>
-                        </a:spcAft>
-                      </a:pPr>
-                      <a:r>
-                        <a:rPr lang="ru-RU" sz="1400">
-                          <a:effectLst/>
-                          <a:latin typeface="Arial" pitchFamily="34" charset="0"/>
-                          <a:cs typeface="Arial" pitchFamily="34" charset="0"/>
-                        </a:rPr>
-                        <a:t>высокая /</a:t>
-                      </a:r>
-                    </a:p>
-                    <a:p>
-                      <a:pPr algn="ctr">
-                        <a:lnSpc>
-                          <a:spcPct val="115000"/>
-                        </a:lnSpc>
-                        <a:spcAft>
-                          <a:spcPts val="0"/>
-                        </a:spcAft>
-                      </a:pPr>
-                      <a:r>
-                        <a:rPr lang="ru-RU" sz="1400">
-                          <a:effectLst/>
-                          <a:latin typeface="Arial" pitchFamily="34" charset="0"/>
-                          <a:cs typeface="Arial" pitchFamily="34" charset="0"/>
-                        </a:rPr>
-                        <a:t>нейтраль</a:t>
-                      </a:r>
-                    </a:p>
-                    <a:p>
-                      <a:pPr algn="ctr">
-                        <a:lnSpc>
-                          <a:spcPct val="115000"/>
-                        </a:lnSpc>
-                        <a:spcAft>
-                          <a:spcPts val="0"/>
-                        </a:spcAft>
-                      </a:pPr>
-                      <a:r>
-                        <a:rPr lang="ru-RU" sz="1400">
-                          <a:effectLst/>
-                          <a:latin typeface="Arial" pitchFamily="34" charset="0"/>
-                          <a:cs typeface="Arial" pitchFamily="34" charset="0"/>
-                        </a:rPr>
-                        <a:t>ная</a:t>
-                      </a:r>
-                      <a:endParaRPr lang="ru-RU" sz="1400">
-                        <a:effectLst/>
-                        <a:latin typeface="Arial" pitchFamily="34" charset="0"/>
-                        <a:ea typeface="Calibri"/>
-                        <a:cs typeface="Arial" pitchFamily="34" charset="0"/>
-                      </a:endParaRPr>
-                    </a:p>
-                  </a:txBody>
-                  <a:tcPr marL="43651" marR="43651" marT="0" marB="0"/>
-                </a:tc>
-                <a:tc>
-                  <a:txBody>
-                    <a:bodyPr/>
-                    <a:lstStyle/>
-                    <a:p>
-                      <a:pPr algn="ctr">
-                        <a:lnSpc>
-                          <a:spcPct val="115000"/>
-                        </a:lnSpc>
-                        <a:spcAft>
-                          <a:spcPts val="0"/>
-                        </a:spcAft>
-                      </a:pPr>
-                      <a:r>
-                        <a:rPr lang="ru-RU" sz="1400">
-                          <a:effectLst/>
-                          <a:latin typeface="Arial" pitchFamily="34" charset="0"/>
-                          <a:cs typeface="Arial" pitchFamily="34" charset="0"/>
-                        </a:rPr>
-                        <a:t>низкая /</a:t>
-                      </a:r>
-                    </a:p>
-                    <a:p>
-                      <a:pPr algn="ctr">
-                        <a:lnSpc>
-                          <a:spcPct val="115000"/>
-                        </a:lnSpc>
-                        <a:spcAft>
-                          <a:spcPts val="0"/>
-                        </a:spcAft>
-                      </a:pPr>
-                      <a:r>
-                        <a:rPr lang="ru-RU" sz="1400">
-                          <a:effectLst/>
-                          <a:latin typeface="Arial" pitchFamily="34" charset="0"/>
-                          <a:cs typeface="Arial" pitchFamily="34" charset="0"/>
-                        </a:rPr>
-                        <a:t>нейтральная</a:t>
-                      </a:r>
-                      <a:endParaRPr lang="ru-RU" sz="1400">
-                        <a:effectLst/>
-                        <a:latin typeface="Arial" pitchFamily="34" charset="0"/>
-                        <a:ea typeface="Calibri"/>
-                        <a:cs typeface="Arial" pitchFamily="34" charset="0"/>
-                      </a:endParaRPr>
-                    </a:p>
-                  </a:txBody>
-                  <a:tcPr marL="43651" marR="43651" marT="0" marB="0"/>
-                </a:tc>
-                <a:tc>
-                  <a:txBody>
-                    <a:bodyPr/>
-                    <a:lstStyle/>
-                    <a:p>
-                      <a:pPr algn="ctr">
-                        <a:lnSpc>
-                          <a:spcPct val="115000"/>
-                        </a:lnSpc>
-                        <a:spcAft>
-                          <a:spcPts val="0"/>
-                        </a:spcAft>
-                      </a:pPr>
-                      <a:r>
-                        <a:rPr lang="ru-RU" sz="1400" dirty="0">
-                          <a:effectLst/>
-                          <a:latin typeface="Arial" pitchFamily="34" charset="0"/>
-                          <a:cs typeface="Arial" pitchFamily="34" charset="0"/>
-                        </a:rPr>
-                        <a:t>нейтральная</a:t>
-                      </a:r>
-                      <a:endParaRPr lang="ru-RU" sz="1400" dirty="0">
-                        <a:effectLst/>
-                        <a:latin typeface="Arial" pitchFamily="34" charset="0"/>
-                        <a:ea typeface="Calibri"/>
-                        <a:cs typeface="Arial" pitchFamily="34" charset="0"/>
-                      </a:endParaRPr>
-                    </a:p>
-                  </a:txBody>
-                  <a:tcPr marL="43651" marR="43651" marT="0" marB="0"/>
-                </a:tc>
-                <a:tc>
-                  <a:txBody>
-                    <a:bodyPr/>
-                    <a:lstStyle/>
-                    <a:p>
-                      <a:pPr algn="ctr">
-                        <a:lnSpc>
-                          <a:spcPct val="115000"/>
-                        </a:lnSpc>
-                        <a:spcAft>
-                          <a:spcPts val="0"/>
-                        </a:spcAft>
-                      </a:pPr>
-                      <a:r>
-                        <a:rPr lang="ru-RU" sz="1400" dirty="0">
-                          <a:effectLst/>
-                          <a:latin typeface="Arial" pitchFamily="34" charset="0"/>
-                          <a:cs typeface="Arial" pitchFamily="34" charset="0"/>
-                        </a:rPr>
-                        <a:t>низкая /</a:t>
-                      </a:r>
-                    </a:p>
-                    <a:p>
-                      <a:pPr algn="ctr">
-                        <a:lnSpc>
-                          <a:spcPct val="115000"/>
-                        </a:lnSpc>
-                        <a:spcAft>
-                          <a:spcPts val="0"/>
-                        </a:spcAft>
-                      </a:pPr>
-                      <a:r>
-                        <a:rPr lang="ru-RU" sz="1400" dirty="0">
-                          <a:effectLst/>
-                          <a:latin typeface="Arial" pitchFamily="34" charset="0"/>
-                          <a:cs typeface="Arial" pitchFamily="34" charset="0"/>
-                        </a:rPr>
-                        <a:t>нейтральная</a:t>
-                      </a:r>
-                      <a:endParaRPr lang="ru-RU" sz="1400" dirty="0">
-                        <a:effectLst/>
-                        <a:latin typeface="Arial" pitchFamily="34" charset="0"/>
-                        <a:ea typeface="Calibri"/>
-                        <a:cs typeface="Arial" pitchFamily="34" charset="0"/>
-                      </a:endParaRPr>
-                    </a:p>
-                  </a:txBody>
-                  <a:tcPr marL="43651" marR="43651" marT="0" marB="0"/>
-                </a:tc>
-                <a:tc>
-                  <a:txBody>
-                    <a:bodyPr/>
-                    <a:lstStyle/>
-                    <a:p>
-                      <a:pPr algn="ctr">
-                        <a:lnSpc>
-                          <a:spcPct val="115000"/>
-                        </a:lnSpc>
-                        <a:spcAft>
-                          <a:spcPts val="0"/>
-                        </a:spcAft>
-                      </a:pPr>
-                      <a:r>
-                        <a:rPr lang="ru-RU" sz="1400" dirty="0">
-                          <a:effectLst/>
-                          <a:latin typeface="Arial" pitchFamily="34" charset="0"/>
-                          <a:cs typeface="Arial" pitchFamily="34" charset="0"/>
-                        </a:rPr>
-                        <a:t>нейтральная</a:t>
-                      </a:r>
-                      <a:endParaRPr lang="ru-RU" sz="1400" dirty="0">
-                        <a:effectLst/>
-                        <a:latin typeface="Arial" pitchFamily="34" charset="0"/>
-                        <a:ea typeface="Calibri"/>
-                        <a:cs typeface="Arial" pitchFamily="34" charset="0"/>
-                      </a:endParaRPr>
-                    </a:p>
-                  </a:txBody>
-                  <a:tcPr marL="43651" marR="43651" marT="0" marB="0"/>
-                </a:tc>
-              </a:tr>
-            </a:tbl>
-          </a:graphicData>
-        </a:graphic>
-      </p:graphicFrame>
-      <p:sp>
-        <p:nvSpPr>
-          <p:cNvPr id="4" name="Номер слайда 3"/>
-          <p:cNvSpPr>
-            <a:spLocks noGrp="1"/>
-          </p:cNvSpPr>
-          <p:nvPr>
-            <p:ph type="sldNum" sz="quarter" idx="12"/>
-          </p:nvPr>
-        </p:nvSpPr>
-        <p:spPr/>
-        <p:txBody>
-          <a:bodyPr/>
-          <a:lstStyle/>
-          <a:p>
-            <a:fld id="{B19B0651-EE4F-4900-A07F-96A6BFA9D0F0}" type="slidenum">
-              <a:rPr lang="ru-RU" smtClean="0"/>
-              <a:t>6</a:t>
-            </a:fld>
-            <a:endParaRPr lang="ru-RU" dirty="0"/>
-          </a:p>
-        </p:txBody>
-      </p:sp>
-    </p:spTree>
-    <p:extLst>
-      <p:ext uri="{BB962C8B-B14F-4D97-AF65-F5344CB8AC3E}">
-        <p14:creationId xmlns:p14="http://schemas.microsoft.com/office/powerpoint/2010/main" val="1465796467"/>
-      </p:ext>
-    </p:extLst>
-  </p:cSld>
-  <p:clrMapOvr>
-    <a:masterClrMapping/>
-  </p:clrMapOvr>
-  <p:timing>
-    <p:tnLst>
-      <p:par>
-        <p:cTn id="1" dur="indefinite" restart="never" nodeType="tmRoot"/>
-      </p:par>
-    </p:tnLst>
-  </p:timing>
-</p:sld>
-</file>
-
-<file path=ppt/slides/slide7.xml><?xml version="1.0" encoding="utf-8"?>
-<p:sld xmlns:a="http://schemas.openxmlformats.org/drawingml/2006/main" xmlns:r="http://schemas.openxmlformats.org/officeDocument/2006/relationships" xmlns:p="http://schemas.openxmlformats.org/presentationml/2006/main">
-  <p:cSld>
-    <p:spTree>
-      <p:nvGrpSpPr>
-        <p:cNvPr id="1" name=""/>
-        <p:cNvGrpSpPr/>
-        <p:nvPr/>
-      </p:nvGrpSpPr>
-      <p:grpSpPr>
-        <a:xfrm>
-          <a:off x="0" y="0"/>
-          <a:ext cx="0" cy="0"/>
-          <a:chOff x="0" y="0"/>
-          <a:chExt cx="0" cy="0"/>
-        </a:xfrm>
-      </p:grpSpPr>
-      <p:sp>
-        <p:nvSpPr>
-          <p:cNvPr id="2" name="Заголовок 1"/>
-          <p:cNvSpPr>
-            <a:spLocks noGrp="1"/>
-          </p:cNvSpPr>
-          <p:nvPr>
-            <p:ph type="title"/>
-          </p:nvPr>
-        </p:nvSpPr>
-        <p:spPr/>
-        <p:txBody>
-          <a:bodyPr/>
-          <a:lstStyle/>
-          <a:p>
-            <a:r>
-              <a:rPr lang="ru-RU" dirty="0" smtClean="0"/>
-              <a:t>Анализ методов</a:t>
-            </a:r>
-            <a:endParaRPr lang="ru-RU" dirty="0"/>
-          </a:p>
-        </p:txBody>
-      </p:sp>
-      <p:graphicFrame>
-        <p:nvGraphicFramePr>
-          <p:cNvPr id="5" name="Объект 4"/>
-          <p:cNvGraphicFramePr>
-            <a:graphicFrameLocks noGrp="1"/>
-          </p:cNvGraphicFramePr>
-          <p:nvPr>
-            <p:ph idx="1"/>
-            <p:extLst>
-              <p:ext uri="{D42A27DB-BD31-4B8C-83A1-F6EECF244321}">
-                <p14:modId xmlns:p14="http://schemas.microsoft.com/office/powerpoint/2010/main" val="3579044008"/>
-              </p:ext>
-            </p:extLst>
-          </p:nvPr>
-        </p:nvGraphicFramePr>
-        <p:xfrm>
-          <a:off x="306140" y="1188343"/>
-          <a:ext cx="10009114" cy="5758033"/>
-        </p:xfrm>
-        <a:graphic>
-          <a:graphicData uri="http://schemas.openxmlformats.org/drawingml/2006/table">
-            <a:tbl>
-              <a:tblPr firstRow="1" firstCol="1" bandRow="1">
-                <a:tableStyleId>{5C22544A-7EE6-4342-B048-85BDC9FD1C3A}</a:tableStyleId>
-              </a:tblPr>
-              <a:tblGrid>
-                <a:gridCol w="1067675"/>
-                <a:gridCol w="1021664"/>
-                <a:gridCol w="1021664"/>
-                <a:gridCol w="965322"/>
-                <a:gridCol w="797237"/>
-                <a:gridCol w="1021664"/>
-                <a:gridCol w="1021664"/>
-                <a:gridCol w="1048896"/>
-                <a:gridCol w="1021664"/>
-                <a:gridCol w="1021664"/>
-              </a:tblGrid>
-              <a:tr h="1551297">
-                <a:tc>
-                  <a:txBody>
-                    <a:bodyPr/>
-                    <a:lstStyle/>
-                    <a:p>
-                      <a:pPr algn="ctr">
-                        <a:lnSpc>
-                          <a:spcPct val="115000"/>
-                        </a:lnSpc>
-                        <a:spcAft>
-                          <a:spcPts val="0"/>
-                        </a:spcAft>
-                      </a:pPr>
-                      <a:r>
-                        <a:rPr lang="ru-RU" sz="1400" dirty="0" smtClean="0">
-                          <a:effectLst/>
-                          <a:latin typeface="Arial" pitchFamily="34" charset="0"/>
-                          <a:cs typeface="Arial" pitchFamily="34" charset="0"/>
-                        </a:rPr>
-                        <a:t>Метод</a:t>
-                      </a:r>
-                      <a:endParaRPr lang="ru-RU" sz="1400" dirty="0">
-                        <a:effectLst/>
-                        <a:latin typeface="Arial" pitchFamily="34" charset="0"/>
-                        <a:ea typeface="Calibri"/>
-                        <a:cs typeface="Arial" pitchFamily="34" charset="0"/>
-                      </a:endParaRPr>
-                    </a:p>
-                  </a:txBody>
-                  <a:tcPr marL="43651" marR="43651" marT="0" marB="0"/>
-                </a:tc>
-                <a:tc>
-                  <a:txBody>
-                    <a:bodyPr/>
-                    <a:lstStyle/>
-                    <a:p>
-                      <a:pPr algn="ctr">
-                        <a:lnSpc>
-                          <a:spcPct val="115000"/>
-                        </a:lnSpc>
-                        <a:spcAft>
-                          <a:spcPts val="0"/>
-                        </a:spcAft>
-                      </a:pPr>
-                      <a:r>
-                        <a:rPr lang="ru-RU" sz="1400" dirty="0">
-                          <a:effectLst/>
-                          <a:latin typeface="Arial" pitchFamily="34" charset="0"/>
-                          <a:cs typeface="Arial" pitchFamily="34" charset="0"/>
-                        </a:rPr>
-                        <a:t>Точность</a:t>
-                      </a:r>
-                      <a:endParaRPr lang="ru-RU" sz="1400" dirty="0">
-                        <a:effectLst/>
-                        <a:latin typeface="Arial" pitchFamily="34" charset="0"/>
-                        <a:ea typeface="Calibri"/>
-                        <a:cs typeface="Arial" pitchFamily="34" charset="0"/>
-                      </a:endParaRPr>
-                    </a:p>
-                  </a:txBody>
-                  <a:tcPr marL="43651" marR="43651" marT="0" marB="0"/>
-                </a:tc>
-                <a:tc>
-                  <a:txBody>
-                    <a:bodyPr/>
-                    <a:lstStyle/>
-                    <a:p>
-                      <a:pPr algn="ctr">
-                        <a:lnSpc>
-                          <a:spcPct val="115000"/>
-                        </a:lnSpc>
-                        <a:spcAft>
-                          <a:spcPts val="0"/>
-                        </a:spcAft>
-                      </a:pPr>
-                      <a:r>
-                        <a:rPr lang="ru-RU" sz="1400" dirty="0" err="1" smtClean="0">
-                          <a:effectLst/>
-                          <a:latin typeface="Arial" pitchFamily="34" charset="0"/>
-                          <a:cs typeface="Arial" pitchFamily="34" charset="0"/>
-                        </a:rPr>
-                        <a:t>Масштаби</a:t>
-                      </a:r>
-                      <a:endParaRPr lang="ru-RU" sz="1400" dirty="0">
-                        <a:effectLst/>
-                        <a:latin typeface="Arial" pitchFamily="34" charset="0"/>
-                        <a:cs typeface="Arial" pitchFamily="34" charset="0"/>
-                      </a:endParaRPr>
-                    </a:p>
-                    <a:p>
-                      <a:pPr algn="ctr">
-                        <a:lnSpc>
-                          <a:spcPct val="115000"/>
-                        </a:lnSpc>
-                        <a:spcAft>
-                          <a:spcPts val="0"/>
-                        </a:spcAft>
-                      </a:pPr>
-                      <a:r>
-                        <a:rPr lang="ru-RU" sz="1400" dirty="0" err="1">
-                          <a:effectLst/>
-                          <a:latin typeface="Arial" pitchFamily="34" charset="0"/>
-                          <a:cs typeface="Arial" pitchFamily="34" charset="0"/>
-                        </a:rPr>
-                        <a:t>руемость</a:t>
-                      </a:r>
-                      <a:endParaRPr lang="ru-RU" sz="1400" dirty="0">
-                        <a:effectLst/>
-                        <a:latin typeface="Arial" pitchFamily="34" charset="0"/>
-                        <a:ea typeface="Calibri"/>
-                        <a:cs typeface="Arial" pitchFamily="34" charset="0"/>
-                      </a:endParaRPr>
-                    </a:p>
-                  </a:txBody>
-                  <a:tcPr marL="43651" marR="43651" marT="0" marB="0"/>
-                </a:tc>
-                <a:tc>
-                  <a:txBody>
-                    <a:bodyPr/>
-                    <a:lstStyle/>
-                    <a:p>
-                      <a:pPr algn="ctr">
-                        <a:lnSpc>
-                          <a:spcPct val="115000"/>
-                        </a:lnSpc>
-                        <a:spcAft>
-                          <a:spcPts val="0"/>
-                        </a:spcAft>
-                      </a:pPr>
-                      <a:r>
-                        <a:rPr lang="ru-RU" sz="1400" dirty="0" err="1">
-                          <a:effectLst/>
-                          <a:latin typeface="Arial" pitchFamily="34" charset="0"/>
-                          <a:cs typeface="Arial" pitchFamily="34" charset="0"/>
-                        </a:rPr>
-                        <a:t>Интерпрети</a:t>
-                      </a:r>
-                      <a:endParaRPr lang="ru-RU" sz="1400" dirty="0">
-                        <a:effectLst/>
-                        <a:latin typeface="Arial" pitchFamily="34" charset="0"/>
-                        <a:cs typeface="Arial" pitchFamily="34" charset="0"/>
-                      </a:endParaRPr>
-                    </a:p>
-                    <a:p>
-                      <a:pPr algn="ctr">
-                        <a:lnSpc>
-                          <a:spcPct val="115000"/>
-                        </a:lnSpc>
-                        <a:spcAft>
-                          <a:spcPts val="0"/>
-                        </a:spcAft>
-                      </a:pPr>
-                      <a:r>
-                        <a:rPr lang="ru-RU" sz="1400" dirty="0">
-                          <a:effectLst/>
-                          <a:latin typeface="Arial" pitchFamily="34" charset="0"/>
-                          <a:cs typeface="Arial" pitchFamily="34" charset="0"/>
-                        </a:rPr>
-                        <a:t>-</a:t>
-                      </a:r>
-                      <a:r>
-                        <a:rPr lang="ru-RU" sz="1400" dirty="0" err="1">
-                          <a:effectLst/>
-                          <a:latin typeface="Arial" pitchFamily="34" charset="0"/>
-                          <a:cs typeface="Arial" pitchFamily="34" charset="0"/>
-                        </a:rPr>
-                        <a:t>руемость</a:t>
-                      </a:r>
-                      <a:endParaRPr lang="ru-RU" sz="1400" dirty="0">
-                        <a:effectLst/>
-                        <a:latin typeface="Arial" pitchFamily="34" charset="0"/>
-                        <a:ea typeface="Calibri"/>
-                        <a:cs typeface="Arial" pitchFamily="34" charset="0"/>
-                      </a:endParaRPr>
-                    </a:p>
-                  </a:txBody>
-                  <a:tcPr marL="43651" marR="43651" marT="0" marB="0"/>
-                </a:tc>
-                <a:tc>
-                  <a:txBody>
-                    <a:bodyPr/>
-                    <a:lstStyle/>
-                    <a:p>
-                      <a:pPr algn="ctr">
-                        <a:lnSpc>
-                          <a:spcPct val="115000"/>
-                        </a:lnSpc>
-                        <a:spcAft>
-                          <a:spcPts val="0"/>
-                        </a:spcAft>
-                      </a:pPr>
-                      <a:r>
-                        <a:rPr lang="ru-RU" sz="1400" dirty="0" err="1">
-                          <a:effectLst/>
-                          <a:latin typeface="Arial" pitchFamily="34" charset="0"/>
-                          <a:cs typeface="Arial" pitchFamily="34" charset="0"/>
-                        </a:rPr>
-                        <a:t>Пригод</a:t>
-                      </a:r>
-                      <a:r>
-                        <a:rPr lang="ru-RU" sz="1400" dirty="0">
-                          <a:effectLst/>
-                          <a:latin typeface="Arial" pitchFamily="34" charset="0"/>
-                          <a:cs typeface="Arial" pitchFamily="34" charset="0"/>
-                        </a:rPr>
-                        <a:t>-</a:t>
-                      </a:r>
-                    </a:p>
-                    <a:p>
-                      <a:pPr algn="ctr">
-                        <a:lnSpc>
-                          <a:spcPct val="115000"/>
-                        </a:lnSpc>
-                        <a:spcAft>
-                          <a:spcPts val="0"/>
-                        </a:spcAft>
-                      </a:pPr>
-                      <a:r>
-                        <a:rPr lang="ru-RU" sz="1400" dirty="0" err="1">
-                          <a:effectLst/>
-                          <a:latin typeface="Arial" pitchFamily="34" charset="0"/>
-                          <a:cs typeface="Arial" pitchFamily="34" charset="0"/>
-                        </a:rPr>
-                        <a:t>ность</a:t>
-                      </a:r>
-                      <a:r>
-                        <a:rPr lang="ru-RU" sz="1400" dirty="0">
-                          <a:effectLst/>
-                          <a:latin typeface="Arial" pitchFamily="34" charset="0"/>
-                          <a:cs typeface="Arial" pitchFamily="34" charset="0"/>
-                        </a:rPr>
-                        <a:t> к</a:t>
-                      </a:r>
-                    </a:p>
-                    <a:p>
-                      <a:pPr algn="ctr">
-                        <a:lnSpc>
-                          <a:spcPct val="115000"/>
-                        </a:lnSpc>
-                        <a:spcAft>
-                          <a:spcPts val="0"/>
-                        </a:spcAft>
-                      </a:pPr>
-                      <a:r>
-                        <a:rPr lang="ru-RU" sz="1400" dirty="0" err="1">
-                          <a:effectLst/>
-                          <a:latin typeface="Arial" pitchFamily="34" charset="0"/>
-                          <a:cs typeface="Arial" pitchFamily="34" charset="0"/>
-                        </a:rPr>
-                        <a:t>исполь</a:t>
-                      </a:r>
-                      <a:r>
-                        <a:rPr lang="ru-RU" sz="1400" dirty="0">
-                          <a:effectLst/>
-                          <a:latin typeface="Arial" pitchFamily="34" charset="0"/>
-                          <a:cs typeface="Arial" pitchFamily="34" charset="0"/>
-                        </a:rPr>
-                        <a:t>-</a:t>
-                      </a:r>
-                    </a:p>
-                    <a:p>
-                      <a:pPr algn="ctr">
-                        <a:lnSpc>
-                          <a:spcPct val="115000"/>
-                        </a:lnSpc>
-                        <a:spcAft>
-                          <a:spcPts val="0"/>
-                        </a:spcAft>
-                      </a:pPr>
-                      <a:r>
-                        <a:rPr lang="ru-RU" sz="1400" dirty="0" err="1">
-                          <a:effectLst/>
-                          <a:latin typeface="Arial" pitchFamily="34" charset="0"/>
-                          <a:cs typeface="Arial" pitchFamily="34" charset="0"/>
-                        </a:rPr>
-                        <a:t>зованию</a:t>
-                      </a:r>
-                      <a:endParaRPr lang="ru-RU" sz="1400" dirty="0">
-                        <a:effectLst/>
-                        <a:latin typeface="Arial" pitchFamily="34" charset="0"/>
-                        <a:ea typeface="Calibri"/>
-                        <a:cs typeface="Arial" pitchFamily="34" charset="0"/>
-                      </a:endParaRPr>
-                    </a:p>
-                  </a:txBody>
-                  <a:tcPr marL="43651" marR="43651" marT="0" marB="0"/>
-                </a:tc>
-                <a:tc>
-                  <a:txBody>
-                    <a:bodyPr/>
-                    <a:lstStyle/>
-                    <a:p>
-                      <a:pPr algn="ctr">
-                        <a:lnSpc>
-                          <a:spcPct val="115000"/>
-                        </a:lnSpc>
-                        <a:spcAft>
-                          <a:spcPts val="0"/>
-                        </a:spcAft>
-                      </a:pPr>
-                      <a:r>
-                        <a:rPr lang="ru-RU" sz="1400" dirty="0" err="1">
-                          <a:effectLst/>
-                          <a:latin typeface="Arial" pitchFamily="34" charset="0"/>
-                          <a:cs typeface="Arial" pitchFamily="34" charset="0"/>
-                        </a:rPr>
-                        <a:t>Трудо</a:t>
-                      </a:r>
-                      <a:r>
-                        <a:rPr lang="ru-RU" sz="1400" dirty="0">
-                          <a:effectLst/>
-                          <a:latin typeface="Arial" pitchFamily="34" charset="0"/>
-                          <a:cs typeface="Arial" pitchFamily="34" charset="0"/>
-                        </a:rPr>
-                        <a:t>-</a:t>
-                      </a:r>
-                    </a:p>
-                    <a:p>
-                      <a:pPr algn="ctr">
-                        <a:lnSpc>
-                          <a:spcPct val="115000"/>
-                        </a:lnSpc>
-                        <a:spcAft>
-                          <a:spcPts val="0"/>
-                        </a:spcAft>
-                      </a:pPr>
-                      <a:r>
-                        <a:rPr lang="ru-RU" sz="1400" dirty="0">
-                          <a:effectLst/>
-                          <a:latin typeface="Arial" pitchFamily="34" charset="0"/>
-                          <a:cs typeface="Arial" pitchFamily="34" charset="0"/>
-                        </a:rPr>
-                        <a:t>емкость</a:t>
-                      </a:r>
-                      <a:endParaRPr lang="ru-RU" sz="1400" dirty="0">
-                        <a:effectLst/>
-                        <a:latin typeface="Arial" pitchFamily="34" charset="0"/>
-                        <a:ea typeface="Calibri"/>
-                        <a:cs typeface="Arial" pitchFamily="34" charset="0"/>
-                      </a:endParaRPr>
-                    </a:p>
-                  </a:txBody>
-                  <a:tcPr marL="43651" marR="43651" marT="0" marB="0"/>
-                </a:tc>
-                <a:tc>
-                  <a:txBody>
-                    <a:bodyPr/>
-                    <a:lstStyle/>
-                    <a:p>
-                      <a:pPr algn="ctr">
-                        <a:lnSpc>
-                          <a:spcPct val="115000"/>
-                        </a:lnSpc>
-                        <a:spcAft>
-                          <a:spcPts val="0"/>
-                        </a:spcAft>
-                      </a:pPr>
-                      <a:r>
-                        <a:rPr lang="ru-RU" sz="1400" dirty="0" err="1">
-                          <a:effectLst/>
-                          <a:latin typeface="Arial" pitchFamily="34" charset="0"/>
-                          <a:cs typeface="Arial" pitchFamily="34" charset="0"/>
-                        </a:rPr>
-                        <a:t>Разносто</a:t>
-                      </a:r>
-                      <a:endParaRPr lang="ru-RU" sz="1400" dirty="0">
-                        <a:effectLst/>
-                        <a:latin typeface="Arial" pitchFamily="34" charset="0"/>
-                        <a:cs typeface="Arial" pitchFamily="34" charset="0"/>
-                      </a:endParaRPr>
-                    </a:p>
-                    <a:p>
-                      <a:pPr algn="ctr">
-                        <a:lnSpc>
-                          <a:spcPct val="115000"/>
-                        </a:lnSpc>
-                        <a:spcAft>
-                          <a:spcPts val="0"/>
-                        </a:spcAft>
-                      </a:pPr>
-                      <a:r>
-                        <a:rPr lang="ru-RU" sz="1400" dirty="0">
-                          <a:effectLst/>
-                          <a:latin typeface="Arial" pitchFamily="34" charset="0"/>
-                          <a:cs typeface="Arial" pitchFamily="34" charset="0"/>
-                        </a:rPr>
-                        <a:t>-</a:t>
-                      </a:r>
-                    </a:p>
-                    <a:p>
-                      <a:pPr algn="ctr">
-                        <a:lnSpc>
-                          <a:spcPct val="115000"/>
-                        </a:lnSpc>
-                        <a:spcAft>
-                          <a:spcPts val="0"/>
-                        </a:spcAft>
-                      </a:pPr>
-                      <a:r>
-                        <a:rPr lang="ru-RU" sz="1400" dirty="0" err="1">
-                          <a:effectLst/>
-                          <a:latin typeface="Arial" pitchFamily="34" charset="0"/>
-                          <a:cs typeface="Arial" pitchFamily="34" charset="0"/>
-                        </a:rPr>
-                        <a:t>ронность</a:t>
-                      </a:r>
-                      <a:endParaRPr lang="ru-RU" sz="1400" dirty="0">
-                        <a:effectLst/>
-                        <a:latin typeface="Arial" pitchFamily="34" charset="0"/>
-                        <a:ea typeface="Calibri"/>
-                        <a:cs typeface="Arial" pitchFamily="34" charset="0"/>
-                      </a:endParaRPr>
-                    </a:p>
-                  </a:txBody>
-                  <a:tcPr marL="43651" marR="43651" marT="0" marB="0"/>
-                </a:tc>
-                <a:tc>
-                  <a:txBody>
-                    <a:bodyPr/>
-                    <a:lstStyle/>
-                    <a:p>
-                      <a:pPr algn="ctr">
-                        <a:lnSpc>
-                          <a:spcPct val="115000"/>
-                        </a:lnSpc>
-                        <a:spcAft>
-                          <a:spcPts val="0"/>
-                        </a:spcAft>
-                      </a:pPr>
-                      <a:r>
-                        <a:rPr lang="ru-RU" sz="1400" dirty="0">
-                          <a:effectLst/>
-                          <a:latin typeface="Arial" pitchFamily="34" charset="0"/>
-                          <a:cs typeface="Arial" pitchFamily="34" charset="0"/>
-                        </a:rPr>
-                        <a:t>Быстрота</a:t>
-                      </a:r>
-                      <a:endParaRPr lang="ru-RU" sz="1400" dirty="0">
-                        <a:effectLst/>
-                        <a:latin typeface="Arial" pitchFamily="34" charset="0"/>
-                        <a:ea typeface="Calibri"/>
-                        <a:cs typeface="Arial" pitchFamily="34" charset="0"/>
-                      </a:endParaRPr>
-                    </a:p>
-                  </a:txBody>
-                  <a:tcPr marL="43651" marR="43651" marT="0" marB="0"/>
-                </a:tc>
-                <a:tc>
-                  <a:txBody>
-                    <a:bodyPr/>
-                    <a:lstStyle/>
-                    <a:p>
-                      <a:pPr algn="ctr">
-                        <a:lnSpc>
-                          <a:spcPct val="115000"/>
-                        </a:lnSpc>
-                        <a:spcAft>
-                          <a:spcPts val="0"/>
-                        </a:spcAft>
-                      </a:pPr>
-                      <a:r>
-                        <a:rPr lang="ru-RU" sz="1400" dirty="0">
-                          <a:effectLst/>
-                          <a:latin typeface="Arial" pitchFamily="34" charset="0"/>
-                          <a:cs typeface="Arial" pitchFamily="34" charset="0"/>
-                        </a:rPr>
-                        <a:t>Популяр-</a:t>
-                      </a:r>
-                    </a:p>
-                    <a:p>
-                      <a:pPr algn="ctr">
-                        <a:lnSpc>
-                          <a:spcPct val="115000"/>
-                        </a:lnSpc>
-                        <a:spcAft>
-                          <a:spcPts val="0"/>
-                        </a:spcAft>
-                      </a:pPr>
-                      <a:r>
-                        <a:rPr lang="ru-RU" sz="1400" dirty="0" err="1">
-                          <a:effectLst/>
-                          <a:latin typeface="Arial" pitchFamily="34" charset="0"/>
-                          <a:cs typeface="Arial" pitchFamily="34" charset="0"/>
-                        </a:rPr>
-                        <a:t>ность</a:t>
-                      </a:r>
-                      <a:r>
-                        <a:rPr lang="ru-RU" sz="1400" dirty="0">
-                          <a:effectLst/>
-                          <a:latin typeface="Arial" pitchFamily="34" charset="0"/>
-                          <a:cs typeface="Arial" pitchFamily="34" charset="0"/>
-                        </a:rPr>
-                        <a:t>,</a:t>
-                      </a:r>
-                    </a:p>
-                    <a:p>
-                      <a:pPr algn="ctr">
-                        <a:lnSpc>
-                          <a:spcPct val="115000"/>
-                        </a:lnSpc>
-                        <a:spcAft>
-                          <a:spcPts val="0"/>
-                        </a:spcAft>
-                      </a:pPr>
-                      <a:r>
-                        <a:rPr lang="ru-RU" sz="1400" dirty="0">
-                          <a:effectLst/>
-                          <a:latin typeface="Arial" pitchFamily="34" charset="0"/>
-                          <a:cs typeface="Arial" pitchFamily="34" charset="0"/>
-                        </a:rPr>
-                        <a:t>широта</a:t>
-                      </a:r>
-                    </a:p>
-                    <a:p>
-                      <a:pPr algn="ctr">
-                        <a:lnSpc>
-                          <a:spcPct val="115000"/>
-                        </a:lnSpc>
-                        <a:spcAft>
-                          <a:spcPts val="0"/>
-                        </a:spcAft>
-                      </a:pPr>
-                      <a:r>
-                        <a:rPr lang="ru-RU" sz="1400" dirty="0" err="1">
-                          <a:effectLst/>
-                          <a:latin typeface="Arial" pitchFamily="34" charset="0"/>
-                          <a:cs typeface="Arial" pitchFamily="34" charset="0"/>
-                        </a:rPr>
-                        <a:t>исполь</a:t>
-                      </a:r>
-                      <a:r>
-                        <a:rPr lang="ru-RU" sz="1400" dirty="0">
-                          <a:effectLst/>
-                          <a:latin typeface="Arial" pitchFamily="34" charset="0"/>
-                          <a:cs typeface="Arial" pitchFamily="34" charset="0"/>
-                        </a:rPr>
-                        <a:t>-</a:t>
-                      </a:r>
-                    </a:p>
-                    <a:p>
-                      <a:pPr algn="ctr">
-                        <a:lnSpc>
-                          <a:spcPct val="115000"/>
-                        </a:lnSpc>
-                        <a:spcAft>
-                          <a:spcPts val="0"/>
-                        </a:spcAft>
-                      </a:pPr>
-                      <a:r>
-                        <a:rPr lang="ru-RU" sz="1400" dirty="0" err="1">
-                          <a:effectLst/>
-                          <a:latin typeface="Arial" pitchFamily="34" charset="0"/>
-                          <a:cs typeface="Arial" pitchFamily="34" charset="0"/>
-                        </a:rPr>
-                        <a:t>зования</a:t>
-                      </a:r>
-                      <a:endParaRPr lang="ru-RU" sz="1400" dirty="0">
-                        <a:effectLst/>
-                        <a:latin typeface="Arial" pitchFamily="34" charset="0"/>
-                        <a:ea typeface="Calibri"/>
-                        <a:cs typeface="Arial" pitchFamily="34" charset="0"/>
-                      </a:endParaRPr>
-                    </a:p>
-                  </a:txBody>
-                  <a:tcPr marL="43651" marR="43651" marT="0" marB="0"/>
-                </a:tc>
-                <a:tc>
-                  <a:txBody>
-                    <a:bodyPr/>
-                    <a:lstStyle/>
-                    <a:p>
-                      <a:pPr algn="ctr">
-                        <a:lnSpc>
-                          <a:spcPct val="115000"/>
-                        </a:lnSpc>
-                        <a:spcAft>
-                          <a:spcPts val="0"/>
-                        </a:spcAft>
-                      </a:pPr>
-                      <a:r>
-                        <a:rPr lang="ru-RU" sz="1400" dirty="0" smtClean="0">
-                          <a:effectLst/>
-                          <a:latin typeface="Arial" pitchFamily="34" charset="0"/>
-                          <a:ea typeface="Calibri"/>
-                          <a:cs typeface="Arial" pitchFamily="34" charset="0"/>
-                        </a:rPr>
-                        <a:t>Итог</a:t>
-                      </a:r>
-                      <a:endParaRPr lang="ru-RU" sz="1400" dirty="0">
-                        <a:effectLst/>
-                        <a:latin typeface="Arial" pitchFamily="34" charset="0"/>
-                        <a:ea typeface="Calibri"/>
-                        <a:cs typeface="Arial" pitchFamily="34" charset="0"/>
-                      </a:endParaRPr>
-                    </a:p>
-                  </a:txBody>
-                  <a:tcPr marL="43651" marR="43651" marT="0" marB="0"/>
-                </a:tc>
-              </a:tr>
-              <a:tr h="1267603">
-                <a:tc>
-                  <a:txBody>
-                    <a:bodyPr/>
-                    <a:lstStyle/>
-                    <a:p>
-                      <a:pPr>
-                        <a:lnSpc>
-                          <a:spcPct val="115000"/>
-                        </a:lnSpc>
-                        <a:spcAft>
-                          <a:spcPts val="0"/>
-                        </a:spcAft>
-                      </a:pPr>
-                      <a:r>
-                        <a:rPr lang="ru-RU" sz="1400">
-                          <a:effectLst/>
-                          <a:latin typeface="Arial" pitchFamily="34" charset="0"/>
-                          <a:cs typeface="Arial" pitchFamily="34" charset="0"/>
-                        </a:rPr>
-                        <a:t>классические методы (линейная</a:t>
-                      </a:r>
-                    </a:p>
-                    <a:p>
-                      <a:pPr>
-                        <a:lnSpc>
-                          <a:spcPct val="115000"/>
-                        </a:lnSpc>
-                        <a:spcAft>
-                          <a:spcPts val="0"/>
-                        </a:spcAft>
-                      </a:pPr>
-                      <a:r>
-                        <a:rPr lang="ru-RU" sz="1400">
-                          <a:effectLst/>
-                          <a:latin typeface="Arial" pitchFamily="34" charset="0"/>
-                          <a:cs typeface="Arial" pitchFamily="34" charset="0"/>
-                        </a:rPr>
-                        <a:t>регрессия)</a:t>
-                      </a:r>
-                      <a:endParaRPr lang="ru-RU" sz="1400">
-                        <a:effectLst/>
-                        <a:latin typeface="Arial" pitchFamily="34" charset="0"/>
-                        <a:ea typeface="Calibri"/>
-                        <a:cs typeface="Arial" pitchFamily="34" charset="0"/>
-                      </a:endParaRPr>
-                    </a:p>
-                  </a:txBody>
-                  <a:tcPr marL="43651" marR="43651" marT="0" marB="0"/>
-                </a:tc>
-                <a:tc>
-                  <a:txBody>
-                    <a:bodyPr/>
-                    <a:lstStyle/>
-                    <a:p>
-                      <a:pPr algn="ctr" fontAlgn="b"/>
-                      <a:r>
-                        <a:rPr lang="ru-RU" sz="1400" b="0" i="0" u="none" strike="noStrike" dirty="0">
-                          <a:solidFill>
-                            <a:srgbClr val="000000"/>
-                          </a:solidFill>
-                          <a:effectLst/>
-                          <a:latin typeface="Calibri"/>
-                        </a:rPr>
-                        <a:t>0,571429</a:t>
-                      </a:r>
-                    </a:p>
-                  </a:txBody>
-                  <a:tcPr marL="7620" marR="7620" marT="7620" marB="0" anchor="ctr"/>
-                </a:tc>
-                <a:tc>
-                  <a:txBody>
-                    <a:bodyPr/>
-                    <a:lstStyle/>
-                    <a:p>
-                      <a:pPr algn="ctr" fontAlgn="b"/>
-                      <a:r>
-                        <a:rPr lang="ru-RU" sz="1400" b="0" i="0" u="none" strike="noStrike" dirty="0">
-                          <a:solidFill>
-                            <a:srgbClr val="000000"/>
-                          </a:solidFill>
-                          <a:effectLst/>
-                          <a:latin typeface="Calibri"/>
-                        </a:rPr>
-                        <a:t>0,857143</a:t>
-                      </a:r>
-                    </a:p>
-                  </a:txBody>
-                  <a:tcPr marL="7620" marR="7620" marT="7620" marB="0" anchor="ctr"/>
-                </a:tc>
-                <a:tc>
-                  <a:txBody>
-                    <a:bodyPr/>
-                    <a:lstStyle/>
-                    <a:p>
-                      <a:pPr algn="ctr" fontAlgn="b"/>
-                      <a:r>
-                        <a:rPr lang="ru-RU" sz="1400" b="0" i="0" u="none" strike="noStrike" dirty="0">
-                          <a:solidFill>
-                            <a:srgbClr val="000000"/>
-                          </a:solidFill>
-                          <a:effectLst/>
-                          <a:latin typeface="Calibri"/>
-                        </a:rPr>
-                        <a:t>0,714286</a:t>
-                      </a:r>
-                    </a:p>
-                  </a:txBody>
-                  <a:tcPr marL="7620" marR="7620" marT="7620" marB="0" anchor="ctr"/>
-                </a:tc>
-                <a:tc>
-                  <a:txBody>
-                    <a:bodyPr/>
-                    <a:lstStyle/>
-                    <a:p>
-                      <a:pPr algn="ctr" fontAlgn="b"/>
-                      <a:r>
-                        <a:rPr lang="ru-RU" sz="1400" b="0" i="0" u="none" strike="noStrike" dirty="0">
-                          <a:solidFill>
-                            <a:srgbClr val="000000"/>
-                          </a:solidFill>
-                          <a:effectLst/>
-                          <a:latin typeface="Calibri"/>
-                        </a:rPr>
-                        <a:t>0,857143</a:t>
-                      </a:r>
-                    </a:p>
-                  </a:txBody>
-                  <a:tcPr marL="7620" marR="7620" marT="7620" marB="0" anchor="ctr"/>
-                </a:tc>
-                <a:tc>
-                  <a:txBody>
-                    <a:bodyPr/>
-                    <a:lstStyle/>
-                    <a:p>
-                      <a:pPr algn="ctr" fontAlgn="b"/>
-                      <a:r>
-                        <a:rPr lang="ru-RU" sz="1400" b="0" i="0" u="none" strike="noStrike" dirty="0" smtClean="0">
-                          <a:solidFill>
-                            <a:srgbClr val="000000"/>
-                          </a:solidFill>
-                          <a:effectLst/>
-                          <a:latin typeface="Calibri"/>
-                        </a:rPr>
-                        <a:t>0,571429</a:t>
-                      </a:r>
-                      <a:endParaRPr lang="ru-RU" sz="1400" b="0" i="0" u="none" strike="noStrike" dirty="0">
-                        <a:solidFill>
-                          <a:srgbClr val="000000"/>
-                        </a:solidFill>
-                        <a:effectLst/>
-                        <a:latin typeface="Calibri"/>
-                      </a:endParaRPr>
-                    </a:p>
-                  </a:txBody>
-                  <a:tcPr marL="7620" marR="7620" marT="7620" marB="0" anchor="ctr"/>
-                </a:tc>
-                <a:tc>
-                  <a:txBody>
-                    <a:bodyPr/>
-                    <a:lstStyle/>
-                    <a:p>
-                      <a:pPr algn="ctr" fontAlgn="b"/>
-                      <a:r>
-                        <a:rPr lang="ru-RU" sz="1400" b="0" i="0" u="none" strike="noStrike" dirty="0">
-                          <a:solidFill>
-                            <a:srgbClr val="000000"/>
-                          </a:solidFill>
-                          <a:effectLst/>
-                          <a:latin typeface="Calibri"/>
-                        </a:rPr>
-                        <a:t>0,571429</a:t>
-                      </a:r>
-                    </a:p>
-                  </a:txBody>
-                  <a:tcPr marL="7620" marR="7620" marT="7620" marB="0" anchor="ctr"/>
-                </a:tc>
-                <a:tc>
-                  <a:txBody>
-                    <a:bodyPr/>
-                    <a:lstStyle/>
-                    <a:p>
-                      <a:pPr algn="ctr" fontAlgn="b"/>
-                      <a:r>
-                        <a:rPr lang="ru-RU" sz="1400" b="0" i="0" u="none" strike="noStrike">
-                          <a:solidFill>
-                            <a:srgbClr val="000000"/>
-                          </a:solidFill>
-                          <a:effectLst/>
-                          <a:latin typeface="Calibri"/>
-                        </a:rPr>
-                        <a:t>0,857143</a:t>
-                      </a:r>
-                    </a:p>
-                  </a:txBody>
-                  <a:tcPr marL="7620" marR="7620" marT="7620" marB="0" anchor="ctr"/>
-                </a:tc>
-                <a:tc>
-                  <a:txBody>
-                    <a:bodyPr/>
-                    <a:lstStyle/>
-                    <a:p>
-                      <a:pPr algn="ctr" fontAlgn="b"/>
-                      <a:r>
-                        <a:rPr lang="ru-RU" sz="1400" b="0" i="0" u="none" strike="noStrike" dirty="0">
-                          <a:solidFill>
-                            <a:srgbClr val="000000"/>
-                          </a:solidFill>
-                          <a:effectLst/>
-                          <a:latin typeface="Calibri"/>
-                        </a:rPr>
-                        <a:t>0,285714</a:t>
-                      </a:r>
-                    </a:p>
-                  </a:txBody>
-                  <a:tcPr marL="7620" marR="7620" marT="7620" marB="0" anchor="ctr"/>
-                </a:tc>
-                <a:tc>
-                  <a:txBody>
-                    <a:bodyPr/>
-                    <a:lstStyle/>
-                    <a:p>
-                      <a:pPr algn="ctr" fontAlgn="b"/>
-                      <a:r>
-                        <a:rPr lang="ru-RU" sz="1400" b="0" i="0" u="none" strike="noStrike" dirty="0">
-                          <a:solidFill>
-                            <a:srgbClr val="000000"/>
-                          </a:solidFill>
-                          <a:effectLst/>
-                          <a:latin typeface="Calibri"/>
-                        </a:rPr>
-                        <a:t>0,660714</a:t>
-                      </a:r>
-                    </a:p>
-                  </a:txBody>
-                  <a:tcPr marL="7620" marR="7620" marT="7620" marB="0" anchor="ctr"/>
-                </a:tc>
-              </a:tr>
-              <a:tr h="421327">
-                <a:tc>
-                  <a:txBody>
-                    <a:bodyPr/>
-                    <a:lstStyle/>
-                    <a:p>
-                      <a:pPr>
-                        <a:lnSpc>
-                          <a:spcPct val="115000"/>
-                        </a:lnSpc>
-                        <a:spcAft>
-                          <a:spcPts val="0"/>
-                        </a:spcAft>
-                      </a:pPr>
-                      <a:r>
-                        <a:rPr lang="ru-RU" sz="1400">
-                          <a:effectLst/>
-                          <a:latin typeface="Arial" pitchFamily="34" charset="0"/>
-                          <a:cs typeface="Arial" pitchFamily="34" charset="0"/>
-                        </a:rPr>
-                        <a:t>нейронны</a:t>
-                      </a:r>
-                    </a:p>
-                    <a:p>
-                      <a:pPr>
-                        <a:lnSpc>
-                          <a:spcPct val="115000"/>
-                        </a:lnSpc>
-                        <a:spcAft>
-                          <a:spcPts val="0"/>
-                        </a:spcAft>
-                      </a:pPr>
-                      <a:r>
-                        <a:rPr lang="ru-RU" sz="1400">
-                          <a:effectLst/>
-                          <a:latin typeface="Arial" pitchFamily="34" charset="0"/>
-                          <a:cs typeface="Arial" pitchFamily="34" charset="0"/>
-                        </a:rPr>
-                        <a:t>е сети</a:t>
-                      </a:r>
-                      <a:endParaRPr lang="ru-RU" sz="1400">
-                        <a:effectLst/>
-                        <a:latin typeface="Arial" pitchFamily="34" charset="0"/>
-                        <a:ea typeface="Calibri"/>
-                        <a:cs typeface="Arial" pitchFamily="34" charset="0"/>
-                      </a:endParaRPr>
-                    </a:p>
-                  </a:txBody>
-                  <a:tcPr marL="43651" marR="43651" marT="0" marB="0"/>
-                </a:tc>
-                <a:tc>
-                  <a:txBody>
-                    <a:bodyPr/>
-                    <a:lstStyle/>
-                    <a:p>
-                      <a:pPr algn="ctr" fontAlgn="b"/>
-                      <a:r>
-                        <a:rPr lang="ru-RU" sz="1400" b="0" i="0" u="none" strike="noStrike">
-                          <a:solidFill>
-                            <a:srgbClr val="000000"/>
-                          </a:solidFill>
-                          <a:effectLst/>
-                          <a:latin typeface="Calibri"/>
-                        </a:rPr>
-                        <a:t>0,857143</a:t>
-                      </a:r>
-                    </a:p>
-                  </a:txBody>
-                  <a:tcPr marL="7620" marR="7620" marT="7620" marB="0" anchor="ctr"/>
-                </a:tc>
-                <a:tc>
-                  <a:txBody>
-                    <a:bodyPr/>
-                    <a:lstStyle/>
-                    <a:p>
-                      <a:pPr algn="ctr" fontAlgn="b"/>
-                      <a:r>
-                        <a:rPr lang="ru-RU" sz="1400" b="0" i="0" u="none" strike="noStrike" dirty="0">
-                          <a:solidFill>
-                            <a:srgbClr val="000000"/>
-                          </a:solidFill>
-                          <a:effectLst/>
-                          <a:latin typeface="Calibri"/>
-                        </a:rPr>
-                        <a:t>0,285714</a:t>
-                      </a:r>
-                    </a:p>
-                  </a:txBody>
-                  <a:tcPr marL="7620" marR="7620" marT="7620" marB="0" anchor="ctr"/>
-                </a:tc>
-                <a:tc>
-                  <a:txBody>
-                    <a:bodyPr/>
-                    <a:lstStyle/>
-                    <a:p>
-                      <a:pPr algn="ctr" fontAlgn="b"/>
-                      <a:r>
-                        <a:rPr lang="ru-RU" sz="1400" b="0" i="0" u="none" strike="noStrike">
-                          <a:solidFill>
-                            <a:srgbClr val="000000"/>
-                          </a:solidFill>
-                          <a:effectLst/>
-                          <a:latin typeface="Calibri"/>
-                        </a:rPr>
-                        <a:t>0,285714</a:t>
-                      </a:r>
-                    </a:p>
-                  </a:txBody>
-                  <a:tcPr marL="7620" marR="7620" marT="7620" marB="0" anchor="ctr"/>
-                </a:tc>
-                <a:tc>
-                  <a:txBody>
-                    <a:bodyPr/>
-                    <a:lstStyle/>
-                    <a:p>
-                      <a:pPr algn="ctr" fontAlgn="b"/>
-                      <a:r>
-                        <a:rPr lang="ru-RU" sz="1400" b="0" i="0" u="none" strike="noStrike">
-                          <a:solidFill>
-                            <a:srgbClr val="000000"/>
-                          </a:solidFill>
-                          <a:effectLst/>
-                          <a:latin typeface="Calibri"/>
-                        </a:rPr>
-                        <a:t>0,285714</a:t>
-                      </a:r>
-                    </a:p>
-                  </a:txBody>
-                  <a:tcPr marL="7620" marR="7620" marT="7620" marB="0" anchor="ctr"/>
-                </a:tc>
-                <a:tc>
-                  <a:txBody>
-                    <a:bodyPr/>
-                    <a:lstStyle/>
-                    <a:p>
-                      <a:pPr algn="ctr" fontAlgn="b"/>
-                      <a:r>
-                        <a:rPr lang="ru-RU" sz="1400" b="0" i="0" u="none" strike="noStrike" dirty="0">
-                          <a:solidFill>
-                            <a:srgbClr val="000000"/>
-                          </a:solidFill>
-                          <a:effectLst/>
-                          <a:latin typeface="Calibri"/>
-                        </a:rPr>
-                        <a:t>0,571429</a:t>
-                      </a:r>
-                    </a:p>
-                  </a:txBody>
-                  <a:tcPr marL="7620" marR="7620" marT="7620" marB="0" anchor="ctr"/>
-                </a:tc>
-                <a:tc>
-                  <a:txBody>
-                    <a:bodyPr/>
-                    <a:lstStyle/>
-                    <a:p>
-                      <a:pPr algn="ctr" fontAlgn="b"/>
-                      <a:r>
-                        <a:rPr lang="ru-RU" sz="1400" b="0" i="0" u="none" strike="noStrike">
-                          <a:solidFill>
-                            <a:srgbClr val="000000"/>
-                          </a:solidFill>
-                          <a:effectLst/>
-                          <a:latin typeface="Calibri"/>
-                        </a:rPr>
-                        <a:t>0,285714</a:t>
-                      </a:r>
-                    </a:p>
-                  </a:txBody>
-                  <a:tcPr marL="7620" marR="7620" marT="7620" marB="0" anchor="ctr"/>
-                </a:tc>
-                <a:tc>
-                  <a:txBody>
-                    <a:bodyPr/>
-                    <a:lstStyle/>
-                    <a:p>
-                      <a:pPr algn="ctr" fontAlgn="b"/>
-                      <a:r>
-                        <a:rPr lang="ru-RU" sz="1400" b="0" i="0" u="none" strike="noStrike" dirty="0">
-                          <a:solidFill>
-                            <a:srgbClr val="000000"/>
-                          </a:solidFill>
-                          <a:effectLst/>
-                          <a:latin typeface="Calibri"/>
-                        </a:rPr>
-                        <a:t>0,142857</a:t>
-                      </a:r>
-                    </a:p>
-                  </a:txBody>
-                  <a:tcPr marL="7620" marR="7620" marT="7620" marB="0" anchor="ctr"/>
-                </a:tc>
-                <a:tc>
-                  <a:txBody>
-                    <a:bodyPr/>
-                    <a:lstStyle/>
-                    <a:p>
-                      <a:pPr algn="ctr" fontAlgn="b"/>
-                      <a:r>
-                        <a:rPr lang="ru-RU" sz="1400" b="0" i="0" u="none" strike="noStrike" dirty="0">
-                          <a:solidFill>
-                            <a:srgbClr val="000000"/>
-                          </a:solidFill>
-                          <a:effectLst/>
-                          <a:latin typeface="Calibri"/>
-                        </a:rPr>
-                        <a:t>0,285714</a:t>
-                      </a:r>
-                    </a:p>
-                  </a:txBody>
-                  <a:tcPr marL="7620" marR="7620" marT="7620" marB="0" anchor="ctr"/>
-                </a:tc>
-                <a:tc>
-                  <a:txBody>
-                    <a:bodyPr/>
-                    <a:lstStyle/>
-                    <a:p>
-                      <a:pPr algn="ctr" fontAlgn="b"/>
-                      <a:r>
-                        <a:rPr lang="ru-RU" sz="1400" b="0" i="0" u="none" strike="noStrike" dirty="0">
-                          <a:solidFill>
-                            <a:srgbClr val="000000"/>
-                          </a:solidFill>
-                          <a:effectLst/>
-                          <a:latin typeface="Calibri"/>
-                        </a:rPr>
-                        <a:t>0,375</a:t>
-                      </a:r>
-                    </a:p>
-                  </a:txBody>
-                  <a:tcPr marL="7620" marR="7620" marT="7620" marB="0" anchor="ctr"/>
-                </a:tc>
-              </a:tr>
-              <a:tr h="842060">
-                <a:tc>
-                  <a:txBody>
-                    <a:bodyPr/>
-                    <a:lstStyle/>
-                    <a:p>
-                      <a:pPr>
-                        <a:lnSpc>
-                          <a:spcPct val="115000"/>
-                        </a:lnSpc>
-                        <a:spcAft>
-                          <a:spcPts val="0"/>
-                        </a:spcAft>
-                      </a:pPr>
-                      <a:r>
-                        <a:rPr lang="ru-RU" sz="1400">
-                          <a:effectLst/>
-                          <a:latin typeface="Arial" pitchFamily="34" charset="0"/>
-                          <a:cs typeface="Arial" pitchFamily="34" charset="0"/>
-                        </a:rPr>
-                        <a:t>методы</a:t>
-                      </a:r>
-                    </a:p>
-                    <a:p>
-                      <a:pPr>
-                        <a:lnSpc>
-                          <a:spcPct val="115000"/>
-                        </a:lnSpc>
-                        <a:spcAft>
-                          <a:spcPts val="0"/>
-                        </a:spcAft>
-                      </a:pPr>
-                      <a:r>
-                        <a:rPr lang="ru-RU" sz="1400">
-                          <a:effectLst/>
-                          <a:latin typeface="Arial" pitchFamily="34" charset="0"/>
-                          <a:cs typeface="Arial" pitchFamily="34" charset="0"/>
-                        </a:rPr>
-                        <a:t>визуали-</a:t>
-                      </a:r>
-                    </a:p>
-                    <a:p>
-                      <a:pPr>
-                        <a:lnSpc>
-                          <a:spcPct val="115000"/>
-                        </a:lnSpc>
-                        <a:spcAft>
-                          <a:spcPts val="0"/>
-                        </a:spcAft>
-                      </a:pPr>
-                      <a:r>
-                        <a:rPr lang="ru-RU" sz="1400">
-                          <a:effectLst/>
-                          <a:latin typeface="Arial" pitchFamily="34" charset="0"/>
-                          <a:cs typeface="Arial" pitchFamily="34" charset="0"/>
-                        </a:rPr>
-                        <a:t>зации</a:t>
-                      </a:r>
-                      <a:endParaRPr lang="ru-RU" sz="1400">
-                        <a:effectLst/>
-                        <a:latin typeface="Arial" pitchFamily="34" charset="0"/>
-                        <a:ea typeface="Calibri"/>
-                        <a:cs typeface="Arial" pitchFamily="34" charset="0"/>
-                      </a:endParaRPr>
-                    </a:p>
-                  </a:txBody>
-                  <a:tcPr marL="43651" marR="43651" marT="0" marB="0"/>
-                </a:tc>
-                <a:tc>
-                  <a:txBody>
-                    <a:bodyPr/>
-                    <a:lstStyle/>
-                    <a:p>
-                      <a:pPr algn="ctr" fontAlgn="b"/>
-                      <a:r>
-                        <a:rPr lang="ru-RU" sz="1400" b="0" i="0" u="none" strike="noStrike">
-                          <a:solidFill>
-                            <a:srgbClr val="000000"/>
-                          </a:solidFill>
-                          <a:effectLst/>
-                          <a:latin typeface="Calibri"/>
-                        </a:rPr>
-                        <a:t>0,857143</a:t>
-                      </a:r>
-                    </a:p>
-                  </a:txBody>
-                  <a:tcPr marL="7620" marR="7620" marT="7620" marB="0" anchor="ctr"/>
-                </a:tc>
-                <a:tc>
-                  <a:txBody>
-                    <a:bodyPr/>
-                    <a:lstStyle/>
-                    <a:p>
-                      <a:pPr algn="ctr" fontAlgn="b"/>
-                      <a:r>
-                        <a:rPr lang="ru-RU" sz="1400" b="0" i="0" u="none" strike="noStrike" dirty="0">
-                          <a:solidFill>
-                            <a:srgbClr val="000000"/>
-                          </a:solidFill>
-                          <a:effectLst/>
-                          <a:latin typeface="Calibri"/>
-                        </a:rPr>
-                        <a:t>0,142857</a:t>
-                      </a:r>
-                    </a:p>
-                  </a:txBody>
-                  <a:tcPr marL="7620" marR="7620" marT="7620" marB="0" anchor="ctr"/>
-                </a:tc>
-                <a:tc>
-                  <a:txBody>
-                    <a:bodyPr/>
-                    <a:lstStyle/>
-                    <a:p>
-                      <a:pPr algn="ctr" fontAlgn="b"/>
-                      <a:r>
-                        <a:rPr lang="ru-RU" sz="1400" b="0" i="0" u="none" strike="noStrike" dirty="0">
-                          <a:solidFill>
-                            <a:srgbClr val="000000"/>
-                          </a:solidFill>
-                          <a:effectLst/>
-                          <a:latin typeface="Calibri"/>
-                        </a:rPr>
-                        <a:t>0,857143</a:t>
-                      </a:r>
-                    </a:p>
-                  </a:txBody>
-                  <a:tcPr marL="7620" marR="7620" marT="7620" marB="0" anchor="ctr"/>
-                </a:tc>
-                <a:tc>
-                  <a:txBody>
-                    <a:bodyPr/>
-                    <a:lstStyle/>
-                    <a:p>
-                      <a:pPr algn="ctr" fontAlgn="b"/>
-                      <a:r>
-                        <a:rPr lang="ru-RU" sz="1400" b="0" i="0" u="none" strike="noStrike" dirty="0">
-                          <a:solidFill>
-                            <a:srgbClr val="000000"/>
-                          </a:solidFill>
-                          <a:effectLst/>
-                          <a:latin typeface="Calibri"/>
-                        </a:rPr>
-                        <a:t>0,857143</a:t>
-                      </a:r>
-                    </a:p>
-                  </a:txBody>
-                  <a:tcPr marL="7620" marR="7620" marT="7620" marB="0" anchor="ctr"/>
-                </a:tc>
-                <a:tc>
-                  <a:txBody>
-                    <a:bodyPr/>
-                    <a:lstStyle/>
-                    <a:p>
-                      <a:pPr algn="ctr" fontAlgn="b"/>
-                      <a:r>
-                        <a:rPr lang="ru-RU" sz="1400" b="0" i="0" u="none" strike="noStrike" dirty="0">
-                          <a:solidFill>
-                            <a:srgbClr val="000000"/>
-                          </a:solidFill>
-                          <a:effectLst/>
-                          <a:latin typeface="Calibri"/>
-                        </a:rPr>
-                        <a:t>1</a:t>
-                      </a:r>
-                    </a:p>
-                  </a:txBody>
-                  <a:tcPr marL="7620" marR="7620" marT="7620" marB="0" anchor="ctr"/>
-                </a:tc>
-                <a:tc>
-                  <a:txBody>
-                    <a:bodyPr/>
-                    <a:lstStyle/>
-                    <a:p>
-                      <a:pPr algn="ctr" fontAlgn="b"/>
-                      <a:r>
-                        <a:rPr lang="ru-RU" sz="1400" b="0" i="0" u="none" strike="noStrike" dirty="0">
-                          <a:solidFill>
-                            <a:srgbClr val="000000"/>
-                          </a:solidFill>
-                          <a:effectLst/>
-                          <a:latin typeface="Calibri"/>
-                        </a:rPr>
-                        <a:t>0,285714</a:t>
-                      </a:r>
-                    </a:p>
-                  </a:txBody>
-                  <a:tcPr marL="7620" marR="7620" marT="7620" marB="0" anchor="ctr"/>
-                </a:tc>
-                <a:tc>
-                  <a:txBody>
-                    <a:bodyPr/>
-                    <a:lstStyle/>
-                    <a:p>
-                      <a:pPr algn="ctr" fontAlgn="b"/>
-                      <a:r>
-                        <a:rPr lang="ru-RU" sz="1400" b="0" i="0" u="none" strike="noStrike">
-                          <a:solidFill>
-                            <a:srgbClr val="000000"/>
-                          </a:solidFill>
-                          <a:effectLst/>
-                          <a:latin typeface="Calibri"/>
-                        </a:rPr>
-                        <a:t>0,142857</a:t>
-                      </a:r>
-                    </a:p>
-                  </a:txBody>
-                  <a:tcPr marL="7620" marR="7620" marT="7620" marB="0" anchor="ctr"/>
-                </a:tc>
-                <a:tc>
-                  <a:txBody>
-                    <a:bodyPr/>
-                    <a:lstStyle/>
-                    <a:p>
-                      <a:pPr algn="ctr" fontAlgn="b"/>
-                      <a:r>
-                        <a:rPr lang="ru-RU" sz="1400" b="0" i="0" u="none" strike="noStrike" dirty="0">
-                          <a:solidFill>
-                            <a:srgbClr val="000000"/>
-                          </a:solidFill>
-                          <a:effectLst/>
-                          <a:latin typeface="Calibri"/>
-                        </a:rPr>
-                        <a:t>0,714286</a:t>
-                      </a:r>
-                    </a:p>
-                  </a:txBody>
-                  <a:tcPr marL="7620" marR="7620" marT="7620" marB="0" anchor="ctr"/>
-                </a:tc>
-                <a:tc>
-                  <a:txBody>
-                    <a:bodyPr/>
-                    <a:lstStyle/>
-                    <a:p>
-                      <a:pPr algn="ctr" fontAlgn="b"/>
-                      <a:r>
-                        <a:rPr lang="ru-RU" sz="1400" b="0" i="0" u="none" strike="noStrike" dirty="0">
-                          <a:solidFill>
-                            <a:srgbClr val="000000"/>
-                          </a:solidFill>
-                          <a:effectLst/>
-                          <a:latin typeface="Calibri"/>
-                        </a:rPr>
-                        <a:t>0,607143</a:t>
-                      </a:r>
-                    </a:p>
-                  </a:txBody>
-                  <a:tcPr marL="7620" marR="7620" marT="7620" marB="0" anchor="ctr"/>
-                </a:tc>
-              </a:tr>
-              <a:tr h="622438">
-                <a:tc>
-                  <a:txBody>
-                    <a:bodyPr/>
-                    <a:lstStyle/>
-                    <a:p>
-                      <a:pPr>
-                        <a:lnSpc>
-                          <a:spcPct val="115000"/>
-                        </a:lnSpc>
-                        <a:spcAft>
-                          <a:spcPts val="0"/>
-                        </a:spcAft>
-                      </a:pPr>
-                      <a:r>
-                        <a:rPr lang="ru-RU" sz="1400">
-                          <a:effectLst/>
-                          <a:latin typeface="Arial" pitchFamily="34" charset="0"/>
-                          <a:cs typeface="Arial" pitchFamily="34" charset="0"/>
-                        </a:rPr>
-                        <a:t>деревья</a:t>
-                      </a:r>
-                    </a:p>
-                    <a:p>
-                      <a:pPr>
-                        <a:lnSpc>
-                          <a:spcPct val="115000"/>
-                        </a:lnSpc>
-                        <a:spcAft>
-                          <a:spcPts val="0"/>
-                        </a:spcAft>
-                      </a:pPr>
-                      <a:r>
-                        <a:rPr lang="ru-RU" sz="1400">
-                          <a:effectLst/>
-                          <a:latin typeface="Arial" pitchFamily="34" charset="0"/>
-                          <a:cs typeface="Arial" pitchFamily="34" charset="0"/>
-                        </a:rPr>
-                        <a:t>решений</a:t>
-                      </a:r>
-                      <a:endParaRPr lang="ru-RU" sz="1400">
-                        <a:effectLst/>
-                        <a:latin typeface="Arial" pitchFamily="34" charset="0"/>
-                        <a:ea typeface="Calibri"/>
-                        <a:cs typeface="Arial" pitchFamily="34" charset="0"/>
-                      </a:endParaRPr>
-                    </a:p>
-                  </a:txBody>
-                  <a:tcPr marL="43651" marR="43651" marT="0" marB="0"/>
-                </a:tc>
-                <a:tc>
-                  <a:txBody>
-                    <a:bodyPr/>
-                    <a:lstStyle/>
-                    <a:p>
-                      <a:pPr algn="ctr" fontAlgn="b"/>
-                      <a:r>
-                        <a:rPr lang="ru-RU" sz="1400" b="0" i="0" u="none" strike="noStrike">
-                          <a:solidFill>
-                            <a:srgbClr val="000000"/>
-                          </a:solidFill>
-                          <a:effectLst/>
-                          <a:latin typeface="Calibri"/>
-                        </a:rPr>
-                        <a:t>0,285714</a:t>
-                      </a:r>
-                    </a:p>
-                  </a:txBody>
-                  <a:tcPr marL="7620" marR="7620" marT="7620" marB="0" anchor="ctr"/>
-                </a:tc>
-                <a:tc>
-                  <a:txBody>
-                    <a:bodyPr/>
-                    <a:lstStyle/>
-                    <a:p>
-                      <a:pPr algn="ctr" fontAlgn="b"/>
-                      <a:r>
-                        <a:rPr lang="ru-RU" sz="1400" b="0" i="0" u="none" strike="noStrike">
-                          <a:solidFill>
-                            <a:srgbClr val="000000"/>
-                          </a:solidFill>
-                          <a:effectLst/>
-                          <a:latin typeface="Calibri"/>
-                        </a:rPr>
-                        <a:t>0,857143</a:t>
-                      </a:r>
-                    </a:p>
-                  </a:txBody>
-                  <a:tcPr marL="7620" marR="7620" marT="7620" marB="0" anchor="ctr"/>
-                </a:tc>
-                <a:tc>
-                  <a:txBody>
-                    <a:bodyPr/>
-                    <a:lstStyle/>
-                    <a:p>
-                      <a:pPr algn="ctr" fontAlgn="b"/>
-                      <a:r>
-                        <a:rPr lang="ru-RU" sz="1400" b="0" i="0" u="none" strike="noStrike">
-                          <a:solidFill>
-                            <a:srgbClr val="000000"/>
-                          </a:solidFill>
-                          <a:effectLst/>
-                          <a:latin typeface="Calibri"/>
-                        </a:rPr>
-                        <a:t>0,857143</a:t>
-                      </a:r>
-                    </a:p>
-                  </a:txBody>
-                  <a:tcPr marL="7620" marR="7620" marT="7620" marB="0" anchor="ctr"/>
-                </a:tc>
-                <a:tc>
-                  <a:txBody>
-                    <a:bodyPr/>
-                    <a:lstStyle/>
-                    <a:p>
-                      <a:pPr algn="ctr" fontAlgn="b"/>
-                      <a:r>
-                        <a:rPr lang="ru-RU" sz="1400" b="0" i="0" u="none" strike="noStrike" dirty="0">
-                          <a:solidFill>
-                            <a:srgbClr val="000000"/>
-                          </a:solidFill>
-                          <a:effectLst/>
-                          <a:latin typeface="Calibri"/>
-                        </a:rPr>
-                        <a:t>0,714286</a:t>
-                      </a:r>
-                    </a:p>
-                  </a:txBody>
-                  <a:tcPr marL="7620" marR="7620" marT="7620" marB="0" anchor="ctr"/>
-                </a:tc>
-                <a:tc>
-                  <a:txBody>
-                    <a:bodyPr/>
-                    <a:lstStyle/>
-                    <a:p>
-                      <a:pPr algn="ctr" fontAlgn="b"/>
-                      <a:r>
-                        <a:rPr lang="ru-RU" sz="1400" b="0" i="0" u="none" strike="noStrike" dirty="0">
-                          <a:solidFill>
-                            <a:srgbClr val="000000"/>
-                          </a:solidFill>
-                          <a:effectLst/>
-                          <a:latin typeface="Calibri"/>
-                        </a:rPr>
-                        <a:t>0,857143</a:t>
-                      </a:r>
-                    </a:p>
-                  </a:txBody>
-                  <a:tcPr marL="7620" marR="7620" marT="7620" marB="0" anchor="ctr"/>
-                </a:tc>
-                <a:tc>
-                  <a:txBody>
-                    <a:bodyPr/>
-                    <a:lstStyle/>
-                    <a:p>
-                      <a:pPr algn="ctr" fontAlgn="b"/>
-                      <a:r>
-                        <a:rPr lang="ru-RU" sz="1400" b="0" i="0" u="none" strike="noStrike" dirty="0">
-                          <a:solidFill>
-                            <a:srgbClr val="000000"/>
-                          </a:solidFill>
-                          <a:effectLst/>
-                          <a:latin typeface="Calibri"/>
-                        </a:rPr>
-                        <a:t>0,857143</a:t>
-                      </a:r>
-                    </a:p>
-                  </a:txBody>
-                  <a:tcPr marL="7620" marR="7620" marT="7620" marB="0" anchor="ctr"/>
-                </a:tc>
-                <a:tc>
-                  <a:txBody>
-                    <a:bodyPr/>
-                    <a:lstStyle/>
-                    <a:p>
-                      <a:pPr algn="ctr" fontAlgn="b"/>
-                      <a:r>
-                        <a:rPr lang="ru-RU" sz="1400" b="0" i="0" u="none" strike="noStrike" dirty="0">
-                          <a:solidFill>
-                            <a:srgbClr val="000000"/>
-                          </a:solidFill>
-                          <a:effectLst/>
-                          <a:latin typeface="Calibri"/>
-                        </a:rPr>
-                        <a:t>0,714286</a:t>
-                      </a:r>
-                    </a:p>
-                  </a:txBody>
-                  <a:tcPr marL="7620" marR="7620" marT="7620" marB="0" anchor="ctr"/>
-                </a:tc>
-                <a:tc>
-                  <a:txBody>
-                    <a:bodyPr/>
-                    <a:lstStyle/>
-                    <a:p>
-                      <a:pPr algn="ctr" fontAlgn="b"/>
-                      <a:r>
-                        <a:rPr lang="ru-RU" sz="1400" b="0" i="0" u="none" strike="noStrike" dirty="0">
-                          <a:solidFill>
-                            <a:srgbClr val="000000"/>
-                          </a:solidFill>
-                          <a:effectLst/>
-                          <a:latin typeface="Calibri"/>
-                        </a:rPr>
-                        <a:t>0,714286</a:t>
-                      </a:r>
-                    </a:p>
-                  </a:txBody>
-                  <a:tcPr marL="7620" marR="7620" marT="7620" marB="0" anchor="ctr"/>
-                </a:tc>
-                <a:tc>
-                  <a:txBody>
-                    <a:bodyPr/>
-                    <a:lstStyle/>
-                    <a:p>
-                      <a:pPr algn="ctr" fontAlgn="b"/>
-                      <a:r>
-                        <a:rPr lang="ru-RU" sz="1400" b="1" i="0" u="none" strike="noStrike" dirty="0">
-                          <a:solidFill>
-                            <a:srgbClr val="000000"/>
-                          </a:solidFill>
-                          <a:effectLst/>
-                          <a:latin typeface="Calibri"/>
-                        </a:rPr>
-                        <a:t>0,732143</a:t>
-                      </a:r>
-                    </a:p>
-                  </a:txBody>
-                  <a:tcPr marL="7620" marR="7620" marT="7620" marB="0" anchor="ctr"/>
-                </a:tc>
-              </a:tr>
-              <a:tr h="983907">
-                <a:tc>
-                  <a:txBody>
-                    <a:bodyPr/>
-                    <a:lstStyle/>
-                    <a:p>
-                      <a:pPr>
-                        <a:lnSpc>
-                          <a:spcPct val="115000"/>
-                        </a:lnSpc>
-                        <a:spcAft>
-                          <a:spcPts val="0"/>
-                        </a:spcAft>
-                      </a:pPr>
-                      <a:r>
-                        <a:rPr lang="ru-RU" sz="1400">
-                          <a:effectLst/>
-                          <a:latin typeface="Arial" pitchFamily="34" charset="0"/>
-                          <a:cs typeface="Arial" pitchFamily="34" charset="0"/>
-                        </a:rPr>
-                        <a:t>полино-</a:t>
-                      </a:r>
-                    </a:p>
-                    <a:p>
-                      <a:pPr>
-                        <a:lnSpc>
-                          <a:spcPct val="115000"/>
-                        </a:lnSpc>
-                        <a:spcAft>
-                          <a:spcPts val="0"/>
-                        </a:spcAft>
-                      </a:pPr>
-                      <a:r>
-                        <a:rPr lang="ru-RU" sz="1400">
-                          <a:effectLst/>
-                          <a:latin typeface="Arial" pitchFamily="34" charset="0"/>
-                          <a:cs typeface="Arial" pitchFamily="34" charset="0"/>
-                        </a:rPr>
-                        <a:t>миальные</a:t>
-                      </a:r>
-                    </a:p>
-                    <a:p>
-                      <a:pPr>
-                        <a:lnSpc>
-                          <a:spcPct val="115000"/>
-                        </a:lnSpc>
-                        <a:spcAft>
-                          <a:spcPts val="0"/>
-                        </a:spcAft>
-                      </a:pPr>
-                      <a:r>
-                        <a:rPr lang="ru-RU" sz="1400">
-                          <a:effectLst/>
-                          <a:latin typeface="Arial" pitchFamily="34" charset="0"/>
-                          <a:cs typeface="Arial" pitchFamily="34" charset="0"/>
-                        </a:rPr>
-                        <a:t>нейронны</a:t>
-                      </a:r>
-                    </a:p>
-                    <a:p>
-                      <a:pPr>
-                        <a:lnSpc>
-                          <a:spcPct val="115000"/>
-                        </a:lnSpc>
-                        <a:spcAft>
-                          <a:spcPts val="0"/>
-                        </a:spcAft>
-                      </a:pPr>
-                      <a:r>
-                        <a:rPr lang="ru-RU" sz="1400">
-                          <a:effectLst/>
-                          <a:latin typeface="Arial" pitchFamily="34" charset="0"/>
-                          <a:cs typeface="Arial" pitchFamily="34" charset="0"/>
-                        </a:rPr>
-                        <a:t>е сети</a:t>
-                      </a:r>
-                      <a:endParaRPr lang="ru-RU" sz="1400">
-                        <a:effectLst/>
-                        <a:latin typeface="Arial" pitchFamily="34" charset="0"/>
-                        <a:ea typeface="Calibri"/>
-                        <a:cs typeface="Arial" pitchFamily="34" charset="0"/>
-                      </a:endParaRPr>
-                    </a:p>
-                  </a:txBody>
-                  <a:tcPr marL="43651" marR="43651" marT="0" marB="0"/>
-                </a:tc>
-                <a:tc>
-                  <a:txBody>
-                    <a:bodyPr/>
-                    <a:lstStyle/>
-                    <a:p>
-                      <a:pPr algn="ctr" fontAlgn="b"/>
-                      <a:r>
-                        <a:rPr lang="ru-RU" sz="1400" b="0" i="0" u="none" strike="noStrike">
-                          <a:solidFill>
-                            <a:srgbClr val="000000"/>
-                          </a:solidFill>
-                          <a:effectLst/>
-                          <a:latin typeface="Calibri"/>
-                        </a:rPr>
-                        <a:t>0,857143</a:t>
-                      </a:r>
-                    </a:p>
-                  </a:txBody>
-                  <a:tcPr marL="7620" marR="7620" marT="7620" marB="0" anchor="ctr"/>
-                </a:tc>
-                <a:tc>
-                  <a:txBody>
-                    <a:bodyPr/>
-                    <a:lstStyle/>
-                    <a:p>
-                      <a:pPr algn="ctr" fontAlgn="b"/>
-                      <a:r>
-                        <a:rPr lang="ru-RU" sz="1400" b="0" i="0" u="none" strike="noStrike">
-                          <a:solidFill>
-                            <a:srgbClr val="000000"/>
-                          </a:solidFill>
-                          <a:effectLst/>
-                          <a:latin typeface="Calibri"/>
-                        </a:rPr>
-                        <a:t>0,571429</a:t>
-                      </a:r>
-                    </a:p>
-                  </a:txBody>
-                  <a:tcPr marL="7620" marR="7620" marT="7620" marB="0" anchor="ctr"/>
-                </a:tc>
-                <a:tc>
-                  <a:txBody>
-                    <a:bodyPr/>
-                    <a:lstStyle/>
-                    <a:p>
-                      <a:pPr algn="ctr" fontAlgn="b"/>
-                      <a:r>
-                        <a:rPr lang="ru-RU" sz="1400" b="0" i="0" u="none" strike="noStrike">
-                          <a:solidFill>
-                            <a:srgbClr val="000000"/>
-                          </a:solidFill>
-                          <a:effectLst/>
-                          <a:latin typeface="Calibri"/>
-                        </a:rPr>
-                        <a:t>0,285714</a:t>
-                      </a:r>
-                    </a:p>
-                  </a:txBody>
-                  <a:tcPr marL="7620" marR="7620" marT="7620" marB="0" anchor="ctr"/>
-                </a:tc>
-                <a:tc>
-                  <a:txBody>
-                    <a:bodyPr/>
-                    <a:lstStyle/>
-                    <a:p>
-                      <a:pPr algn="ctr" fontAlgn="b"/>
-                      <a:r>
-                        <a:rPr lang="ru-RU" sz="1400" b="0" i="0" u="none" strike="noStrike">
-                          <a:solidFill>
-                            <a:srgbClr val="000000"/>
-                          </a:solidFill>
-                          <a:effectLst/>
-                          <a:latin typeface="Calibri"/>
-                        </a:rPr>
-                        <a:t>0,714286</a:t>
-                      </a:r>
-                    </a:p>
-                  </a:txBody>
-                  <a:tcPr marL="7620" marR="7620" marT="7620" marB="0" anchor="ctr"/>
-                </a:tc>
-                <a:tc>
-                  <a:txBody>
-                    <a:bodyPr/>
-                    <a:lstStyle/>
-                    <a:p>
-                      <a:pPr algn="ctr" fontAlgn="b"/>
-                      <a:r>
-                        <a:rPr lang="ru-RU" sz="1400" b="0" i="0" u="none" strike="noStrike">
-                          <a:solidFill>
-                            <a:srgbClr val="000000"/>
-                          </a:solidFill>
-                          <a:effectLst/>
-                          <a:latin typeface="Calibri"/>
-                        </a:rPr>
-                        <a:t>0,428571</a:t>
-                      </a:r>
-                    </a:p>
-                  </a:txBody>
-                  <a:tcPr marL="7620" marR="7620" marT="7620" marB="0" anchor="ctr"/>
-                </a:tc>
-                <a:tc>
-                  <a:txBody>
-                    <a:bodyPr/>
-                    <a:lstStyle/>
-                    <a:p>
-                      <a:pPr algn="ctr" fontAlgn="b"/>
-                      <a:r>
-                        <a:rPr lang="ru-RU" sz="1400" b="0" i="0" u="none" strike="noStrike">
-                          <a:solidFill>
-                            <a:srgbClr val="000000"/>
-                          </a:solidFill>
-                          <a:effectLst/>
-                          <a:latin typeface="Calibri"/>
-                        </a:rPr>
-                        <a:t>0,571429</a:t>
-                      </a:r>
-                    </a:p>
-                  </a:txBody>
-                  <a:tcPr marL="7620" marR="7620" marT="7620" marB="0" anchor="ctr"/>
-                </a:tc>
-                <a:tc>
-                  <a:txBody>
-                    <a:bodyPr/>
-                    <a:lstStyle/>
-                    <a:p>
-                      <a:pPr algn="ctr" fontAlgn="b"/>
-                      <a:r>
-                        <a:rPr lang="ru-RU" sz="1400" b="0" i="0" u="none" strike="noStrike" dirty="0">
-                          <a:solidFill>
-                            <a:srgbClr val="000000"/>
-                          </a:solidFill>
-                          <a:effectLst/>
-                          <a:latin typeface="Calibri"/>
-                        </a:rPr>
-                        <a:t>0,428571</a:t>
-                      </a:r>
-                    </a:p>
-                  </a:txBody>
-                  <a:tcPr marL="7620" marR="7620" marT="7620" marB="0" anchor="ctr"/>
-                </a:tc>
-                <a:tc>
-                  <a:txBody>
-                    <a:bodyPr/>
-                    <a:lstStyle/>
-                    <a:p>
-                      <a:pPr algn="ctr" fontAlgn="b"/>
-                      <a:r>
-                        <a:rPr lang="ru-RU" sz="1400" b="0" i="0" u="none" strike="noStrike" dirty="0">
-                          <a:solidFill>
-                            <a:srgbClr val="000000"/>
-                          </a:solidFill>
-                          <a:effectLst/>
-                          <a:latin typeface="Calibri"/>
-                        </a:rPr>
-                        <a:t>0,571429</a:t>
-                      </a:r>
-                    </a:p>
-                  </a:txBody>
-                  <a:tcPr marL="7620" marR="7620" marT="7620" marB="0" anchor="ctr"/>
-                </a:tc>
-                <a:tc>
-                  <a:txBody>
-                    <a:bodyPr/>
-                    <a:lstStyle/>
-                    <a:p>
-                      <a:pPr algn="ctr" fontAlgn="b"/>
-                      <a:r>
-                        <a:rPr lang="ru-RU" sz="1400" b="0" i="0" u="none" strike="noStrike" dirty="0">
-                          <a:solidFill>
-                            <a:srgbClr val="000000"/>
-                          </a:solidFill>
-                          <a:effectLst/>
-                          <a:latin typeface="Calibri"/>
-                        </a:rPr>
-                        <a:t>0,553571</a:t>
-                      </a:r>
-                    </a:p>
-                  </a:txBody>
-                  <a:tcPr marL="7620" marR="7620" marT="7620" marB="0" anchor="ctr"/>
-                </a:tc>
-              </a:tr>
-            </a:tbl>
-          </a:graphicData>
-        </a:graphic>
-      </p:graphicFrame>
-      <p:sp>
-        <p:nvSpPr>
-          <p:cNvPr id="4" name="Номер слайда 3"/>
-          <p:cNvSpPr>
-            <a:spLocks noGrp="1"/>
-          </p:cNvSpPr>
-          <p:nvPr>
-            <p:ph type="sldNum" sz="quarter" idx="12"/>
-          </p:nvPr>
-        </p:nvSpPr>
-        <p:spPr/>
-        <p:txBody>
-          <a:bodyPr/>
-          <a:lstStyle/>
-          <a:p>
-            <a:fld id="{B19B0651-EE4F-4900-A07F-96A6BFA9D0F0}" type="slidenum">
-              <a:rPr lang="ru-RU" smtClean="0"/>
-              <a:t>7</a:t>
-            </a:fld>
-            <a:endParaRPr lang="ru-RU" dirty="0"/>
-          </a:p>
-        </p:txBody>
-      </p:sp>
-    </p:spTree>
-    <p:extLst>
-      <p:ext uri="{BB962C8B-B14F-4D97-AF65-F5344CB8AC3E}">
-        <p14:creationId xmlns:p14="http://schemas.microsoft.com/office/powerpoint/2010/main" val="1723402955"/>
-      </p:ext>
-    </p:extLst>
-  </p:cSld>
-  <p:clrMapOvr>
-    <a:masterClrMapping/>
-  </p:clrMapOvr>
-  <p:timing>
-    <p:tnLst>
-      <p:par>
-        <p:cTn id="1" dur="indefinite" restart="never" nodeType="tmRoot"/>
-      </p:par>
-    </p:tnLst>
-  </p:timing>
-</p:sld>
-</file>
-
-<file path=ppt/slides/slide8.xml><?xml version="1.0" encoding="utf-8"?>
 <p:sld xmlns:a="http://schemas.openxmlformats.org/drawingml/2006/main" xmlns:r="http://schemas.openxmlformats.org/officeDocument/2006/relationships" xmlns:p="http://schemas.openxmlformats.org/presentationml/2006/main">
   <p:cSld>
     <p:spTree>
@@ -12543,7 +7675,7 @@
           <a:p>
             <a:fld id="{B19B0651-EE4F-4900-A07F-96A6BFA9D0F0}" type="slidenum">
               <a:rPr lang="ru-RU" smtClean="0"/>
-              <a:t>8</a:t>
+              <a:t>6</a:t>
             </a:fld>
             <a:endParaRPr lang="ru-RU" dirty="0"/>
           </a:p>
@@ -12562,7 +7694,7 @@
 </p:sld>
 </file>
 
-<file path=ppt/slides/slide9.xml><?xml version="1.0" encoding="utf-8"?>
+<file path=ppt/slides/slide7.xml><?xml version="1.0" encoding="utf-8"?>
 <p:sld xmlns:a="http://schemas.openxmlformats.org/drawingml/2006/main" xmlns:r="http://schemas.openxmlformats.org/officeDocument/2006/relationships" xmlns:p="http://schemas.openxmlformats.org/presentationml/2006/main">
   <p:cSld>
     <p:spTree>
@@ -12643,7 +7775,7 @@
             <a:fld id="{B19B0651-EE4F-4900-A07F-96A6BFA9D0F0}" type="slidenum">
               <a:rPr lang="ru-RU" smtClean="0"/>
               <a:pPr/>
-              <a:t>9</a:t>
+              <a:t>7</a:t>
             </a:fld>
             <a:endParaRPr lang="ru-RU" dirty="0"/>
           </a:p>
@@ -12771,6 +7903,433 @@
       </p:par>
     </p:tnLst>
   </p:timing>
+</p:sld>
+</file>
+
+<file path=ppt/slides/slide8.xml><?xml version="1.0" encoding="utf-8"?>
+<p:sld xmlns:a="http://schemas.openxmlformats.org/drawingml/2006/main" xmlns:r="http://schemas.openxmlformats.org/officeDocument/2006/relationships" xmlns:p="http://schemas.openxmlformats.org/presentationml/2006/main">
+  <p:cSld>
+    <p:spTree>
+      <p:nvGrpSpPr>
+        <p:cNvPr id="1" name=""/>
+        <p:cNvGrpSpPr/>
+        <p:nvPr/>
+      </p:nvGrpSpPr>
+      <p:grpSpPr>
+        <a:xfrm>
+          <a:off x="0" y="0"/>
+          <a:ext cx="0" cy="0"/>
+          <a:chOff x="0" y="0"/>
+          <a:chExt cx="0" cy="0"/>
+        </a:xfrm>
+      </p:grpSpPr>
+      <p:sp>
+        <p:nvSpPr>
+          <p:cNvPr id="2" name="Заголовок 1"/>
+          <p:cNvSpPr>
+            <a:spLocks noGrp="1"/>
+          </p:cNvSpPr>
+          <p:nvPr>
+            <p:ph type="title"/>
+          </p:nvPr>
+        </p:nvSpPr>
+        <p:spPr/>
+        <p:txBody>
+          <a:bodyPr/>
+          <a:lstStyle/>
+          <a:p>
+            <a:r>
+              <a:rPr lang="ru-RU" dirty="0" smtClean="0"/>
+              <a:t>Построение дерева решений</a:t>
+            </a:r>
+            <a:endParaRPr lang="ru-RU" dirty="0"/>
+          </a:p>
+        </p:txBody>
+      </p:sp>
+      <p:sp>
+        <p:nvSpPr>
+          <p:cNvPr id="3" name="Объект 2"/>
+          <p:cNvSpPr>
+            <a:spLocks noGrp="1"/>
+          </p:cNvSpPr>
+          <p:nvPr>
+            <p:ph idx="1"/>
+          </p:nvPr>
+        </p:nvSpPr>
+        <p:spPr/>
+        <p:txBody>
+          <a:bodyPr/>
+          <a:lstStyle/>
+          <a:p>
+            <a:r>
+              <a:rPr lang="ru-RU" sz="1400" dirty="0" smtClean="0"/>
+              <a:t>Задано </a:t>
+            </a:r>
+            <a:r>
+              <a:rPr lang="ru-RU" sz="1400" dirty="0"/>
+              <a:t>некоторое обучающее множество T, содержащее объекты (примеры), каждый из которых характеризуется m атрибутами (атрибутами), причем один из них указывает на принадлежность объекта к определенному </a:t>
+            </a:r>
+            <a:r>
+              <a:rPr lang="ru-RU" sz="1400" dirty="0" smtClean="0"/>
+              <a:t>классу. Через </a:t>
+            </a:r>
+            <a:r>
+              <a:rPr lang="ru-RU" sz="1400" dirty="0"/>
+              <a:t>{C</a:t>
+            </a:r>
+            <a:r>
+              <a:rPr lang="ru-RU" sz="1400" baseline="-25000" dirty="0"/>
+              <a:t>1</a:t>
+            </a:r>
+            <a:r>
+              <a:rPr lang="ru-RU" sz="1400" dirty="0"/>
+              <a:t>, C</a:t>
+            </a:r>
+            <a:r>
+              <a:rPr lang="ru-RU" sz="1400" baseline="-25000" dirty="0"/>
+              <a:t>2</a:t>
+            </a:r>
+            <a:r>
+              <a:rPr lang="ru-RU" sz="1400" dirty="0"/>
+              <a:t>, ... </a:t>
+            </a:r>
+            <a:r>
+              <a:rPr lang="ru-RU" sz="1400" dirty="0" err="1"/>
+              <a:t>C</a:t>
+            </a:r>
+            <a:r>
+              <a:rPr lang="ru-RU" sz="1400" baseline="-25000" dirty="0" err="1"/>
+              <a:t>k</a:t>
+            </a:r>
+            <a:r>
+              <a:rPr lang="ru-RU" sz="1400" dirty="0"/>
+              <a:t>} обозначены </a:t>
+            </a:r>
+            <a:r>
+              <a:rPr lang="ru-RU" sz="1400" dirty="0" smtClean="0"/>
+              <a:t>классы, тогда:</a:t>
+            </a:r>
+          </a:p>
+          <a:p>
+            <a:pPr>
+              <a:buFont typeface="+mj-lt"/>
+              <a:buAutoNum type="arabicPeriod"/>
+            </a:pPr>
+            <a:r>
+              <a:rPr lang="ru-RU" sz="1400" dirty="0"/>
+              <a:t>множество T содержит один или более примеров, относящихся к одному классу </a:t>
+            </a:r>
+            <a:r>
+              <a:rPr lang="ru-RU" sz="1400" dirty="0" err="1"/>
+              <a:t>C</a:t>
+            </a:r>
+            <a:r>
+              <a:rPr lang="ru-RU" sz="1400" baseline="-25000" dirty="0" err="1"/>
+              <a:t>k</a:t>
+            </a:r>
+            <a:r>
+              <a:rPr lang="ru-RU" sz="1400" dirty="0"/>
+              <a:t>. Тогда дерево решений для Т – это лист, определяющий класс </a:t>
+            </a:r>
+            <a:r>
+              <a:rPr lang="ru-RU" sz="1400" dirty="0" err="1"/>
+              <a:t>C</a:t>
+            </a:r>
+            <a:r>
+              <a:rPr lang="ru-RU" sz="1400" baseline="-25000" dirty="0" err="1"/>
+              <a:t>k</a:t>
+            </a:r>
+            <a:r>
+              <a:rPr lang="ru-RU" sz="1400" dirty="0"/>
+              <a:t>; </a:t>
+            </a:r>
+          </a:p>
+          <a:p>
+            <a:pPr>
+              <a:buFont typeface="+mj-lt"/>
+              <a:buAutoNum type="arabicPeriod"/>
+            </a:pPr>
+            <a:r>
+              <a:rPr lang="ru-RU" sz="1400" dirty="0"/>
+              <a:t>множество T не содержит ни одного примера, т.е. пустое множество. Тогда это снова лист, и класс, ассоциированный с листом, выбирается из другого множества отличного от T, скажем, из множества, ассоциированного с родителем; </a:t>
+            </a:r>
+          </a:p>
+          <a:p>
+            <a:pPr>
+              <a:buFont typeface="+mj-lt"/>
+              <a:buAutoNum type="arabicPeriod"/>
+            </a:pPr>
+            <a:r>
+              <a:rPr lang="ru-RU" sz="1400" dirty="0"/>
+              <a:t>множество T содержит примеры, относящиеся к разным классам. В этом случае следует разбить множество T на некоторые подмножества. Для этого выбирается один из признаков, имеющий два и более отличных друг от друга значений O</a:t>
+            </a:r>
+            <a:r>
+              <a:rPr lang="ru-RU" sz="1400" baseline="-25000" dirty="0"/>
+              <a:t>1</a:t>
+            </a:r>
+            <a:r>
+              <a:rPr lang="ru-RU" sz="1400" dirty="0"/>
+              <a:t>, O</a:t>
+            </a:r>
+            <a:r>
+              <a:rPr lang="ru-RU" sz="1400" baseline="-25000" dirty="0"/>
+              <a:t>2</a:t>
+            </a:r>
+            <a:r>
+              <a:rPr lang="ru-RU" sz="1400" dirty="0"/>
+              <a:t>, ... </a:t>
+            </a:r>
+            <a:r>
+              <a:rPr lang="ru-RU" sz="1400" dirty="0" err="1"/>
+              <a:t>O</a:t>
+            </a:r>
+            <a:r>
+              <a:rPr lang="ru-RU" sz="1400" baseline="-25000" dirty="0" err="1"/>
+              <a:t>n</a:t>
+            </a:r>
+            <a:r>
+              <a:rPr lang="ru-RU" sz="1400" dirty="0"/>
+              <a:t>. T разбивается на подмножества T</a:t>
+            </a:r>
+            <a:r>
+              <a:rPr lang="ru-RU" sz="1400" baseline="-25000" dirty="0"/>
+              <a:t>1</a:t>
+            </a:r>
+            <a:r>
+              <a:rPr lang="ru-RU" sz="1400" dirty="0"/>
+              <a:t>, T</a:t>
+            </a:r>
+            <a:r>
+              <a:rPr lang="ru-RU" sz="1400" baseline="-25000" dirty="0"/>
+              <a:t>2</a:t>
+            </a:r>
+            <a:r>
+              <a:rPr lang="ru-RU" sz="1400" dirty="0"/>
+              <a:t>, ... </a:t>
+            </a:r>
+            <a:r>
+              <a:rPr lang="ru-RU" sz="1400" dirty="0" err="1"/>
+              <a:t>T</a:t>
+            </a:r>
+            <a:r>
+              <a:rPr lang="ru-RU" sz="1400" baseline="-25000" dirty="0" err="1"/>
+              <a:t>n</a:t>
+            </a:r>
+            <a:r>
+              <a:rPr lang="ru-RU" sz="1400" dirty="0"/>
+              <a:t>, где каждое подмножество </a:t>
+            </a:r>
+            <a:r>
+              <a:rPr lang="ru-RU" sz="1400" dirty="0" err="1"/>
+              <a:t>T</a:t>
+            </a:r>
+            <a:r>
+              <a:rPr lang="ru-RU" sz="1400" baseline="-25000" dirty="0" err="1"/>
+              <a:t>i</a:t>
+            </a:r>
+            <a:r>
+              <a:rPr lang="ru-RU" sz="1400" dirty="0"/>
+              <a:t> содержит все примеры, имеющие значение </a:t>
+            </a:r>
+            <a:r>
+              <a:rPr lang="ru-RU" sz="1400" dirty="0" err="1"/>
+              <a:t>O</a:t>
+            </a:r>
+            <a:r>
+              <a:rPr lang="ru-RU" sz="1400" baseline="-25000" dirty="0" err="1"/>
+              <a:t>i</a:t>
+            </a:r>
+            <a:r>
+              <a:rPr lang="ru-RU" sz="1400" dirty="0"/>
+              <a:t> для выбранного признака. Это процедура будет рекурсивно продолжаться до тех пор, пока конечное множество не будет состоять из примеров, относящихся к одному и тому же классу.</a:t>
+            </a:r>
+          </a:p>
+        </p:txBody>
+      </p:sp>
+      <p:sp>
+        <p:nvSpPr>
+          <p:cNvPr id="4" name="Номер слайда 3"/>
+          <p:cNvSpPr>
+            <a:spLocks noGrp="1"/>
+          </p:cNvSpPr>
+          <p:nvPr>
+            <p:ph type="sldNum" sz="quarter" idx="12"/>
+          </p:nvPr>
+        </p:nvSpPr>
+        <p:spPr/>
+        <p:txBody>
+          <a:bodyPr/>
+          <a:lstStyle/>
+          <a:p>
+            <a:fld id="{B19B0651-EE4F-4900-A07F-96A6BFA9D0F0}" type="slidenum">
+              <a:rPr lang="ru-RU" smtClean="0"/>
+              <a:t>8</a:t>
+            </a:fld>
+            <a:endParaRPr lang="ru-RU" dirty="0"/>
+          </a:p>
+        </p:txBody>
+      </p:sp>
+    </p:spTree>
+    <p:extLst>
+      <p:ext uri="{BB962C8B-B14F-4D97-AF65-F5344CB8AC3E}">
+        <p14:creationId xmlns:p14="http://schemas.microsoft.com/office/powerpoint/2010/main" val="490604760"/>
+      </p:ext>
+    </p:extLst>
+  </p:cSld>
+  <p:clrMapOvr>
+    <a:masterClrMapping/>
+  </p:clrMapOvr>
+  <p:timing>
+    <p:tnLst>
+      <p:par>
+        <p:cTn id="1" dur="indefinite" restart="never" nodeType="tmRoot"/>
+      </p:par>
+    </p:tnLst>
+  </p:timing>
+</p:sld>
+</file>
+
+<file path=ppt/slides/slide9.xml><?xml version="1.0" encoding="utf-8"?>
+<p:sld xmlns:a="http://schemas.openxmlformats.org/drawingml/2006/main" xmlns:r="http://schemas.openxmlformats.org/officeDocument/2006/relationships" xmlns:p="http://schemas.openxmlformats.org/presentationml/2006/main">
+  <p:cSld>
+    <p:spTree>
+      <p:nvGrpSpPr>
+        <p:cNvPr id="1" name=""/>
+        <p:cNvGrpSpPr/>
+        <p:nvPr/>
+      </p:nvGrpSpPr>
+      <p:grpSpPr>
+        <a:xfrm>
+          <a:off x="0" y="0"/>
+          <a:ext cx="0" cy="0"/>
+          <a:chOff x="0" y="0"/>
+          <a:chExt cx="0" cy="0"/>
+        </a:xfrm>
+      </p:grpSpPr>
+      <p:sp>
+        <p:nvSpPr>
+          <p:cNvPr id="2" name="Заголовок 1"/>
+          <p:cNvSpPr>
+            <a:spLocks noGrp="1"/>
+          </p:cNvSpPr>
+          <p:nvPr>
+            <p:ph type="title"/>
+          </p:nvPr>
+        </p:nvSpPr>
+        <p:spPr/>
+        <p:txBody>
+          <a:bodyPr/>
+          <a:lstStyle/>
+          <a:p>
+            <a:r>
+              <a:rPr lang="ru-RU" dirty="0" smtClean="0"/>
+              <a:t>Требование к программе</a:t>
+            </a:r>
+            <a:endParaRPr lang="ru-RU" dirty="0"/>
+          </a:p>
+        </p:txBody>
+      </p:sp>
+      <p:sp>
+        <p:nvSpPr>
+          <p:cNvPr id="3" name="Объект 2"/>
+          <p:cNvSpPr>
+            <a:spLocks noGrp="1"/>
+          </p:cNvSpPr>
+          <p:nvPr>
+            <p:ph idx="1"/>
+          </p:nvPr>
+        </p:nvSpPr>
+        <p:spPr/>
+        <p:txBody>
+          <a:bodyPr/>
+          <a:lstStyle/>
+          <a:p>
+            <a:r>
+              <a:rPr lang="ru-RU" dirty="0" smtClean="0"/>
+              <a:t>Загрузка данных</a:t>
+            </a:r>
+          </a:p>
+          <a:p>
+            <a:r>
+              <a:rPr lang="ru-RU" dirty="0" smtClean="0"/>
+              <a:t>Отображение загруженных данных</a:t>
+            </a:r>
+            <a:endParaRPr lang="ru-RU" dirty="0" smtClean="0"/>
+          </a:p>
+          <a:p>
+            <a:r>
+              <a:rPr lang="ru-RU" dirty="0" smtClean="0"/>
+              <a:t>Возможность редактирования загруженных данных</a:t>
+            </a:r>
+          </a:p>
+          <a:p>
+            <a:r>
+              <a:rPr lang="ru-RU" dirty="0" smtClean="0"/>
+              <a:t>Возможность изменять параметры построения дерева решений</a:t>
+            </a:r>
+          </a:p>
+          <a:p>
+            <a:r>
+              <a:rPr lang="ru-RU" dirty="0" smtClean="0"/>
+              <a:t>Построения дерева решений</a:t>
+            </a:r>
+          </a:p>
+          <a:p>
+            <a:r>
+              <a:rPr lang="ru-RU" dirty="0" smtClean="0"/>
+              <a:t>Визуализация дерева решений</a:t>
+            </a:r>
+          </a:p>
+          <a:p>
+            <a:r>
+              <a:rPr lang="ru-RU" dirty="0" smtClean="0"/>
+              <a:t>Оценка построенного дерева решений</a:t>
+            </a:r>
+          </a:p>
+          <a:p>
+            <a:r>
+              <a:rPr lang="ru-RU" dirty="0"/>
+              <a:t>Экспорт в картинку</a:t>
+            </a:r>
+          </a:p>
+          <a:p>
+            <a:endParaRPr lang="ru-RU" dirty="0"/>
+          </a:p>
+        </p:txBody>
+      </p:sp>
+      <p:sp>
+        <p:nvSpPr>
+          <p:cNvPr id="4" name="Номер слайда 3"/>
+          <p:cNvSpPr>
+            <a:spLocks noGrp="1"/>
+          </p:cNvSpPr>
+          <p:nvPr>
+            <p:ph type="sldNum" sz="quarter" idx="12"/>
+          </p:nvPr>
+        </p:nvSpPr>
+        <p:spPr/>
+        <p:txBody>
+          <a:bodyPr/>
+          <a:lstStyle/>
+          <a:p>
+            <a:fld id="{B19B0651-EE4F-4900-A07F-96A6BFA9D0F0}" type="slidenum">
+              <a:rPr lang="ru-RU" smtClean="0"/>
+              <a:t>9</a:t>
+            </a:fld>
+            <a:endParaRPr lang="ru-RU" dirty="0"/>
+          </a:p>
+        </p:txBody>
+      </p:sp>
+    </p:spTree>
+    <p:extLst>
+      <p:ext uri="{BB962C8B-B14F-4D97-AF65-F5344CB8AC3E}">
+        <p14:creationId xmlns:p14="http://schemas.microsoft.com/office/powerpoint/2010/main" val="1408244517"/>
+      </p:ext>
+    </p:extLst>
+  </p:cSld>
+  <p:clrMapOvr>
+    <a:masterClrMapping/>
+  </p:clrMapOvr>
 </p:sld>
 </file>
 

--- a/Prezent.pptx
+++ b/Prezent.pptx
@@ -5,10 +5,10 @@
     <p:sldMasterId id="2147484274" r:id="rId1"/>
   </p:sldMasterIdLst>
   <p:notesMasterIdLst>
-    <p:notesMasterId r:id="rId20"/>
+    <p:notesMasterId r:id="rId21"/>
   </p:notesMasterIdLst>
   <p:handoutMasterIdLst>
-    <p:handoutMasterId r:id="rId21"/>
+    <p:handoutMasterId r:id="rId22"/>
   </p:handoutMasterIdLst>
   <p:sldIdLst>
     <p:sldId id="256" r:id="rId2"/>
@@ -27,8 +27,9 @@
     <p:sldId id="275" r:id="rId15"/>
     <p:sldId id="276" r:id="rId16"/>
     <p:sldId id="277" r:id="rId17"/>
-    <p:sldId id="259" r:id="rId18"/>
-    <p:sldId id="273" r:id="rId19"/>
+    <p:sldId id="284" r:id="rId18"/>
+    <p:sldId id="259" r:id="rId19"/>
+    <p:sldId id="273" r:id="rId20"/>
   </p:sldIdLst>
   <p:sldSz cx="10693400" cy="7561263"/>
   <p:notesSz cx="6858000" cy="9144000"/>
@@ -148,6 +149,7 @@
             <p14:sldId id="275"/>
             <p14:sldId id="276"/>
             <p14:sldId id="277"/>
+            <p14:sldId id="284"/>
             <p14:sldId id="259"/>
             <p14:sldId id="273"/>
           </p14:sldIdLst>
@@ -240,7 +242,7 @@
           <a:p>
             <a:fld id="{95C97FBD-7829-42CA-A90A-C9F385E40DE2}" type="datetimeFigureOut">
               <a:rPr lang="ru-RU" smtClean="0"/>
-              <a:t>09.06.2012</a:t>
+              <a:t>10.06.2012</a:t>
             </a:fld>
             <a:endParaRPr lang="ru-RU"/>
           </a:p>
@@ -406,7 +408,7 @@
           <a:p>
             <a:fld id="{AFCCDD1B-FD1F-4691-AC34-4843EB31DACD}" type="datetimeFigureOut">
               <a:rPr lang="ru-RU" smtClean="0"/>
-              <a:t>09.06.2012</a:t>
+              <a:t>10.06.2012</a:t>
             </a:fld>
             <a:endParaRPr lang="ru-RU"/>
           </a:p>
@@ -675,6 +677,90 @@
 </p:notesMaster>
 </file>
 
+<file path=ppt/notesSlides/notesSlide1.xml><?xml version="1.0" encoding="utf-8"?>
+<p:notes xmlns:a="http://schemas.openxmlformats.org/drawingml/2006/main" xmlns:r="http://schemas.openxmlformats.org/officeDocument/2006/relationships" xmlns:p="http://schemas.openxmlformats.org/presentationml/2006/main">
+  <p:cSld>
+    <p:spTree>
+      <p:nvGrpSpPr>
+        <p:cNvPr id="1" name=""/>
+        <p:cNvGrpSpPr/>
+        <p:nvPr/>
+      </p:nvGrpSpPr>
+      <p:grpSpPr>
+        <a:xfrm>
+          <a:off x="0" y="0"/>
+          <a:ext cx="0" cy="0"/>
+          <a:chOff x="0" y="0"/>
+          <a:chExt cx="0" cy="0"/>
+        </a:xfrm>
+      </p:grpSpPr>
+      <p:sp>
+        <p:nvSpPr>
+          <p:cNvPr id="2" name="Образ слайда 1"/>
+          <p:cNvSpPr>
+            <a:spLocks noGrp="1" noRot="1" noChangeAspect="1"/>
+          </p:cNvSpPr>
+          <p:nvPr>
+            <p:ph type="sldImg"/>
+          </p:nvPr>
+        </p:nvSpPr>
+        <p:spPr/>
+      </p:sp>
+      <p:sp>
+        <p:nvSpPr>
+          <p:cNvPr id="3" name="Заметки 2"/>
+          <p:cNvSpPr>
+            <a:spLocks noGrp="1"/>
+          </p:cNvSpPr>
+          <p:nvPr>
+            <p:ph type="body" idx="1"/>
+          </p:nvPr>
+        </p:nvSpPr>
+        <p:spPr/>
+        <p:txBody>
+          <a:bodyPr/>
+          <a:lstStyle/>
+          <a:p>
+            <a:endParaRPr lang="ru-RU"/>
+          </a:p>
+        </p:txBody>
+      </p:sp>
+      <p:sp>
+        <p:nvSpPr>
+          <p:cNvPr id="4" name="Номер слайда 3"/>
+          <p:cNvSpPr>
+            <a:spLocks noGrp="1"/>
+          </p:cNvSpPr>
+          <p:nvPr>
+            <p:ph type="sldNum" sz="quarter" idx="10"/>
+          </p:nvPr>
+        </p:nvSpPr>
+        <p:spPr/>
+        <p:txBody>
+          <a:bodyPr/>
+          <a:lstStyle/>
+          <a:p>
+            <a:fld id="{164B6B7C-7086-4250-BD91-1DF0592B416E}" type="slidenum">
+              <a:rPr lang="ru-RU" smtClean="0"/>
+              <a:t>4</a:t>
+            </a:fld>
+            <a:endParaRPr lang="ru-RU"/>
+          </a:p>
+        </p:txBody>
+      </p:sp>
+    </p:spTree>
+    <p:extLst>
+      <p:ext uri="{BB962C8B-B14F-4D97-AF65-F5344CB8AC3E}">
+        <p14:creationId xmlns:p14="http://schemas.microsoft.com/office/powerpoint/2010/main" val="1169829041"/>
+      </p:ext>
+    </p:extLst>
+  </p:cSld>
+  <p:clrMapOvr>
+    <a:masterClrMapping/>
+  </p:clrMapOvr>
+</p:notes>
+</file>
+
 <file path=ppt/slideLayouts/slideLayout1.xml><?xml version="1.0" encoding="utf-8"?>
 <p:sldLayout xmlns:a="http://schemas.openxmlformats.org/drawingml/2006/main" xmlns:r="http://schemas.openxmlformats.org/officeDocument/2006/relationships" xmlns:p="http://schemas.openxmlformats.org/presentationml/2006/main" showMasterSp="0" type="title" preserve="1">
   <p:cSld name="Титульный слайд">
@@ -1333,7 +1419,7 @@
           <a:p>
             <a:fld id="{9237A3BF-4291-4C0D-8691-5AB3F5EC249F}" type="datetime1">
               <a:rPr lang="ru-RU" smtClean="0"/>
-              <a:t>09.06.2012</a:t>
+              <a:t>10.06.2012</a:t>
             </a:fld>
             <a:endParaRPr lang="ru-RU"/>
           </a:p>
@@ -1595,7 +1681,7 @@
           <a:p>
             <a:fld id="{10AF1936-51CC-44FA-9A8C-EF569FADCB3F}" type="datetime1">
               <a:rPr lang="ru-RU" smtClean="0"/>
-              <a:t>09.06.2012</a:t>
+              <a:t>10.06.2012</a:t>
             </a:fld>
             <a:endParaRPr lang="ru-RU"/>
           </a:p>
@@ -1760,7 +1846,7 @@
           <a:p>
             <a:fld id="{03A44580-4D3B-4977-AA04-10449578226B}" type="datetime1">
               <a:rPr lang="ru-RU" smtClean="0"/>
-              <a:t>09.06.2012</a:t>
+              <a:t>10.06.2012</a:t>
             </a:fld>
             <a:endParaRPr lang="ru-RU"/>
           </a:p>
@@ -1935,7 +2021,7 @@
           <a:p>
             <a:fld id="{A27DFE85-4DBC-43E9-BD98-A7AC57E32463}" type="datetime1">
               <a:rPr lang="ru-RU" smtClean="0"/>
-              <a:t>09.06.2012</a:t>
+              <a:t>10.06.2012</a:t>
             </a:fld>
             <a:endParaRPr lang="ru-RU"/>
           </a:p>
@@ -2100,7 +2186,7 @@
           <a:p>
             <a:fld id="{E293B620-B667-452E-83B0-8201C552319F}" type="datetime1">
               <a:rPr lang="ru-RU" smtClean="0"/>
-              <a:t>09.06.2012</a:t>
+              <a:t>10.06.2012</a:t>
             </a:fld>
             <a:endParaRPr lang="ru-RU"/>
           </a:p>
@@ -2300,7 +2386,7 @@
           <a:p>
             <a:fld id="{3E6BFD31-7157-4F92-A5C0-BC1806637ACE}" type="datetime1">
               <a:rPr lang="ru-RU" smtClean="0"/>
-              <a:t>09.06.2012</a:t>
+              <a:t>10.06.2012</a:t>
             </a:fld>
             <a:endParaRPr lang="ru-RU"/>
           </a:p>
@@ -2533,7 +2619,7 @@
           <a:p>
             <a:fld id="{6B379FBC-E0B6-4857-BB9F-2D5E10723449}" type="datetime1">
               <a:rPr lang="ru-RU" smtClean="0"/>
-              <a:t>09.06.2012</a:t>
+              <a:t>10.06.2012</a:t>
             </a:fld>
             <a:endParaRPr lang="ru-RU"/>
           </a:p>
@@ -2792,7 +2878,7 @@
           <a:p>
             <a:fld id="{853DC266-0BB8-4759-AE7F-293E5478EC80}" type="datetime1">
               <a:rPr lang="ru-RU" smtClean="0"/>
-              <a:t>09.06.2012</a:t>
+              <a:t>10.06.2012</a:t>
             </a:fld>
             <a:endParaRPr lang="ru-RU"/>
           </a:p>
@@ -3196,7 +3282,7 @@
           <a:p>
             <a:fld id="{67E0B97F-498B-42A6-9C72-5540853BCE16}" type="datetime1">
               <a:rPr lang="ru-RU" smtClean="0"/>
-              <a:t>09.06.2012</a:t>
+              <a:t>10.06.2012</a:t>
             </a:fld>
             <a:endParaRPr lang="ru-RU"/>
           </a:p>
@@ -3327,7 +3413,7 @@
           <a:p>
             <a:fld id="{8602C21D-EC22-4C9F-BE75-7F1765231927}" type="datetime1">
               <a:rPr lang="ru-RU" smtClean="0"/>
-              <a:t>09.06.2012</a:t>
+              <a:t>10.06.2012</a:t>
             </a:fld>
             <a:endParaRPr lang="ru-RU"/>
           </a:p>
@@ -3427,7 +3513,7 @@
           <a:p>
             <a:fld id="{53FCD16D-7E9C-4DEF-9341-725FA24630B0}" type="datetime1">
               <a:rPr lang="ru-RU" smtClean="0"/>
-              <a:t>09.06.2012</a:t>
+              <a:t>10.06.2012</a:t>
             </a:fld>
             <a:endParaRPr lang="ru-RU"/>
           </a:p>
@@ -3672,7 +3758,7 @@
           <a:p>
             <a:fld id="{56361CEA-8F4F-4C21-8174-17A32BCA90A9}" type="datetime1">
               <a:rPr lang="ru-RU" smtClean="0"/>
-              <a:t>09.06.2012</a:t>
+              <a:t>10.06.2012</a:t>
             </a:fld>
             <a:endParaRPr lang="ru-RU"/>
           </a:p>
@@ -4496,7 +4582,7 @@
           <a:p>
             <a:fld id="{E293B620-B667-452E-83B0-8201C552319F}" type="datetime1">
               <a:rPr lang="ru-RU" smtClean="0"/>
-              <a:t>09.06.2012</a:t>
+              <a:t>10.06.2012</a:t>
             </a:fld>
             <a:endParaRPr lang="ru-RU"/>
           </a:p>
@@ -5056,7 +5142,18 @@
           <a:p>
             <a:r>
               <a:rPr lang="ru-RU" dirty="0" smtClean="0"/>
-              <a:t>Диаграмма использования</a:t>
+              <a:t/>
+            </a:r>
+            <a:br>
+              <a:rPr lang="ru-RU" dirty="0" smtClean="0"/>
+            </a:br>
+            <a:r>
+              <a:rPr lang="ru-RU" dirty="0" smtClean="0"/>
+              <a:t>Диаграмма </a:t>
+            </a:r>
+            <a:r>
+              <a:rPr lang="ru-RU" dirty="0" smtClean="0"/>
+              <a:t>использования</a:t>
             </a:r>
             <a:endParaRPr lang="ru-RU" dirty="0"/>
           </a:p>
@@ -5110,7 +5207,7 @@
         </p:blipFill>
         <p:spPr bwMode="auto">
           <a:xfrm>
-            <a:off x="2034332" y="1260475"/>
+            <a:off x="2034332" y="1443527"/>
             <a:ext cx="7272808" cy="6153528"/>
           </a:xfrm>
           <a:prstGeom prst="rect">
@@ -5182,7 +5279,18 @@
           <a:p>
             <a:r>
               <a:rPr lang="ru-RU" dirty="0" smtClean="0"/>
-              <a:t>Функциональная структура программы</a:t>
+              <a:t/>
+            </a:r>
+            <a:br>
+              <a:rPr lang="ru-RU" dirty="0" smtClean="0"/>
+            </a:br>
+            <a:r>
+              <a:rPr lang="ru-RU" dirty="0" smtClean="0"/>
+              <a:t>Функциональная </a:t>
+            </a:r>
+            <a:r>
+              <a:rPr lang="ru-RU" dirty="0" smtClean="0"/>
+              <a:t>структура программы</a:t>
             </a:r>
             <a:endParaRPr lang="ru-RU" dirty="0"/>
           </a:p>
@@ -5236,7 +5344,7 @@
         </p:blipFill>
         <p:spPr bwMode="auto">
           <a:xfrm>
-            <a:off x="2106340" y="1414718"/>
+            <a:off x="2106340" y="1620391"/>
             <a:ext cx="6376866" cy="5843273"/>
           </a:xfrm>
           <a:prstGeom prst="rect">
@@ -5264,6 +5372,13 @@
   <p:clrMapOvr>
     <a:masterClrMapping/>
   </p:clrMapOvr>
+  <p:timing>
+    <p:tnLst>
+      <p:par>
+        <p:cTn id="1" dur="indefinite" restart="never" nodeType="tmRoot"/>
+      </p:par>
+    </p:tnLst>
+  </p:timing>
 </p:sld>
 </file>
 
@@ -5301,7 +5416,18 @@
           <a:p>
             <a:r>
               <a:rPr lang="ru-RU" dirty="0" smtClean="0"/>
-              <a:t>Диаграмма классов</a:t>
+              <a:t/>
+            </a:r>
+            <a:br>
+              <a:rPr lang="ru-RU" dirty="0" smtClean="0"/>
+            </a:br>
+            <a:r>
+              <a:rPr lang="ru-RU" dirty="0" smtClean="0"/>
+              <a:t>Диаграмма </a:t>
+            </a:r>
+            <a:r>
+              <a:rPr lang="ru-RU" dirty="0" smtClean="0"/>
+              <a:t>классов</a:t>
             </a:r>
             <a:endParaRPr lang="ru-RU" dirty="0"/>
           </a:p>
@@ -5372,7 +5498,7 @@
         </p:blipFill>
         <p:spPr bwMode="auto">
           <a:xfrm>
-            <a:off x="244645" y="1404367"/>
+            <a:off x="244645" y="1712962"/>
             <a:ext cx="10250487" cy="5380037"/>
           </a:xfrm>
           <a:prstGeom prst="rect">
@@ -5444,7 +5570,18 @@
           <a:p>
             <a:r>
               <a:rPr lang="ru-RU" dirty="0" smtClean="0"/>
-              <a:t>Сценарий работы программы</a:t>
+              <a:t/>
+            </a:r>
+            <a:br>
+              <a:rPr lang="ru-RU" dirty="0" smtClean="0"/>
+            </a:br>
+            <a:r>
+              <a:rPr lang="ru-RU" dirty="0" smtClean="0"/>
+              <a:t>Сценарий </a:t>
+            </a:r>
+            <a:r>
+              <a:rPr lang="ru-RU" dirty="0" smtClean="0"/>
+              <a:t>работы программы</a:t>
             </a:r>
             <a:endParaRPr lang="ru-RU" dirty="0"/>
           </a:p>
@@ -5515,7 +5652,7 @@
         </p:blipFill>
         <p:spPr bwMode="auto">
           <a:xfrm>
-            <a:off x="846200" y="1260351"/>
+            <a:off x="846200" y="1440159"/>
             <a:ext cx="9001000" cy="6300912"/>
           </a:xfrm>
           <a:prstGeom prst="rect">
@@ -5543,6 +5680,13 @@
   <p:clrMapOvr>
     <a:masterClrMapping/>
   </p:clrMapOvr>
+  <p:timing>
+    <p:tnLst>
+      <p:par>
+        <p:cTn id="1" dur="indefinite" restart="never" nodeType="tmRoot"/>
+      </p:par>
+    </p:tnLst>
+  </p:timing>
 </p:sld>
 </file>
 
@@ -5580,7 +5724,22 @@
           <a:p>
             <a:r>
               <a:rPr lang="ru-RU" dirty="0" smtClean="0"/>
-              <a:t> Этапы работы программы</a:t>
+              <a:t> </a:t>
+            </a:r>
+            <a:r>
+              <a:rPr lang="ru-RU" dirty="0" smtClean="0"/>
+              <a:t/>
+            </a:r>
+            <a:br>
+              <a:rPr lang="ru-RU" dirty="0" smtClean="0"/>
+            </a:br>
+            <a:r>
+              <a:rPr lang="ru-RU" dirty="0" smtClean="0"/>
+              <a:t>Этапы </a:t>
+            </a:r>
+            <a:r>
+              <a:rPr lang="ru-RU" dirty="0" smtClean="0"/>
+              <a:t>работы программы</a:t>
             </a:r>
             <a:endParaRPr lang="ru-RU" dirty="0"/>
           </a:p>
@@ -5600,6 +5759,9 @@
         <p:txBody>
           <a:bodyPr/>
           <a:lstStyle/>
+          <a:p>
+            <a:endParaRPr lang="ru-RU" dirty="0" smtClean="0"/>
+          </a:p>
           <a:p>
             <a:r>
               <a:rPr lang="en-US" dirty="0" smtClean="0"/>
@@ -5680,7 +5842,7 @@
         </p:blipFill>
         <p:spPr bwMode="auto">
           <a:xfrm>
-            <a:off x="2034332" y="1836415"/>
+            <a:off x="1962324" y="2258215"/>
             <a:ext cx="4032448" cy="2674544"/>
           </a:xfrm>
           <a:prstGeom prst="rect">
@@ -5744,7 +5906,7 @@
         </p:blipFill>
         <p:spPr bwMode="auto">
           <a:xfrm>
-            <a:off x="6282804" y="4644727"/>
+            <a:off x="6293420" y="5056931"/>
             <a:ext cx="3733800" cy="2324100"/>
           </a:xfrm>
           <a:prstGeom prst="rect">
@@ -5838,8 +6000,19 @@
           <a:lstStyle/>
           <a:p>
             <a:r>
+              <a:rPr lang="ru-RU" dirty="0" smtClean="0"/>
+              <a:t/>
+            </a:r>
+            <a:br>
+              <a:rPr lang="ru-RU" dirty="0" smtClean="0"/>
+            </a:br>
+            <a:r>
+              <a:rPr lang="ru-RU" dirty="0" smtClean="0"/>
+              <a:t>Этапы </a:t>
+            </a:r>
+            <a:r>
               <a:rPr lang="ru-RU" dirty="0"/>
-              <a:t>Этапы работы программы</a:t>
+              <a:t>работы программы</a:t>
             </a:r>
           </a:p>
         </p:txBody>
@@ -5859,9 +6032,16 @@
           <a:bodyPr/>
           <a:lstStyle/>
           <a:p>
-            <a:r>
-              <a:rPr lang="ru-RU" dirty="0" smtClean="0"/>
-              <a:t>3 Отображение данных из таблицы</a:t>
+            <a:endParaRPr lang="ru-RU" dirty="0" smtClean="0"/>
+          </a:p>
+          <a:p>
+            <a:r>
+              <a:rPr lang="ru-RU" dirty="0" smtClean="0"/>
+              <a:t>3 </a:t>
+            </a:r>
+            <a:r>
+              <a:rPr lang="ru-RU" dirty="0" smtClean="0"/>
+              <a:t>Отображение данных из таблицы</a:t>
             </a:r>
           </a:p>
           <a:p>
@@ -5927,7 +6107,7 @@
         </p:blipFill>
         <p:spPr bwMode="auto">
           <a:xfrm>
-            <a:off x="1602284" y="1908423"/>
+            <a:off x="1890316" y="2512653"/>
             <a:ext cx="6048672" cy="4724362"/>
           </a:xfrm>
           <a:prstGeom prst="rect">
@@ -6021,8 +6201,19 @@
           <a:lstStyle/>
           <a:p>
             <a:r>
+              <a:rPr lang="ru-RU" dirty="0" smtClean="0"/>
+              <a:t/>
+            </a:r>
+            <a:br>
+              <a:rPr lang="ru-RU" dirty="0" smtClean="0"/>
+            </a:br>
+            <a:r>
+              <a:rPr lang="ru-RU" dirty="0" smtClean="0"/>
+              <a:t>Этапы </a:t>
+            </a:r>
+            <a:r>
               <a:rPr lang="ru-RU" dirty="0"/>
-              <a:t>Этапы работы программы</a:t>
+              <a:t>работы программы</a:t>
             </a:r>
           </a:p>
         </p:txBody>
@@ -6042,9 +6233,16 @@
           <a:bodyPr/>
           <a:lstStyle/>
           <a:p>
+            <a:endParaRPr lang="ru-RU" dirty="0" smtClean="0"/>
+          </a:p>
+          <a:p>
+            <a:r>
+              <a:rPr lang="ru-RU" dirty="0" smtClean="0"/>
+              <a:t>4 </a:t>
+            </a:r>
             <a:r>
               <a:rPr lang="ru-RU" dirty="0"/>
-              <a:t>4 Построение </a:t>
+              <a:t>Построение </a:t>
             </a:r>
             <a:r>
               <a:rPr lang="ru-RU" dirty="0" smtClean="0"/>
@@ -6123,7 +6321,7 @@
         </p:blipFill>
         <p:spPr bwMode="auto">
           <a:xfrm>
-            <a:off x="1170236" y="2268463"/>
+            <a:off x="1170236" y="2737932"/>
             <a:ext cx="2592288" cy="2122819"/>
           </a:xfrm>
           <a:prstGeom prst="rect">
@@ -6187,7 +6385,7 @@
         </p:blipFill>
         <p:spPr bwMode="auto">
           <a:xfrm>
-            <a:off x="4174463" y="2772519"/>
+            <a:off x="4174463" y="3060551"/>
             <a:ext cx="6381539" cy="4392488"/>
           </a:xfrm>
           <a:prstGeom prst="rect">
@@ -6282,24 +6480,59 @@
           <a:p>
             <a:r>
               <a:rPr lang="ru-RU" dirty="0" smtClean="0"/>
-              <a:t>Выводы</a:t>
-            </a:r>
-            <a:r>
-              <a:rPr lang="en-US" dirty="0" smtClean="0"/>
-              <a:t>:</a:t>
-            </a:r>
+              <a:t/>
+            </a:r>
+            <a:br>
+              <a:rPr lang="ru-RU" dirty="0" smtClean="0"/>
+            </a:br>
+            <a:r>
+              <a:rPr lang="ru-RU" dirty="0" smtClean="0"/>
+              <a:t>Этапы </a:t>
+            </a:r>
+            <a:r>
+              <a:rPr lang="ru-RU" dirty="0"/>
+              <a:t>работы программы</a:t>
+            </a:r>
+          </a:p>
+        </p:txBody>
+      </p:sp>
+      <p:sp>
+        <p:nvSpPr>
+          <p:cNvPr id="3" name="Объект 2"/>
+          <p:cNvSpPr>
+            <a:spLocks noGrp="1"/>
+          </p:cNvSpPr>
+          <p:nvPr>
+            <p:ph idx="1"/>
+          </p:nvPr>
+        </p:nvSpPr>
+        <p:spPr/>
+        <p:txBody>
+          <a:bodyPr/>
+          <a:lstStyle/>
+          <a:p>
+            <a:endParaRPr lang="ru-RU" dirty="0" smtClean="0"/>
+          </a:p>
+          <a:p>
+            <a:r>
+              <a:rPr lang="ru-RU" dirty="0" smtClean="0"/>
+              <a:t>6 Оценка </a:t>
+            </a:r>
+            <a:endParaRPr lang="ru-RU" dirty="0" smtClean="0"/>
+          </a:p>
+          <a:p>
             <a:endParaRPr lang="ru-RU" dirty="0"/>
           </a:p>
         </p:txBody>
       </p:sp>
       <p:sp>
         <p:nvSpPr>
-          <p:cNvPr id="3" name="Объект 2"/>
-          <p:cNvSpPr>
-            <a:spLocks noGrp="1"/>
-          </p:cNvSpPr>
-          <p:nvPr>
-            <p:ph idx="1"/>
+          <p:cNvPr id="4" name="Номер слайда 3"/>
+          <p:cNvSpPr>
+            <a:spLocks noGrp="1"/>
+          </p:cNvSpPr>
+          <p:nvPr>
+            <p:ph type="sldNum" sz="quarter" idx="12"/>
           </p:nvPr>
         </p:nvSpPr>
         <p:spPr/>
@@ -6307,87 +6540,82 @@
           <a:bodyPr/>
           <a:lstStyle/>
           <a:p>
-            <a:r>
-              <a:rPr lang="ru-RU" dirty="0" smtClean="0"/>
-              <a:t>Проанализирована предметная область;</a:t>
-            </a:r>
-          </a:p>
-          <a:p>
-            <a:r>
-              <a:rPr lang="ru-RU" dirty="0" smtClean="0"/>
-              <a:t>Проведен анализ и выбран метод</a:t>
-            </a:r>
-            <a:r>
-              <a:rPr lang="en-US" dirty="0" smtClean="0"/>
-              <a:t>,</a:t>
-            </a:r>
-            <a:r>
-              <a:rPr lang="ru-RU" dirty="0"/>
-              <a:t> для поиска закономерностей в данных</a:t>
-            </a:r>
-            <a:r>
-              <a:rPr lang="ru-RU" dirty="0" smtClean="0"/>
-              <a:t>;</a:t>
-            </a:r>
-            <a:endParaRPr lang="en-US" dirty="0" smtClean="0"/>
-          </a:p>
-          <a:p>
-            <a:r>
-              <a:rPr lang="ru-RU" dirty="0" smtClean="0"/>
-              <a:t>Выявлены требования к программе ;</a:t>
-            </a:r>
-          </a:p>
-          <a:p>
-            <a:r>
-              <a:rPr lang="ru-RU" dirty="0" smtClean="0"/>
-              <a:t>Разработана программа.</a:t>
-            </a:r>
-          </a:p>
-          <a:p>
-            <a:r>
-              <a:rPr lang="ru-RU" i="1" dirty="0" smtClean="0"/>
-              <a:t>Дальнейшая работа:</a:t>
-            </a:r>
-          </a:p>
-          <a:p>
-            <a:r>
-              <a:rPr lang="ru-RU" dirty="0" smtClean="0"/>
-              <a:t>Повысить надежность программы, оптимизировать работоспособность программы;</a:t>
-            </a:r>
-          </a:p>
-          <a:p>
-            <a:endParaRPr lang="ru-RU" dirty="0"/>
-          </a:p>
-        </p:txBody>
-      </p:sp>
-      <p:sp>
-        <p:nvSpPr>
-          <p:cNvPr id="4" name="Номер слайда 3"/>
-          <p:cNvSpPr>
-            <a:spLocks noGrp="1"/>
-          </p:cNvSpPr>
-          <p:nvPr>
-            <p:ph type="sldNum" sz="quarter" idx="12"/>
-          </p:nvPr>
-        </p:nvSpPr>
-        <p:spPr/>
-        <p:txBody>
-          <a:bodyPr/>
-          <a:lstStyle/>
-          <a:p>
-            <a:fld id="{F3547098-4EA3-465E-87C3-A49A196ADC7F}" type="slidenum">
+            <a:fld id="{B19B0651-EE4F-4900-A07F-96A6BFA9D0F0}" type="slidenum">
               <a:rPr lang="ru-RU" smtClean="0"/>
-              <a:pPr/>
               <a:t>17</a:t>
             </a:fld>
-            <a:endParaRPr lang="ru-RU"/>
-          </a:p>
-        </p:txBody>
-      </p:sp>
+            <a:endParaRPr lang="ru-RU" dirty="0"/>
+          </a:p>
+        </p:txBody>
+      </p:sp>
+      <p:pic>
+        <p:nvPicPr>
+          <p:cNvPr id="1026" name="Picture 2"/>
+          <p:cNvPicPr>
+            <a:picLocks noChangeAspect="1" noChangeArrowheads="1"/>
+          </p:cNvPicPr>
+          <p:nvPr/>
+        </p:nvPicPr>
+        <p:blipFill>
+          <a:blip r:embed="rId2">
+            <a:extLst>
+              <a:ext uri="{28A0092B-C50C-407E-A947-70E740481C1C}">
+                <a14:useLocalDpi xmlns:a14="http://schemas.microsoft.com/office/drawing/2010/main" val="0"/>
+              </a:ext>
+            </a:extLst>
+          </a:blip>
+          <a:srcRect/>
+          <a:stretch>
+            <a:fillRect/>
+          </a:stretch>
+        </p:blipFill>
+        <p:spPr bwMode="auto">
+          <a:xfrm>
+            <a:off x="1674292" y="2412479"/>
+            <a:ext cx="7924800" cy="4311650"/>
+          </a:xfrm>
+          <a:prstGeom prst="rect">
+            <a:avLst/>
+          </a:prstGeom>
+          <a:noFill/>
+          <a:ln>
+            <a:noFill/>
+          </a:ln>
+          <a:effectLst/>
+          <a:extLst>
+            <a:ext uri="{909E8E84-426E-40DD-AFC4-6F175D3DCCD1}">
+              <a14:hiddenFill xmlns:a14="http://schemas.microsoft.com/office/drawing/2010/main">
+                <a:solidFill>
+                  <a:schemeClr val="accent1"/>
+                </a:solidFill>
+              </a14:hiddenFill>
+            </a:ext>
+            <a:ext uri="{91240B29-F687-4F45-9708-019B960494DF}">
+              <a14:hiddenLine xmlns:a14="http://schemas.microsoft.com/office/drawing/2010/main" w="9525">
+                <a:solidFill>
+                  <a:schemeClr val="tx1"/>
+                </a:solidFill>
+                <a:miter lim="800000"/>
+                <a:headEnd/>
+                <a:tailEnd/>
+              </a14:hiddenLine>
+            </a:ext>
+            <a:ext uri="{AF507438-7753-43E0-B8FC-AC1667EBCBE1}">
+              <a14:hiddenEffects xmlns:a14="http://schemas.microsoft.com/office/drawing/2010/main">
+                <a:effectLst>
+                  <a:outerShdw dist="35921" dir="2700000" algn="ctr" rotWithShape="0">
+                    <a:schemeClr val="bg2"/>
+                  </a:outerShdw>
+                </a:effectLst>
+              </a14:hiddenEffects>
+            </a:ext>
+          </a:extLst>
+        </p:spPr>
+      </p:pic>
     </p:spTree>
     <p:extLst>
       <p:ext uri="{BB962C8B-B14F-4D97-AF65-F5344CB8AC3E}">
-        <p14:creationId xmlns:p14="http://schemas.microsoft.com/office/powerpoint/2010/main" val="1488968114"/>
+        <p14:creationId xmlns:p14="http://schemas.microsoft.com/office/powerpoint/2010/main" val="2968759258"/>
       </p:ext>
     </p:extLst>
   </p:cSld>
@@ -6437,6 +6665,195 @@
           <a:lstStyle/>
           <a:p>
             <a:r>
+              <a:rPr lang="ru-RU" dirty="0" smtClean="0"/>
+              <a:t/>
+            </a:r>
+            <a:br>
+              <a:rPr lang="ru-RU" dirty="0" smtClean="0"/>
+            </a:br>
+            <a:r>
+              <a:rPr lang="ru-RU" dirty="0" smtClean="0"/>
+              <a:t>Выводы</a:t>
+            </a:r>
+            <a:r>
+              <a:rPr lang="en-US" dirty="0" smtClean="0"/>
+              <a:t>:</a:t>
+            </a:r>
+            <a:endParaRPr lang="ru-RU" dirty="0"/>
+          </a:p>
+        </p:txBody>
+      </p:sp>
+      <p:sp>
+        <p:nvSpPr>
+          <p:cNvPr id="3" name="Объект 2"/>
+          <p:cNvSpPr>
+            <a:spLocks noGrp="1"/>
+          </p:cNvSpPr>
+          <p:nvPr>
+            <p:ph idx="1"/>
+          </p:nvPr>
+        </p:nvSpPr>
+        <p:spPr/>
+        <p:txBody>
+          <a:bodyPr/>
+          <a:lstStyle/>
+          <a:p>
+            <a:endParaRPr lang="ru-RU" dirty="0" smtClean="0"/>
+          </a:p>
+          <a:p>
+            <a:r>
+              <a:rPr lang="ru-RU" dirty="0" smtClean="0"/>
+              <a:t>Изучены </a:t>
+            </a:r>
+            <a:r>
+              <a:rPr lang="ru-RU" dirty="0"/>
+              <a:t>м</a:t>
+            </a:r>
+            <a:r>
+              <a:rPr lang="ru-RU" dirty="0" smtClean="0"/>
+              <a:t>етоды интеллектуального анализа данных;</a:t>
+            </a:r>
+            <a:endParaRPr lang="ru-RU" dirty="0" smtClean="0"/>
+          </a:p>
+          <a:p>
+            <a:r>
+              <a:rPr lang="ru-RU" dirty="0" smtClean="0"/>
+              <a:t>Проведен анализ и выбран метод</a:t>
+            </a:r>
+            <a:r>
+              <a:rPr lang="en-US" dirty="0" smtClean="0"/>
+              <a:t>,</a:t>
+            </a:r>
+            <a:r>
+              <a:rPr lang="ru-RU" dirty="0"/>
+              <a:t> для </a:t>
+            </a:r>
+            <a:r>
+              <a:rPr lang="ru-RU" dirty="0"/>
+              <a:t>интеллектуального анализа данных;</a:t>
+            </a:r>
+            <a:endParaRPr lang="en-US" dirty="0" smtClean="0"/>
+          </a:p>
+          <a:p>
+            <a:r>
+              <a:rPr lang="ru-RU" dirty="0" smtClean="0"/>
+              <a:t>Выявлены требования к программе ;</a:t>
+            </a:r>
+          </a:p>
+          <a:p>
+            <a:r>
+              <a:rPr lang="ru-RU" dirty="0" smtClean="0"/>
+              <a:t>Разработана программа.</a:t>
+            </a:r>
+          </a:p>
+          <a:p>
+            <a:r>
+              <a:rPr lang="ru-RU" i="1" dirty="0" smtClean="0"/>
+              <a:t>Дальнейшая работа:</a:t>
+            </a:r>
+          </a:p>
+          <a:p>
+            <a:r>
+              <a:rPr lang="ru-RU" dirty="0" smtClean="0"/>
+              <a:t>Повысить надежность программы, оптимизировать работоспособность программы;</a:t>
+            </a:r>
+          </a:p>
+          <a:p>
+            <a:endParaRPr lang="ru-RU" dirty="0"/>
+          </a:p>
+        </p:txBody>
+      </p:sp>
+      <p:sp>
+        <p:nvSpPr>
+          <p:cNvPr id="4" name="Номер слайда 3"/>
+          <p:cNvSpPr>
+            <a:spLocks noGrp="1"/>
+          </p:cNvSpPr>
+          <p:nvPr>
+            <p:ph type="sldNum" sz="quarter" idx="12"/>
+          </p:nvPr>
+        </p:nvSpPr>
+        <p:spPr/>
+        <p:txBody>
+          <a:bodyPr/>
+          <a:lstStyle/>
+          <a:p>
+            <a:fld id="{F3547098-4EA3-465E-87C3-A49A196ADC7F}" type="slidenum">
+              <a:rPr lang="ru-RU" smtClean="0"/>
+              <a:pPr/>
+              <a:t>18</a:t>
+            </a:fld>
+            <a:endParaRPr lang="ru-RU"/>
+          </a:p>
+        </p:txBody>
+      </p:sp>
+    </p:spTree>
+    <p:extLst>
+      <p:ext uri="{BB962C8B-B14F-4D97-AF65-F5344CB8AC3E}">
+        <p14:creationId xmlns:p14="http://schemas.microsoft.com/office/powerpoint/2010/main" val="1488968114"/>
+      </p:ext>
+    </p:extLst>
+  </p:cSld>
+  <p:clrMapOvr>
+    <a:masterClrMapping/>
+  </p:clrMapOvr>
+  <p:timing>
+    <p:tnLst>
+      <p:par>
+        <p:cTn id="1" dur="indefinite" restart="never" nodeType="tmRoot"/>
+      </p:par>
+    </p:tnLst>
+  </p:timing>
+</p:sld>
+</file>
+
+<file path=ppt/slides/slide19.xml><?xml version="1.0" encoding="utf-8"?>
+<p:sld xmlns:a="http://schemas.openxmlformats.org/drawingml/2006/main" xmlns:r="http://schemas.openxmlformats.org/officeDocument/2006/relationships" xmlns:p="http://schemas.openxmlformats.org/presentationml/2006/main">
+  <p:cSld>
+    <p:spTree>
+      <p:nvGrpSpPr>
+        <p:cNvPr id="1" name=""/>
+        <p:cNvGrpSpPr/>
+        <p:nvPr/>
+      </p:nvGrpSpPr>
+      <p:grpSpPr>
+        <a:xfrm>
+          <a:off x="0" y="0"/>
+          <a:ext cx="0" cy="0"/>
+          <a:chOff x="0" y="0"/>
+          <a:chExt cx="0" cy="0"/>
+        </a:xfrm>
+      </p:grpSpPr>
+      <p:sp>
+        <p:nvSpPr>
+          <p:cNvPr id="2" name="Заголовок 1"/>
+          <p:cNvSpPr>
+            <a:spLocks noGrp="1"/>
+          </p:cNvSpPr>
+          <p:nvPr>
+            <p:ph type="title"/>
+          </p:nvPr>
+        </p:nvSpPr>
+        <p:spPr/>
+        <p:txBody>
+          <a:bodyPr/>
+          <a:lstStyle/>
+          <a:p>
+            <a:r>
+              <a:rPr lang="ru-RU" dirty="0" smtClean="0"/>
+              <a:t/>
+            </a:r>
+            <a:br>
+              <a:rPr lang="ru-RU" dirty="0" smtClean="0"/>
+            </a:br>
+            <a:r>
+              <a:rPr lang="ru-RU" dirty="0"/>
+              <a:t/>
+            </a:r>
+            <a:br>
+              <a:rPr lang="ru-RU" dirty="0"/>
+            </a:br>
+            <a:r>
               <a:rPr lang="ru-RU" dirty="0" err="1" smtClean="0"/>
               <a:t>Репозиторий</a:t>
             </a:r>
@@ -6625,7 +7042,7 @@
           <a:p>
             <a:fld id="{B19B0651-EE4F-4900-A07F-96A6BFA9D0F0}" type="slidenum">
               <a:rPr lang="ru-RU" smtClean="0"/>
-              <a:t>18</a:t>
+              <a:t>19</a:t>
             </a:fld>
             <a:endParaRPr lang="ru-RU" dirty="0"/>
           </a:p>
@@ -6685,7 +7102,25 @@
           <a:p>
             <a:r>
               <a:rPr lang="ru-RU" dirty="0" smtClean="0"/>
-              <a:t>Цель и задачи  работы:</a:t>
+              <a:t/>
+            </a:r>
+            <a:br>
+              <a:rPr lang="ru-RU" dirty="0" smtClean="0"/>
+            </a:br>
+            <a:r>
+              <a:rPr lang="ru-RU" dirty="0"/>
+              <a:t/>
+            </a:r>
+            <a:br>
+              <a:rPr lang="ru-RU" dirty="0"/>
+            </a:br>
+            <a:r>
+              <a:rPr lang="ru-RU" dirty="0" smtClean="0"/>
+              <a:t>Цель </a:t>
+            </a:r>
+            <a:r>
+              <a:rPr lang="ru-RU" dirty="0" smtClean="0"/>
+              <a:t>и задачи  работы:</a:t>
             </a:r>
             <a:br>
               <a:rPr lang="ru-RU" dirty="0" smtClean="0"/>
@@ -6709,6 +7144,9 @@
           <a:bodyPr/>
           <a:lstStyle/>
           <a:p>
+            <a:endParaRPr lang="ru-RU" dirty="0" smtClean="0"/>
+          </a:p>
+          <a:p>
             <a:r>
               <a:rPr lang="ru-RU" dirty="0" smtClean="0"/>
               <a:t>Цель</a:t>
@@ -6722,11 +7160,19 @@
           <a:p>
             <a:r>
               <a:rPr lang="ru-RU" dirty="0" smtClean="0"/>
-              <a:t>Разработать программу, для поиска скрытых закономерностей в данных, и </a:t>
+              <a:t>Разработать программу, </a:t>
+            </a:r>
+            <a:r>
+              <a:rPr lang="ru-RU" dirty="0" smtClean="0"/>
+              <a:t>интеллектуального анализа в данных</a:t>
+            </a:r>
+            <a:r>
+              <a:rPr lang="ru-RU" dirty="0" smtClean="0"/>
+              <a:t>, необходимую для поддержки </a:t>
             </a:r>
             <a:r>
               <a:rPr lang="ru-RU" dirty="0"/>
-              <a:t>интерпретации знаний, необходимых для принятия решений в различных сферах человеческой деятельности</a:t>
+              <a:t>принятия решений в различных сферах человеческой деятельности</a:t>
             </a:r>
             <a:r>
               <a:rPr lang="ru-RU" dirty="0" smtClean="0"/>
@@ -6742,20 +7188,43 @@
           <a:p>
             <a:r>
               <a:rPr lang="ru-RU" dirty="0" smtClean="0"/>
-              <a:t>Изучить предметную область; </a:t>
-            </a:r>
-          </a:p>
-          <a:p>
-            <a:r>
-              <a:rPr lang="ru-RU" dirty="0" smtClean="0"/>
-              <a:t>Провести анализ и  выбрать метод, для поиска закономерностей в данных;</a:t>
-            </a:r>
-          </a:p>
-          <a:p>
-            <a:r>
-              <a:rPr lang="ru-RU" dirty="0" smtClean="0"/>
-              <a:t>Описать требования к программе;</a:t>
-            </a:r>
+              <a:t>Изучить </a:t>
+            </a:r>
+            <a:r>
+              <a:rPr lang="ru-RU" dirty="0" smtClean="0"/>
+              <a:t>методы интеллектуального анализа данных; </a:t>
+            </a:r>
+            <a:endParaRPr lang="ru-RU" dirty="0" smtClean="0"/>
+          </a:p>
+          <a:p>
+            <a:r>
+              <a:rPr lang="ru-RU" dirty="0" smtClean="0"/>
+              <a:t>Провести анализ и  выбрать метод, для </a:t>
+            </a:r>
+            <a:r>
+              <a:rPr lang="ru-RU" dirty="0"/>
+              <a:t>интеллектуального анализа данных;</a:t>
+            </a:r>
+            <a:endParaRPr lang="ru-RU" dirty="0" smtClean="0"/>
+          </a:p>
+          <a:p>
+            <a:r>
+              <a:rPr lang="ru-RU" dirty="0" smtClean="0"/>
+              <a:t>Описать требования к </a:t>
+            </a:r>
+            <a:r>
+              <a:rPr lang="ru-RU" dirty="0" smtClean="0"/>
+              <a:t>программе</a:t>
+            </a:r>
+            <a:r>
+              <a:rPr lang="en-US" dirty="0" smtClean="0"/>
+              <a:t>,</a:t>
+            </a:r>
+            <a:r>
+              <a:rPr lang="ru-RU" dirty="0" smtClean="0"/>
+              <a:t>реализующий выбранный метод;</a:t>
+            </a:r>
+            <a:endParaRPr lang="ru-RU" dirty="0" smtClean="0"/>
           </a:p>
           <a:p>
             <a:r>
@@ -6843,6 +7312,13 @@
           <a:p>
             <a:r>
               <a:rPr lang="ru-RU" dirty="0" smtClean="0"/>
+              <a:t/>
+            </a:r>
+            <a:br>
+              <a:rPr lang="ru-RU" dirty="0" smtClean="0"/>
+            </a:br>
+            <a:r>
+              <a:rPr lang="ru-RU" dirty="0" smtClean="0"/>
               <a:t>Актуальность</a:t>
             </a:r>
             <a:endParaRPr lang="ru-RU" dirty="0"/>
@@ -6864,24 +7340,68 @@
           <a:bodyPr/>
           <a:lstStyle/>
           <a:p>
-            <a:r>
-              <a:rPr lang="ru-RU" dirty="0" smtClean="0"/>
-              <a:t>Увеличение объёмов информации</a:t>
-            </a:r>
-          </a:p>
-          <a:p>
-            <a:r>
-              <a:rPr lang="ru-RU" dirty="0" smtClean="0"/>
-              <a:t>Необходимость выявить закономерности в данных</a:t>
-            </a:r>
-          </a:p>
-          <a:p>
-            <a:r>
-              <a:rPr lang="ru-RU" dirty="0" smtClean="0"/>
-              <a:t>Развитие  средств анализа данных</a:t>
-            </a:r>
-          </a:p>
-          <a:p>
+            <a:endParaRPr lang="ru-RU" dirty="0" smtClean="0"/>
+          </a:p>
+          <a:p>
+            <a:pPr marL="342900" indent="-342900">
+              <a:buFont typeface="Arial" pitchFamily="34" charset="0"/>
+              <a:buChar char="•"/>
+            </a:pPr>
+            <a:r>
+              <a:rPr lang="ru-RU" dirty="0" smtClean="0"/>
+              <a:t>Увеличение </a:t>
+            </a:r>
+            <a:r>
+              <a:rPr lang="ru-RU" dirty="0" smtClean="0"/>
+              <a:t>объёмов </a:t>
+            </a:r>
+            <a:r>
+              <a:rPr lang="ru-RU" dirty="0" smtClean="0"/>
+              <a:t>данных и сложность ручной обработки</a:t>
+            </a:r>
+            <a:endParaRPr lang="ru-RU" dirty="0" smtClean="0"/>
+          </a:p>
+          <a:p>
+            <a:pPr marL="342900" indent="-342900">
+              <a:buFont typeface="Arial" pitchFamily="34" charset="0"/>
+              <a:buChar char="•"/>
+            </a:pPr>
+            <a:r>
+              <a:rPr lang="ru-RU" dirty="0" smtClean="0"/>
+              <a:t>Необходимость </a:t>
+            </a:r>
+            <a:r>
+              <a:rPr lang="ru-RU" dirty="0" smtClean="0"/>
+              <a:t>получения знаний из </a:t>
+            </a:r>
+            <a:r>
+              <a:rPr lang="ru-RU" dirty="0" smtClean="0"/>
+              <a:t>данных</a:t>
+            </a:r>
+          </a:p>
+          <a:p>
+            <a:pPr marL="342900" indent="-342900">
+              <a:buFont typeface="Arial" pitchFamily="34" charset="0"/>
+              <a:buChar char="•"/>
+            </a:pPr>
+            <a:r>
+              <a:rPr lang="ru-RU" dirty="0" smtClean="0"/>
+              <a:t>Развитие  </a:t>
+            </a:r>
+            <a:r>
+              <a:rPr lang="ru-RU" dirty="0" smtClean="0"/>
+              <a:t>средств интеллектуального </a:t>
+            </a:r>
+            <a:r>
+              <a:rPr lang="ru-RU" dirty="0" smtClean="0"/>
+              <a:t>анализа данных</a:t>
+            </a:r>
+          </a:p>
+          <a:p>
+            <a:pPr marL="342900" indent="-342900">
+              <a:buFont typeface="Arial" pitchFamily="34" charset="0"/>
+              <a:buChar char="•"/>
+            </a:pPr>
             <a:r>
               <a:rPr lang="ru-RU" dirty="0" smtClean="0"/>
               <a:t>Возможность поддержки принятия решений </a:t>
@@ -6970,7 +7490,18 @@
           <a:p>
             <a:r>
               <a:rPr lang="ru-RU" dirty="0" smtClean="0"/>
-              <a:t>Обнаружение знаний в базах данных </a:t>
+              <a:t/>
+            </a:r>
+            <a:br>
+              <a:rPr lang="ru-RU" dirty="0" smtClean="0"/>
+            </a:br>
+            <a:r>
+              <a:rPr lang="ru-RU" dirty="0" smtClean="0"/>
+              <a:t>Обнаружение </a:t>
+            </a:r>
+            <a:r>
+              <a:rPr lang="ru-RU" dirty="0" smtClean="0"/>
+              <a:t>знаний в базах данных </a:t>
             </a:r>
             <a:endParaRPr lang="ru-RU" dirty="0"/>
           </a:p>
@@ -7028,7 +7559,7 @@
           <p:nvPr/>
         </p:nvPicPr>
         <p:blipFill>
-          <a:blip r:embed="rId2">
+          <a:blip r:embed="rId3">
             <a:extLst>
               <a:ext uri="{28A0092B-C50C-407E-A947-70E740481C1C}">
                 <a14:useLocalDpi xmlns:a14="http://schemas.microsoft.com/office/drawing/2010/main" val="0"/>
@@ -7042,8 +7573,8 @@
         </p:blipFill>
         <p:spPr bwMode="auto">
           <a:xfrm>
-            <a:off x="658813" y="1147127"/>
-            <a:ext cx="9808398" cy="5801856"/>
+            <a:off x="658813" y="1908423"/>
+            <a:ext cx="9808398" cy="5040560"/>
           </a:xfrm>
           <a:prstGeom prst="rect">
             <a:avLst/>
@@ -7114,7 +7645,18 @@
           <a:p>
             <a:r>
               <a:rPr lang="ru-RU" dirty="0" smtClean="0"/>
-              <a:t>Интеллектуальный анализ данных</a:t>
+              <a:t/>
+            </a:r>
+            <a:br>
+              <a:rPr lang="ru-RU" dirty="0" smtClean="0"/>
+            </a:br>
+            <a:r>
+              <a:rPr lang="ru-RU" dirty="0" smtClean="0"/>
+              <a:t>Интеллектуальный </a:t>
+            </a:r>
+            <a:r>
+              <a:rPr lang="ru-RU" dirty="0" smtClean="0"/>
+              <a:t>анализ данных</a:t>
             </a:r>
             <a:r>
               <a:rPr lang="en-US" dirty="0" smtClean="0"/>
@@ -7148,8 +7690,8 @@
         </p:blipFill>
         <p:spPr>
           <a:xfrm>
-            <a:off x="140743" y="1116335"/>
-            <a:ext cx="10318525" cy="6120680"/>
+            <a:off x="140743" y="1404367"/>
+            <a:ext cx="10318525" cy="5832648"/>
           </a:xfrm>
         </p:spPr>
       </p:pic>
@@ -7230,7 +7772,18 @@
           <a:p>
             <a:r>
               <a:rPr lang="ru-RU" dirty="0" smtClean="0"/>
-              <a:t>Анализ методов</a:t>
+              <a:t/>
+            </a:r>
+            <a:br>
+              <a:rPr lang="ru-RU" dirty="0" smtClean="0"/>
+            </a:br>
+            <a:r>
+              <a:rPr lang="ru-RU" dirty="0" smtClean="0"/>
+              <a:t>Анализ </a:t>
+            </a:r>
+            <a:r>
+              <a:rPr lang="ru-RU" dirty="0" smtClean="0"/>
+              <a:t>методов</a:t>
             </a:r>
             <a:endParaRPr lang="ru-RU" dirty="0"/>
           </a:p>
@@ -7246,14 +7799,14 @@
             <p:ph idx="1"/>
             <p:extLst>
               <p:ext uri="{D42A27DB-BD31-4B8C-83A1-F6EECF244321}">
-                <p14:modId xmlns:p14="http://schemas.microsoft.com/office/powerpoint/2010/main" val="1640060571"/>
+                <p14:modId xmlns:p14="http://schemas.microsoft.com/office/powerpoint/2010/main" val="2162404777"/>
               </p:ext>
             </p:extLst>
           </p:nvPr>
         </p:nvGraphicFramePr>
         <p:xfrm>
-          <a:off x="1079500" y="1260475"/>
-          <a:ext cx="9251949" cy="4851400"/>
+          <a:off x="882204" y="1895271"/>
+          <a:ext cx="9251949" cy="5125720"/>
         </p:xfrm>
         <a:graphic>
           <a:graphicData uri="http://schemas.openxmlformats.org/drawingml/2006/table">
@@ -7262,9 +7815,9 @@
                 <a:tableStyleId>{5C22544A-7EE6-4342-B048-85BDC9FD1C3A}</a:tableStyleId>
               </a:tblPr>
               <a:tblGrid>
-                <a:gridCol w="3083983"/>
-                <a:gridCol w="3083983"/>
-                <a:gridCol w="3083983"/>
+                <a:gridCol w="1530896"/>
+                <a:gridCol w="3672408"/>
+                <a:gridCol w="4048645"/>
               </a:tblGrid>
               <a:tr h="370840">
                 <a:tc>
@@ -7338,31 +7891,37 @@
                     <a:bodyPr/>
                     <a:lstStyle/>
                     <a:p>
+                      <a:pPr marL="171450" indent="-171450">
+                        <a:buFont typeface="Arial" pitchFamily="34" charset="0"/>
+                        <a:buChar char="•"/>
+                      </a:pPr>
                       <a:r>
                         <a:rPr lang="ru-RU" sz="1200" dirty="0" smtClean="0"/>
-                        <a:t>Универсальных методов</a:t>
-                      </a:r>
-                    </a:p>
-                    <a:p>
-                      <a:r>
-                        <a:rPr lang="ru-RU" sz="1200" dirty="0" smtClean="0"/>
-                        <a:t>оптимизации, позволяющих решать задачи различных типов (комбинатор-</a:t>
-                      </a:r>
-                    </a:p>
-                    <a:p>
-                      <a:r>
-                        <a:rPr lang="ru-RU" sz="1200" dirty="0" err="1" smtClean="0"/>
-                        <a:t>ные</a:t>
+                        <a:t>Универсальных </a:t>
                       </a:r>
                       <a:r>
                         <a:rPr lang="ru-RU" sz="1200" dirty="0" smtClean="0"/>
-                        <a:t>, общие задачи с ограничениями и без ограничений) и различной степени</a:t>
+                        <a:t>методов оптимизации</a:t>
                       </a:r>
-                    </a:p>
-                    <a:p>
                       <a:r>
                         <a:rPr lang="ru-RU" sz="1200" dirty="0" smtClean="0"/>
-                        <a:t>сложности.</a:t>
+                        <a:t>, позволяющих решать задачи различных типов (</a:t>
+                      </a:r>
+                      <a:r>
+                        <a:rPr lang="ru-RU" sz="1200" dirty="0" smtClean="0"/>
+                        <a:t>комбинаторные</a:t>
+                      </a:r>
+                      <a:r>
+                        <a:rPr lang="ru-RU" sz="1200" dirty="0" smtClean="0"/>
+                        <a:t>, общие задачи с ограничениями и без ограничений) и различной </a:t>
+                      </a:r>
+                      <a:r>
+                        <a:rPr lang="ru-RU" sz="1200" dirty="0" smtClean="0"/>
+                        <a:t>степени сложности</a:t>
+                      </a:r>
+                      <a:r>
+                        <a:rPr lang="ru-RU" sz="1200" dirty="0" smtClean="0"/>
+                        <a:t>.</a:t>
                       </a:r>
                       <a:endParaRPr lang="ru-RU" sz="1200" dirty="0"/>
                     </a:p>
@@ -7374,6 +7933,10 @@
                     <a:bodyPr/>
                     <a:lstStyle/>
                     <a:p>
+                      <a:pPr marL="171450" indent="-171450">
+                        <a:buFont typeface="Arial" pitchFamily="34" charset="0"/>
+                        <a:buChar char="•"/>
+                      </a:pPr>
                       <a:r>
                         <a:rPr kumimoji="0" lang="ru-RU" sz="1200" kern="1200" dirty="0" smtClean="0">
                           <a:solidFill>
@@ -7384,10 +7947,20 @@
                           <a:ea typeface="+mn-ea"/>
                           <a:cs typeface="+mn-cs"/>
                         </a:rPr>
-                        <a:t>Время исполнения функции оценки велико</a:t>
+                        <a:t>Время исполнения функции оценки </a:t>
                       </a:r>
-                    </a:p>
-                    <a:p>
+                      <a:r>
+                        <a:rPr kumimoji="0" lang="ru-RU" sz="1200" kern="1200" dirty="0" smtClean="0">
+                          <a:solidFill>
+                            <a:schemeClr val="dk1"/>
+                          </a:solidFill>
+                          <a:effectLst/>
+                          <a:latin typeface="+mn-lt"/>
+                          <a:ea typeface="+mn-ea"/>
+                          <a:cs typeface="+mn-cs"/>
+                        </a:rPr>
+                        <a:t>велико</a:t>
+                      </a:r>
                       <a:endParaRPr kumimoji="0" lang="ru-RU" sz="1200" kern="1200" dirty="0" smtClean="0">
                         <a:solidFill>
                           <a:schemeClr val="dk1"/>
@@ -7399,6 +7972,10 @@
                       </a:endParaRPr>
                     </a:p>
                     <a:p>
+                      <a:pPr marL="171450" indent="-171450">
+                        <a:buFont typeface="Arial" pitchFamily="34" charset="0"/>
+                        <a:buChar char="•"/>
+                      </a:pPr>
                       <a:r>
                         <a:rPr kumimoji="0" lang="ru-RU" sz="1200" kern="1200" dirty="0" smtClean="0">
                           <a:solidFill>
@@ -7445,6 +8022,10 @@
                     <a:bodyPr/>
                     <a:lstStyle/>
                     <a:p>
+                      <a:pPr marL="171450" indent="-171450">
+                        <a:buFont typeface="Arial" pitchFamily="34" charset="0"/>
+                        <a:buChar char="•"/>
+                      </a:pPr>
                       <a:r>
                         <a:rPr kumimoji="0" lang="ru-RU" sz="1200" kern="1200" dirty="0" smtClean="0">
                           <a:solidFill>
@@ -7455,10 +8036,20 @@
                           <a:ea typeface="+mn-ea"/>
                           <a:cs typeface="+mn-cs"/>
                         </a:rPr>
-                        <a:t>Компактное представлении числовых отношений для широкого диапазона значений</a:t>
+                        <a:t>Компактное представлении числовых отношений для широкого диапазона </a:t>
                       </a:r>
-                    </a:p>
-                    <a:p>
+                      <a:r>
+                        <a:rPr kumimoji="0" lang="ru-RU" sz="1200" kern="1200" dirty="0" smtClean="0">
+                          <a:solidFill>
+                            <a:schemeClr val="dk1"/>
+                          </a:solidFill>
+                          <a:effectLst/>
+                          <a:latin typeface="+mn-lt"/>
+                          <a:ea typeface="+mn-ea"/>
+                          <a:cs typeface="+mn-cs"/>
+                        </a:rPr>
+                        <a:t>значений</a:t>
+                      </a:r>
                       <a:endParaRPr kumimoji="0" lang="ru-RU" sz="1200" kern="1200" dirty="0" smtClean="0">
                         <a:solidFill>
                           <a:schemeClr val="dk1"/>
@@ -7470,7 +8061,7 @@
                       </a:endParaRPr>
                     </a:p>
                     <a:p>
-                      <a:pPr marL="0" marR="0" indent="0" algn="l" defTabSz="914400" rtl="0" eaLnBrk="1" fontAlgn="auto" latinLnBrk="0" hangingPunct="1">
+                      <a:pPr marL="171450" marR="0" indent="-171450" algn="l" defTabSz="914400" rtl="0" eaLnBrk="1" fontAlgn="auto" latinLnBrk="0" hangingPunct="1">
                         <a:lnSpc>
                           <a:spcPct val="100000"/>
                         </a:lnSpc>
@@ -7482,8 +8073,8 @@
                         </a:spcAft>
                         <a:buClrTx/>
                         <a:buSzTx/>
-                        <a:buFontTx/>
-                        <a:buNone/>
+                        <a:buFont typeface="Arial" pitchFamily="34" charset="0"/>
+                        <a:buChar char="•"/>
                         <a:tabLst/>
                         <a:defRPr/>
                       </a:pPr>
@@ -7502,6 +8093,14 @@
                       <a:endParaRPr lang="ru-RU" sz="1200" dirty="0" smtClean="0"/>
                     </a:p>
                     <a:p>
+                      <a:pPr marL="171450" indent="-171450">
+                        <a:buFont typeface="Arial" pitchFamily="34" charset="0"/>
+                        <a:buChar char="•"/>
+                      </a:pPr>
+                      <a:r>
+                        <a:rPr lang="ru-RU" sz="1200" dirty="0" smtClean="0"/>
+                        <a:t>Универсальны для разных видов данных</a:t>
+                      </a:r>
                       <a:endParaRPr lang="ru-RU" sz="1200" dirty="0"/>
                     </a:p>
                   </a:txBody>
@@ -7512,6 +8111,10 @@
                     <a:bodyPr/>
                     <a:lstStyle/>
                     <a:p>
+                      <a:pPr marL="171450" indent="-171450">
+                        <a:buFont typeface="Arial" pitchFamily="34" charset="0"/>
+                        <a:buChar char="•"/>
+                      </a:pPr>
                       <a:r>
                         <a:rPr kumimoji="0" lang="ru-RU" sz="1200" kern="1200" dirty="0" smtClean="0">
                           <a:solidFill>
@@ -7526,20 +8129,45 @@
                       </a:r>
                     </a:p>
                     <a:p>
-                      <a:endParaRPr kumimoji="0" lang="ru-RU" sz="1200" kern="1200" dirty="0" smtClean="0">
-                        <a:solidFill>
-                          <a:schemeClr val="dk1"/>
-                        </a:solidFill>
-                        <a:effectLst/>
-                        <a:latin typeface="+mn-lt"/>
-                        <a:ea typeface="+mn-ea"/>
-                        <a:cs typeface="+mn-cs"/>
-                      </a:endParaRPr>
+                      <a:pPr marL="171450" indent="-171450">
+                        <a:buFont typeface="Arial" pitchFamily="34" charset="0"/>
+                        <a:buChar char="•"/>
+                      </a:pPr>
+                      <a:r>
+                        <a:rPr lang="ru-RU" sz="1200" dirty="0" smtClean="0"/>
+                        <a:t>Необходимость </a:t>
+                      </a:r>
+                      <a:r>
+                        <a:rPr lang="ru-RU" sz="1200" dirty="0" smtClean="0"/>
+                        <a:t>иметь очень большой объем обучающей </a:t>
+                      </a:r>
+                      <a:r>
+                        <a:rPr lang="ru-RU" sz="1200" dirty="0" smtClean="0"/>
+                        <a:t>выборки</a:t>
+                      </a:r>
                     </a:p>
                     <a:p>
+                      <a:pPr marL="171450" indent="-171450">
+                        <a:buFont typeface="Arial" pitchFamily="34" charset="0"/>
+                        <a:buChar char="•"/>
+                      </a:pPr>
                       <a:r>
                         <a:rPr lang="ru-RU" sz="1200" dirty="0" smtClean="0"/>
-                        <a:t>Необходимость иметь очень большой объем обучающей выборки</a:t>
+                        <a:t>Обучение  нейронных систем  занимает длительное время</a:t>
+                      </a:r>
+                    </a:p>
+                    <a:p>
+                      <a:pPr marL="171450" indent="-171450">
+                        <a:buFont typeface="Arial" pitchFamily="34" charset="0"/>
+                        <a:buChar char="•"/>
+                      </a:pPr>
+                      <a:r>
+                        <a:rPr lang="ru-RU" sz="1200" dirty="0" smtClean="0"/>
+                        <a:t>Результаты </a:t>
+                      </a:r>
+                      <a:r>
+                        <a:rPr lang="ru-RU" sz="1200" baseline="0" dirty="0" smtClean="0"/>
+                        <a:t> плохо интерпретируемы</a:t>
                       </a:r>
                       <a:endParaRPr lang="ru-RU" sz="1200" dirty="0"/>
                     </a:p>
@@ -7575,6 +8203,10 @@
                     <a:bodyPr/>
                     <a:lstStyle/>
                     <a:p>
+                      <a:pPr marL="171450" indent="-171450">
+                        <a:buFont typeface="Arial" pitchFamily="34" charset="0"/>
+                        <a:buChar char="•"/>
+                      </a:pPr>
                       <a:r>
                         <a:rPr kumimoji="0" lang="ru-RU" sz="1200" kern="1200" dirty="0" smtClean="0">
                           <a:solidFill>
@@ -7585,10 +8217,8 @@
                           <a:ea typeface="+mn-ea"/>
                           <a:cs typeface="+mn-cs"/>
                         </a:rPr>
-                        <a:t>Читабельности </a:t>
+                        <a:t>Читабельность </a:t>
                       </a:r>
-                    </a:p>
-                    <a:p>
                       <a:endParaRPr kumimoji="0" lang="ru-RU" sz="1200" kern="1200" dirty="0" smtClean="0">
                         <a:solidFill>
                           <a:schemeClr val="dk1"/>
@@ -7600,6 +8230,10 @@
                       </a:endParaRPr>
                     </a:p>
                     <a:p>
+                      <a:pPr marL="171450" indent="-171450">
+                        <a:buFont typeface="Arial" pitchFamily="34" charset="0"/>
+                        <a:buChar char="•"/>
+                      </a:pPr>
                       <a:r>
                         <a:rPr kumimoji="0" lang="ru-RU" sz="1200" kern="1200" dirty="0" smtClean="0">
                           <a:solidFill>
@@ -7610,10 +8244,20 @@
                           <a:ea typeface="+mn-ea"/>
                           <a:cs typeface="+mn-cs"/>
                         </a:rPr>
-                        <a:t>Понятная классификационная модель</a:t>
+                        <a:t>Понятная классификационная </a:t>
                       </a:r>
-                    </a:p>
-                    <a:p>
+                      <a:r>
+                        <a:rPr kumimoji="0" lang="ru-RU" sz="1200" kern="1200" dirty="0" smtClean="0">
+                          <a:solidFill>
+                            <a:schemeClr val="dk1"/>
+                          </a:solidFill>
+                          <a:effectLst/>
+                          <a:latin typeface="+mn-lt"/>
+                          <a:ea typeface="+mn-ea"/>
+                          <a:cs typeface="+mn-cs"/>
+                        </a:rPr>
+                        <a:t>модель</a:t>
+                      </a:r>
                       <a:endParaRPr kumimoji="0" lang="ru-RU" sz="1200" kern="1200" dirty="0" smtClean="0">
                         <a:solidFill>
                           <a:schemeClr val="dk1"/>
@@ -7625,15 +8269,25 @@
                       </a:endParaRPr>
                     </a:p>
                     <a:p>
+                      <a:pPr marL="171450" indent="-171450">
+                        <a:buFont typeface="Arial" pitchFamily="34" charset="0"/>
+                        <a:buChar char="•"/>
+                      </a:pPr>
                       <a:r>
                         <a:rPr lang="ru-RU" sz="1200" dirty="0" smtClean="0"/>
-                        <a:t>Генерация правил в областях, где эксперту трудно формализовать свои знания</a:t>
+                        <a:t>Генерация правил в областях, где эксперту трудно формализовать свои </a:t>
                       </a:r>
-                    </a:p>
-                    <a:p>
+                      <a:r>
+                        <a:rPr lang="ru-RU" sz="1200" dirty="0" smtClean="0"/>
+                        <a:t>знания</a:t>
+                      </a:r>
                       <a:endParaRPr lang="ru-RU" sz="1200" dirty="0" smtClean="0"/>
                     </a:p>
                     <a:p>
+                      <a:pPr marL="171450" indent="-171450">
+                        <a:buFont typeface="Arial" pitchFamily="34" charset="0"/>
+                        <a:buChar char="•"/>
+                      </a:pPr>
                       <a:r>
                         <a:rPr lang="ru-RU" sz="1200" dirty="0" smtClean="0"/>
                         <a:t>Быстрый процесс обучения</a:t>
@@ -7648,6 +8302,106 @@
                     <a:bodyPr/>
                     <a:lstStyle/>
                     <a:p>
+                      <a:pPr marL="171450" indent="-171450">
+                        <a:buFont typeface="Arial" pitchFamily="34" charset="0"/>
+                        <a:buChar char="•"/>
+                      </a:pPr>
+                      <a:r>
+                        <a:rPr lang="ru-RU" sz="1200" dirty="0" smtClean="0"/>
+                        <a:t>Сложность выбора переменной для </a:t>
+                      </a:r>
+                      <a:r>
+                        <a:rPr lang="ru-RU" sz="1200" baseline="0" dirty="0" smtClean="0"/>
+                        <a:t> </a:t>
+                      </a:r>
+                      <a:r>
+                        <a:rPr lang="ru-RU" sz="1200" dirty="0" smtClean="0"/>
+                        <a:t>построения дерева</a:t>
+                      </a:r>
+                    </a:p>
+                    <a:p>
+                      <a:pPr marL="171450" indent="-171450">
+                        <a:buFont typeface="Arial" pitchFamily="34" charset="0"/>
+                        <a:buChar char="•"/>
+                      </a:pPr>
+                      <a:r>
+                        <a:rPr lang="ru-RU" sz="1200" dirty="0" smtClean="0"/>
+                        <a:t>Возможно</a:t>
+                      </a:r>
+                      <a:r>
+                        <a:rPr lang="ru-RU" sz="1200" baseline="0" dirty="0" smtClean="0"/>
+                        <a:t> переобучение</a:t>
+                      </a:r>
+                      <a:endParaRPr lang="ru-RU" sz="1200" dirty="0"/>
+                    </a:p>
+                  </a:txBody>
+                  <a:tcPr/>
+                </a:tc>
+              </a:tr>
+              <a:tr h="370840">
+                <a:tc>
+                  <a:txBody>
+                    <a:bodyPr/>
+                    <a:lstStyle/>
+                    <a:p>
+                      <a:r>
+                        <a:rPr lang="ru-RU" sz="1200" dirty="0" smtClean="0"/>
+                        <a:t>Байесовский</a:t>
+                      </a:r>
+                      <a:endParaRPr lang="ru-RU" sz="1200" dirty="0"/>
+                    </a:p>
+                  </a:txBody>
+                  <a:tcPr/>
+                </a:tc>
+                <a:tc>
+                  <a:txBody>
+                    <a:bodyPr/>
+                    <a:lstStyle/>
+                    <a:p>
+                      <a:pPr marL="171450" indent="-171450">
+                        <a:buFont typeface="Arial" pitchFamily="34" charset="0"/>
+                        <a:buChar char="•"/>
+                      </a:pPr>
+                      <a:r>
+                        <a:rPr lang="ru-RU" sz="1200" dirty="0" smtClean="0"/>
+                        <a:t>Нет проблемы обучения</a:t>
+                      </a:r>
+                    </a:p>
+                    <a:p>
+                      <a:pPr marL="171450" indent="-171450">
+                        <a:buFont typeface="Arial" pitchFamily="34" charset="0"/>
+                        <a:buChar char="•"/>
+                      </a:pPr>
+                      <a:r>
+                        <a:rPr lang="ru-RU" sz="1200" dirty="0" smtClean="0"/>
+                        <a:t>Определяются зависимости между всеми переменными, это позволяет легко</a:t>
+                      </a:r>
+                      <a:r>
+                        <a:rPr lang="ru-RU" sz="1200" baseline="0" dirty="0" smtClean="0"/>
+                        <a:t> </a:t>
+                      </a:r>
+                      <a:r>
+                        <a:rPr lang="ru-RU" sz="1200" dirty="0" smtClean="0"/>
+                        <a:t>обрабатывать ситуации, в которых значения некоторых переменных неизвестны</a:t>
+                      </a:r>
+                      <a:endParaRPr lang="ru-RU" sz="1200" dirty="0"/>
+                    </a:p>
+                  </a:txBody>
+                  <a:tcPr/>
+                </a:tc>
+                <a:tc>
+                  <a:txBody>
+                    <a:bodyPr/>
+                    <a:lstStyle/>
+                    <a:p>
+                      <a:pPr marL="171450" indent="-171450">
+                        <a:buFont typeface="Arial" pitchFamily="34" charset="0"/>
+                        <a:buChar char="•"/>
+                      </a:pPr>
+                      <a:r>
+                        <a:rPr lang="ru-RU" sz="1200" dirty="0" smtClean="0"/>
+                        <a:t>Невозможна обработка непрерывных данных</a:t>
+                      </a:r>
                       <a:endParaRPr lang="ru-RU" sz="1200" dirty="0"/>
                     </a:p>
                   </a:txBody>
@@ -7691,6 +8445,13 @@
   <p:clrMapOvr>
     <a:masterClrMapping/>
   </p:clrMapOvr>
+  <p:timing>
+    <p:tnLst>
+      <p:par>
+        <p:cTn id="1" dur="indefinite" restart="never" nodeType="tmRoot"/>
+      </p:par>
+    </p:tnLst>
+  </p:timing>
 </p:sld>
 </file>
 
@@ -7727,8 +8488,19 @@
           <a:lstStyle/>
           <a:p>
             <a:r>
-              <a:rPr lang="ru-RU" smtClean="0"/>
-              <a:t>Дерево решений </a:t>
+              <a:rPr lang="ru-RU" dirty="0" smtClean="0"/>
+              <a:t/>
+            </a:r>
+            <a:br>
+              <a:rPr lang="ru-RU" dirty="0" smtClean="0"/>
+            </a:br>
+            <a:r>
+              <a:rPr lang="ru-RU" dirty="0" smtClean="0"/>
+              <a:t>Дерево </a:t>
+            </a:r>
+            <a:r>
+              <a:rPr lang="ru-RU" dirty="0" smtClean="0"/>
+              <a:t>решений </a:t>
             </a:r>
             <a:endParaRPr lang="ru-RU" dirty="0"/>
           </a:p>
@@ -7749,9 +8521,32 @@
           <a:bodyPr/>
           <a:lstStyle/>
           <a:p>
-            <a:r>
-              <a:rPr lang="ru-RU" smtClean="0"/>
-              <a:t>Дерево решений (Decision tree) – Способ представления правил классификации в иерархической, последовательной структуре. Классификационные правила состоят из условий и заключений: если (условие), то (заключение). </a:t>
+            <a:endParaRPr lang="ru-RU" dirty="0" smtClean="0"/>
+          </a:p>
+          <a:p>
+            <a:r>
+              <a:rPr lang="ru-RU" dirty="0" smtClean="0"/>
+              <a:t>Дерево </a:t>
+            </a:r>
+            <a:r>
+              <a:rPr lang="ru-RU" dirty="0" smtClean="0"/>
+              <a:t>решений (</a:t>
+            </a:r>
+            <a:r>
+              <a:rPr lang="ru-RU" dirty="0" err="1" smtClean="0"/>
+              <a:t>Decision</a:t>
+            </a:r>
+            <a:r>
+              <a:rPr lang="ru-RU" dirty="0" smtClean="0"/>
+              <a:t> </a:t>
+            </a:r>
+            <a:r>
+              <a:rPr lang="ru-RU" dirty="0" err="1" smtClean="0"/>
+              <a:t>tree</a:t>
+            </a:r>
+            <a:r>
+              <a:rPr lang="ru-RU" dirty="0" smtClean="0"/>
+              <a:t>) – Способ представления правил классификации в иерархической, последовательной структуре. Классификационные правила состоят из условий и заключений: если (условие), то (заключение). </a:t>
             </a:r>
             <a:endParaRPr lang="ru-RU" dirty="0"/>
           </a:p>
@@ -7940,7 +8735,18 @@
           <a:p>
             <a:r>
               <a:rPr lang="ru-RU" dirty="0" smtClean="0"/>
-              <a:t>Построение дерева решений</a:t>
+              <a:t/>
+            </a:r>
+            <a:br>
+              <a:rPr lang="ru-RU" dirty="0" smtClean="0"/>
+            </a:br>
+            <a:r>
+              <a:rPr lang="ru-RU" dirty="0" smtClean="0"/>
+              <a:t>Построение </a:t>
+            </a:r>
+            <a:r>
+              <a:rPr lang="ru-RU" dirty="0" smtClean="0"/>
+              <a:t>дерева решений</a:t>
             </a:r>
             <a:endParaRPr lang="ru-RU" dirty="0"/>
           </a:p>
@@ -7960,6 +8766,12 @@
         <p:txBody>
           <a:bodyPr/>
           <a:lstStyle/>
+          <a:p>
+            <a:endParaRPr lang="ru-RU" sz="1400" dirty="0" smtClean="0"/>
+          </a:p>
+          <a:p>
+            <a:endParaRPr lang="ru-RU" sz="1400" dirty="0"/>
+          </a:p>
           <a:p>
             <a:r>
               <a:rPr lang="ru-RU" sz="1400" dirty="0" smtClean="0"/>
@@ -8223,7 +9035,18 @@
           <a:p>
             <a:r>
               <a:rPr lang="ru-RU" dirty="0" smtClean="0"/>
-              <a:t>Требование к программе</a:t>
+              <a:t/>
+            </a:r>
+            <a:br>
+              <a:rPr lang="ru-RU" dirty="0" smtClean="0"/>
+            </a:br>
+            <a:r>
+              <a:rPr lang="ru-RU" dirty="0" smtClean="0"/>
+              <a:t>Требование </a:t>
+            </a:r>
+            <a:r>
+              <a:rPr lang="ru-RU" dirty="0" smtClean="0"/>
+              <a:t>к программе</a:t>
             </a:r>
             <a:endParaRPr lang="ru-RU" dirty="0"/>
           </a:p>
@@ -8244,9 +9067,16 @@
           <a:bodyPr/>
           <a:lstStyle/>
           <a:p>
-            <a:r>
-              <a:rPr lang="ru-RU" dirty="0" smtClean="0"/>
-              <a:t>Загрузка данных</a:t>
+            <a:endParaRPr lang="ru-RU" dirty="0" smtClean="0"/>
+          </a:p>
+          <a:p>
+            <a:r>
+              <a:rPr lang="ru-RU" dirty="0" smtClean="0"/>
+              <a:t>Загрузка </a:t>
+            </a:r>
+            <a:r>
+              <a:rPr lang="ru-RU" dirty="0" smtClean="0"/>
+              <a:t>данных</a:t>
             </a:r>
           </a:p>
           <a:p>
@@ -8254,7 +9084,6 @@
               <a:rPr lang="ru-RU" dirty="0" smtClean="0"/>
               <a:t>Отображение загруженных данных</a:t>
             </a:r>
-            <a:endParaRPr lang="ru-RU" dirty="0" smtClean="0"/>
           </a:p>
           <a:p>
             <a:r>
@@ -8330,6 +9159,13 @@
   <p:clrMapOvr>
     <a:masterClrMapping/>
   </p:clrMapOvr>
+  <p:timing>
+    <p:tnLst>
+      <p:par>
+        <p:cTn id="1" dur="indefinite" restart="never" nodeType="tmRoot"/>
+      </p:par>
+    </p:tnLst>
+  </p:timing>
 </p:sld>
 </file>
 

--- a/Prezent.pptx
+++ b/Prezent.pptx
@@ -5149,11 +5149,7 @@
             </a:br>
             <a:r>
               <a:rPr lang="ru-RU" dirty="0" smtClean="0"/>
-              <a:t>Диаграмма </a:t>
-            </a:r>
-            <a:r>
-              <a:rPr lang="ru-RU" dirty="0" smtClean="0"/>
-              <a:t>использования</a:t>
+              <a:t>Диаграмма использования</a:t>
             </a:r>
             <a:endParaRPr lang="ru-RU" dirty="0"/>
           </a:p>
@@ -5286,11 +5282,7 @@
             </a:br>
             <a:r>
               <a:rPr lang="ru-RU" dirty="0" smtClean="0"/>
-              <a:t>Функциональная </a:t>
-            </a:r>
-            <a:r>
-              <a:rPr lang="ru-RU" dirty="0" smtClean="0"/>
-              <a:t>структура программы</a:t>
+              <a:t>Функциональная структура программы</a:t>
             </a:r>
             <a:endParaRPr lang="ru-RU" dirty="0"/>
           </a:p>
@@ -5423,11 +5415,7 @@
             </a:br>
             <a:r>
               <a:rPr lang="ru-RU" dirty="0" smtClean="0"/>
-              <a:t>Диаграмма </a:t>
-            </a:r>
-            <a:r>
-              <a:rPr lang="ru-RU" dirty="0" smtClean="0"/>
-              <a:t>классов</a:t>
+              <a:t>Диаграмма классов</a:t>
             </a:r>
             <a:endParaRPr lang="ru-RU" dirty="0"/>
           </a:p>
@@ -5577,11 +5565,7 @@
             </a:br>
             <a:r>
               <a:rPr lang="ru-RU" dirty="0" smtClean="0"/>
-              <a:t>Сценарий </a:t>
-            </a:r>
-            <a:r>
-              <a:rPr lang="ru-RU" dirty="0" smtClean="0"/>
-              <a:t>работы программы</a:t>
+              <a:t>Сценарий работы программы</a:t>
             </a:r>
             <a:endParaRPr lang="ru-RU" dirty="0"/>
           </a:p>
@@ -5726,20 +5710,12 @@
               <a:rPr lang="ru-RU" dirty="0" smtClean="0"/>
               <a:t> </a:t>
             </a:r>
-            <a:r>
-              <a:rPr lang="ru-RU" dirty="0" smtClean="0"/>
-              <a:t/>
-            </a:r>
             <a:br>
               <a:rPr lang="ru-RU" dirty="0" smtClean="0"/>
             </a:br>
             <a:r>
               <a:rPr lang="ru-RU" dirty="0" smtClean="0"/>
-              <a:t>Этапы </a:t>
-            </a:r>
-            <a:r>
-              <a:rPr lang="ru-RU" dirty="0" smtClean="0"/>
-              <a:t>работы программы</a:t>
+              <a:t>Этапы работы программы</a:t>
             </a:r>
             <a:endParaRPr lang="ru-RU" dirty="0"/>
           </a:p>
@@ -6037,11 +6013,7 @@
           <a:p>
             <a:r>
               <a:rPr lang="ru-RU" dirty="0" smtClean="0"/>
-              <a:t>3 </a:t>
-            </a:r>
-            <a:r>
-              <a:rPr lang="ru-RU" dirty="0" smtClean="0"/>
-              <a:t>Отображение данных из таблицы</a:t>
+              <a:t>3 Отображение данных из таблицы</a:t>
             </a:r>
           </a:p>
           <a:p>
@@ -6518,7 +6490,6 @@
               <a:rPr lang="ru-RU" dirty="0" smtClean="0"/>
               <a:t>6 Оценка </a:t>
             </a:r>
-            <a:endParaRPr lang="ru-RU" dirty="0" smtClean="0"/>
           </a:p>
           <a:p>
             <a:endParaRPr lang="ru-RU" dirty="0"/>
@@ -6713,7 +6684,6 @@
               <a:rPr lang="ru-RU" dirty="0" smtClean="0"/>
               <a:t>етоды интеллектуального анализа данных;</a:t>
             </a:r>
-            <a:endParaRPr lang="ru-RU" dirty="0" smtClean="0"/>
           </a:p>
           <a:p>
             <a:r>
@@ -6726,11 +6696,7 @@
             </a:r>
             <a:r>
               <a:rPr lang="ru-RU" dirty="0"/>
-              <a:t> для </a:t>
-            </a:r>
-            <a:r>
-              <a:rPr lang="ru-RU" dirty="0"/>
-              <a:t>интеллектуального анализа данных;</a:t>
+              <a:t> для интеллектуального анализа данных;</a:t>
             </a:r>
             <a:endParaRPr lang="en-US" dirty="0" smtClean="0"/>
           </a:p>
@@ -7013,7 +6979,7 @@
                 <a:latin typeface="Georgia"/>
                 <a:cs typeface="+mn-cs"/>
               </a:rPr>
-              <a:t>https://github.com/geper/Decision_tree.git</a:t>
+              <a:t>https://github.com/geper/DOC_decision_trees.git</a:t>
             </a:r>
             <a:endParaRPr lang="ru-RU" sz="2800" dirty="0">
               <a:solidFill>
@@ -7116,11 +7082,7 @@
             </a:br>
             <a:r>
               <a:rPr lang="ru-RU" dirty="0" smtClean="0"/>
-              <a:t>Цель </a:t>
-            </a:r>
-            <a:r>
-              <a:rPr lang="ru-RU" dirty="0" smtClean="0"/>
-              <a:t>и задачи  работы:</a:t>
+              <a:t>Цель и задачи  работы:</a:t>
             </a:r>
             <a:br>
               <a:rPr lang="ru-RU" dirty="0" smtClean="0"/>
@@ -7160,15 +7122,7 @@
           <a:p>
             <a:r>
               <a:rPr lang="ru-RU" dirty="0" smtClean="0"/>
-              <a:t>Разработать программу, </a:t>
-            </a:r>
-            <a:r>
-              <a:rPr lang="ru-RU" dirty="0" smtClean="0"/>
-              <a:t>интеллектуального анализа в данных</a:t>
-            </a:r>
-            <a:r>
-              <a:rPr lang="ru-RU" dirty="0" smtClean="0"/>
-              <a:t>, необходимую для поддержки </a:t>
+              <a:t>Разработать программу, интеллектуального анализа в данных, необходимую для поддержки </a:t>
             </a:r>
             <a:r>
               <a:rPr lang="ru-RU" dirty="0"/>
@@ -7188,13 +7142,12 @@
           <a:p>
             <a:r>
               <a:rPr lang="ru-RU" dirty="0" smtClean="0"/>
-              <a:t>Изучить </a:t>
+              <a:t>Собрать информацию о методах </a:t>
             </a:r>
             <a:r>
               <a:rPr lang="ru-RU" dirty="0" smtClean="0"/>
-              <a:t>методы интеллектуального анализа данных; </a:t>
-            </a:r>
-            <a:endParaRPr lang="ru-RU" dirty="0" smtClean="0"/>
+              <a:t>интеллектуального анализа данных; </a:t>
+            </a:r>
           </a:p>
           <a:p>
             <a:r>
@@ -7210,11 +7163,7 @@
           <a:p>
             <a:r>
               <a:rPr lang="ru-RU" dirty="0" smtClean="0"/>
-              <a:t>Описать требования к </a:t>
-            </a:r>
-            <a:r>
-              <a:rPr lang="ru-RU" dirty="0" smtClean="0"/>
-              <a:t>программе</a:t>
+              <a:t>Описать требования к программе</a:t>
             </a:r>
             <a:r>
               <a:rPr lang="en-US" dirty="0" smtClean="0"/>
@@ -7224,7 +7173,6 @@
               <a:rPr lang="ru-RU" dirty="0" smtClean="0"/>
               <a:t>реализующий выбранный метод;</a:t>
             </a:r>
-            <a:endParaRPr lang="ru-RU" dirty="0" smtClean="0"/>
           </a:p>
           <a:p>
             <a:r>
@@ -7349,17 +7297,8 @@
             </a:pPr>
             <a:r>
               <a:rPr lang="ru-RU" dirty="0" smtClean="0"/>
-              <a:t>Увеличение </a:t>
-            </a:r>
-            <a:r>
-              <a:rPr lang="ru-RU" dirty="0" smtClean="0"/>
-              <a:t>объёмов </a:t>
-            </a:r>
-            <a:r>
-              <a:rPr lang="ru-RU" dirty="0" smtClean="0"/>
-              <a:t>данных и сложность ручной обработки</a:t>
-            </a:r>
-            <a:endParaRPr lang="ru-RU" dirty="0" smtClean="0"/>
+              <a:t>Увеличение объёмов данных и сложность ручной обработки</a:t>
+            </a:r>
           </a:p>
           <a:p>
             <a:pPr marL="342900" indent="-342900">
@@ -7368,15 +7307,7 @@
             </a:pPr>
             <a:r>
               <a:rPr lang="ru-RU" dirty="0" smtClean="0"/>
-              <a:t>Необходимость </a:t>
-            </a:r>
-            <a:r>
-              <a:rPr lang="ru-RU" dirty="0" smtClean="0"/>
-              <a:t>получения знаний из </a:t>
-            </a:r>
-            <a:r>
-              <a:rPr lang="ru-RU" dirty="0" smtClean="0"/>
-              <a:t>данных</a:t>
+              <a:t>Необходимость получения знаний из данных</a:t>
             </a:r>
           </a:p>
           <a:p>
@@ -7386,15 +7317,7 @@
             </a:pPr>
             <a:r>
               <a:rPr lang="ru-RU" dirty="0" smtClean="0"/>
-              <a:t>Развитие  </a:t>
-            </a:r>
-            <a:r>
-              <a:rPr lang="ru-RU" dirty="0" smtClean="0"/>
-              <a:t>средств интеллектуального </a:t>
-            </a:r>
-            <a:r>
-              <a:rPr lang="ru-RU" dirty="0" smtClean="0"/>
-              <a:t>анализа данных</a:t>
+              <a:t>Развитие  средств интеллектуального анализа данных</a:t>
             </a:r>
           </a:p>
           <a:p>
@@ -7497,11 +7420,7 @@
             </a:br>
             <a:r>
               <a:rPr lang="ru-RU" dirty="0" smtClean="0"/>
-              <a:t>Обнаружение </a:t>
-            </a:r>
-            <a:r>
-              <a:rPr lang="ru-RU" dirty="0" smtClean="0"/>
-              <a:t>знаний в базах данных </a:t>
+              <a:t>Обнаружение знаний в базах данных </a:t>
             </a:r>
             <a:endParaRPr lang="ru-RU" dirty="0"/>
           </a:p>
@@ -7652,11 +7571,7 @@
             </a:br>
             <a:r>
               <a:rPr lang="ru-RU" dirty="0" smtClean="0"/>
-              <a:t>Интеллектуальный </a:t>
-            </a:r>
-            <a:r>
-              <a:rPr lang="ru-RU" dirty="0" smtClean="0"/>
-              <a:t>анализ данных</a:t>
+              <a:t>Интеллектуальный анализ данных</a:t>
             </a:r>
             <a:r>
               <a:rPr lang="en-US" dirty="0" smtClean="0"/>
@@ -7779,11 +7694,7 @@
             </a:br>
             <a:r>
               <a:rPr lang="ru-RU" dirty="0" smtClean="0"/>
-              <a:t>Анализ </a:t>
-            </a:r>
-            <a:r>
-              <a:rPr lang="ru-RU" dirty="0" smtClean="0"/>
-              <a:t>методов</a:t>
+              <a:t>Анализ методов</a:t>
             </a:r>
             <a:endParaRPr lang="ru-RU" dirty="0"/>
           </a:p>
@@ -7897,31 +7808,7 @@
                       </a:pPr>
                       <a:r>
                         <a:rPr lang="ru-RU" sz="1200" dirty="0" smtClean="0"/>
-                        <a:t>Универсальных </a:t>
-                      </a:r>
-                      <a:r>
-                        <a:rPr lang="ru-RU" sz="1200" dirty="0" smtClean="0"/>
-                        <a:t>методов оптимизации</a:t>
-                      </a:r>
-                      <a:r>
-                        <a:rPr lang="ru-RU" sz="1200" dirty="0" smtClean="0"/>
-                        <a:t>, позволяющих решать задачи различных типов (</a:t>
-                      </a:r>
-                      <a:r>
-                        <a:rPr lang="ru-RU" sz="1200" dirty="0" smtClean="0"/>
-                        <a:t>комбинаторные</a:t>
-                      </a:r>
-                      <a:r>
-                        <a:rPr lang="ru-RU" sz="1200" dirty="0" smtClean="0"/>
-                        <a:t>, общие задачи с ограничениями и без ограничений) и различной </a:t>
-                      </a:r>
-                      <a:r>
-                        <a:rPr lang="ru-RU" sz="1200" dirty="0" smtClean="0"/>
-                        <a:t>степени сложности</a:t>
-                      </a:r>
-                      <a:r>
-                        <a:rPr lang="ru-RU" sz="1200" dirty="0" smtClean="0"/>
-                        <a:t>.</a:t>
+                        <a:t>Универсальных методов оптимизации, позволяющих решать задачи различных типов (комбинаторные, общие задачи с ограничениями и без ограничений) и различной степени сложности.</a:t>
                       </a:r>
                       <a:endParaRPr lang="ru-RU" sz="1200" dirty="0"/>
                     </a:p>
@@ -7947,29 +7834,8 @@
                           <a:ea typeface="+mn-ea"/>
                           <a:cs typeface="+mn-cs"/>
                         </a:rPr>
-                        <a:t>Время исполнения функции оценки </a:t>
+                        <a:t>Время исполнения функции оценки велико</a:t>
                       </a:r>
-                      <a:r>
-                        <a:rPr kumimoji="0" lang="ru-RU" sz="1200" kern="1200" dirty="0" smtClean="0">
-                          <a:solidFill>
-                            <a:schemeClr val="dk1"/>
-                          </a:solidFill>
-                          <a:effectLst/>
-                          <a:latin typeface="+mn-lt"/>
-                          <a:ea typeface="+mn-ea"/>
-                          <a:cs typeface="+mn-cs"/>
-                        </a:rPr>
-                        <a:t>велико</a:t>
-                      </a:r>
-                      <a:endParaRPr kumimoji="0" lang="ru-RU" sz="1200" kern="1200" dirty="0" smtClean="0">
-                        <a:solidFill>
-                          <a:schemeClr val="dk1"/>
-                        </a:solidFill>
-                        <a:effectLst/>
-                        <a:latin typeface="+mn-lt"/>
-                        <a:ea typeface="+mn-ea"/>
-                        <a:cs typeface="+mn-cs"/>
-                      </a:endParaRPr>
                     </a:p>
                     <a:p>
                       <a:pPr marL="171450" indent="-171450">
@@ -8036,29 +7902,8 @@
                           <a:ea typeface="+mn-ea"/>
                           <a:cs typeface="+mn-cs"/>
                         </a:rPr>
-                        <a:t>Компактное представлении числовых отношений для широкого диапазона </a:t>
+                        <a:t>Компактное представлении числовых отношений для широкого диапазона значений</a:t>
                       </a:r>
-                      <a:r>
-                        <a:rPr kumimoji="0" lang="ru-RU" sz="1200" kern="1200" dirty="0" smtClean="0">
-                          <a:solidFill>
-                            <a:schemeClr val="dk1"/>
-                          </a:solidFill>
-                          <a:effectLst/>
-                          <a:latin typeface="+mn-lt"/>
-                          <a:ea typeface="+mn-ea"/>
-                          <a:cs typeface="+mn-cs"/>
-                        </a:rPr>
-                        <a:t>значений</a:t>
-                      </a:r>
-                      <a:endParaRPr kumimoji="0" lang="ru-RU" sz="1200" kern="1200" dirty="0" smtClean="0">
-                        <a:solidFill>
-                          <a:schemeClr val="dk1"/>
-                        </a:solidFill>
-                        <a:effectLst/>
-                        <a:latin typeface="+mn-lt"/>
-                        <a:ea typeface="+mn-ea"/>
-                        <a:cs typeface="+mn-cs"/>
-                      </a:endParaRPr>
                     </a:p>
                     <a:p>
                       <a:pPr marL="171450" marR="0" indent="-171450" algn="l" defTabSz="914400" rtl="0" eaLnBrk="1" fontAlgn="auto" latinLnBrk="0" hangingPunct="1">
@@ -8135,15 +7980,7 @@
                       </a:pPr>
                       <a:r>
                         <a:rPr lang="ru-RU" sz="1200" dirty="0" smtClean="0"/>
-                        <a:t>Необходимость </a:t>
-                      </a:r>
-                      <a:r>
-                        <a:rPr lang="ru-RU" sz="1200" dirty="0" smtClean="0"/>
-                        <a:t>иметь очень большой объем обучающей </a:t>
-                      </a:r>
-                      <a:r>
-                        <a:rPr lang="ru-RU" sz="1200" dirty="0" smtClean="0"/>
-                        <a:t>выборки</a:t>
+                        <a:t>Необходимость иметь очень большой объем обучающей выборки</a:t>
                       </a:r>
                     </a:p>
                     <a:p>
@@ -8219,15 +8056,6 @@
                         </a:rPr>
                         <a:t>Читабельность </a:t>
                       </a:r>
-                      <a:endParaRPr kumimoji="0" lang="ru-RU" sz="1200" kern="1200" dirty="0" smtClean="0">
-                        <a:solidFill>
-                          <a:schemeClr val="dk1"/>
-                        </a:solidFill>
-                        <a:effectLst/>
-                        <a:latin typeface="+mn-lt"/>
-                        <a:ea typeface="+mn-ea"/>
-                        <a:cs typeface="+mn-cs"/>
-                      </a:endParaRPr>
                     </a:p>
                     <a:p>
                       <a:pPr marL="171450" indent="-171450">
@@ -8244,29 +8072,8 @@
                           <a:ea typeface="+mn-ea"/>
                           <a:cs typeface="+mn-cs"/>
                         </a:rPr>
-                        <a:t>Понятная классификационная </a:t>
+                        <a:t>Понятная классификационная модель</a:t>
                       </a:r>
-                      <a:r>
-                        <a:rPr kumimoji="0" lang="ru-RU" sz="1200" kern="1200" dirty="0" smtClean="0">
-                          <a:solidFill>
-                            <a:schemeClr val="dk1"/>
-                          </a:solidFill>
-                          <a:effectLst/>
-                          <a:latin typeface="+mn-lt"/>
-                          <a:ea typeface="+mn-ea"/>
-                          <a:cs typeface="+mn-cs"/>
-                        </a:rPr>
-                        <a:t>модель</a:t>
-                      </a:r>
-                      <a:endParaRPr kumimoji="0" lang="ru-RU" sz="1200" kern="1200" dirty="0" smtClean="0">
-                        <a:solidFill>
-                          <a:schemeClr val="dk1"/>
-                        </a:solidFill>
-                        <a:effectLst/>
-                        <a:latin typeface="+mn-lt"/>
-                        <a:ea typeface="+mn-ea"/>
-                        <a:cs typeface="+mn-cs"/>
-                      </a:endParaRPr>
                     </a:p>
                     <a:p>
                       <a:pPr marL="171450" indent="-171450">
@@ -8275,13 +8082,8 @@
                       </a:pPr>
                       <a:r>
                         <a:rPr lang="ru-RU" sz="1200" dirty="0" smtClean="0"/>
-                        <a:t>Генерация правил в областях, где эксперту трудно формализовать свои </a:t>
+                        <a:t>Генерация правил в областях, где эксперту трудно формализовать свои знания</a:t>
                       </a:r>
-                      <a:r>
-                        <a:rPr lang="ru-RU" sz="1200" dirty="0" smtClean="0"/>
-                        <a:t>знания</a:t>
-                      </a:r>
-                      <a:endParaRPr lang="ru-RU" sz="1200" dirty="0" smtClean="0"/>
                     </a:p>
                     <a:p>
                       <a:pPr marL="171450" indent="-171450">
@@ -8496,41 +8298,33 @@
             </a:br>
             <a:r>
               <a:rPr lang="ru-RU" dirty="0" smtClean="0"/>
-              <a:t>Дерево </a:t>
-            </a:r>
+              <a:t>Дерево решений </a:t>
+            </a:r>
+            <a:endParaRPr lang="ru-RU" dirty="0"/>
+          </a:p>
+        </p:txBody>
+      </p:sp>
+      <p:sp>
+        <p:nvSpPr>
+          <p:cNvPr id="3" name="Объект 2"/>
+          <p:cNvSpPr>
+            <a:spLocks noGrp="1"/>
+          </p:cNvSpPr>
+          <p:nvPr>
+            <p:ph idx="1"/>
+          </p:nvPr>
+        </p:nvSpPr>
+        <p:spPr/>
+        <p:txBody>
+          <a:bodyPr/>
+          <a:lstStyle/>
+          <a:p>
+            <a:endParaRPr lang="ru-RU" dirty="0" smtClean="0"/>
+          </a:p>
+          <a:p>
             <a:r>
               <a:rPr lang="ru-RU" dirty="0" smtClean="0"/>
-              <a:t>решений </a:t>
-            </a:r>
-            <a:endParaRPr lang="ru-RU" dirty="0"/>
-          </a:p>
-        </p:txBody>
-      </p:sp>
-      <p:sp>
-        <p:nvSpPr>
-          <p:cNvPr id="3" name="Объект 2"/>
-          <p:cNvSpPr>
-            <a:spLocks noGrp="1"/>
-          </p:cNvSpPr>
-          <p:nvPr>
-            <p:ph idx="1"/>
-          </p:nvPr>
-        </p:nvSpPr>
-        <p:spPr/>
-        <p:txBody>
-          <a:bodyPr/>
-          <a:lstStyle/>
-          <a:p>
-            <a:endParaRPr lang="ru-RU" dirty="0" smtClean="0"/>
-          </a:p>
-          <a:p>
-            <a:r>
-              <a:rPr lang="ru-RU" dirty="0" smtClean="0"/>
-              <a:t>Дерево </a:t>
-            </a:r>
-            <a:r>
-              <a:rPr lang="ru-RU" dirty="0" smtClean="0"/>
-              <a:t>решений (</a:t>
+              <a:t>Дерево решений (</a:t>
             </a:r>
             <a:r>
               <a:rPr lang="ru-RU" dirty="0" err="1" smtClean="0"/>
@@ -8742,11 +8536,7 @@
             </a:br>
             <a:r>
               <a:rPr lang="ru-RU" dirty="0" smtClean="0"/>
-              <a:t>Построение </a:t>
-            </a:r>
-            <a:r>
-              <a:rPr lang="ru-RU" dirty="0" smtClean="0"/>
-              <a:t>дерева решений</a:t>
+              <a:t>Построение дерева решений</a:t>
             </a:r>
             <a:endParaRPr lang="ru-RU" dirty="0"/>
           </a:p>
@@ -9042,41 +8832,33 @@
             </a:br>
             <a:r>
               <a:rPr lang="ru-RU" dirty="0" smtClean="0"/>
-              <a:t>Требование </a:t>
-            </a:r>
+              <a:t>Требование к программе</a:t>
+            </a:r>
+            <a:endParaRPr lang="ru-RU" dirty="0"/>
+          </a:p>
+        </p:txBody>
+      </p:sp>
+      <p:sp>
+        <p:nvSpPr>
+          <p:cNvPr id="3" name="Объект 2"/>
+          <p:cNvSpPr>
+            <a:spLocks noGrp="1"/>
+          </p:cNvSpPr>
+          <p:nvPr>
+            <p:ph idx="1"/>
+          </p:nvPr>
+        </p:nvSpPr>
+        <p:spPr/>
+        <p:txBody>
+          <a:bodyPr/>
+          <a:lstStyle/>
+          <a:p>
+            <a:endParaRPr lang="ru-RU" dirty="0" smtClean="0"/>
+          </a:p>
+          <a:p>
             <a:r>
               <a:rPr lang="ru-RU" dirty="0" smtClean="0"/>
-              <a:t>к программе</a:t>
-            </a:r>
-            <a:endParaRPr lang="ru-RU" dirty="0"/>
-          </a:p>
-        </p:txBody>
-      </p:sp>
-      <p:sp>
-        <p:nvSpPr>
-          <p:cNvPr id="3" name="Объект 2"/>
-          <p:cNvSpPr>
-            <a:spLocks noGrp="1"/>
-          </p:cNvSpPr>
-          <p:nvPr>
-            <p:ph idx="1"/>
-          </p:nvPr>
-        </p:nvSpPr>
-        <p:spPr/>
-        <p:txBody>
-          <a:bodyPr/>
-          <a:lstStyle/>
-          <a:p>
-            <a:endParaRPr lang="ru-RU" dirty="0" smtClean="0"/>
-          </a:p>
-          <a:p>
-            <a:r>
-              <a:rPr lang="ru-RU" dirty="0" smtClean="0"/>
-              <a:t>Загрузка </a:t>
-            </a:r>
-            <a:r>
-              <a:rPr lang="ru-RU" dirty="0" smtClean="0"/>
-              <a:t>данных</a:t>
+              <a:t>Загрузка данных</a:t>
             </a:r>
           </a:p>
           <a:p>

--- a/Prezent.pptx
+++ b/Prezent.pptx
@@ -242,7 +242,7 @@
           <a:p>
             <a:fld id="{95C97FBD-7829-42CA-A90A-C9F385E40DE2}" type="datetimeFigureOut">
               <a:rPr lang="ru-RU" smtClean="0"/>
-              <a:t>10.06.2012</a:t>
+              <a:t>12.06.2012</a:t>
             </a:fld>
             <a:endParaRPr lang="ru-RU"/>
           </a:p>
@@ -408,7 +408,7 @@
           <a:p>
             <a:fld id="{AFCCDD1B-FD1F-4691-AC34-4843EB31DACD}" type="datetimeFigureOut">
               <a:rPr lang="ru-RU" smtClean="0"/>
-              <a:t>10.06.2012</a:t>
+              <a:t>12.06.2012</a:t>
             </a:fld>
             <a:endParaRPr lang="ru-RU"/>
           </a:p>
@@ -1419,7 +1419,7 @@
           <a:p>
             <a:fld id="{9237A3BF-4291-4C0D-8691-5AB3F5EC249F}" type="datetime1">
               <a:rPr lang="ru-RU" smtClean="0"/>
-              <a:t>10.06.2012</a:t>
+              <a:t>12.06.2012</a:t>
             </a:fld>
             <a:endParaRPr lang="ru-RU"/>
           </a:p>
@@ -1681,7 +1681,7 @@
           <a:p>
             <a:fld id="{10AF1936-51CC-44FA-9A8C-EF569FADCB3F}" type="datetime1">
               <a:rPr lang="ru-RU" smtClean="0"/>
-              <a:t>10.06.2012</a:t>
+              <a:t>12.06.2012</a:t>
             </a:fld>
             <a:endParaRPr lang="ru-RU"/>
           </a:p>
@@ -1846,7 +1846,7 @@
           <a:p>
             <a:fld id="{03A44580-4D3B-4977-AA04-10449578226B}" type="datetime1">
               <a:rPr lang="ru-RU" smtClean="0"/>
-              <a:t>10.06.2012</a:t>
+              <a:t>12.06.2012</a:t>
             </a:fld>
             <a:endParaRPr lang="ru-RU"/>
           </a:p>
@@ -2021,7 +2021,7 @@
           <a:p>
             <a:fld id="{A27DFE85-4DBC-43E9-BD98-A7AC57E32463}" type="datetime1">
               <a:rPr lang="ru-RU" smtClean="0"/>
-              <a:t>10.06.2012</a:t>
+              <a:t>12.06.2012</a:t>
             </a:fld>
             <a:endParaRPr lang="ru-RU"/>
           </a:p>
@@ -2186,7 +2186,7 @@
           <a:p>
             <a:fld id="{E293B620-B667-452E-83B0-8201C552319F}" type="datetime1">
               <a:rPr lang="ru-RU" smtClean="0"/>
-              <a:t>10.06.2012</a:t>
+              <a:t>12.06.2012</a:t>
             </a:fld>
             <a:endParaRPr lang="ru-RU"/>
           </a:p>
@@ -2386,7 +2386,7 @@
           <a:p>
             <a:fld id="{3E6BFD31-7157-4F92-A5C0-BC1806637ACE}" type="datetime1">
               <a:rPr lang="ru-RU" smtClean="0"/>
-              <a:t>10.06.2012</a:t>
+              <a:t>12.06.2012</a:t>
             </a:fld>
             <a:endParaRPr lang="ru-RU"/>
           </a:p>
@@ -2619,7 +2619,7 @@
           <a:p>
             <a:fld id="{6B379FBC-E0B6-4857-BB9F-2D5E10723449}" type="datetime1">
               <a:rPr lang="ru-RU" smtClean="0"/>
-              <a:t>10.06.2012</a:t>
+              <a:t>12.06.2012</a:t>
             </a:fld>
             <a:endParaRPr lang="ru-RU"/>
           </a:p>
@@ -2878,7 +2878,7 @@
           <a:p>
             <a:fld id="{853DC266-0BB8-4759-AE7F-293E5478EC80}" type="datetime1">
               <a:rPr lang="ru-RU" smtClean="0"/>
-              <a:t>10.06.2012</a:t>
+              <a:t>12.06.2012</a:t>
             </a:fld>
             <a:endParaRPr lang="ru-RU"/>
           </a:p>
@@ -3282,7 +3282,7 @@
           <a:p>
             <a:fld id="{67E0B97F-498B-42A6-9C72-5540853BCE16}" type="datetime1">
               <a:rPr lang="ru-RU" smtClean="0"/>
-              <a:t>10.06.2012</a:t>
+              <a:t>12.06.2012</a:t>
             </a:fld>
             <a:endParaRPr lang="ru-RU"/>
           </a:p>
@@ -3413,7 +3413,7 @@
           <a:p>
             <a:fld id="{8602C21D-EC22-4C9F-BE75-7F1765231927}" type="datetime1">
               <a:rPr lang="ru-RU" smtClean="0"/>
-              <a:t>10.06.2012</a:t>
+              <a:t>12.06.2012</a:t>
             </a:fld>
             <a:endParaRPr lang="ru-RU"/>
           </a:p>
@@ -3513,7 +3513,7 @@
           <a:p>
             <a:fld id="{53FCD16D-7E9C-4DEF-9341-725FA24630B0}" type="datetime1">
               <a:rPr lang="ru-RU" smtClean="0"/>
-              <a:t>10.06.2012</a:t>
+              <a:t>12.06.2012</a:t>
             </a:fld>
             <a:endParaRPr lang="ru-RU"/>
           </a:p>
@@ -3758,7 +3758,7 @@
           <a:p>
             <a:fld id="{56361CEA-8F4F-4C21-8174-17A32BCA90A9}" type="datetime1">
               <a:rPr lang="ru-RU" smtClean="0"/>
-              <a:t>10.06.2012</a:t>
+              <a:t>12.06.2012</a:t>
             </a:fld>
             <a:endParaRPr lang="ru-RU"/>
           </a:p>
@@ -4582,7 +4582,7 @@
           <a:p>
             <a:fld id="{E293B620-B667-452E-83B0-8201C552319F}" type="datetime1">
               <a:rPr lang="ru-RU" smtClean="0"/>
-              <a:t>10.06.2012</a:t>
+              <a:t>12.06.2012</a:t>
             </a:fld>
             <a:endParaRPr lang="ru-RU"/>
           </a:p>
@@ -5149,7 +5149,11 @@
             </a:br>
             <a:r>
               <a:rPr lang="ru-RU" dirty="0" smtClean="0"/>
-              <a:t>Диаграмма использования</a:t>
+              <a:t>Диаграмма вариантов </a:t>
+            </a:r>
+            <a:r>
+              <a:rPr lang="ru-RU" dirty="0" smtClean="0"/>
+              <a:t>использования</a:t>
             </a:r>
             <a:endParaRPr lang="ru-RU" dirty="0"/>
           </a:p>
@@ -5311,15 +5315,32 @@
           </a:p>
         </p:txBody>
       </p:sp>
+      <p:sp>
+        <p:nvSpPr>
+          <p:cNvPr id="3" name="Объект 2"/>
+          <p:cNvSpPr>
+            <a:spLocks noGrp="1"/>
+          </p:cNvSpPr>
+          <p:nvPr>
+            <p:ph idx="1"/>
+          </p:nvPr>
+        </p:nvSpPr>
+        <p:spPr/>
+        <p:txBody>
+          <a:bodyPr/>
+          <a:lstStyle/>
+          <a:p>
+            <a:endParaRPr lang="ru-RU"/>
+          </a:p>
+        </p:txBody>
+      </p:sp>
       <p:pic>
         <p:nvPicPr>
-          <p:cNvPr id="3074" name="Picture 2" descr="C:\Users\ALEX\Desktop\Документ1.png"/>
+          <p:cNvPr id="1027" name="Picture 3" descr="E:\Учеба\Диплом\Картинки\диаграммы и картинки Visio\Функцианальная структура.png"/>
           <p:cNvPicPr>
-            <a:picLocks noGrp="1" noChangeAspect="1" noChangeArrowheads="1"/>
+            <a:picLocks noChangeAspect="1" noChangeArrowheads="1"/>
           </p:cNvPicPr>
-          <p:nvPr>
-            <p:ph idx="1"/>
-          </p:nvPr>
+          <p:nvPr/>
         </p:nvPicPr>
         <p:blipFill>
           <a:blip r:embed="rId2">
@@ -5336,8 +5357,8 @@
         </p:blipFill>
         <p:spPr bwMode="auto">
           <a:xfrm>
-            <a:off x="2106340" y="1620391"/>
-            <a:ext cx="6376866" cy="5843273"/>
+            <a:off x="1314314" y="1548383"/>
+            <a:ext cx="8568890" cy="5629680"/>
           </a:xfrm>
           <a:prstGeom prst="rect">
             <a:avLst/>
@@ -7142,11 +7163,7 @@
           <a:p>
             <a:r>
               <a:rPr lang="ru-RU" dirty="0" smtClean="0"/>
-              <a:t>Собрать информацию о методах </a:t>
-            </a:r>
-            <a:r>
-              <a:rPr lang="ru-RU" dirty="0" smtClean="0"/>
-              <a:t>интеллектуального анализа данных; </a:t>
+              <a:t>Собрать информацию о методах интеллектуального анализа данных; </a:t>
             </a:r>
           </a:p>
           <a:p>

--- a/Prezent.pptx
+++ b/Prezent.pptx
@@ -5149,11 +5149,7 @@
             </a:br>
             <a:r>
               <a:rPr lang="ru-RU" dirty="0" smtClean="0"/>
-              <a:t>Диаграмма вариантов </a:t>
-            </a:r>
-            <a:r>
-              <a:rPr lang="ru-RU" dirty="0" smtClean="0"/>
-              <a:t>использования</a:t>
+              <a:t>Диаграмма вариантов использования</a:t>
             </a:r>
             <a:endParaRPr lang="ru-RU" dirty="0"/>
           </a:p>
@@ -5182,15 +5178,32 @@
           </a:p>
         </p:txBody>
       </p:sp>
+      <p:sp>
+        <p:nvSpPr>
+          <p:cNvPr id="3" name="Объект 2"/>
+          <p:cNvSpPr>
+            <a:spLocks noGrp="1"/>
+          </p:cNvSpPr>
+          <p:nvPr>
+            <p:ph idx="1"/>
+          </p:nvPr>
+        </p:nvSpPr>
+        <p:spPr/>
+        <p:txBody>
+          <a:bodyPr/>
+          <a:lstStyle/>
+          <a:p>
+            <a:endParaRPr lang="ru-RU"/>
+          </a:p>
+        </p:txBody>
+      </p:sp>
       <p:pic>
         <p:nvPicPr>
-          <p:cNvPr id="5" name="Picture 2" descr="E:\Учеба\Диплом\Картинки\Astah\Диаграмма прецедентов.png"/>
+          <p:cNvPr id="1026" name="Picture 2" descr="E:\Учеба\Диплом\Картинки\Astah\Диаграмма прецедентов.png"/>
           <p:cNvPicPr>
-            <a:picLocks noGrp="1" noChangeAspect="1" noChangeArrowheads="1"/>
+            <a:picLocks noChangeAspect="1" noChangeArrowheads="1"/>
           </p:cNvPicPr>
-          <p:nvPr>
-            <p:ph idx="1"/>
-          </p:nvPr>
+          <p:nvPr/>
         </p:nvPicPr>
         <p:blipFill>
           <a:blip r:embed="rId2">
@@ -5207,8 +5220,8 @@
         </p:blipFill>
         <p:spPr bwMode="auto">
           <a:xfrm>
-            <a:off x="2034332" y="1443527"/>
-            <a:ext cx="7272808" cy="6153528"/>
+            <a:off x="1675200" y="1404367"/>
+            <a:ext cx="7169150" cy="6192688"/>
           </a:xfrm>
           <a:prstGeom prst="rect">
             <a:avLst/>

--- a/Prezent.pptx
+++ b/Prezent.pptx
@@ -242,7 +242,7 @@
           <a:p>
             <a:fld id="{95C97FBD-7829-42CA-A90A-C9F385E40DE2}" type="datetimeFigureOut">
               <a:rPr lang="ru-RU" smtClean="0"/>
-              <a:t>12.06.2012</a:t>
+              <a:t>13.06.2012</a:t>
             </a:fld>
             <a:endParaRPr lang="ru-RU"/>
           </a:p>
@@ -408,7 +408,7 @@
           <a:p>
             <a:fld id="{AFCCDD1B-FD1F-4691-AC34-4843EB31DACD}" type="datetimeFigureOut">
               <a:rPr lang="ru-RU" smtClean="0"/>
-              <a:t>12.06.2012</a:t>
+              <a:t>13.06.2012</a:t>
             </a:fld>
             <a:endParaRPr lang="ru-RU"/>
           </a:p>
@@ -1419,7 +1419,7 @@
           <a:p>
             <a:fld id="{9237A3BF-4291-4C0D-8691-5AB3F5EC249F}" type="datetime1">
               <a:rPr lang="ru-RU" smtClean="0"/>
-              <a:t>12.06.2012</a:t>
+              <a:t>13.06.2012</a:t>
             </a:fld>
             <a:endParaRPr lang="ru-RU"/>
           </a:p>
@@ -1681,7 +1681,7 @@
           <a:p>
             <a:fld id="{10AF1936-51CC-44FA-9A8C-EF569FADCB3F}" type="datetime1">
               <a:rPr lang="ru-RU" smtClean="0"/>
-              <a:t>12.06.2012</a:t>
+              <a:t>13.06.2012</a:t>
             </a:fld>
             <a:endParaRPr lang="ru-RU"/>
           </a:p>
@@ -1846,7 +1846,7 @@
           <a:p>
             <a:fld id="{03A44580-4D3B-4977-AA04-10449578226B}" type="datetime1">
               <a:rPr lang="ru-RU" smtClean="0"/>
-              <a:t>12.06.2012</a:t>
+              <a:t>13.06.2012</a:t>
             </a:fld>
             <a:endParaRPr lang="ru-RU"/>
           </a:p>
@@ -2021,7 +2021,7 @@
           <a:p>
             <a:fld id="{A27DFE85-4DBC-43E9-BD98-A7AC57E32463}" type="datetime1">
               <a:rPr lang="ru-RU" smtClean="0"/>
-              <a:t>12.06.2012</a:t>
+              <a:t>13.06.2012</a:t>
             </a:fld>
             <a:endParaRPr lang="ru-RU"/>
           </a:p>
@@ -2186,7 +2186,7 @@
           <a:p>
             <a:fld id="{E293B620-B667-452E-83B0-8201C552319F}" type="datetime1">
               <a:rPr lang="ru-RU" smtClean="0"/>
-              <a:t>12.06.2012</a:t>
+              <a:t>13.06.2012</a:t>
             </a:fld>
             <a:endParaRPr lang="ru-RU"/>
           </a:p>
@@ -2386,7 +2386,7 @@
           <a:p>
             <a:fld id="{3E6BFD31-7157-4F92-A5C0-BC1806637ACE}" type="datetime1">
               <a:rPr lang="ru-RU" smtClean="0"/>
-              <a:t>12.06.2012</a:t>
+              <a:t>13.06.2012</a:t>
             </a:fld>
             <a:endParaRPr lang="ru-RU"/>
           </a:p>
@@ -2619,7 +2619,7 @@
           <a:p>
             <a:fld id="{6B379FBC-E0B6-4857-BB9F-2D5E10723449}" type="datetime1">
               <a:rPr lang="ru-RU" smtClean="0"/>
-              <a:t>12.06.2012</a:t>
+              <a:t>13.06.2012</a:t>
             </a:fld>
             <a:endParaRPr lang="ru-RU"/>
           </a:p>
@@ -2878,7 +2878,7 @@
           <a:p>
             <a:fld id="{853DC266-0BB8-4759-AE7F-293E5478EC80}" type="datetime1">
               <a:rPr lang="ru-RU" smtClean="0"/>
-              <a:t>12.06.2012</a:t>
+              <a:t>13.06.2012</a:t>
             </a:fld>
             <a:endParaRPr lang="ru-RU"/>
           </a:p>
@@ -3282,7 +3282,7 @@
           <a:p>
             <a:fld id="{67E0B97F-498B-42A6-9C72-5540853BCE16}" type="datetime1">
               <a:rPr lang="ru-RU" smtClean="0"/>
-              <a:t>12.06.2012</a:t>
+              <a:t>13.06.2012</a:t>
             </a:fld>
             <a:endParaRPr lang="ru-RU"/>
           </a:p>
@@ -3413,7 +3413,7 @@
           <a:p>
             <a:fld id="{8602C21D-EC22-4C9F-BE75-7F1765231927}" type="datetime1">
               <a:rPr lang="ru-RU" smtClean="0"/>
-              <a:t>12.06.2012</a:t>
+              <a:t>13.06.2012</a:t>
             </a:fld>
             <a:endParaRPr lang="ru-RU"/>
           </a:p>
@@ -3513,7 +3513,7 @@
           <a:p>
             <a:fld id="{53FCD16D-7E9C-4DEF-9341-725FA24630B0}" type="datetime1">
               <a:rPr lang="ru-RU" smtClean="0"/>
-              <a:t>12.06.2012</a:t>
+              <a:t>13.06.2012</a:t>
             </a:fld>
             <a:endParaRPr lang="ru-RU"/>
           </a:p>
@@ -3758,7 +3758,7 @@
           <a:p>
             <a:fld id="{56361CEA-8F4F-4C21-8174-17A32BCA90A9}" type="datetime1">
               <a:rPr lang="ru-RU" smtClean="0"/>
-              <a:t>12.06.2012</a:t>
+              <a:t>13.06.2012</a:t>
             </a:fld>
             <a:endParaRPr lang="ru-RU"/>
           </a:p>
@@ -4582,7 +4582,7 @@
           <a:p>
             <a:fld id="{E293B620-B667-452E-83B0-8201C552319F}" type="datetime1">
               <a:rPr lang="ru-RU" smtClean="0"/>
-              <a:t>12.06.2012</a:t>
+              <a:t>13.06.2012</a:t>
             </a:fld>
             <a:endParaRPr lang="ru-RU"/>
           </a:p>
@@ -5349,7 +5349,7 @@
       </p:sp>
       <p:pic>
         <p:nvPicPr>
-          <p:cNvPr id="1027" name="Picture 3" descr="E:\Учеба\Диплом\Картинки\диаграммы и картинки Visio\Функцианальная структура.png"/>
+          <p:cNvPr id="1026" name="Picture 2" descr="E:\Учеба\Диплом\Картинки\диаграммы и картинки Visio\Функцианальная структура.png"/>
           <p:cNvPicPr>
             <a:picLocks noChangeAspect="1" noChangeArrowheads="1"/>
           </p:cNvPicPr>
@@ -5370,8 +5370,8 @@
         </p:blipFill>
         <p:spPr bwMode="auto">
           <a:xfrm>
-            <a:off x="1314314" y="1548383"/>
-            <a:ext cx="8568890" cy="5629680"/>
+            <a:off x="1242244" y="1476375"/>
+            <a:ext cx="8556054" cy="5621247"/>
           </a:xfrm>
           <a:prstGeom prst="rect">
             <a:avLst/>

--- a/Prezent.pptx
+++ b/Prezent.pptx
@@ -242,7 +242,7 @@
           <a:p>
             <a:fld id="{95C97FBD-7829-42CA-A90A-C9F385E40DE2}" type="datetimeFigureOut">
               <a:rPr lang="ru-RU" smtClean="0"/>
-              <a:t>13.06.2012</a:t>
+              <a:t>14.06.2012</a:t>
             </a:fld>
             <a:endParaRPr lang="ru-RU"/>
           </a:p>
@@ -408,7 +408,7 @@
           <a:p>
             <a:fld id="{AFCCDD1B-FD1F-4691-AC34-4843EB31DACD}" type="datetimeFigureOut">
               <a:rPr lang="ru-RU" smtClean="0"/>
-              <a:t>13.06.2012</a:t>
+              <a:t>14.06.2012</a:t>
             </a:fld>
             <a:endParaRPr lang="ru-RU"/>
           </a:p>
@@ -1419,7 +1419,7 @@
           <a:p>
             <a:fld id="{9237A3BF-4291-4C0D-8691-5AB3F5EC249F}" type="datetime1">
               <a:rPr lang="ru-RU" smtClean="0"/>
-              <a:t>13.06.2012</a:t>
+              <a:t>14.06.2012</a:t>
             </a:fld>
             <a:endParaRPr lang="ru-RU"/>
           </a:p>
@@ -1681,7 +1681,7 @@
           <a:p>
             <a:fld id="{10AF1936-51CC-44FA-9A8C-EF569FADCB3F}" type="datetime1">
               <a:rPr lang="ru-RU" smtClean="0"/>
-              <a:t>13.06.2012</a:t>
+              <a:t>14.06.2012</a:t>
             </a:fld>
             <a:endParaRPr lang="ru-RU"/>
           </a:p>
@@ -1846,7 +1846,7 @@
           <a:p>
             <a:fld id="{03A44580-4D3B-4977-AA04-10449578226B}" type="datetime1">
               <a:rPr lang="ru-RU" smtClean="0"/>
-              <a:t>13.06.2012</a:t>
+              <a:t>14.06.2012</a:t>
             </a:fld>
             <a:endParaRPr lang="ru-RU"/>
           </a:p>
@@ -2021,7 +2021,7 @@
           <a:p>
             <a:fld id="{A27DFE85-4DBC-43E9-BD98-A7AC57E32463}" type="datetime1">
               <a:rPr lang="ru-RU" smtClean="0"/>
-              <a:t>13.06.2012</a:t>
+              <a:t>14.06.2012</a:t>
             </a:fld>
             <a:endParaRPr lang="ru-RU"/>
           </a:p>
@@ -2186,7 +2186,7 @@
           <a:p>
             <a:fld id="{E293B620-B667-452E-83B0-8201C552319F}" type="datetime1">
               <a:rPr lang="ru-RU" smtClean="0"/>
-              <a:t>13.06.2012</a:t>
+              <a:t>14.06.2012</a:t>
             </a:fld>
             <a:endParaRPr lang="ru-RU"/>
           </a:p>
@@ -2386,7 +2386,7 @@
           <a:p>
             <a:fld id="{3E6BFD31-7157-4F92-A5C0-BC1806637ACE}" type="datetime1">
               <a:rPr lang="ru-RU" smtClean="0"/>
-              <a:t>13.06.2012</a:t>
+              <a:t>14.06.2012</a:t>
             </a:fld>
             <a:endParaRPr lang="ru-RU"/>
           </a:p>
@@ -2619,7 +2619,7 @@
           <a:p>
             <a:fld id="{6B379FBC-E0B6-4857-BB9F-2D5E10723449}" type="datetime1">
               <a:rPr lang="ru-RU" smtClean="0"/>
-              <a:t>13.06.2012</a:t>
+              <a:t>14.06.2012</a:t>
             </a:fld>
             <a:endParaRPr lang="ru-RU"/>
           </a:p>
@@ -2878,7 +2878,7 @@
           <a:p>
             <a:fld id="{853DC266-0BB8-4759-AE7F-293E5478EC80}" type="datetime1">
               <a:rPr lang="ru-RU" smtClean="0"/>
-              <a:t>13.06.2012</a:t>
+              <a:t>14.06.2012</a:t>
             </a:fld>
             <a:endParaRPr lang="ru-RU"/>
           </a:p>
@@ -3282,7 +3282,7 @@
           <a:p>
             <a:fld id="{67E0B97F-498B-42A6-9C72-5540853BCE16}" type="datetime1">
               <a:rPr lang="ru-RU" smtClean="0"/>
-              <a:t>13.06.2012</a:t>
+              <a:t>14.06.2012</a:t>
             </a:fld>
             <a:endParaRPr lang="ru-RU"/>
           </a:p>
@@ -3413,7 +3413,7 @@
           <a:p>
             <a:fld id="{8602C21D-EC22-4C9F-BE75-7F1765231927}" type="datetime1">
               <a:rPr lang="ru-RU" smtClean="0"/>
-              <a:t>13.06.2012</a:t>
+              <a:t>14.06.2012</a:t>
             </a:fld>
             <a:endParaRPr lang="ru-RU"/>
           </a:p>
@@ -3513,7 +3513,7 @@
           <a:p>
             <a:fld id="{53FCD16D-7E9C-4DEF-9341-725FA24630B0}" type="datetime1">
               <a:rPr lang="ru-RU" smtClean="0"/>
-              <a:t>13.06.2012</a:t>
+              <a:t>14.06.2012</a:t>
             </a:fld>
             <a:endParaRPr lang="ru-RU"/>
           </a:p>
@@ -3758,7 +3758,7 @@
           <a:p>
             <a:fld id="{56361CEA-8F4F-4C21-8174-17A32BCA90A9}" type="datetime1">
               <a:rPr lang="ru-RU" smtClean="0"/>
-              <a:t>13.06.2012</a:t>
+              <a:t>14.06.2012</a:t>
             </a:fld>
             <a:endParaRPr lang="ru-RU"/>
           </a:p>
@@ -4582,7 +4582,7 @@
           <a:p>
             <a:fld id="{E293B620-B667-452E-83B0-8201C552319F}" type="datetime1">
               <a:rPr lang="ru-RU" smtClean="0"/>
-              <a:t>13.06.2012</a:t>
+              <a:t>14.06.2012</a:t>
             </a:fld>
             <a:endParaRPr lang="ru-RU"/>
           </a:p>
@@ -5349,7 +5349,7 @@
       </p:sp>
       <p:pic>
         <p:nvPicPr>
-          <p:cNvPr id="1026" name="Picture 2" descr="E:\Учеба\Диплом\Картинки\диаграммы и картинки Visio\Функцианальная структура.png"/>
+          <p:cNvPr id="5" name="Picture 2" descr="E:\Учеба\Диплом\Картинки\диаграммы и картинки Visio\Функцианальная структура.png"/>
           <p:cNvPicPr>
             <a:picLocks noChangeAspect="1" noChangeArrowheads="1"/>
           </p:cNvPicPr>
@@ -5370,8 +5370,8 @@
         </p:blipFill>
         <p:spPr bwMode="auto">
           <a:xfrm>
-            <a:off x="1242244" y="1476375"/>
-            <a:ext cx="8556054" cy="5621247"/>
+            <a:off x="1458268" y="1476375"/>
+            <a:ext cx="8039100" cy="5281613"/>
           </a:xfrm>
           <a:prstGeom prst="rect">
             <a:avLst/>

--- a/Prezent.pptx
+++ b/Prezent.pptx
@@ -242,7 +242,7 @@
           <a:p>
             <a:fld id="{95C97FBD-7829-42CA-A90A-C9F385E40DE2}" type="datetimeFigureOut">
               <a:rPr lang="ru-RU" smtClean="0"/>
-              <a:t>14.06.2012</a:t>
+              <a:t>15.06.2012</a:t>
             </a:fld>
             <a:endParaRPr lang="ru-RU"/>
           </a:p>
@@ -408,7 +408,7 @@
           <a:p>
             <a:fld id="{AFCCDD1B-FD1F-4691-AC34-4843EB31DACD}" type="datetimeFigureOut">
               <a:rPr lang="ru-RU" smtClean="0"/>
-              <a:t>14.06.2012</a:t>
+              <a:t>15.06.2012</a:t>
             </a:fld>
             <a:endParaRPr lang="ru-RU"/>
           </a:p>
@@ -1419,7 +1419,7 @@
           <a:p>
             <a:fld id="{9237A3BF-4291-4C0D-8691-5AB3F5EC249F}" type="datetime1">
               <a:rPr lang="ru-RU" smtClean="0"/>
-              <a:t>14.06.2012</a:t>
+              <a:t>15.06.2012</a:t>
             </a:fld>
             <a:endParaRPr lang="ru-RU"/>
           </a:p>
@@ -1681,7 +1681,7 @@
           <a:p>
             <a:fld id="{10AF1936-51CC-44FA-9A8C-EF569FADCB3F}" type="datetime1">
               <a:rPr lang="ru-RU" smtClean="0"/>
-              <a:t>14.06.2012</a:t>
+              <a:t>15.06.2012</a:t>
             </a:fld>
             <a:endParaRPr lang="ru-RU"/>
           </a:p>
@@ -1846,7 +1846,7 @@
           <a:p>
             <a:fld id="{03A44580-4D3B-4977-AA04-10449578226B}" type="datetime1">
               <a:rPr lang="ru-RU" smtClean="0"/>
-              <a:t>14.06.2012</a:t>
+              <a:t>15.06.2012</a:t>
             </a:fld>
             <a:endParaRPr lang="ru-RU"/>
           </a:p>
@@ -2021,7 +2021,7 @@
           <a:p>
             <a:fld id="{A27DFE85-4DBC-43E9-BD98-A7AC57E32463}" type="datetime1">
               <a:rPr lang="ru-RU" smtClean="0"/>
-              <a:t>14.06.2012</a:t>
+              <a:t>15.06.2012</a:t>
             </a:fld>
             <a:endParaRPr lang="ru-RU"/>
           </a:p>
@@ -2186,7 +2186,7 @@
           <a:p>
             <a:fld id="{E293B620-B667-452E-83B0-8201C552319F}" type="datetime1">
               <a:rPr lang="ru-RU" smtClean="0"/>
-              <a:t>14.06.2012</a:t>
+              <a:t>15.06.2012</a:t>
             </a:fld>
             <a:endParaRPr lang="ru-RU"/>
           </a:p>
@@ -2386,7 +2386,7 @@
           <a:p>
             <a:fld id="{3E6BFD31-7157-4F92-A5C0-BC1806637ACE}" type="datetime1">
               <a:rPr lang="ru-RU" smtClean="0"/>
-              <a:t>14.06.2012</a:t>
+              <a:t>15.06.2012</a:t>
             </a:fld>
             <a:endParaRPr lang="ru-RU"/>
           </a:p>
@@ -2619,7 +2619,7 @@
           <a:p>
             <a:fld id="{6B379FBC-E0B6-4857-BB9F-2D5E10723449}" type="datetime1">
               <a:rPr lang="ru-RU" smtClean="0"/>
-              <a:t>14.06.2012</a:t>
+              <a:t>15.06.2012</a:t>
             </a:fld>
             <a:endParaRPr lang="ru-RU"/>
           </a:p>
@@ -2878,7 +2878,7 @@
           <a:p>
             <a:fld id="{853DC266-0BB8-4759-AE7F-293E5478EC80}" type="datetime1">
               <a:rPr lang="ru-RU" smtClean="0"/>
-              <a:t>14.06.2012</a:t>
+              <a:t>15.06.2012</a:t>
             </a:fld>
             <a:endParaRPr lang="ru-RU"/>
           </a:p>
@@ -3282,7 +3282,7 @@
           <a:p>
             <a:fld id="{67E0B97F-498B-42A6-9C72-5540853BCE16}" type="datetime1">
               <a:rPr lang="ru-RU" smtClean="0"/>
-              <a:t>14.06.2012</a:t>
+              <a:t>15.06.2012</a:t>
             </a:fld>
             <a:endParaRPr lang="ru-RU"/>
           </a:p>
@@ -3413,7 +3413,7 @@
           <a:p>
             <a:fld id="{8602C21D-EC22-4C9F-BE75-7F1765231927}" type="datetime1">
               <a:rPr lang="ru-RU" smtClean="0"/>
-              <a:t>14.06.2012</a:t>
+              <a:t>15.06.2012</a:t>
             </a:fld>
             <a:endParaRPr lang="ru-RU"/>
           </a:p>
@@ -3513,7 +3513,7 @@
           <a:p>
             <a:fld id="{53FCD16D-7E9C-4DEF-9341-725FA24630B0}" type="datetime1">
               <a:rPr lang="ru-RU" smtClean="0"/>
-              <a:t>14.06.2012</a:t>
+              <a:t>15.06.2012</a:t>
             </a:fld>
             <a:endParaRPr lang="ru-RU"/>
           </a:p>
@@ -3758,7 +3758,7 @@
           <a:p>
             <a:fld id="{56361CEA-8F4F-4C21-8174-17A32BCA90A9}" type="datetime1">
               <a:rPr lang="ru-RU" smtClean="0"/>
-              <a:t>14.06.2012</a:t>
+              <a:t>15.06.2012</a:t>
             </a:fld>
             <a:endParaRPr lang="ru-RU"/>
           </a:p>
@@ -4582,7 +4582,7 @@
           <a:p>
             <a:fld id="{E293B620-B667-452E-83B0-8201C552319F}" type="datetime1">
               <a:rPr lang="ru-RU" smtClean="0"/>
-              <a:t>14.06.2012</a:t>
+              <a:t>15.06.2012</a:t>
             </a:fld>
             <a:endParaRPr lang="ru-RU"/>
           </a:p>

--- a/Prezent.pptx
+++ b/Prezent.pptx
@@ -5,10 +5,10 @@
     <p:sldMasterId id="2147484274" r:id="rId1"/>
   </p:sldMasterIdLst>
   <p:notesMasterIdLst>
-    <p:notesMasterId r:id="rId21"/>
+    <p:notesMasterId r:id="rId23"/>
   </p:notesMasterIdLst>
   <p:handoutMasterIdLst>
-    <p:handoutMasterId r:id="rId22"/>
+    <p:handoutMasterId r:id="rId24"/>
   </p:handoutMasterIdLst>
   <p:sldIdLst>
     <p:sldId id="256" r:id="rId2"/>
@@ -24,12 +24,14 @@
     <p:sldId id="281" r:id="rId12"/>
     <p:sldId id="271" r:id="rId13"/>
     <p:sldId id="279" r:id="rId14"/>
-    <p:sldId id="275" r:id="rId15"/>
-    <p:sldId id="276" r:id="rId16"/>
-    <p:sldId id="277" r:id="rId17"/>
-    <p:sldId id="284" r:id="rId18"/>
-    <p:sldId id="259" r:id="rId19"/>
-    <p:sldId id="273" r:id="rId20"/>
+    <p:sldId id="285" r:id="rId15"/>
+    <p:sldId id="275" r:id="rId16"/>
+    <p:sldId id="276" r:id="rId17"/>
+    <p:sldId id="277" r:id="rId18"/>
+    <p:sldId id="287" r:id="rId19"/>
+    <p:sldId id="284" r:id="rId20"/>
+    <p:sldId id="259" r:id="rId21"/>
+    <p:sldId id="273" r:id="rId22"/>
   </p:sldIdLst>
   <p:sldSz cx="10693400" cy="7561263"/>
   <p:notesSz cx="6858000" cy="9144000"/>
@@ -146,9 +148,11 @@
             <p14:sldId id="281"/>
             <p14:sldId id="271"/>
             <p14:sldId id="279"/>
+            <p14:sldId id="285"/>
             <p14:sldId id="275"/>
             <p14:sldId id="276"/>
             <p14:sldId id="277"/>
+            <p14:sldId id="287"/>
             <p14:sldId id="284"/>
             <p14:sldId id="259"/>
             <p14:sldId id="273"/>
@@ -5349,7 +5353,7 @@
       </p:sp>
       <p:pic>
         <p:nvPicPr>
-          <p:cNvPr id="5" name="Picture 2" descr="E:\Учеба\Диплом\Картинки\диаграммы и картинки Visio\Функцианальная структура.png"/>
+          <p:cNvPr id="4098" name="Picture 2" descr="E:\Учеба\Диплом\Картинки\диаграммы и картинки Visio\Функцианальная структура.png"/>
           <p:cNvPicPr>
             <a:picLocks noChangeAspect="1" noChangeArrowheads="1"/>
           </p:cNvPicPr>
@@ -5370,8 +5374,8 @@
         </p:blipFill>
         <p:spPr bwMode="auto">
           <a:xfrm>
-            <a:off x="1458268" y="1476375"/>
-            <a:ext cx="8039100" cy="5281613"/>
+            <a:off x="1530276" y="1620391"/>
+            <a:ext cx="8039100" cy="4945063"/>
           </a:xfrm>
           <a:prstGeom prst="rect">
             <a:avLst/>
@@ -5742,6 +5746,738 @@
           <a:p>
             <a:r>
               <a:rPr lang="ru-RU" dirty="0" smtClean="0"/>
+              <a:t>Задача прогнозирования.</a:t>
+            </a:r>
+            <a:endParaRPr lang="ru-RU" dirty="0"/>
+          </a:p>
+        </p:txBody>
+      </p:sp>
+      <p:sp>
+        <p:nvSpPr>
+          <p:cNvPr id="3" name="Объект 2"/>
+          <p:cNvSpPr>
+            <a:spLocks noGrp="1"/>
+          </p:cNvSpPr>
+          <p:nvPr>
+            <p:ph idx="1"/>
+          </p:nvPr>
+        </p:nvSpPr>
+        <p:spPr/>
+        <p:txBody>
+          <a:bodyPr/>
+          <a:lstStyle/>
+          <a:p>
+            <a:endParaRPr lang="ru-RU" dirty="0" smtClean="0"/>
+          </a:p>
+          <a:p>
+            <a:r>
+              <a:rPr lang="ru-RU" sz="1400" dirty="0" smtClean="0"/>
+              <a:t>Необходимо определить выдавать или нет кредит суммой </a:t>
+            </a:r>
+            <a:r>
+              <a:rPr lang="ru-RU" sz="1400" dirty="0" smtClean="0"/>
+              <a:t>49 </a:t>
+            </a:r>
+            <a:r>
+              <a:rPr lang="ru-RU" sz="1400" dirty="0" err="1" smtClean="0"/>
+              <a:t>тыс.руб</a:t>
+            </a:r>
+            <a:r>
+              <a:rPr lang="ru-RU" sz="1400" dirty="0" smtClean="0"/>
+              <a:t>. женщине с </a:t>
+            </a:r>
+            <a:r>
+              <a:rPr lang="ru-RU" sz="1400" dirty="0" smtClean="0"/>
+              <a:t>средним специальным </a:t>
+            </a:r>
+            <a:r>
+              <a:rPr lang="ru-RU" sz="1400" dirty="0" smtClean="0"/>
+              <a:t>образованием , </a:t>
+            </a:r>
+            <a:r>
+              <a:rPr lang="ru-RU" sz="1400" dirty="0" smtClean="0"/>
+              <a:t>имеющей </a:t>
+            </a:r>
+            <a:r>
+              <a:rPr lang="ru-RU" sz="1400" dirty="0" smtClean="0"/>
+              <a:t>недвижимость </a:t>
+            </a:r>
+            <a:r>
+              <a:rPr lang="ru-RU" sz="1400" dirty="0" smtClean="0"/>
+              <a:t>20 </a:t>
+            </a:r>
+            <a:r>
+              <a:rPr lang="ru-RU" sz="1400" dirty="0" smtClean="0"/>
+              <a:t>кв. м.. </a:t>
+            </a:r>
+            <a:r>
+              <a:rPr lang="ru-RU" sz="1400" dirty="0" smtClean="0"/>
+              <a:t>,возраст 45 </a:t>
+            </a:r>
+            <a:r>
+              <a:rPr lang="ru-RU" sz="1400" dirty="0" smtClean="0"/>
+              <a:t>лет.</a:t>
+            </a:r>
+          </a:p>
+          <a:p>
+            <a:r>
+              <a:rPr lang="ru-RU" sz="1400" dirty="0" smtClean="0"/>
+              <a:t>Для решения задачи необходимо, необходимо иметь данные на основе ,которых можно будет сделать прогноз</a:t>
+            </a:r>
+            <a:r>
+              <a:rPr lang="ru-RU" sz="1400" dirty="0" smtClean="0"/>
+              <a:t>.</a:t>
+            </a:r>
+          </a:p>
+          <a:p>
+            <a:r>
+              <a:rPr lang="ru-RU" sz="1400" dirty="0" smtClean="0"/>
+              <a:t>Переменные:</a:t>
+            </a:r>
+            <a:endParaRPr lang="ru-RU" sz="1400" dirty="0" smtClean="0"/>
+          </a:p>
+          <a:p>
+            <a:endParaRPr lang="ru-RU" dirty="0"/>
+          </a:p>
+        </p:txBody>
+      </p:sp>
+      <p:sp>
+        <p:nvSpPr>
+          <p:cNvPr id="4" name="Номер слайда 3"/>
+          <p:cNvSpPr>
+            <a:spLocks noGrp="1"/>
+          </p:cNvSpPr>
+          <p:nvPr>
+            <p:ph type="sldNum" sz="quarter" idx="12"/>
+          </p:nvPr>
+        </p:nvSpPr>
+        <p:spPr/>
+        <p:txBody>
+          <a:bodyPr/>
+          <a:lstStyle/>
+          <a:p>
+            <a:fld id="{B19B0651-EE4F-4900-A07F-96A6BFA9D0F0}" type="slidenum">
+              <a:rPr lang="ru-RU" smtClean="0"/>
+              <a:t>14</a:t>
+            </a:fld>
+            <a:endParaRPr lang="ru-RU" dirty="0"/>
+          </a:p>
+        </p:txBody>
+      </p:sp>
+      <p:graphicFrame>
+        <p:nvGraphicFramePr>
+          <p:cNvPr id="5" name="Объект 4"/>
+          <p:cNvGraphicFramePr>
+            <a:graphicFrameLocks/>
+          </p:cNvGraphicFramePr>
+          <p:nvPr>
+            <p:extLst>
+              <p:ext uri="{D42A27DB-BD31-4B8C-83A1-F6EECF244321}">
+                <p14:modId xmlns:p14="http://schemas.microsoft.com/office/powerpoint/2010/main" val="2494082970"/>
+              </p:ext>
+            </p:extLst>
+          </p:nvPr>
+        </p:nvGraphicFramePr>
+        <p:xfrm>
+          <a:off x="1170236" y="3492599"/>
+          <a:ext cx="8729164" cy="3383280"/>
+        </p:xfrm>
+        <a:graphic>
+          <a:graphicData uri="http://schemas.openxmlformats.org/drawingml/2006/table">
+            <a:tbl>
+              <a:tblPr firstRow="1" bandRow="1">
+                <a:tableStyleId>{5C22544A-7EE6-4342-B048-85BDC9FD1C3A}</a:tableStyleId>
+              </a:tblPr>
+              <a:tblGrid>
+                <a:gridCol w="2182291"/>
+                <a:gridCol w="2182291"/>
+                <a:gridCol w="2182291"/>
+                <a:gridCol w="2182291"/>
+              </a:tblGrid>
+              <a:tr h="0">
+                <a:tc gridSpan="2">
+                  <a:txBody>
+                    <a:bodyPr/>
+                    <a:lstStyle/>
+                    <a:p>
+                      <a:r>
+                        <a:rPr lang="ru-RU" sz="1200" dirty="0" smtClean="0"/>
+                        <a:t>Независимые</a:t>
+                      </a:r>
+                      <a:endParaRPr lang="ru-RU" sz="1200" dirty="0"/>
+                    </a:p>
+                  </a:txBody>
+                  <a:tcPr/>
+                </a:tc>
+                <a:tc hMerge="1">
+                  <a:txBody>
+                    <a:bodyPr/>
+                    <a:lstStyle/>
+                    <a:p>
+                      <a:endParaRPr lang="ru-RU" dirty="0"/>
+                    </a:p>
+                  </a:txBody>
+                  <a:tcPr/>
+                </a:tc>
+                <a:tc>
+                  <a:txBody>
+                    <a:bodyPr/>
+                    <a:lstStyle/>
+                    <a:p>
+                      <a:r>
+                        <a:rPr lang="ru-RU" sz="1200" dirty="0" smtClean="0"/>
+                        <a:t> Зависимые</a:t>
+                      </a:r>
+                      <a:endParaRPr lang="ru-RU" sz="1200" dirty="0"/>
+                    </a:p>
+                  </a:txBody>
+                  <a:tcPr/>
+                </a:tc>
+                <a:tc>
+                  <a:txBody>
+                    <a:bodyPr/>
+                    <a:lstStyle/>
+                    <a:p>
+                      <a:endParaRPr lang="ru-RU" sz="1200" dirty="0"/>
+                    </a:p>
+                  </a:txBody>
+                  <a:tcPr/>
+                </a:tc>
+              </a:tr>
+              <a:tr h="0">
+                <a:tc>
+                  <a:txBody>
+                    <a:bodyPr/>
+                    <a:lstStyle/>
+                    <a:p>
+                      <a:r>
+                        <a:rPr lang="ru-RU" sz="1200" dirty="0" smtClean="0"/>
+                        <a:t>Переменные</a:t>
+                      </a:r>
+                      <a:endParaRPr lang="ru-RU" sz="1200" dirty="0"/>
+                    </a:p>
+                  </a:txBody>
+                  <a:tcPr/>
+                </a:tc>
+                <a:tc>
+                  <a:txBody>
+                    <a:bodyPr/>
+                    <a:lstStyle/>
+                    <a:p>
+                      <a:r>
+                        <a:rPr lang="ru-RU" sz="1200" dirty="0" smtClean="0"/>
+                        <a:t>Значения</a:t>
+                      </a:r>
+                      <a:endParaRPr lang="ru-RU" sz="1200" dirty="0" smtClean="0"/>
+                    </a:p>
+                  </a:txBody>
+                  <a:tcPr/>
+                </a:tc>
+                <a:tc>
+                  <a:txBody>
+                    <a:bodyPr/>
+                    <a:lstStyle/>
+                    <a:p>
+                      <a:r>
+                        <a:rPr lang="ru-RU" sz="1200" dirty="0" smtClean="0"/>
+                        <a:t>Переменные</a:t>
+                      </a:r>
+                      <a:endParaRPr lang="ru-RU" sz="1200" dirty="0"/>
+                    </a:p>
+                  </a:txBody>
+                  <a:tcPr/>
+                </a:tc>
+                <a:tc>
+                  <a:txBody>
+                    <a:bodyPr/>
+                    <a:lstStyle/>
+                    <a:p>
+                      <a:r>
+                        <a:rPr lang="ru-RU" sz="1200" dirty="0" smtClean="0"/>
+                        <a:t>Значения</a:t>
+                      </a:r>
+                    </a:p>
+                  </a:txBody>
+                  <a:tcPr/>
+                </a:tc>
+              </a:tr>
+              <a:tr h="152326">
+                <a:tc>
+                  <a:txBody>
+                    <a:bodyPr/>
+                    <a:lstStyle/>
+                    <a:p>
+                      <a:r>
+                        <a:rPr lang="ru-RU" sz="1200" dirty="0" smtClean="0"/>
+                        <a:t>Пол</a:t>
+                      </a:r>
+                      <a:endParaRPr lang="ru-RU" sz="1200" dirty="0" smtClean="0"/>
+                    </a:p>
+                  </a:txBody>
+                  <a:tcPr/>
+                </a:tc>
+                <a:tc>
+                  <a:txBody>
+                    <a:bodyPr/>
+                    <a:lstStyle/>
+                    <a:p>
+                      <a:r>
+                        <a:rPr lang="ru-RU" sz="1200" dirty="0" smtClean="0"/>
+                        <a:t>0-мужской</a:t>
+                      </a:r>
+                    </a:p>
+                    <a:p>
+                      <a:r>
+                        <a:rPr lang="ru-RU" sz="1200" dirty="0" smtClean="0"/>
+                        <a:t>1-женский</a:t>
+                      </a:r>
+                    </a:p>
+                    <a:p>
+                      <a:endParaRPr lang="ru-RU" sz="1200" dirty="0"/>
+                    </a:p>
+                  </a:txBody>
+                  <a:tcPr/>
+                </a:tc>
+                <a:tc>
+                  <a:txBody>
+                    <a:bodyPr/>
+                    <a:lstStyle/>
+                    <a:p>
+                      <a:r>
+                        <a:rPr lang="ru-RU" sz="1200" dirty="0" smtClean="0"/>
+                        <a:t>Кредит</a:t>
+                      </a:r>
+                      <a:r>
+                        <a:rPr lang="ru-RU" sz="1200" baseline="0" dirty="0" smtClean="0"/>
+                        <a:t> возвращен</a:t>
+                      </a:r>
+                    </a:p>
+                    <a:p>
+                      <a:endParaRPr lang="ru-RU" sz="1200" dirty="0"/>
+                    </a:p>
+                  </a:txBody>
+                  <a:tcPr/>
+                </a:tc>
+                <a:tc>
+                  <a:txBody>
+                    <a:bodyPr/>
+                    <a:lstStyle/>
+                    <a:p>
+                      <a:r>
+                        <a:rPr lang="ru-RU" sz="1200" baseline="0" dirty="0" smtClean="0"/>
+                        <a:t>1-да</a:t>
+                      </a:r>
+                    </a:p>
+                    <a:p>
+                      <a:r>
+                        <a:rPr lang="ru-RU" sz="1200" baseline="0" dirty="0" smtClean="0"/>
+                        <a:t>0-нет</a:t>
+                      </a:r>
+                      <a:endParaRPr lang="ru-RU" sz="1200" dirty="0" smtClean="0"/>
+                    </a:p>
+                    <a:p>
+                      <a:endParaRPr lang="ru-RU" sz="1200" dirty="0"/>
+                    </a:p>
+                  </a:txBody>
+                  <a:tcPr/>
+                </a:tc>
+              </a:tr>
+              <a:tr h="0">
+                <a:tc>
+                  <a:txBody>
+                    <a:bodyPr/>
+                    <a:lstStyle/>
+                    <a:p>
+                      <a:pPr marL="0" marR="0" indent="0" algn="l" defTabSz="914400" rtl="0" eaLnBrk="1" fontAlgn="auto" latinLnBrk="0" hangingPunct="1">
+                        <a:lnSpc>
+                          <a:spcPct val="100000"/>
+                        </a:lnSpc>
+                        <a:spcBef>
+                          <a:spcPts val="0"/>
+                        </a:spcBef>
+                        <a:spcAft>
+                          <a:spcPts val="0"/>
+                        </a:spcAft>
+                        <a:buClrTx/>
+                        <a:buSzTx/>
+                        <a:buFontTx/>
+                        <a:buNone/>
+                        <a:tabLst/>
+                        <a:defRPr/>
+                      </a:pPr>
+                      <a:r>
+                        <a:rPr lang="ru-RU" sz="1200" dirty="0" smtClean="0"/>
+                        <a:t>Возраст </a:t>
+                      </a:r>
+                      <a:endParaRPr lang="ru-RU" sz="1200" dirty="0" smtClean="0"/>
+                    </a:p>
+                    <a:p>
+                      <a:pPr marL="0" marR="0" indent="0" algn="l" defTabSz="914400" rtl="0" eaLnBrk="1" fontAlgn="auto" latinLnBrk="0" hangingPunct="1">
+                        <a:lnSpc>
+                          <a:spcPct val="100000"/>
+                        </a:lnSpc>
+                        <a:spcBef>
+                          <a:spcPts val="0"/>
+                        </a:spcBef>
+                        <a:spcAft>
+                          <a:spcPts val="0"/>
+                        </a:spcAft>
+                        <a:buClrTx/>
+                        <a:buSzTx/>
+                        <a:buFontTx/>
+                        <a:buNone/>
+                        <a:tabLst/>
+                        <a:defRPr/>
+                      </a:pPr>
+                      <a:r>
+                        <a:rPr lang="ru-RU" sz="1200" dirty="0" smtClean="0"/>
+                        <a:t>(лет)</a:t>
+                      </a:r>
+                      <a:endParaRPr lang="ru-RU" sz="1200" dirty="0" smtClean="0"/>
+                    </a:p>
+                  </a:txBody>
+                  <a:tcPr/>
+                </a:tc>
+                <a:tc>
+                  <a:txBody>
+                    <a:bodyPr/>
+                    <a:lstStyle/>
+                    <a:p>
+                      <a:r>
+                        <a:rPr lang="ru-RU" sz="1200" dirty="0" smtClean="0"/>
+                        <a:t>0… 100</a:t>
+                      </a:r>
+                      <a:endParaRPr lang="ru-RU" sz="1200" dirty="0"/>
+                    </a:p>
+                  </a:txBody>
+                  <a:tcPr/>
+                </a:tc>
+                <a:tc>
+                  <a:txBody>
+                    <a:bodyPr/>
+                    <a:lstStyle/>
+                    <a:p>
+                      <a:endParaRPr lang="ru-RU" sz="1200" dirty="0"/>
+                    </a:p>
+                  </a:txBody>
+                  <a:tcPr/>
+                </a:tc>
+                <a:tc>
+                  <a:txBody>
+                    <a:bodyPr/>
+                    <a:lstStyle/>
+                    <a:p>
+                      <a:endParaRPr lang="ru-RU" sz="1200" dirty="0"/>
+                    </a:p>
+                  </a:txBody>
+                  <a:tcPr/>
+                </a:tc>
+              </a:tr>
+              <a:tr h="0">
+                <a:tc>
+                  <a:txBody>
+                    <a:bodyPr/>
+                    <a:lstStyle/>
+                    <a:p>
+                      <a:pPr marL="0" marR="0" indent="0" algn="l" defTabSz="914400" rtl="0" eaLnBrk="1" fontAlgn="auto" latinLnBrk="0" hangingPunct="1">
+                        <a:lnSpc>
+                          <a:spcPct val="100000"/>
+                        </a:lnSpc>
+                        <a:spcBef>
+                          <a:spcPts val="0"/>
+                        </a:spcBef>
+                        <a:spcAft>
+                          <a:spcPts val="0"/>
+                        </a:spcAft>
+                        <a:buClrTx/>
+                        <a:buSzTx/>
+                        <a:buFontTx/>
+                        <a:buNone/>
+                        <a:tabLst/>
+                        <a:defRPr/>
+                      </a:pPr>
+                      <a:r>
+                        <a:rPr lang="ru-RU" sz="1200" dirty="0" smtClean="0"/>
+                        <a:t>Сумма выданного </a:t>
+                      </a:r>
+                      <a:r>
+                        <a:rPr lang="ru-RU" sz="1200" dirty="0" smtClean="0"/>
+                        <a:t>кредита</a:t>
+                      </a:r>
+                    </a:p>
+                    <a:p>
+                      <a:pPr marL="0" marR="0" indent="0" algn="l" defTabSz="914400" rtl="0" eaLnBrk="1" fontAlgn="auto" latinLnBrk="0" hangingPunct="1">
+                        <a:lnSpc>
+                          <a:spcPct val="100000"/>
+                        </a:lnSpc>
+                        <a:spcBef>
+                          <a:spcPts val="0"/>
+                        </a:spcBef>
+                        <a:spcAft>
+                          <a:spcPts val="0"/>
+                        </a:spcAft>
+                        <a:buClrTx/>
+                        <a:buSzTx/>
+                        <a:buFontTx/>
+                        <a:buNone/>
+                        <a:tabLst/>
+                        <a:defRPr/>
+                      </a:pPr>
+                      <a:r>
+                        <a:rPr lang="ru-RU" sz="1200" dirty="0" smtClean="0"/>
+                        <a:t>(тыс. руб.)</a:t>
+                      </a:r>
+                      <a:endParaRPr lang="ru-RU" sz="1200" dirty="0" smtClean="0"/>
+                    </a:p>
+                  </a:txBody>
+                  <a:tcPr/>
+                </a:tc>
+                <a:tc>
+                  <a:txBody>
+                    <a:bodyPr/>
+                    <a:lstStyle/>
+                    <a:p>
+                      <a:r>
+                        <a:rPr lang="ru-RU" sz="1200" dirty="0" smtClean="0"/>
+                        <a:t>0…1000</a:t>
+                      </a:r>
+                      <a:endParaRPr lang="ru-RU" sz="1200" dirty="0"/>
+                    </a:p>
+                  </a:txBody>
+                  <a:tcPr/>
+                </a:tc>
+                <a:tc>
+                  <a:txBody>
+                    <a:bodyPr/>
+                    <a:lstStyle/>
+                    <a:p>
+                      <a:endParaRPr lang="ru-RU" sz="1200" dirty="0"/>
+                    </a:p>
+                  </a:txBody>
+                  <a:tcPr/>
+                </a:tc>
+                <a:tc>
+                  <a:txBody>
+                    <a:bodyPr/>
+                    <a:lstStyle/>
+                    <a:p>
+                      <a:endParaRPr lang="ru-RU" sz="1200" dirty="0"/>
+                    </a:p>
+                  </a:txBody>
+                  <a:tcPr/>
+                </a:tc>
+              </a:tr>
+              <a:tr h="239370">
+                <a:tc>
+                  <a:txBody>
+                    <a:bodyPr/>
+                    <a:lstStyle/>
+                    <a:p>
+                      <a:r>
+                        <a:rPr lang="ru-RU" sz="1200" dirty="0" smtClean="0"/>
+                        <a:t>Образование</a:t>
+                      </a:r>
+                      <a:endParaRPr lang="ru-RU" sz="1200" dirty="0" smtClean="0"/>
+                    </a:p>
+                  </a:txBody>
+                  <a:tcPr/>
+                </a:tc>
+                <a:tc>
+                  <a:txBody>
+                    <a:bodyPr/>
+                    <a:lstStyle/>
+                    <a:p>
+                      <a:r>
+                        <a:rPr lang="ru-RU" sz="1200" dirty="0" smtClean="0"/>
+                        <a:t>0-нет</a:t>
+                      </a:r>
+                    </a:p>
+                    <a:p>
+                      <a:r>
+                        <a:rPr lang="ru-RU" sz="1200" dirty="0" smtClean="0"/>
+                        <a:t>1-основное</a:t>
+                      </a:r>
+                      <a:r>
+                        <a:rPr lang="ru-RU" sz="1200" baseline="0" dirty="0" smtClean="0"/>
+                        <a:t> </a:t>
+                      </a:r>
+                      <a:r>
+                        <a:rPr lang="ru-RU" sz="1200" dirty="0" smtClean="0"/>
+                        <a:t>общее</a:t>
+                      </a:r>
+                    </a:p>
+                    <a:p>
+                      <a:r>
+                        <a:rPr lang="ru-RU" sz="1200" dirty="0" smtClean="0"/>
+                        <a:t>2-среднее общее</a:t>
+                      </a:r>
+                    </a:p>
+                    <a:p>
+                      <a:r>
+                        <a:rPr lang="ru-RU" sz="1200" dirty="0" smtClean="0"/>
+                        <a:t>3-среднее специальное</a:t>
+                      </a:r>
+                    </a:p>
+                    <a:p>
+                      <a:r>
+                        <a:rPr lang="ru-RU" sz="1200" kern="100" baseline="0" dirty="0" smtClean="0"/>
+                        <a:t>4-высшее</a:t>
+                      </a:r>
+                    </a:p>
+                  </a:txBody>
+                  <a:tcPr/>
+                </a:tc>
+                <a:tc>
+                  <a:txBody>
+                    <a:bodyPr/>
+                    <a:lstStyle/>
+                    <a:p>
+                      <a:endParaRPr lang="ru-RU" sz="1200" dirty="0"/>
+                    </a:p>
+                  </a:txBody>
+                  <a:tcPr/>
+                </a:tc>
+                <a:tc>
+                  <a:txBody>
+                    <a:bodyPr/>
+                    <a:lstStyle/>
+                    <a:p>
+                      <a:endParaRPr lang="ru-RU" sz="1200" dirty="0"/>
+                    </a:p>
+                  </a:txBody>
+                  <a:tcPr/>
+                </a:tc>
+              </a:tr>
+              <a:tr h="0">
+                <a:tc>
+                  <a:txBody>
+                    <a:bodyPr/>
+                    <a:lstStyle/>
+                    <a:p>
+                      <a:pPr marL="0" marR="0" indent="0" algn="l" defTabSz="914400" rtl="0" eaLnBrk="1" fontAlgn="auto" latinLnBrk="0" hangingPunct="1">
+                        <a:lnSpc>
+                          <a:spcPct val="100000"/>
+                        </a:lnSpc>
+                        <a:spcBef>
+                          <a:spcPts val="0"/>
+                        </a:spcBef>
+                        <a:spcAft>
+                          <a:spcPts val="0"/>
+                        </a:spcAft>
+                        <a:buClrTx/>
+                        <a:buSzTx/>
+                        <a:buFontTx/>
+                        <a:buNone/>
+                        <a:tabLst/>
+                        <a:defRPr/>
+                      </a:pPr>
+                      <a:r>
+                        <a:rPr lang="ru-RU" sz="1200" dirty="0" smtClean="0"/>
+                        <a:t>Недвижимость </a:t>
+                      </a:r>
+                      <a:r>
+                        <a:rPr lang="ru-RU" sz="1200" dirty="0" smtClean="0"/>
+                        <a:t>(</a:t>
+                      </a:r>
+                      <a:r>
+                        <a:rPr lang="ru-RU" sz="1200" dirty="0" err="1" smtClean="0"/>
+                        <a:t>кв.м</a:t>
+                      </a:r>
+                      <a:r>
+                        <a:rPr lang="ru-RU" sz="1200" dirty="0" smtClean="0"/>
+                        <a:t>.)</a:t>
+                      </a:r>
+                      <a:endParaRPr lang="ru-RU" sz="1200" dirty="0" smtClean="0"/>
+                    </a:p>
+                  </a:txBody>
+                  <a:tcPr/>
+                </a:tc>
+                <a:tc>
+                  <a:txBody>
+                    <a:bodyPr/>
+                    <a:lstStyle/>
+                    <a:p>
+                      <a:r>
+                        <a:rPr lang="ru-RU" sz="1200" dirty="0" smtClean="0"/>
+                        <a:t>0…1000</a:t>
+                      </a:r>
+                      <a:endParaRPr lang="ru-RU" sz="1200" dirty="0"/>
+                    </a:p>
+                  </a:txBody>
+                  <a:tcPr/>
+                </a:tc>
+                <a:tc>
+                  <a:txBody>
+                    <a:bodyPr/>
+                    <a:lstStyle/>
+                    <a:p>
+                      <a:endParaRPr lang="ru-RU" sz="1200" dirty="0"/>
+                    </a:p>
+                  </a:txBody>
+                  <a:tcPr/>
+                </a:tc>
+                <a:tc>
+                  <a:txBody>
+                    <a:bodyPr/>
+                    <a:lstStyle/>
+                    <a:p>
+                      <a:endParaRPr lang="ru-RU" sz="1200" dirty="0"/>
+                    </a:p>
+                  </a:txBody>
+                  <a:tcPr/>
+                </a:tc>
+              </a:tr>
+            </a:tbl>
+          </a:graphicData>
+        </a:graphic>
+      </p:graphicFrame>
+    </p:spTree>
+    <p:extLst>
+      <p:ext uri="{BB962C8B-B14F-4D97-AF65-F5344CB8AC3E}">
+        <p14:creationId xmlns:p14="http://schemas.microsoft.com/office/powerpoint/2010/main" val="1964237877"/>
+      </p:ext>
+    </p:extLst>
+  </p:cSld>
+  <p:clrMapOvr>
+    <a:masterClrMapping/>
+  </p:clrMapOvr>
+</p:sld>
+</file>
+
+<file path=ppt/slides/slide15.xml><?xml version="1.0" encoding="utf-8"?>
+<p:sld xmlns:a="http://schemas.openxmlformats.org/drawingml/2006/main" xmlns:r="http://schemas.openxmlformats.org/officeDocument/2006/relationships" xmlns:p="http://schemas.openxmlformats.org/presentationml/2006/main">
+  <p:cSld>
+    <p:spTree>
+      <p:nvGrpSpPr>
+        <p:cNvPr id="1" name=""/>
+        <p:cNvGrpSpPr/>
+        <p:nvPr/>
+      </p:nvGrpSpPr>
+      <p:grpSpPr>
+        <a:xfrm>
+          <a:off x="0" y="0"/>
+          <a:ext cx="0" cy="0"/>
+          <a:chOff x="0" y="0"/>
+          <a:chExt cx="0" cy="0"/>
+        </a:xfrm>
+      </p:grpSpPr>
+      <p:sp>
+        <p:nvSpPr>
+          <p:cNvPr id="2" name="Заголовок 1"/>
+          <p:cNvSpPr>
+            <a:spLocks noGrp="1"/>
+          </p:cNvSpPr>
+          <p:nvPr>
+            <p:ph type="title"/>
+          </p:nvPr>
+        </p:nvSpPr>
+        <p:spPr/>
+        <p:txBody>
+          <a:bodyPr/>
+          <a:lstStyle/>
+          <a:p>
+            <a:r>
+              <a:rPr lang="ru-RU" dirty="0" smtClean="0"/>
               <a:t> </a:t>
             </a:r>
             <a:br>
@@ -5749,7 +6485,7 @@
             </a:br>
             <a:r>
               <a:rPr lang="ru-RU" dirty="0" smtClean="0"/>
-              <a:t>Этапы работы программы</a:t>
+              <a:t>Этапы работы программы на примере выдачи кредита</a:t>
             </a:r>
             <a:endParaRPr lang="ru-RU" dirty="0"/>
           </a:p>
@@ -5823,7 +6559,7 @@
           <a:p>
             <a:fld id="{B19B0651-EE4F-4900-A07F-96A6BFA9D0F0}" type="slidenum">
               <a:rPr lang="ru-RU" smtClean="0"/>
-              <a:t>14</a:t>
+              <a:t>15</a:t>
             </a:fld>
             <a:endParaRPr lang="ru-RU" dirty="0"/>
           </a:p>
@@ -5977,7 +6713,7 @@
 </p:sld>
 </file>
 
-<file path=ppt/slides/slide15.xml><?xml version="1.0" encoding="utf-8"?>
+<file path=ppt/slides/slide16.xml><?xml version="1.0" encoding="utf-8"?>
 <p:sld xmlns:a="http://schemas.openxmlformats.org/drawingml/2006/main" xmlns:r="http://schemas.openxmlformats.org/officeDocument/2006/relationships" xmlns:p="http://schemas.openxmlformats.org/presentationml/2006/main">
   <p:cSld>
     <p:spTree>
@@ -6084,7 +6820,7 @@
           <a:p>
             <a:fld id="{B19B0651-EE4F-4900-A07F-96A6BFA9D0F0}" type="slidenum">
               <a:rPr lang="ru-RU" smtClean="0"/>
-              <a:t>15</a:t>
+              <a:t>16</a:t>
             </a:fld>
             <a:endParaRPr lang="ru-RU" dirty="0"/>
           </a:p>
@@ -6092,7 +6828,7 @@
       </p:sp>
       <p:pic>
         <p:nvPicPr>
-          <p:cNvPr id="2050" name="Picture 2"/>
+          <p:cNvPr id="1026" name="Picture 2"/>
           <p:cNvPicPr>
             <a:picLocks noChangeAspect="1" noChangeArrowheads="1"/>
           </p:cNvPicPr>
@@ -6113,8 +6849,8 @@
         </p:blipFill>
         <p:spPr bwMode="auto">
           <a:xfrm>
-            <a:off x="1890316" y="2512653"/>
-            <a:ext cx="6048672" cy="4724362"/>
+            <a:off x="1613456" y="2340471"/>
+            <a:ext cx="6541556" cy="4656049"/>
           </a:xfrm>
           <a:prstGeom prst="rect">
             <a:avLst/>
@@ -6174,7 +6910,7 @@
 </p:sld>
 </file>
 
-<file path=ppt/slides/slide16.xml><?xml version="1.0" encoding="utf-8"?>
+<file path=ppt/slides/slide17.xml><?xml version="1.0" encoding="utf-8"?>
 <p:sld xmlns:a="http://schemas.openxmlformats.org/drawingml/2006/main" xmlns:r="http://schemas.openxmlformats.org/officeDocument/2006/relationships" xmlns:p="http://schemas.openxmlformats.org/presentationml/2006/main">
   <p:cSld>
     <p:spTree>
@@ -6270,8 +7006,15 @@
           <a:p>
             <a:r>
               <a:rPr lang="ru-RU" dirty="0" smtClean="0"/>
-              <a:t>5 Визуализация дерева</a:t>
-            </a:r>
+              <a:t>Входные параметры это независимые параметры—количество входных столбцов  </a:t>
+            </a:r>
+          </a:p>
+          <a:p>
+            <a:r>
+              <a:rPr lang="ru-RU" dirty="0" smtClean="0"/>
+              <a:t>Выходные параметры  это зависимый параметр –выходной столбец</a:t>
+            </a:r>
+            <a:endParaRPr lang="ru-RU" dirty="0" smtClean="0"/>
           </a:p>
           <a:p>
             <a:endParaRPr lang="ru-RU" dirty="0" smtClean="0"/>
@@ -6298,7 +7041,7 @@
           <a:p>
             <a:fld id="{B19B0651-EE4F-4900-A07F-96A6BFA9D0F0}" type="slidenum">
               <a:rPr lang="ru-RU" smtClean="0"/>
-              <a:t>16</a:t>
+              <a:t>17</a:t>
             </a:fld>
             <a:endParaRPr lang="ru-RU" dirty="0"/>
           </a:p>
@@ -6327,72 +7070,8 @@
         </p:blipFill>
         <p:spPr bwMode="auto">
           <a:xfrm>
-            <a:off x="1170236" y="2737932"/>
-            <a:ext cx="2592288" cy="2122819"/>
-          </a:xfrm>
-          <a:prstGeom prst="rect">
-            <a:avLst/>
-          </a:prstGeom>
-          <a:noFill/>
-          <a:ln>
-            <a:noFill/>
-          </a:ln>
-          <a:effectLst/>
-          <a:extLst>
-            <a:ext uri="{909E8E84-426E-40DD-AFC4-6F175D3DCCD1}">
-              <a14:hiddenFill xmlns:a14="http://schemas.microsoft.com/office/drawing/2010/main">
-                <a:solidFill>
-                  <a:schemeClr val="accent1"/>
-                </a:solidFill>
-              </a14:hiddenFill>
-            </a:ext>
-            <a:ext uri="{91240B29-F687-4F45-9708-019B960494DF}">
-              <a14:hiddenLine xmlns:a14="http://schemas.microsoft.com/office/drawing/2010/main" w="9525">
-                <a:solidFill>
-                  <a:schemeClr val="tx1"/>
-                </a:solidFill>
-                <a:miter lim="800000"/>
-                <a:headEnd/>
-                <a:tailEnd/>
-              </a14:hiddenLine>
-            </a:ext>
-            <a:ext uri="{AF507438-7753-43E0-B8FC-AC1667EBCBE1}">
-              <a14:hiddenEffects xmlns:a14="http://schemas.microsoft.com/office/drawing/2010/main">
-                <a:effectLst>
-                  <a:outerShdw dist="35921" dir="2700000" algn="ctr" rotWithShape="0">
-                    <a:schemeClr val="bg2"/>
-                  </a:outerShdw>
-                </a:effectLst>
-              </a14:hiddenEffects>
-            </a:ext>
-          </a:extLst>
-        </p:spPr>
-      </p:pic>
-      <p:pic>
-        <p:nvPicPr>
-          <p:cNvPr id="3076" name="Picture 4"/>
-          <p:cNvPicPr>
-            <a:picLocks noChangeAspect="1" noChangeArrowheads="1"/>
-          </p:cNvPicPr>
-          <p:nvPr/>
-        </p:nvPicPr>
-        <p:blipFill>
-          <a:blip r:embed="rId3">
-            <a:extLst>
-              <a:ext uri="{28A0092B-C50C-407E-A947-70E740481C1C}">
-                <a14:useLocalDpi xmlns:a14="http://schemas.microsoft.com/office/drawing/2010/main" val="0"/>
-              </a:ext>
-            </a:extLst>
-          </a:blip>
-          <a:srcRect/>
-          <a:stretch>
-            <a:fillRect/>
-          </a:stretch>
-        </p:blipFill>
-        <p:spPr bwMode="auto">
-          <a:xfrm>
-            <a:off x="4174463" y="3060551"/>
-            <a:ext cx="6381539" cy="4392488"/>
+            <a:off x="3546500" y="2737932"/>
+            <a:ext cx="3024336" cy="2181786"/>
           </a:xfrm>
           <a:prstGeom prst="rect">
             <a:avLst/>
@@ -6452,7 +7131,7 @@
 </p:sld>
 </file>
 
-<file path=ppt/slides/slide17.xml><?xml version="1.0" encoding="utf-8"?>
+<file path=ppt/slides/slide18.xml><?xml version="1.0" encoding="utf-8"?>
 <p:sld xmlns:a="http://schemas.openxmlformats.org/drawingml/2006/main" xmlns:r="http://schemas.openxmlformats.org/officeDocument/2006/relationships" xmlns:p="http://schemas.openxmlformats.org/presentationml/2006/main">
   <p:cSld>
     <p:spTree>
@@ -6485,48 +7164,16 @@
           <a:lstStyle/>
           <a:p>
             <a:r>
-              <a:rPr lang="ru-RU" dirty="0" smtClean="0"/>
+              <a:rPr lang="ru-RU" dirty="0"/>
               <a:t/>
             </a:r>
             <a:br>
-              <a:rPr lang="ru-RU" dirty="0" smtClean="0"/>
+              <a:rPr lang="ru-RU" dirty="0"/>
             </a:br>
             <a:r>
-              <a:rPr lang="ru-RU" dirty="0" smtClean="0"/>
-              <a:t>Этапы </a:t>
-            </a:r>
-            <a:r>
               <a:rPr lang="ru-RU" dirty="0"/>
-              <a:t>работы программы</a:t>
-            </a:r>
-          </a:p>
-        </p:txBody>
-      </p:sp>
-      <p:sp>
-        <p:nvSpPr>
-          <p:cNvPr id="3" name="Объект 2"/>
-          <p:cNvSpPr>
-            <a:spLocks noGrp="1"/>
-          </p:cNvSpPr>
-          <p:nvPr>
-            <p:ph idx="1"/>
-          </p:nvPr>
-        </p:nvSpPr>
-        <p:spPr/>
-        <p:txBody>
-          <a:bodyPr/>
-          <a:lstStyle/>
-          <a:p>
-            <a:endParaRPr lang="ru-RU" dirty="0" smtClean="0"/>
-          </a:p>
-          <a:p>
-            <a:r>
-              <a:rPr lang="ru-RU" dirty="0" smtClean="0"/>
-              <a:t>6 Оценка </a:t>
-            </a:r>
-          </a:p>
-          <a:p>
-            <a:endParaRPr lang="ru-RU" dirty="0"/>
+              <a:t>Этапы работы программы</a:t>
+            </a:r>
           </a:p>
         </p:txBody>
       </p:sp>
@@ -6547,15 +7194,85 @@
           <a:p>
             <a:fld id="{B19B0651-EE4F-4900-A07F-96A6BFA9D0F0}" type="slidenum">
               <a:rPr lang="ru-RU" smtClean="0"/>
-              <a:t>17</a:t>
+              <a:t>18</a:t>
             </a:fld>
             <a:endParaRPr lang="ru-RU" dirty="0"/>
           </a:p>
         </p:txBody>
       </p:sp>
+      <p:sp>
+        <p:nvSpPr>
+          <p:cNvPr id="6" name="Объект 5"/>
+          <p:cNvSpPr>
+            <a:spLocks noGrp="1"/>
+          </p:cNvSpPr>
+          <p:nvPr>
+            <p:ph idx="1"/>
+          </p:nvPr>
+        </p:nvSpPr>
+        <p:spPr/>
+        <p:txBody>
+          <a:bodyPr/>
+          <a:lstStyle/>
+          <a:p>
+            <a:r>
+              <a:rPr lang="ru-RU" dirty="0" smtClean="0"/>
+              <a:t>5 Визуализация</a:t>
+            </a:r>
+          </a:p>
+          <a:p>
+            <a:endParaRPr lang="ru-RU" dirty="0"/>
+          </a:p>
+          <a:p>
+            <a:endParaRPr lang="ru-RU" dirty="0" smtClean="0"/>
+          </a:p>
+          <a:p>
+            <a:endParaRPr lang="ru-RU" dirty="0"/>
+          </a:p>
+          <a:p>
+            <a:endParaRPr lang="ru-RU" dirty="0" smtClean="0"/>
+          </a:p>
+          <a:p>
+            <a:endParaRPr lang="ru-RU" dirty="0"/>
+          </a:p>
+          <a:p>
+            <a:endParaRPr lang="ru-RU" dirty="0" smtClean="0"/>
+          </a:p>
+          <a:p>
+            <a:endParaRPr lang="ru-RU" dirty="0"/>
+          </a:p>
+          <a:p>
+            <a:r>
+              <a:rPr lang="ru-RU" dirty="0"/>
+              <a:t>6 Оценка </a:t>
+            </a:r>
+          </a:p>
+          <a:p>
+            <a:r>
+              <a:rPr lang="ru-RU" dirty="0" smtClean="0"/>
+              <a:t>Построенное дерево решений имеет </a:t>
+            </a:r>
+            <a:r>
+              <a:rPr lang="ru-RU" dirty="0"/>
+              <a:t>точность 100%, это можно объяснить </a:t>
+            </a:r>
+            <a:r>
+              <a:rPr lang="ru-RU" dirty="0" smtClean="0"/>
+              <a:t>малым объёмом исходных данных.  </a:t>
+            </a:r>
+            <a:endParaRPr lang="ru-RU" dirty="0"/>
+          </a:p>
+          <a:p>
+            <a:endParaRPr lang="ru-RU" dirty="0" smtClean="0"/>
+          </a:p>
+          <a:p>
+            <a:endParaRPr lang="ru-RU" dirty="0"/>
+          </a:p>
+        </p:txBody>
+      </p:sp>
       <p:pic>
         <p:nvPicPr>
-          <p:cNvPr id="1026" name="Picture 2"/>
+          <p:cNvPr id="2050" name="Picture 2"/>
           <p:cNvPicPr>
             <a:picLocks noChangeAspect="1" noChangeArrowheads="1"/>
           </p:cNvPicPr>
@@ -6576,8 +7293,8 @@
         </p:blipFill>
         <p:spPr bwMode="auto">
           <a:xfrm>
-            <a:off x="1674292" y="2412479"/>
-            <a:ext cx="7924800" cy="4311650"/>
+            <a:off x="1314252" y="1895446"/>
+            <a:ext cx="6336704" cy="3632679"/>
           </a:xfrm>
           <a:prstGeom prst="rect">
             <a:avLst/>
@@ -6620,190 +7337,13 @@
     </p:spTree>
     <p:extLst>
       <p:ext uri="{BB962C8B-B14F-4D97-AF65-F5344CB8AC3E}">
-        <p14:creationId xmlns:p14="http://schemas.microsoft.com/office/powerpoint/2010/main" val="2968759258"/>
+        <p14:creationId xmlns:p14="http://schemas.microsoft.com/office/powerpoint/2010/main" val="1652939999"/>
       </p:ext>
     </p:extLst>
   </p:cSld>
   <p:clrMapOvr>
     <a:masterClrMapping/>
   </p:clrMapOvr>
-  <p:timing>
-    <p:tnLst>
-      <p:par>
-        <p:cTn id="1" dur="indefinite" restart="never" nodeType="tmRoot"/>
-      </p:par>
-    </p:tnLst>
-  </p:timing>
-</p:sld>
-</file>
-
-<file path=ppt/slides/slide18.xml><?xml version="1.0" encoding="utf-8"?>
-<p:sld xmlns:a="http://schemas.openxmlformats.org/drawingml/2006/main" xmlns:r="http://schemas.openxmlformats.org/officeDocument/2006/relationships" xmlns:p="http://schemas.openxmlformats.org/presentationml/2006/main">
-  <p:cSld>
-    <p:spTree>
-      <p:nvGrpSpPr>
-        <p:cNvPr id="1" name=""/>
-        <p:cNvGrpSpPr/>
-        <p:nvPr/>
-      </p:nvGrpSpPr>
-      <p:grpSpPr>
-        <a:xfrm>
-          <a:off x="0" y="0"/>
-          <a:ext cx="0" cy="0"/>
-          <a:chOff x="0" y="0"/>
-          <a:chExt cx="0" cy="0"/>
-        </a:xfrm>
-      </p:grpSpPr>
-      <p:sp>
-        <p:nvSpPr>
-          <p:cNvPr id="2" name="Заголовок 1"/>
-          <p:cNvSpPr>
-            <a:spLocks noGrp="1"/>
-          </p:cNvSpPr>
-          <p:nvPr>
-            <p:ph type="title"/>
-          </p:nvPr>
-        </p:nvSpPr>
-        <p:spPr/>
-        <p:txBody>
-          <a:bodyPr/>
-          <a:lstStyle/>
-          <a:p>
-            <a:r>
-              <a:rPr lang="ru-RU" dirty="0" smtClean="0"/>
-              <a:t/>
-            </a:r>
-            <a:br>
-              <a:rPr lang="ru-RU" dirty="0" smtClean="0"/>
-            </a:br>
-            <a:r>
-              <a:rPr lang="ru-RU" dirty="0" smtClean="0"/>
-              <a:t>Выводы</a:t>
-            </a:r>
-            <a:r>
-              <a:rPr lang="en-US" dirty="0" smtClean="0"/>
-              <a:t>:</a:t>
-            </a:r>
-            <a:endParaRPr lang="ru-RU" dirty="0"/>
-          </a:p>
-        </p:txBody>
-      </p:sp>
-      <p:sp>
-        <p:nvSpPr>
-          <p:cNvPr id="3" name="Объект 2"/>
-          <p:cNvSpPr>
-            <a:spLocks noGrp="1"/>
-          </p:cNvSpPr>
-          <p:nvPr>
-            <p:ph idx="1"/>
-          </p:nvPr>
-        </p:nvSpPr>
-        <p:spPr/>
-        <p:txBody>
-          <a:bodyPr/>
-          <a:lstStyle/>
-          <a:p>
-            <a:endParaRPr lang="ru-RU" dirty="0" smtClean="0"/>
-          </a:p>
-          <a:p>
-            <a:r>
-              <a:rPr lang="ru-RU" dirty="0" smtClean="0"/>
-              <a:t>Изучены </a:t>
-            </a:r>
-            <a:r>
-              <a:rPr lang="ru-RU" dirty="0"/>
-              <a:t>м</a:t>
-            </a:r>
-            <a:r>
-              <a:rPr lang="ru-RU" dirty="0" smtClean="0"/>
-              <a:t>етоды интеллектуального анализа данных;</a:t>
-            </a:r>
-          </a:p>
-          <a:p>
-            <a:r>
-              <a:rPr lang="ru-RU" dirty="0" smtClean="0"/>
-              <a:t>Проведен анализ и выбран метод</a:t>
-            </a:r>
-            <a:r>
-              <a:rPr lang="en-US" dirty="0" smtClean="0"/>
-              <a:t>,</a:t>
-            </a:r>
-            <a:r>
-              <a:rPr lang="ru-RU" dirty="0"/>
-              <a:t> для интеллектуального анализа данных;</a:t>
-            </a:r>
-            <a:endParaRPr lang="en-US" dirty="0" smtClean="0"/>
-          </a:p>
-          <a:p>
-            <a:r>
-              <a:rPr lang="ru-RU" dirty="0" smtClean="0"/>
-              <a:t>Выявлены требования к программе ;</a:t>
-            </a:r>
-          </a:p>
-          <a:p>
-            <a:r>
-              <a:rPr lang="ru-RU" dirty="0" smtClean="0"/>
-              <a:t>Разработана программа.</a:t>
-            </a:r>
-          </a:p>
-          <a:p>
-            <a:r>
-              <a:rPr lang="ru-RU" i="1" dirty="0" smtClean="0"/>
-              <a:t>Дальнейшая работа:</a:t>
-            </a:r>
-          </a:p>
-          <a:p>
-            <a:r>
-              <a:rPr lang="ru-RU" dirty="0" smtClean="0"/>
-              <a:t>Повысить надежность программы, оптимизировать работоспособность программы;</a:t>
-            </a:r>
-          </a:p>
-          <a:p>
-            <a:endParaRPr lang="ru-RU" dirty="0"/>
-          </a:p>
-        </p:txBody>
-      </p:sp>
-      <p:sp>
-        <p:nvSpPr>
-          <p:cNvPr id="4" name="Номер слайда 3"/>
-          <p:cNvSpPr>
-            <a:spLocks noGrp="1"/>
-          </p:cNvSpPr>
-          <p:nvPr>
-            <p:ph type="sldNum" sz="quarter" idx="12"/>
-          </p:nvPr>
-        </p:nvSpPr>
-        <p:spPr/>
-        <p:txBody>
-          <a:bodyPr/>
-          <a:lstStyle/>
-          <a:p>
-            <a:fld id="{F3547098-4EA3-465E-87C3-A49A196ADC7F}" type="slidenum">
-              <a:rPr lang="ru-RU" smtClean="0"/>
-              <a:pPr/>
-              <a:t>18</a:t>
-            </a:fld>
-            <a:endParaRPr lang="ru-RU"/>
-          </a:p>
-        </p:txBody>
-      </p:sp>
-    </p:spTree>
-    <p:extLst>
-      <p:ext uri="{BB962C8B-B14F-4D97-AF65-F5344CB8AC3E}">
-        <p14:creationId xmlns:p14="http://schemas.microsoft.com/office/powerpoint/2010/main" val="1488968114"/>
-      </p:ext>
-    </p:extLst>
-  </p:cSld>
-  <p:clrMapOvr>
-    <a:masterClrMapping/>
-  </p:clrMapOvr>
-  <p:timing>
-    <p:tnLst>
-      <p:par>
-        <p:cTn id="1" dur="indefinite" restart="never" nodeType="tmRoot"/>
-      </p:par>
-    </p:tnLst>
-  </p:timing>
 </p:sld>
 </file>
 
@@ -6847,181 +7387,96 @@
               <a:rPr lang="ru-RU" dirty="0" smtClean="0"/>
             </a:br>
             <a:r>
+              <a:rPr lang="ru-RU" dirty="0" smtClean="0"/>
+              <a:t>Результаты работы </a:t>
+            </a:r>
+            <a:r>
               <a:rPr lang="ru-RU" dirty="0"/>
-              <a:t/>
-            </a:r>
-            <a:br>
-              <a:rPr lang="ru-RU" dirty="0"/>
-            </a:br>
-            <a:r>
-              <a:rPr lang="ru-RU" dirty="0" err="1" smtClean="0"/>
-              <a:t>Репозиторий</a:t>
-            </a:r>
+              <a:t>программы</a:t>
+            </a:r>
+          </a:p>
+        </p:txBody>
+      </p:sp>
+      <p:sp>
+        <p:nvSpPr>
+          <p:cNvPr id="3" name="Объект 2"/>
+          <p:cNvSpPr>
+            <a:spLocks noGrp="1"/>
+          </p:cNvSpPr>
+          <p:nvPr>
+            <p:ph idx="1"/>
+          </p:nvPr>
+        </p:nvSpPr>
+        <p:spPr/>
+        <p:txBody>
+          <a:bodyPr/>
+          <a:lstStyle/>
+          <a:p>
+            <a:endParaRPr lang="ru-RU" dirty="0" smtClean="0"/>
+          </a:p>
+          <a:p>
             <a:endParaRPr lang="ru-RU" dirty="0"/>
           </a:p>
-        </p:txBody>
-      </p:sp>
-      <p:sp>
-        <p:nvSpPr>
-          <p:cNvPr id="3" name="Объект 2"/>
-          <p:cNvSpPr>
-            <a:spLocks noGrp="1"/>
-          </p:cNvSpPr>
-          <p:nvPr>
-            <p:ph idx="1"/>
-          </p:nvPr>
-        </p:nvSpPr>
-        <p:spPr/>
-        <p:txBody>
-          <a:bodyPr/>
-          <a:lstStyle/>
-          <a:p>
-            <a:pPr marL="365125" lvl="0" indent="-255588" algn="ctr" fontAlgn="base">
-              <a:lnSpc>
-                <a:spcPct val="100000"/>
-              </a:lnSpc>
-              <a:spcBef>
-                <a:spcPts val="300"/>
-              </a:spcBef>
-              <a:spcAft>
-                <a:spcPct val="0"/>
-              </a:spcAft>
-              <a:buClr>
-                <a:srgbClr val="A04DA3"/>
-              </a:buClr>
-            </a:pPr>
-            <a:endParaRPr lang="ru-RU" sz="2800" dirty="0" smtClean="0">
-              <a:solidFill>
-                <a:prstClr val="black"/>
-              </a:solidFill>
-              <a:latin typeface="Georgia"/>
-              <a:cs typeface="+mn-cs"/>
-            </a:endParaRPr>
-          </a:p>
-          <a:p>
-            <a:pPr marL="365125" lvl="0" indent="-255588" algn="ctr" fontAlgn="base">
-              <a:lnSpc>
-                <a:spcPct val="100000"/>
-              </a:lnSpc>
-              <a:spcBef>
-                <a:spcPts val="300"/>
-              </a:spcBef>
-              <a:spcAft>
-                <a:spcPct val="0"/>
-              </a:spcAft>
-              <a:buClr>
-                <a:srgbClr val="A04DA3"/>
-              </a:buClr>
-            </a:pPr>
-            <a:endParaRPr lang="ru-RU" sz="2800" dirty="0">
-              <a:solidFill>
-                <a:prstClr val="black"/>
-              </a:solidFill>
-              <a:latin typeface="Georgia"/>
-              <a:cs typeface="+mn-cs"/>
-            </a:endParaRPr>
-          </a:p>
-          <a:p>
-            <a:pPr marL="365125" lvl="0" indent="-255588" algn="ctr" fontAlgn="base">
-              <a:lnSpc>
-                <a:spcPct val="100000"/>
-              </a:lnSpc>
-              <a:spcBef>
-                <a:spcPts val="300"/>
-              </a:spcBef>
-              <a:spcAft>
-                <a:spcPct val="0"/>
-              </a:spcAft>
-              <a:buClr>
-                <a:srgbClr val="A04DA3"/>
-              </a:buClr>
-            </a:pPr>
-            <a:endParaRPr lang="ru-RU" sz="2800" dirty="0" smtClean="0">
-              <a:solidFill>
-                <a:prstClr val="black"/>
-              </a:solidFill>
-              <a:latin typeface="Georgia"/>
-              <a:cs typeface="+mn-cs"/>
-            </a:endParaRPr>
-          </a:p>
-          <a:p>
-            <a:pPr marL="365125" lvl="0" indent="-255588" algn="ctr" fontAlgn="base">
-              <a:lnSpc>
-                <a:spcPct val="100000"/>
-              </a:lnSpc>
-              <a:spcBef>
-                <a:spcPts val="300"/>
-              </a:spcBef>
-              <a:spcAft>
-                <a:spcPct val="0"/>
-              </a:spcAft>
-              <a:buClr>
-                <a:srgbClr val="A04DA3"/>
-              </a:buClr>
-            </a:pPr>
-            <a:endParaRPr lang="ru-RU" sz="2800" dirty="0">
-              <a:solidFill>
-                <a:prstClr val="black"/>
-              </a:solidFill>
-              <a:latin typeface="Georgia"/>
-              <a:cs typeface="+mn-cs"/>
-            </a:endParaRPr>
-          </a:p>
-          <a:p>
-            <a:pPr marL="365125" lvl="0" indent="-255588" algn="ctr" fontAlgn="base">
-              <a:lnSpc>
-                <a:spcPct val="100000"/>
-              </a:lnSpc>
-              <a:spcBef>
-                <a:spcPts val="300"/>
-              </a:spcBef>
-              <a:spcAft>
-                <a:spcPct val="0"/>
-              </a:spcAft>
-              <a:buClr>
-                <a:srgbClr val="A04DA3"/>
-              </a:buClr>
-            </a:pPr>
-            <a:endParaRPr lang="ru-RU" sz="2800" dirty="0">
-              <a:solidFill>
-                <a:prstClr val="black"/>
-              </a:solidFill>
-              <a:latin typeface="Georgia"/>
-              <a:cs typeface="+mn-cs"/>
-            </a:endParaRPr>
-          </a:p>
-          <a:p>
-            <a:pPr marL="365125" lvl="0" indent="-255588" algn="ctr" fontAlgn="base">
-              <a:lnSpc>
-                <a:spcPct val="100000"/>
-              </a:lnSpc>
-              <a:spcBef>
-                <a:spcPts val="300"/>
-              </a:spcBef>
-              <a:spcAft>
-                <a:spcPct val="0"/>
-              </a:spcAft>
-              <a:buClr>
-                <a:srgbClr val="A04DA3"/>
-              </a:buClr>
-            </a:pPr>
-            <a:r>
-              <a:rPr lang="en-US" sz="2800" dirty="0">
-                <a:solidFill>
-                  <a:prstClr val="black"/>
-                </a:solidFill>
-                <a:latin typeface="Georgia"/>
-                <a:cs typeface="+mn-cs"/>
-              </a:rPr>
-              <a:t>https://github.com/geper/DOC_decision_trees.git</a:t>
-            </a:r>
-            <a:endParaRPr lang="ru-RU" sz="2800" dirty="0">
-              <a:solidFill>
-                <a:prstClr val="black"/>
-              </a:solidFill>
-              <a:latin typeface="Georgia"/>
-              <a:cs typeface="+mn-cs"/>
-            </a:endParaRPr>
+          <a:p>
+            <a:endParaRPr lang="ru-RU" dirty="0" smtClean="0"/>
+          </a:p>
+          <a:p>
+            <a:endParaRPr lang="ru-RU" dirty="0"/>
+          </a:p>
+          <a:p>
+            <a:endParaRPr lang="ru-RU" dirty="0" smtClean="0"/>
+          </a:p>
+          <a:p>
+            <a:endParaRPr lang="ru-RU" dirty="0"/>
+          </a:p>
+          <a:p>
+            <a:endParaRPr lang="ru-RU" dirty="0" smtClean="0"/>
+          </a:p>
+          <a:p>
+            <a:endParaRPr lang="ru-RU" dirty="0" smtClean="0"/>
+          </a:p>
+          <a:p>
+            <a:r>
+              <a:rPr lang="ru-RU" sz="1800" dirty="0" smtClean="0"/>
+              <a:t>Вывод: По построенному дереву решений можно увидеть Если кредит хочет взять  женщина с возрастом 32 года и более, если сумма кредита больше 37 </a:t>
+            </a:r>
+            <a:r>
+              <a:rPr lang="en-US" sz="1800" dirty="0" smtClean="0"/>
+              <a:t>(</a:t>
+            </a:r>
+            <a:r>
+              <a:rPr lang="ru-RU" sz="1800" dirty="0" smtClean="0"/>
+              <a:t>тыс. руб.</a:t>
+            </a:r>
+            <a:r>
+              <a:rPr lang="en-US" sz="1800" dirty="0" smtClean="0"/>
+              <a:t>)</a:t>
+            </a:r>
+            <a:r>
+              <a:rPr lang="ru-RU" sz="1800" dirty="0" smtClean="0"/>
+              <a:t>,имеет недвижимость не более </a:t>
+            </a:r>
+            <a:r>
+              <a:rPr lang="en-US" sz="1800" dirty="0" smtClean="0"/>
+              <a:t>50 (</a:t>
+            </a:r>
+            <a:r>
+              <a:rPr lang="ru-RU" sz="1800" dirty="0" smtClean="0"/>
+              <a:t>кв. м.</a:t>
+            </a:r>
+            <a:r>
+              <a:rPr lang="en-US" sz="1800" dirty="0" smtClean="0"/>
+              <a:t>)</a:t>
+            </a:r>
+            <a:r>
+              <a:rPr lang="ru-RU" sz="1800" dirty="0"/>
+              <a:t> </a:t>
+            </a:r>
+            <a:r>
+              <a:rPr lang="ru-RU" sz="1800" dirty="0" smtClean="0"/>
+              <a:t>и образование средне –специальное или высшие, ей можно выдавать кредит. В данном примере кредит выдавать можно.</a:t>
+            </a:r>
+            <a:endParaRPr lang="ru-RU" sz="1800" dirty="0"/>
           </a:p>
         </p:txBody>
       </p:sp>
@@ -7048,10 +7503,51 @@
           </a:p>
         </p:txBody>
       </p:sp>
+      <p:pic>
+        <p:nvPicPr>
+          <p:cNvPr id="3075" name="Picture 3" descr="C:\Users\ALEX\Desktop\1.png"/>
+          <p:cNvPicPr>
+            <a:picLocks noChangeAspect="1" noChangeArrowheads="1"/>
+          </p:cNvPicPr>
+          <p:nvPr/>
+        </p:nvPicPr>
+        <p:blipFill>
+          <a:blip r:embed="rId2">
+            <a:extLst>
+              <a:ext uri="{28A0092B-C50C-407E-A947-70E740481C1C}">
+                <a14:useLocalDpi xmlns:a14="http://schemas.microsoft.com/office/drawing/2010/main" val="0"/>
+              </a:ext>
+            </a:extLst>
+          </a:blip>
+          <a:srcRect/>
+          <a:stretch>
+            <a:fillRect/>
+          </a:stretch>
+        </p:blipFill>
+        <p:spPr bwMode="auto">
+          <a:xfrm>
+            <a:off x="231775" y="1476375"/>
+            <a:ext cx="10229850" cy="4032250"/>
+          </a:xfrm>
+          <a:prstGeom prst="rect">
+            <a:avLst/>
+          </a:prstGeom>
+          <a:noFill/>
+          <a:extLst>
+            <a:ext uri="{909E8E84-426E-40DD-AFC4-6F175D3DCCD1}">
+              <a14:hiddenFill xmlns:a14="http://schemas.microsoft.com/office/drawing/2010/main">
+                <a:solidFill>
+                  <a:srgbClr val="FFFFFF"/>
+                </a:solidFill>
+              </a14:hiddenFill>
+            </a:ext>
+          </a:extLst>
+        </p:spPr>
+      </p:pic>
     </p:spTree>
     <p:extLst>
       <p:ext uri="{BB962C8B-B14F-4D97-AF65-F5344CB8AC3E}">
-        <p14:creationId xmlns:p14="http://schemas.microsoft.com/office/powerpoint/2010/main" val="789238555"/>
+        <p14:creationId xmlns:p14="http://schemas.microsoft.com/office/powerpoint/2010/main" val="2968759258"/>
       </p:ext>
     </p:extLst>
   </p:cSld>
@@ -7156,16 +7652,29 @@
           <a:p>
             <a:r>
               <a:rPr lang="ru-RU" dirty="0" smtClean="0"/>
-              <a:t>Разработать программу, интеллектуального анализа в данных, необходимую для поддержки </a:t>
-            </a:r>
-            <a:r>
-              <a:rPr lang="ru-RU" dirty="0"/>
-              <a:t>принятия решений в различных сферах человеческой деятельности</a:t>
+              <a:t>Разработать программу</a:t>
             </a:r>
             <a:r>
               <a:rPr lang="ru-RU" dirty="0" smtClean="0"/>
-              <a:t>.</a:t>
-            </a:r>
+              <a:t>, которая реализует метод  </a:t>
+            </a:r>
+            <a:r>
+              <a:rPr lang="ru-RU" dirty="0" smtClean="0"/>
+              <a:t>интеллектуального анализа </a:t>
+            </a:r>
+            <a:r>
+              <a:rPr lang="ru-RU" dirty="0" smtClean="0"/>
+              <a:t> </a:t>
+            </a:r>
+            <a:r>
+              <a:rPr lang="ru-RU" dirty="0" smtClean="0"/>
+              <a:t>данных, необходимую для </a:t>
+            </a:r>
+            <a:r>
+              <a:rPr lang="ru-RU" dirty="0" smtClean="0"/>
+              <a:t>поддержки эксперта в задачах прогнозирования.</a:t>
+            </a:r>
+            <a:endParaRPr lang="ru-RU" dirty="0" smtClean="0"/>
           </a:p>
           <a:p>
             <a:r>
@@ -7240,6 +7749,437 @@
     <p:extLst>
       <p:ext uri="{BB962C8B-B14F-4D97-AF65-F5344CB8AC3E}">
         <p14:creationId xmlns:p14="http://schemas.microsoft.com/office/powerpoint/2010/main" val="100266306"/>
+      </p:ext>
+    </p:extLst>
+  </p:cSld>
+  <p:clrMapOvr>
+    <a:masterClrMapping/>
+  </p:clrMapOvr>
+  <p:timing>
+    <p:tnLst>
+      <p:par>
+        <p:cTn id="1" dur="indefinite" restart="never" nodeType="tmRoot"/>
+      </p:par>
+    </p:tnLst>
+  </p:timing>
+</p:sld>
+</file>
+
+<file path=ppt/slides/slide20.xml><?xml version="1.0" encoding="utf-8"?>
+<p:sld xmlns:a="http://schemas.openxmlformats.org/drawingml/2006/main" xmlns:r="http://schemas.openxmlformats.org/officeDocument/2006/relationships" xmlns:p="http://schemas.openxmlformats.org/presentationml/2006/main">
+  <p:cSld>
+    <p:spTree>
+      <p:nvGrpSpPr>
+        <p:cNvPr id="1" name=""/>
+        <p:cNvGrpSpPr/>
+        <p:nvPr/>
+      </p:nvGrpSpPr>
+      <p:grpSpPr>
+        <a:xfrm>
+          <a:off x="0" y="0"/>
+          <a:ext cx="0" cy="0"/>
+          <a:chOff x="0" y="0"/>
+          <a:chExt cx="0" cy="0"/>
+        </a:xfrm>
+      </p:grpSpPr>
+      <p:sp>
+        <p:nvSpPr>
+          <p:cNvPr id="2" name="Заголовок 1"/>
+          <p:cNvSpPr>
+            <a:spLocks noGrp="1"/>
+          </p:cNvSpPr>
+          <p:nvPr>
+            <p:ph type="title"/>
+          </p:nvPr>
+        </p:nvSpPr>
+        <p:spPr/>
+        <p:txBody>
+          <a:bodyPr/>
+          <a:lstStyle/>
+          <a:p>
+            <a:r>
+              <a:rPr lang="ru-RU" dirty="0" smtClean="0"/>
+              <a:t/>
+            </a:r>
+            <a:br>
+              <a:rPr lang="ru-RU" dirty="0" smtClean="0"/>
+            </a:br>
+            <a:r>
+              <a:rPr lang="ru-RU" dirty="0" smtClean="0"/>
+              <a:t>Выводы</a:t>
+            </a:r>
+            <a:r>
+              <a:rPr lang="en-US" dirty="0" smtClean="0"/>
+              <a:t>:</a:t>
+            </a:r>
+            <a:endParaRPr lang="ru-RU" dirty="0"/>
+          </a:p>
+        </p:txBody>
+      </p:sp>
+      <p:sp>
+        <p:nvSpPr>
+          <p:cNvPr id="3" name="Объект 2"/>
+          <p:cNvSpPr>
+            <a:spLocks noGrp="1"/>
+          </p:cNvSpPr>
+          <p:nvPr>
+            <p:ph idx="1"/>
+          </p:nvPr>
+        </p:nvSpPr>
+        <p:spPr/>
+        <p:txBody>
+          <a:bodyPr/>
+          <a:lstStyle/>
+          <a:p>
+            <a:endParaRPr lang="ru-RU" dirty="0" smtClean="0"/>
+          </a:p>
+          <a:p>
+            <a:r>
+              <a:rPr lang="ru-RU" dirty="0" smtClean="0"/>
+              <a:t>Изучены </a:t>
+            </a:r>
+            <a:r>
+              <a:rPr lang="ru-RU" dirty="0"/>
+              <a:t>м</a:t>
+            </a:r>
+            <a:r>
+              <a:rPr lang="ru-RU" dirty="0" smtClean="0"/>
+              <a:t>етоды интеллектуального анализа данных;</a:t>
+            </a:r>
+          </a:p>
+          <a:p>
+            <a:r>
+              <a:rPr lang="ru-RU" dirty="0" smtClean="0"/>
+              <a:t>Проведен анализ и выбран метод</a:t>
+            </a:r>
+            <a:r>
+              <a:rPr lang="en-US" dirty="0" smtClean="0"/>
+              <a:t>,</a:t>
+            </a:r>
+            <a:r>
+              <a:rPr lang="ru-RU" dirty="0"/>
+              <a:t> для интеллектуального анализа данных;</a:t>
+            </a:r>
+            <a:endParaRPr lang="en-US" dirty="0" smtClean="0"/>
+          </a:p>
+          <a:p>
+            <a:r>
+              <a:rPr lang="ru-RU" dirty="0" smtClean="0"/>
+              <a:t>Выявлены требования к программе ;</a:t>
+            </a:r>
+          </a:p>
+          <a:p>
+            <a:r>
+              <a:rPr lang="ru-RU" dirty="0" smtClean="0"/>
+              <a:t>Разработана программа.</a:t>
+            </a:r>
+          </a:p>
+          <a:p>
+            <a:r>
+              <a:rPr lang="ru-RU" i="1" dirty="0" smtClean="0"/>
+              <a:t>Дальнейшая работа:</a:t>
+            </a:r>
+          </a:p>
+          <a:p>
+            <a:r>
+              <a:rPr lang="ru-RU" dirty="0" smtClean="0"/>
+              <a:t>Повысить надежность программы, оптимизировать работоспособность программы;</a:t>
+            </a:r>
+          </a:p>
+          <a:p>
+            <a:endParaRPr lang="ru-RU" dirty="0"/>
+          </a:p>
+        </p:txBody>
+      </p:sp>
+      <p:sp>
+        <p:nvSpPr>
+          <p:cNvPr id="4" name="Номер слайда 3"/>
+          <p:cNvSpPr>
+            <a:spLocks noGrp="1"/>
+          </p:cNvSpPr>
+          <p:nvPr>
+            <p:ph type="sldNum" sz="quarter" idx="12"/>
+          </p:nvPr>
+        </p:nvSpPr>
+        <p:spPr/>
+        <p:txBody>
+          <a:bodyPr/>
+          <a:lstStyle/>
+          <a:p>
+            <a:fld id="{F3547098-4EA3-465E-87C3-A49A196ADC7F}" type="slidenum">
+              <a:rPr lang="ru-RU" smtClean="0"/>
+              <a:pPr/>
+              <a:t>20</a:t>
+            </a:fld>
+            <a:endParaRPr lang="ru-RU"/>
+          </a:p>
+        </p:txBody>
+      </p:sp>
+    </p:spTree>
+    <p:extLst>
+      <p:ext uri="{BB962C8B-B14F-4D97-AF65-F5344CB8AC3E}">
+        <p14:creationId xmlns:p14="http://schemas.microsoft.com/office/powerpoint/2010/main" val="1488968114"/>
+      </p:ext>
+    </p:extLst>
+  </p:cSld>
+  <p:clrMapOvr>
+    <a:masterClrMapping/>
+  </p:clrMapOvr>
+  <p:timing>
+    <p:tnLst>
+      <p:par>
+        <p:cTn id="1" dur="indefinite" restart="never" nodeType="tmRoot"/>
+      </p:par>
+    </p:tnLst>
+  </p:timing>
+</p:sld>
+</file>
+
+<file path=ppt/slides/slide21.xml><?xml version="1.0" encoding="utf-8"?>
+<p:sld xmlns:a="http://schemas.openxmlformats.org/drawingml/2006/main" xmlns:r="http://schemas.openxmlformats.org/officeDocument/2006/relationships" xmlns:p="http://schemas.openxmlformats.org/presentationml/2006/main">
+  <p:cSld>
+    <p:spTree>
+      <p:nvGrpSpPr>
+        <p:cNvPr id="1" name=""/>
+        <p:cNvGrpSpPr/>
+        <p:nvPr/>
+      </p:nvGrpSpPr>
+      <p:grpSpPr>
+        <a:xfrm>
+          <a:off x="0" y="0"/>
+          <a:ext cx="0" cy="0"/>
+          <a:chOff x="0" y="0"/>
+          <a:chExt cx="0" cy="0"/>
+        </a:xfrm>
+      </p:grpSpPr>
+      <p:sp>
+        <p:nvSpPr>
+          <p:cNvPr id="2" name="Заголовок 1"/>
+          <p:cNvSpPr>
+            <a:spLocks noGrp="1"/>
+          </p:cNvSpPr>
+          <p:nvPr>
+            <p:ph type="title"/>
+          </p:nvPr>
+        </p:nvSpPr>
+        <p:spPr/>
+        <p:txBody>
+          <a:bodyPr/>
+          <a:lstStyle/>
+          <a:p>
+            <a:r>
+              <a:rPr lang="ru-RU" dirty="0" smtClean="0"/>
+              <a:t/>
+            </a:r>
+            <a:br>
+              <a:rPr lang="ru-RU" dirty="0" smtClean="0"/>
+            </a:br>
+            <a:r>
+              <a:rPr lang="ru-RU" dirty="0"/>
+              <a:t/>
+            </a:r>
+            <a:br>
+              <a:rPr lang="ru-RU" dirty="0"/>
+            </a:br>
+            <a:r>
+              <a:rPr lang="ru-RU" dirty="0" err="1" smtClean="0"/>
+              <a:t>Репозиторий</a:t>
+            </a:r>
+            <a:endParaRPr lang="ru-RU" dirty="0"/>
+          </a:p>
+        </p:txBody>
+      </p:sp>
+      <p:sp>
+        <p:nvSpPr>
+          <p:cNvPr id="3" name="Объект 2"/>
+          <p:cNvSpPr>
+            <a:spLocks noGrp="1"/>
+          </p:cNvSpPr>
+          <p:nvPr>
+            <p:ph idx="1"/>
+          </p:nvPr>
+        </p:nvSpPr>
+        <p:spPr/>
+        <p:txBody>
+          <a:bodyPr/>
+          <a:lstStyle/>
+          <a:p>
+            <a:pPr marL="365125" lvl="0" indent="-255588" algn="ctr" fontAlgn="base">
+              <a:lnSpc>
+                <a:spcPct val="100000"/>
+              </a:lnSpc>
+              <a:spcBef>
+                <a:spcPts val="300"/>
+              </a:spcBef>
+              <a:spcAft>
+                <a:spcPct val="0"/>
+              </a:spcAft>
+              <a:buClr>
+                <a:srgbClr val="A04DA3"/>
+              </a:buClr>
+            </a:pPr>
+            <a:endParaRPr lang="ru-RU" sz="2800" dirty="0" smtClean="0">
+              <a:solidFill>
+                <a:prstClr val="black"/>
+              </a:solidFill>
+              <a:latin typeface="Georgia"/>
+              <a:cs typeface="+mn-cs"/>
+            </a:endParaRPr>
+          </a:p>
+          <a:p>
+            <a:pPr marL="365125" lvl="0" indent="-255588" algn="ctr" fontAlgn="base">
+              <a:lnSpc>
+                <a:spcPct val="100000"/>
+              </a:lnSpc>
+              <a:spcBef>
+                <a:spcPts val="300"/>
+              </a:spcBef>
+              <a:spcAft>
+                <a:spcPct val="0"/>
+              </a:spcAft>
+              <a:buClr>
+                <a:srgbClr val="A04DA3"/>
+              </a:buClr>
+            </a:pPr>
+            <a:endParaRPr lang="ru-RU" sz="2800" dirty="0">
+              <a:solidFill>
+                <a:prstClr val="black"/>
+              </a:solidFill>
+              <a:latin typeface="Georgia"/>
+              <a:cs typeface="+mn-cs"/>
+            </a:endParaRPr>
+          </a:p>
+          <a:p>
+            <a:pPr marL="365125" lvl="0" indent="-255588" algn="ctr" fontAlgn="base">
+              <a:lnSpc>
+                <a:spcPct val="100000"/>
+              </a:lnSpc>
+              <a:spcBef>
+                <a:spcPts val="300"/>
+              </a:spcBef>
+              <a:spcAft>
+                <a:spcPct val="0"/>
+              </a:spcAft>
+              <a:buClr>
+                <a:srgbClr val="A04DA3"/>
+              </a:buClr>
+            </a:pPr>
+            <a:endParaRPr lang="ru-RU" sz="2800" dirty="0" smtClean="0">
+              <a:solidFill>
+                <a:prstClr val="black"/>
+              </a:solidFill>
+              <a:latin typeface="Georgia"/>
+              <a:cs typeface="+mn-cs"/>
+            </a:endParaRPr>
+          </a:p>
+          <a:p>
+            <a:pPr marL="365125" lvl="0" indent="-255588" algn="ctr" fontAlgn="base">
+              <a:lnSpc>
+                <a:spcPct val="100000"/>
+              </a:lnSpc>
+              <a:spcBef>
+                <a:spcPts val="300"/>
+              </a:spcBef>
+              <a:spcAft>
+                <a:spcPct val="0"/>
+              </a:spcAft>
+              <a:buClr>
+                <a:srgbClr val="A04DA3"/>
+              </a:buClr>
+            </a:pPr>
+            <a:endParaRPr lang="ru-RU" sz="2800" dirty="0">
+              <a:solidFill>
+                <a:prstClr val="black"/>
+              </a:solidFill>
+              <a:latin typeface="Georgia"/>
+              <a:cs typeface="+mn-cs"/>
+            </a:endParaRPr>
+          </a:p>
+          <a:p>
+            <a:pPr marL="365125" lvl="0" indent="-255588" algn="ctr" fontAlgn="base">
+              <a:lnSpc>
+                <a:spcPct val="100000"/>
+              </a:lnSpc>
+              <a:spcBef>
+                <a:spcPts val="300"/>
+              </a:spcBef>
+              <a:spcAft>
+                <a:spcPct val="0"/>
+              </a:spcAft>
+              <a:buClr>
+                <a:srgbClr val="A04DA3"/>
+              </a:buClr>
+            </a:pPr>
+            <a:endParaRPr lang="ru-RU" sz="2800" dirty="0">
+              <a:solidFill>
+                <a:prstClr val="black"/>
+              </a:solidFill>
+              <a:latin typeface="Georgia"/>
+              <a:cs typeface="+mn-cs"/>
+            </a:endParaRPr>
+          </a:p>
+          <a:p>
+            <a:pPr marL="365125" lvl="0" indent="-255588" algn="ctr" fontAlgn="base">
+              <a:lnSpc>
+                <a:spcPct val="100000"/>
+              </a:lnSpc>
+              <a:spcBef>
+                <a:spcPts val="300"/>
+              </a:spcBef>
+              <a:spcAft>
+                <a:spcPct val="0"/>
+              </a:spcAft>
+              <a:buClr>
+                <a:srgbClr val="A04DA3"/>
+              </a:buClr>
+            </a:pPr>
+            <a:r>
+              <a:rPr lang="en-US" sz="2800" dirty="0">
+                <a:solidFill>
+                  <a:prstClr val="black"/>
+                </a:solidFill>
+                <a:latin typeface="Georgia"/>
+                <a:cs typeface="+mn-cs"/>
+              </a:rPr>
+              <a:t>https://github.com/geper/DOC_decision_trees.git</a:t>
+            </a:r>
+            <a:endParaRPr lang="ru-RU" sz="2800" dirty="0">
+              <a:solidFill>
+                <a:prstClr val="black"/>
+              </a:solidFill>
+              <a:latin typeface="Georgia"/>
+              <a:cs typeface="+mn-cs"/>
+            </a:endParaRPr>
+          </a:p>
+        </p:txBody>
+      </p:sp>
+      <p:sp>
+        <p:nvSpPr>
+          <p:cNvPr id="4" name="Номер слайда 3"/>
+          <p:cNvSpPr>
+            <a:spLocks noGrp="1"/>
+          </p:cNvSpPr>
+          <p:nvPr>
+            <p:ph type="sldNum" sz="quarter" idx="12"/>
+          </p:nvPr>
+        </p:nvSpPr>
+        <p:spPr/>
+        <p:txBody>
+          <a:bodyPr/>
+          <a:lstStyle/>
+          <a:p>
+            <a:fld id="{B19B0651-EE4F-4900-A07F-96A6BFA9D0F0}" type="slidenum">
+              <a:rPr lang="ru-RU" smtClean="0"/>
+              <a:t>21</a:t>
+            </a:fld>
+            <a:endParaRPr lang="ru-RU" dirty="0"/>
+          </a:p>
+        </p:txBody>
+      </p:sp>
+    </p:spTree>
+    <p:extLst>
+      <p:ext uri="{BB962C8B-B14F-4D97-AF65-F5344CB8AC3E}">
+        <p14:creationId xmlns:p14="http://schemas.microsoft.com/office/powerpoint/2010/main" val="789238555"/>
       </p:ext>
     </p:extLst>
   </p:cSld>
@@ -7740,7 +8680,7 @@
             <p:ph idx="1"/>
             <p:extLst>
               <p:ext uri="{D42A27DB-BD31-4B8C-83A1-F6EECF244321}">
-                <p14:modId xmlns:p14="http://schemas.microsoft.com/office/powerpoint/2010/main" val="2162404777"/>
+                <p14:modId xmlns:p14="http://schemas.microsoft.com/office/powerpoint/2010/main" val="231098718"/>
               </p:ext>
             </p:extLst>
           </p:nvPr>
@@ -8084,7 +9024,7 @@
                           <a:ea typeface="+mn-ea"/>
                           <a:cs typeface="+mn-cs"/>
                         </a:rPr>
-                        <a:t>Читабельность </a:t>
+                        <a:t>Простота интерпретации</a:t>
                       </a:r>
                     </a:p>
                     <a:p>
@@ -8906,13 +9846,13 @@
           <a:p>
             <a:r>
               <a:rPr lang="ru-RU" dirty="0" smtClean="0"/>
-              <a:t>Возможность изменять параметры построения дерева решений</a:t>
+              <a:t>Возможность изменять параметров построения дерева решений</a:t>
             </a:r>
           </a:p>
           <a:p>
             <a:r>
               <a:rPr lang="ru-RU" dirty="0" smtClean="0"/>
-              <a:t>Построения дерева решений</a:t>
+              <a:t>Построение дерева решений</a:t>
             </a:r>
           </a:p>
           <a:p>
@@ -8930,8 +9870,17 @@
           <a:p>
             <a:r>
               <a:rPr lang="ru-RU" dirty="0"/>
-              <a:t>Экспорт в картинку</a:t>
-            </a:r>
+              <a:t>Экспорт в </a:t>
+            </a:r>
+            <a:r>
+              <a:rPr lang="ru-RU" dirty="0" smtClean="0"/>
+              <a:t>файл расширения </a:t>
+            </a:r>
+            <a:r>
+              <a:rPr lang="de-DE" dirty="0" err="1" smtClean="0"/>
+              <a:t>png</a:t>
+            </a:r>
+            <a:endParaRPr lang="ru-RU" dirty="0"/>
           </a:p>
           <a:p>
             <a:endParaRPr lang="ru-RU" dirty="0"/>

--- a/Prezent.pptx
+++ b/Prezent.pptx
@@ -132,7 +132,7 @@
   </p:defaultTextStyle>
   <p:extLst>
     <p:ext uri="{521415D9-36F7-43E2-AB2F-B90AF26B5E84}">
-      <p14:sectionLst xmlns:p14="http://schemas.microsoft.com/office/powerpoint/2010/main">
+      <p14:sectionLst xmlns:p14="http://schemas.microsoft.com/office/powerpoint/2010/main" xmlns="">
         <p14:section name="Раздел по умолчанию" id="{CD523E1F-8088-4412-875A-E61ADF54183C}">
           <p14:sldIdLst>
             <p14:sldId id="256"/>
@@ -246,6 +246,7 @@
           <a:p>
             <a:fld id="{95C97FBD-7829-42CA-A90A-C9F385E40DE2}" type="datetimeFigureOut">
               <a:rPr lang="ru-RU" smtClean="0"/>
+              <a:pPr/>
               <a:t>15.06.2012</a:t>
             </a:fld>
             <a:endParaRPr lang="ru-RU"/>
@@ -312,6 +313,7 @@
           <a:p>
             <a:fld id="{FFFB2C24-5B7C-48DC-BBA1-5D51D16B246D}" type="slidenum">
               <a:rPr lang="ru-RU" smtClean="0"/>
+              <a:pPr/>
               <a:t>‹#›</a:t>
             </a:fld>
             <a:endParaRPr lang="ru-RU"/>
@@ -321,7 +323,7 @@
     </p:spTree>
     <p:extLst>
       <p:ext uri="{BB962C8B-B14F-4D97-AF65-F5344CB8AC3E}">
-        <p14:creationId xmlns:p14="http://schemas.microsoft.com/office/powerpoint/2010/main" val="1197289815"/>
+        <p14:creationId xmlns:p14="http://schemas.microsoft.com/office/powerpoint/2010/main" xmlns="" val="1197289815"/>
       </p:ext>
     </p:extLst>
   </p:cSld>
@@ -412,6 +414,7 @@
           <a:p>
             <a:fld id="{AFCCDD1B-FD1F-4691-AC34-4843EB31DACD}" type="datetimeFigureOut">
               <a:rPr lang="ru-RU" smtClean="0"/>
+              <a:pPr/>
               <a:t>15.06.2012</a:t>
             </a:fld>
             <a:endParaRPr lang="ru-RU"/>
@@ -571,6 +574,7 @@
           <a:p>
             <a:fld id="{164B6B7C-7086-4250-BD91-1DF0592B416E}" type="slidenum">
               <a:rPr lang="ru-RU" smtClean="0"/>
+              <a:pPr/>
               <a:t>‹#›</a:t>
             </a:fld>
             <a:endParaRPr lang="ru-RU"/>
@@ -580,7 +584,7 @@
     </p:spTree>
     <p:extLst>
       <p:ext uri="{BB962C8B-B14F-4D97-AF65-F5344CB8AC3E}">
-        <p14:creationId xmlns:p14="http://schemas.microsoft.com/office/powerpoint/2010/main" val="3149498749"/>
+        <p14:creationId xmlns:p14="http://schemas.microsoft.com/office/powerpoint/2010/main" xmlns="" val="3149498749"/>
       </p:ext>
     </p:extLst>
   </p:cSld>
@@ -746,6 +750,7 @@
           <a:p>
             <a:fld id="{164B6B7C-7086-4250-BD91-1DF0592B416E}" type="slidenum">
               <a:rPr lang="ru-RU" smtClean="0"/>
+              <a:pPr/>
               <a:t>4</a:t>
             </a:fld>
             <a:endParaRPr lang="ru-RU"/>
@@ -755,7 +760,7 @@
     </p:spTree>
     <p:extLst>
       <p:ext uri="{BB962C8B-B14F-4D97-AF65-F5344CB8AC3E}">
-        <p14:creationId xmlns:p14="http://schemas.microsoft.com/office/powerpoint/2010/main" val="1169829041"/>
+        <p14:creationId xmlns:p14="http://schemas.microsoft.com/office/powerpoint/2010/main" xmlns="" val="1169829041"/>
       </p:ext>
     </p:extLst>
   </p:cSld>
@@ -1423,6 +1428,7 @@
           <a:p>
             <a:fld id="{9237A3BF-4291-4C0D-8691-5AB3F5EC249F}" type="datetime1">
               <a:rPr lang="ru-RU" smtClean="0"/>
+              <a:pPr/>
               <a:t>15.06.2012</a:t>
             </a:fld>
             <a:endParaRPr lang="ru-RU"/>
@@ -1483,6 +1489,7 @@
           <a:p>
             <a:fld id="{B19B0651-EE4F-4900-A07F-96A6BFA9D0F0}" type="slidenum">
               <a:rPr lang="ru-RU" smtClean="0"/>
+              <a:pPr/>
               <a:t>‹#›</a:t>
             </a:fld>
             <a:endParaRPr lang="ru-RU"/>
@@ -1685,6 +1692,7 @@
           <a:p>
             <a:fld id="{10AF1936-51CC-44FA-9A8C-EF569FADCB3F}" type="datetime1">
               <a:rPr lang="ru-RU" smtClean="0"/>
+              <a:pPr/>
               <a:t>15.06.2012</a:t>
             </a:fld>
             <a:endParaRPr lang="ru-RU"/>
@@ -1727,6 +1735,7 @@
           <a:p>
             <a:fld id="{B19B0651-EE4F-4900-A07F-96A6BFA9D0F0}" type="slidenum">
               <a:rPr lang="ru-RU" smtClean="0"/>
+              <a:pPr/>
               <a:t>‹#›</a:t>
             </a:fld>
             <a:endParaRPr lang="ru-RU"/>
@@ -1850,6 +1859,7 @@
           <a:p>
             <a:fld id="{03A44580-4D3B-4977-AA04-10449578226B}" type="datetime1">
               <a:rPr lang="ru-RU" smtClean="0"/>
+              <a:pPr/>
               <a:t>15.06.2012</a:t>
             </a:fld>
             <a:endParaRPr lang="ru-RU"/>
@@ -1892,6 +1902,7 @@
           <a:p>
             <a:fld id="{B19B0651-EE4F-4900-A07F-96A6BFA9D0F0}" type="slidenum">
               <a:rPr lang="ru-RU" smtClean="0"/>
+              <a:pPr/>
               <a:t>‹#›</a:t>
             </a:fld>
             <a:endParaRPr lang="ru-RU"/>
@@ -2025,6 +2036,7 @@
           <a:p>
             <a:fld id="{A27DFE85-4DBC-43E9-BD98-A7AC57E32463}" type="datetime1">
               <a:rPr lang="ru-RU" smtClean="0"/>
+              <a:pPr/>
               <a:t>15.06.2012</a:t>
             </a:fld>
             <a:endParaRPr lang="ru-RU"/>
@@ -2067,6 +2079,7 @@
           <a:p>
             <a:fld id="{B19B0651-EE4F-4900-A07F-96A6BFA9D0F0}" type="slidenum">
               <a:rPr lang="ru-RU" smtClean="0"/>
+              <a:pPr/>
               <a:t>‹#›</a:t>
             </a:fld>
             <a:endParaRPr lang="ru-RU"/>
@@ -2190,6 +2203,7 @@
           <a:p>
             <a:fld id="{E293B620-B667-452E-83B0-8201C552319F}" type="datetime1">
               <a:rPr lang="ru-RU" smtClean="0"/>
+              <a:pPr/>
               <a:t>15.06.2012</a:t>
             </a:fld>
             <a:endParaRPr lang="ru-RU"/>
@@ -2232,6 +2246,7 @@
           <a:p>
             <a:fld id="{B19B0651-EE4F-4900-A07F-96A6BFA9D0F0}" type="slidenum">
               <a:rPr lang="ru-RU" smtClean="0"/>
+              <a:pPr/>
               <a:t>‹#›</a:t>
             </a:fld>
             <a:endParaRPr lang="ru-RU"/>
@@ -2390,6 +2405,7 @@
           <a:p>
             <a:fld id="{3E6BFD31-7157-4F92-A5C0-BC1806637ACE}" type="datetime1">
               <a:rPr lang="ru-RU" smtClean="0"/>
+              <a:pPr/>
               <a:t>15.06.2012</a:t>
             </a:fld>
             <a:endParaRPr lang="ru-RU"/>
@@ -2432,6 +2448,7 @@
           <a:p>
             <a:fld id="{B19B0651-EE4F-4900-A07F-96A6BFA9D0F0}" type="slidenum">
               <a:rPr lang="ru-RU" smtClean="0"/>
+              <a:pPr/>
               <a:t>‹#›</a:t>
             </a:fld>
             <a:endParaRPr lang="ru-RU" dirty="0"/>
@@ -2441,7 +2458,7 @@
     </p:spTree>
     <p:extLst>
       <p:ext uri="{BB962C8B-B14F-4D97-AF65-F5344CB8AC3E}">
-        <p14:creationId xmlns:p14="http://schemas.microsoft.com/office/powerpoint/2010/main" val="2444056450"/>
+        <p14:creationId xmlns:p14="http://schemas.microsoft.com/office/powerpoint/2010/main" xmlns="" val="2444056450"/>
       </p:ext>
     </p:extLst>
   </p:cSld>
@@ -2623,6 +2640,7 @@
           <a:p>
             <a:fld id="{6B379FBC-E0B6-4857-BB9F-2D5E10723449}" type="datetime1">
               <a:rPr lang="ru-RU" smtClean="0"/>
+              <a:pPr/>
               <a:t>15.06.2012</a:t>
             </a:fld>
             <a:endParaRPr lang="ru-RU"/>
@@ -2665,6 +2683,7 @@
           <a:p>
             <a:fld id="{B19B0651-EE4F-4900-A07F-96A6BFA9D0F0}" type="slidenum">
               <a:rPr lang="ru-RU" smtClean="0"/>
+              <a:pPr/>
               <a:t>‹#›</a:t>
             </a:fld>
             <a:endParaRPr lang="ru-RU"/>
@@ -2882,6 +2901,7 @@
           <a:p>
             <a:fld id="{853DC266-0BB8-4759-AE7F-293E5478EC80}" type="datetime1">
               <a:rPr lang="ru-RU" smtClean="0"/>
+              <a:pPr/>
               <a:t>15.06.2012</a:t>
             </a:fld>
             <a:endParaRPr lang="ru-RU"/>
@@ -2924,6 +2944,7 @@
           <a:p>
             <a:fld id="{B19B0651-EE4F-4900-A07F-96A6BFA9D0F0}" type="slidenum">
               <a:rPr lang="ru-RU" smtClean="0"/>
+              <a:pPr/>
               <a:t>‹#›</a:t>
             </a:fld>
             <a:endParaRPr lang="ru-RU"/>
@@ -3286,6 +3307,7 @@
           <a:p>
             <a:fld id="{67E0B97F-498B-42A6-9C72-5540853BCE16}" type="datetime1">
               <a:rPr lang="ru-RU" smtClean="0"/>
+              <a:pPr/>
               <a:t>15.06.2012</a:t>
             </a:fld>
             <a:endParaRPr lang="ru-RU"/>
@@ -3309,6 +3331,7 @@
           <a:p>
             <a:fld id="{B19B0651-EE4F-4900-A07F-96A6BFA9D0F0}" type="slidenum">
               <a:rPr lang="ru-RU" smtClean="0"/>
+              <a:pPr/>
               <a:t>‹#›</a:t>
             </a:fld>
             <a:endParaRPr lang="ru-RU"/>
@@ -3417,6 +3440,7 @@
           <a:p>
             <a:fld id="{8602C21D-EC22-4C9F-BE75-7F1765231927}" type="datetime1">
               <a:rPr lang="ru-RU" smtClean="0"/>
+              <a:pPr/>
               <a:t>15.06.2012</a:t>
             </a:fld>
             <a:endParaRPr lang="ru-RU"/>
@@ -3469,6 +3493,7 @@
           <a:p>
             <a:fld id="{B19B0651-EE4F-4900-A07F-96A6BFA9D0F0}" type="slidenum">
               <a:rPr lang="ru-RU" smtClean="0"/>
+              <a:pPr/>
               <a:t>‹#›</a:t>
             </a:fld>
             <a:endParaRPr lang="ru-RU"/>
@@ -3517,6 +3542,7 @@
           <a:p>
             <a:fld id="{53FCD16D-7E9C-4DEF-9341-725FA24630B0}" type="datetime1">
               <a:rPr lang="ru-RU" smtClean="0"/>
+              <a:pPr/>
               <a:t>15.06.2012</a:t>
             </a:fld>
             <a:endParaRPr lang="ru-RU"/>
@@ -3559,6 +3585,7 @@
           <a:p>
             <a:fld id="{B19B0651-EE4F-4900-A07F-96A6BFA9D0F0}" type="slidenum">
               <a:rPr lang="ru-RU" smtClean="0"/>
+              <a:pPr/>
               <a:t>‹#›</a:t>
             </a:fld>
             <a:endParaRPr lang="ru-RU"/>
@@ -3762,6 +3789,7 @@
           <a:p>
             <a:fld id="{56361CEA-8F4F-4C21-8174-17A32BCA90A9}" type="datetime1">
               <a:rPr lang="ru-RU" smtClean="0"/>
+              <a:pPr/>
               <a:t>15.06.2012</a:t>
             </a:fld>
             <a:endParaRPr lang="ru-RU"/>
@@ -3804,6 +3832,7 @@
           <a:p>
             <a:fld id="{B19B0651-EE4F-4900-A07F-96A6BFA9D0F0}" type="slidenum">
               <a:rPr lang="ru-RU" smtClean="0"/>
+              <a:pPr/>
               <a:t>‹#›</a:t>
             </a:fld>
             <a:endParaRPr lang="ru-RU"/>
@@ -4586,6 +4615,7 @@
           <a:p>
             <a:fld id="{E293B620-B667-452E-83B0-8201C552319F}" type="datetime1">
               <a:rPr lang="ru-RU" smtClean="0"/>
+              <a:pPr/>
               <a:t>15.06.2012</a:t>
             </a:fld>
             <a:endParaRPr lang="ru-RU"/>
@@ -4660,6 +4690,7 @@
           <a:p>
             <a:fld id="{B19B0651-EE4F-4900-A07F-96A6BFA9D0F0}" type="slidenum">
               <a:rPr lang="ru-RU" smtClean="0"/>
+              <a:pPr/>
               <a:t>‹#›</a:t>
             </a:fld>
             <a:endParaRPr lang="ru-RU"/>
@@ -5095,7 +5126,7 @@
     </p:spTree>
     <p:extLst>
       <p:ext uri="{BB962C8B-B14F-4D97-AF65-F5344CB8AC3E}">
-        <p14:creationId xmlns:p14="http://schemas.microsoft.com/office/powerpoint/2010/main" val="1217712884"/>
+        <p14:creationId xmlns:p14="http://schemas.microsoft.com/office/powerpoint/2010/main" xmlns="" val="1217712884"/>
       </p:ext>
     </p:extLst>
   </p:cSld>
@@ -5176,6 +5207,7 @@
           <a:p>
             <a:fld id="{B19B0651-EE4F-4900-A07F-96A6BFA9D0F0}" type="slidenum">
               <a:rPr lang="ru-RU" smtClean="0"/>
+              <a:pPr/>
               <a:t>10</a:t>
             </a:fld>
             <a:endParaRPr lang="ru-RU" dirty="0"/>
@@ -5197,7 +5229,7 @@
           <a:bodyPr/>
           <a:lstStyle/>
           <a:p>
-            <a:endParaRPr lang="ru-RU"/>
+            <a:endParaRPr lang="ru-RU" dirty="0"/>
           </a:p>
         </p:txBody>
       </p:sp>
@@ -5210,10 +5242,10 @@
           <p:nvPr/>
         </p:nvPicPr>
         <p:blipFill>
-          <a:blip r:embed="rId2">
+          <a:blip r:embed="rId2" cstate="print">
             <a:extLst>
               <a:ext uri="{28A0092B-C50C-407E-A947-70E740481C1C}">
-                <a14:useLocalDpi xmlns:a14="http://schemas.microsoft.com/office/drawing/2010/main" val="0"/>
+                <a14:useLocalDpi xmlns:a14="http://schemas.microsoft.com/office/drawing/2010/main" xmlns="" val="0"/>
               </a:ext>
             </a:extLst>
           </a:blip>
@@ -5225,7 +5257,7 @@
         <p:spPr bwMode="auto">
           <a:xfrm>
             <a:off x="1675200" y="1404367"/>
-            <a:ext cx="7169150" cy="6192688"/>
+            <a:ext cx="7415916" cy="5616624"/>
           </a:xfrm>
           <a:prstGeom prst="rect">
             <a:avLst/>
@@ -5233,7 +5265,7 @@
           <a:noFill/>
           <a:extLst>
             <a:ext uri="{909E8E84-426E-40DD-AFC4-6F175D3DCCD1}">
-              <a14:hiddenFill xmlns:a14="http://schemas.microsoft.com/office/drawing/2010/main">
+              <a14:hiddenFill xmlns:a14="http://schemas.microsoft.com/office/drawing/2010/main" xmlns="">
                 <a:solidFill>
                   <a:srgbClr val="FFFFFF"/>
                 </a:solidFill>
@@ -5245,7 +5277,7 @@
     </p:spTree>
     <p:extLst>
       <p:ext uri="{BB962C8B-B14F-4D97-AF65-F5344CB8AC3E}">
-        <p14:creationId xmlns:p14="http://schemas.microsoft.com/office/powerpoint/2010/main" val="4055876389"/>
+        <p14:creationId xmlns:p14="http://schemas.microsoft.com/office/powerpoint/2010/main" xmlns="" val="4055876389"/>
       </p:ext>
     </p:extLst>
   </p:cSld>
@@ -5326,6 +5358,7 @@
           <a:p>
             <a:fld id="{B19B0651-EE4F-4900-A07F-96A6BFA9D0F0}" type="slidenum">
               <a:rPr lang="ru-RU" smtClean="0"/>
+              <a:pPr/>
               <a:t>11</a:t>
             </a:fld>
             <a:endParaRPr lang="ru-RU" dirty="0"/>
@@ -5360,10 +5393,10 @@
           <p:nvPr/>
         </p:nvPicPr>
         <p:blipFill>
-          <a:blip r:embed="rId2">
+          <a:blip r:embed="rId2" cstate="print">
             <a:extLst>
               <a:ext uri="{28A0092B-C50C-407E-A947-70E740481C1C}">
-                <a14:useLocalDpi xmlns:a14="http://schemas.microsoft.com/office/drawing/2010/main" val="0"/>
+                <a14:useLocalDpi xmlns:a14="http://schemas.microsoft.com/office/drawing/2010/main" xmlns="" val="0"/>
               </a:ext>
             </a:extLst>
           </a:blip>
@@ -5383,7 +5416,7 @@
           <a:noFill/>
           <a:extLst>
             <a:ext uri="{909E8E84-426E-40DD-AFC4-6F175D3DCCD1}">
-              <a14:hiddenFill xmlns:a14="http://schemas.microsoft.com/office/drawing/2010/main">
+              <a14:hiddenFill xmlns:a14="http://schemas.microsoft.com/office/drawing/2010/main" xmlns="">
                 <a:solidFill>
                   <a:srgbClr val="FFFFFF"/>
                 </a:solidFill>
@@ -5395,7 +5428,7 @@
     </p:spTree>
     <p:extLst>
       <p:ext uri="{BB962C8B-B14F-4D97-AF65-F5344CB8AC3E}">
-        <p14:creationId xmlns:p14="http://schemas.microsoft.com/office/powerpoint/2010/main" val="1926050402"/>
+        <p14:creationId xmlns:p14="http://schemas.microsoft.com/office/powerpoint/2010/main" xmlns="" val="1926050402"/>
       </p:ext>
     </p:extLst>
   </p:cSld>
@@ -5495,6 +5528,7 @@
           <a:p>
             <a:fld id="{B19B0651-EE4F-4900-A07F-96A6BFA9D0F0}" type="slidenum">
               <a:rPr lang="ru-RU" smtClean="0"/>
+              <a:pPr/>
               <a:t>12</a:t>
             </a:fld>
             <a:endParaRPr lang="ru-RU" dirty="0"/>
@@ -5510,10 +5544,10 @@
           <p:nvPr/>
         </p:nvPicPr>
         <p:blipFill>
-          <a:blip r:embed="rId2">
+          <a:blip r:embed="rId2" cstate="print">
             <a:extLst>
               <a:ext uri="{28A0092B-C50C-407E-A947-70E740481C1C}">
-                <a14:useLocalDpi xmlns:a14="http://schemas.microsoft.com/office/drawing/2010/main" val="0"/>
+                <a14:useLocalDpi xmlns:a14="http://schemas.microsoft.com/office/drawing/2010/main" xmlns="" val="0"/>
               </a:ext>
             </a:extLst>
           </a:blip>
@@ -5533,7 +5567,7 @@
           <a:noFill/>
           <a:extLst>
             <a:ext uri="{909E8E84-426E-40DD-AFC4-6F175D3DCCD1}">
-              <a14:hiddenFill xmlns:a14="http://schemas.microsoft.com/office/drawing/2010/main">
+              <a14:hiddenFill xmlns:a14="http://schemas.microsoft.com/office/drawing/2010/main" xmlns="">
                 <a:solidFill>
                   <a:srgbClr val="FFFFFF"/>
                 </a:solidFill>
@@ -5545,7 +5579,7 @@
     </p:spTree>
     <p:extLst>
       <p:ext uri="{BB962C8B-B14F-4D97-AF65-F5344CB8AC3E}">
-        <p14:creationId xmlns:p14="http://schemas.microsoft.com/office/powerpoint/2010/main" val="824107611"/>
+        <p14:creationId xmlns:p14="http://schemas.microsoft.com/office/powerpoint/2010/main" xmlns="" val="824107611"/>
       </p:ext>
     </p:extLst>
   </p:cSld>
@@ -5626,6 +5660,7 @@
           <a:p>
             <a:fld id="{B19B0651-EE4F-4900-A07F-96A6BFA9D0F0}" type="slidenum">
               <a:rPr lang="ru-RU" smtClean="0"/>
+              <a:pPr/>
               <a:t>13</a:t>
             </a:fld>
             <a:endParaRPr lang="ru-RU" dirty="0"/>
@@ -5660,10 +5695,10 @@
           <p:nvPr/>
         </p:nvPicPr>
         <p:blipFill>
-          <a:blip r:embed="rId2">
+          <a:blip r:embed="rId2" cstate="print">
             <a:extLst>
               <a:ext uri="{28A0092B-C50C-407E-A947-70E740481C1C}">
-                <a14:useLocalDpi xmlns:a14="http://schemas.microsoft.com/office/drawing/2010/main" val="0"/>
+                <a14:useLocalDpi xmlns:a14="http://schemas.microsoft.com/office/drawing/2010/main" xmlns="" val="0"/>
               </a:ext>
             </a:extLst>
           </a:blip>
@@ -5683,7 +5718,7 @@
           <a:noFill/>
           <a:extLst>
             <a:ext uri="{909E8E84-426E-40DD-AFC4-6F175D3DCCD1}">
-              <a14:hiddenFill xmlns:a14="http://schemas.microsoft.com/office/drawing/2010/main">
+              <a14:hiddenFill xmlns:a14="http://schemas.microsoft.com/office/drawing/2010/main" xmlns="">
                 <a:solidFill>
                   <a:srgbClr val="FFFFFF"/>
                 </a:solidFill>
@@ -5695,7 +5730,7 @@
     </p:spTree>
     <p:extLst>
       <p:ext uri="{BB962C8B-B14F-4D97-AF65-F5344CB8AC3E}">
-        <p14:creationId xmlns:p14="http://schemas.microsoft.com/office/powerpoint/2010/main" val="234370844"/>
+        <p14:creationId xmlns:p14="http://schemas.microsoft.com/office/powerpoint/2010/main" xmlns="" val="234370844"/>
       </p:ext>
     </p:extLst>
   </p:cSld>
@@ -5744,9 +5779,10 @@
           <a:bodyPr/>
           <a:lstStyle/>
           <a:p>
+            <a:pPr algn="ctr"/>
             <a:r>
               <a:rPr lang="ru-RU" dirty="0" smtClean="0"/>
-              <a:t>Задача прогнозирования.</a:t>
+              <a:t>Тестовый пример</a:t>
             </a:r>
             <a:endParaRPr lang="ru-RU" dirty="0"/>
           </a:p>
@@ -5771,73 +5807,10 @@
           </a:p>
           <a:p>
             <a:r>
-              <a:rPr lang="ru-RU" sz="1400" dirty="0" smtClean="0"/>
-              <a:t>Необходимо определить выдавать или нет кредит суммой </a:t>
-            </a:r>
-            <a:r>
-              <a:rPr lang="ru-RU" sz="1400" dirty="0" smtClean="0"/>
-              <a:t>49 </a:t>
-            </a:r>
-            <a:r>
-              <a:rPr lang="ru-RU" sz="1400" dirty="0" err="1" smtClean="0"/>
-              <a:t>тыс.руб</a:t>
-            </a:r>
-            <a:r>
-              <a:rPr lang="ru-RU" sz="1400" dirty="0" smtClean="0"/>
-              <a:t>. женщине с </a:t>
-            </a:r>
-            <a:r>
-              <a:rPr lang="ru-RU" sz="1400" dirty="0" smtClean="0"/>
-              <a:t>средним специальным </a:t>
-            </a:r>
-            <a:r>
-              <a:rPr lang="ru-RU" sz="1400" dirty="0" smtClean="0"/>
-              <a:t>образованием , </a:t>
-            </a:r>
-            <a:r>
-              <a:rPr lang="ru-RU" sz="1400" dirty="0" smtClean="0"/>
-              <a:t>имеющей </a:t>
-            </a:r>
-            <a:r>
-              <a:rPr lang="ru-RU" sz="1400" dirty="0" smtClean="0"/>
-              <a:t>недвижимость </a:t>
-            </a:r>
-            <a:r>
-              <a:rPr lang="ru-RU" sz="1400" dirty="0" smtClean="0"/>
-              <a:t>20 </a:t>
-            </a:r>
-            <a:r>
-              <a:rPr lang="ru-RU" sz="1400" dirty="0" smtClean="0"/>
-              <a:t>кв. м.. </a:t>
-            </a:r>
-            <a:r>
-              <a:rPr lang="ru-RU" sz="1400" dirty="0" smtClean="0"/>
-              <a:t>,возраст 45 </a:t>
-            </a:r>
-            <a:r>
-              <a:rPr lang="ru-RU" sz="1400" dirty="0" smtClean="0"/>
-              <a:t>лет.</a:t>
-            </a:r>
-          </a:p>
-          <a:p>
-            <a:r>
-              <a:rPr lang="ru-RU" sz="1400" dirty="0" smtClean="0"/>
-              <a:t>Для решения задачи необходимо, необходимо иметь данные на основе ,которых можно будет сделать прогноз</a:t>
-            </a:r>
-            <a:r>
-              <a:rPr lang="ru-RU" sz="1400" dirty="0" smtClean="0"/>
-              <a:t>.</a:t>
-            </a:r>
-          </a:p>
-          <a:p>
-            <a:r>
-              <a:rPr lang="ru-RU" sz="1400" dirty="0" smtClean="0"/>
-              <a:t>Переменные:</a:t>
-            </a:r>
-            <a:endParaRPr lang="ru-RU" sz="1400" dirty="0" smtClean="0"/>
-          </a:p>
-          <a:p>
-            <a:endParaRPr lang="ru-RU" dirty="0"/>
+              <a:rPr lang="ru-RU" sz="2800" dirty="0" smtClean="0"/>
+              <a:t>Необходимо оценить риск  не возврата кредита</a:t>
+            </a:r>
+            <a:endParaRPr lang="ru-RU" sz="2800" dirty="0"/>
           </a:p>
         </p:txBody>
       </p:sp>
@@ -5858,6 +5831,7 @@
           <a:p>
             <a:fld id="{B19B0651-EE4F-4900-A07F-96A6BFA9D0F0}" type="slidenum">
               <a:rPr lang="ru-RU" smtClean="0"/>
+              <a:pPr/>
               <a:t>14</a:t>
             </a:fld>
             <a:endParaRPr lang="ru-RU" dirty="0"/>
@@ -5873,14 +5847,14 @@
           <p:nvPr>
             <p:extLst>
               <p:ext uri="{D42A27DB-BD31-4B8C-83A1-F6EECF244321}">
-                <p14:modId xmlns:p14="http://schemas.microsoft.com/office/powerpoint/2010/main" val="2494082970"/>
+                <p14:modId xmlns:p14="http://schemas.microsoft.com/office/powerpoint/2010/main" xmlns="" val="2494082970"/>
               </p:ext>
             </p:extLst>
           </p:nvPr>
         </p:nvGraphicFramePr>
         <p:xfrm>
-          <a:off x="1170236" y="3492599"/>
-          <a:ext cx="8729164" cy="3383280"/>
+          <a:off x="1170236" y="2844529"/>
+          <a:ext cx="8729164" cy="4031350"/>
         </p:xfrm>
         <a:graphic>
           <a:graphicData uri="http://schemas.openxmlformats.org/drawingml/2006/table">
@@ -5894,7 +5868,7 @@
                 <a:gridCol w="2182291"/>
                 <a:gridCol w="2182291"/>
               </a:tblGrid>
-              <a:tr h="0">
+              <a:tr h="326866">
                 <a:tc gridSpan="2">
                   <a:txBody>
                     <a:bodyPr/>
@@ -5944,7 +5918,7 @@
                   <a:tcPr/>
                 </a:tc>
               </a:tr>
-              <a:tr h="0">
+              <a:tr h="326866">
                 <a:tc>
                   <a:txBody>
                     <a:bodyPr/>
@@ -5968,7 +5942,6 @@
                         <a:rPr lang="ru-RU" sz="1200" dirty="0" smtClean="0"/>
                         <a:t>Значения</a:t>
                       </a:r>
-                      <a:endParaRPr lang="ru-RU" sz="1200" dirty="0" smtClean="0"/>
                     </a:p>
                   </a:txBody>
                   <a:tcPr/>
@@ -6001,7 +5974,7 @@
                   <a:tcPr/>
                 </a:tc>
               </a:tr>
-              <a:tr h="152326">
+              <a:tr h="762688">
                 <a:tc>
                   <a:txBody>
                     <a:bodyPr/>
@@ -6011,7 +5984,6 @@
                         <a:rPr lang="ru-RU" sz="1200" dirty="0" smtClean="0"/>
                         <a:t>Пол</a:t>
                       </a:r>
-                      <a:endParaRPr lang="ru-RU" sz="1200" dirty="0" smtClean="0"/>
                     </a:p>
                   </a:txBody>
                   <a:tcPr/>
@@ -6082,7 +6054,7 @@
                   <a:tcPr/>
                 </a:tc>
               </a:tr>
-              <a:tr h="0">
+              <a:tr h="544777">
                 <a:tc>
                   <a:txBody>
                     <a:bodyPr/>
@@ -6109,7 +6081,6 @@
                         <a:rPr lang="ru-RU" sz="1200" dirty="0" smtClean="0"/>
                         <a:t>Возраст </a:t>
                       </a:r>
-                      <a:endParaRPr lang="ru-RU" sz="1200" dirty="0" smtClean="0"/>
                     </a:p>
                     <a:p>
                       <a:pPr marL="0" marR="0" indent="0" algn="l" defTabSz="914400" rtl="0" eaLnBrk="1" fontAlgn="auto" latinLnBrk="0" hangingPunct="1">
@@ -6133,7 +6104,6 @@
                         <a:rPr lang="ru-RU" sz="1200" dirty="0" smtClean="0"/>
                         <a:t>(лет)</a:t>
                       </a:r>
-                      <a:endParaRPr lang="ru-RU" sz="1200" dirty="0" smtClean="0"/>
                     </a:p>
                   </a:txBody>
                   <a:tcPr/>
@@ -6173,7 +6143,7 @@
                   <a:tcPr/>
                 </a:tc>
               </a:tr>
-              <a:tr h="0">
+              <a:tr h="544777">
                 <a:tc>
                   <a:txBody>
                     <a:bodyPr/>
@@ -6198,11 +6168,7 @@
                       </a:pPr>
                       <a:r>
                         <a:rPr lang="ru-RU" sz="1200" dirty="0" smtClean="0"/>
-                        <a:t>Сумма выданного </a:t>
-                      </a:r>
-                      <a:r>
-                        <a:rPr lang="ru-RU" sz="1200" dirty="0" smtClean="0"/>
-                        <a:t>кредита</a:t>
+                        <a:t>Сумма выданного кредита</a:t>
                       </a:r>
                     </a:p>
                     <a:p>
@@ -6227,7 +6193,6 @@
                         <a:rPr lang="ru-RU" sz="1200" dirty="0" smtClean="0"/>
                         <a:t>(тыс. руб.)</a:t>
                       </a:r>
-                      <a:endParaRPr lang="ru-RU" sz="1200" dirty="0" smtClean="0"/>
                     </a:p>
                   </a:txBody>
                   <a:tcPr/>
@@ -6267,7 +6232,7 @@
                   <a:tcPr/>
                 </a:tc>
               </a:tr>
-              <a:tr h="239370">
+              <a:tr h="1198510">
                 <a:tc>
                   <a:txBody>
                     <a:bodyPr/>
@@ -6277,7 +6242,6 @@
                         <a:rPr lang="ru-RU" sz="1200" dirty="0" smtClean="0"/>
                         <a:t>Образование</a:t>
                       </a:r>
-                      <a:endParaRPr lang="ru-RU" sz="1200" dirty="0" smtClean="0"/>
                     </a:p>
                   </a:txBody>
                   <a:tcPr/>
@@ -6348,7 +6312,7 @@
                   <a:tcPr/>
                 </a:tc>
               </a:tr>
-              <a:tr h="0">
+              <a:tr h="326866">
                 <a:tc>
                   <a:txBody>
                     <a:bodyPr/>
@@ -6373,11 +6337,7 @@
                       </a:pPr>
                       <a:r>
                         <a:rPr lang="ru-RU" sz="1200" dirty="0" smtClean="0"/>
-                        <a:t>Недвижимость </a:t>
-                      </a:r>
-                      <a:r>
-                        <a:rPr lang="ru-RU" sz="1200" dirty="0" smtClean="0"/>
-                        <a:t>(</a:t>
+                        <a:t>Недвижимость (</a:t>
                       </a:r>
                       <a:r>
                         <a:rPr lang="ru-RU" sz="1200" dirty="0" err="1" smtClean="0"/>
@@ -6387,7 +6347,6 @@
                         <a:rPr lang="ru-RU" sz="1200" dirty="0" smtClean="0"/>
                         <a:t>.)</a:t>
                       </a:r>
-                      <a:endParaRPr lang="ru-RU" sz="1200" dirty="0" smtClean="0"/>
                     </a:p>
                   </a:txBody>
                   <a:tcPr/>
@@ -6434,7 +6393,7 @@
     </p:spTree>
     <p:extLst>
       <p:ext uri="{BB962C8B-B14F-4D97-AF65-F5344CB8AC3E}">
-        <p14:creationId xmlns:p14="http://schemas.microsoft.com/office/powerpoint/2010/main" val="1964237877"/>
+        <p14:creationId xmlns:p14="http://schemas.microsoft.com/office/powerpoint/2010/main" xmlns="" val="1964237877"/>
       </p:ext>
     </p:extLst>
   </p:cSld>
@@ -6559,6 +6518,7 @@
           <a:p>
             <a:fld id="{B19B0651-EE4F-4900-A07F-96A6BFA9D0F0}" type="slidenum">
               <a:rPr lang="ru-RU" smtClean="0"/>
+              <a:pPr/>
               <a:t>15</a:t>
             </a:fld>
             <a:endParaRPr lang="ru-RU" dirty="0"/>
@@ -6577,7 +6537,7 @@
           <a:blip r:embed="rId2" cstate="print">
             <a:extLst>
               <a:ext uri="{28A0092B-C50C-407E-A947-70E740481C1C}">
-                <a14:useLocalDpi xmlns:a14="http://schemas.microsoft.com/office/drawing/2010/main" val="0"/>
+                <a14:useLocalDpi xmlns:a14="http://schemas.microsoft.com/office/drawing/2010/main" xmlns="" val="0"/>
               </a:ext>
             </a:extLst>
           </a:blip>
@@ -6601,14 +6561,14 @@
           <a:effectLst/>
           <a:extLst>
             <a:ext uri="{909E8E84-426E-40DD-AFC4-6F175D3DCCD1}">
-              <a14:hiddenFill xmlns:a14="http://schemas.microsoft.com/office/drawing/2010/main">
+              <a14:hiddenFill xmlns:a14="http://schemas.microsoft.com/office/drawing/2010/main" xmlns="">
                 <a:solidFill>
                   <a:schemeClr val="accent1"/>
                 </a:solidFill>
               </a14:hiddenFill>
             </a:ext>
             <a:ext uri="{91240B29-F687-4F45-9708-019B960494DF}">
-              <a14:hiddenLine xmlns:a14="http://schemas.microsoft.com/office/drawing/2010/main" w="9525">
+              <a14:hiddenLine xmlns:a14="http://schemas.microsoft.com/office/drawing/2010/main" xmlns="" w="9525">
                 <a:solidFill>
                   <a:schemeClr val="tx1"/>
                 </a:solidFill>
@@ -6618,7 +6578,7 @@
               </a14:hiddenLine>
             </a:ext>
             <a:ext uri="{AF507438-7753-43E0-B8FC-AC1667EBCBE1}">
-              <a14:hiddenEffects xmlns:a14="http://schemas.microsoft.com/office/drawing/2010/main">
+              <a14:hiddenEffects xmlns:a14="http://schemas.microsoft.com/office/drawing/2010/main" xmlns="">
                 <a:effectLst>
                   <a:outerShdw dist="35921" dir="2700000" algn="ctr" rotWithShape="0">
                     <a:schemeClr val="bg2"/>
@@ -6638,10 +6598,10 @@
           <p:nvPr/>
         </p:nvPicPr>
         <p:blipFill>
-          <a:blip r:embed="rId3">
+          <a:blip r:embed="rId3" cstate="print">
             <a:extLst>
               <a:ext uri="{28A0092B-C50C-407E-A947-70E740481C1C}">
-                <a14:useLocalDpi xmlns:a14="http://schemas.microsoft.com/office/drawing/2010/main" val="0"/>
+                <a14:useLocalDpi xmlns:a14="http://schemas.microsoft.com/office/drawing/2010/main" xmlns="" val="0"/>
               </a:ext>
             </a:extLst>
           </a:blip>
@@ -6665,14 +6625,14 @@
           <a:effectLst/>
           <a:extLst>
             <a:ext uri="{909E8E84-426E-40DD-AFC4-6F175D3DCCD1}">
-              <a14:hiddenFill xmlns:a14="http://schemas.microsoft.com/office/drawing/2010/main">
+              <a14:hiddenFill xmlns:a14="http://schemas.microsoft.com/office/drawing/2010/main" xmlns="">
                 <a:solidFill>
                   <a:schemeClr val="accent1"/>
                 </a:solidFill>
               </a14:hiddenFill>
             </a:ext>
             <a:ext uri="{91240B29-F687-4F45-9708-019B960494DF}">
-              <a14:hiddenLine xmlns:a14="http://schemas.microsoft.com/office/drawing/2010/main" w="9525">
+              <a14:hiddenLine xmlns:a14="http://schemas.microsoft.com/office/drawing/2010/main" xmlns="" w="9525">
                 <a:solidFill>
                   <a:schemeClr val="tx1"/>
                 </a:solidFill>
@@ -6682,7 +6642,7 @@
               </a14:hiddenLine>
             </a:ext>
             <a:ext uri="{AF507438-7753-43E0-B8FC-AC1667EBCBE1}">
-              <a14:hiddenEffects xmlns:a14="http://schemas.microsoft.com/office/drawing/2010/main">
+              <a14:hiddenEffects xmlns:a14="http://schemas.microsoft.com/office/drawing/2010/main" xmlns="">
                 <a:effectLst>
                   <a:outerShdw dist="35921" dir="2700000" algn="ctr" rotWithShape="0">
                     <a:schemeClr val="bg2"/>
@@ -6696,7 +6656,7 @@
     </p:spTree>
     <p:extLst>
       <p:ext uri="{BB962C8B-B14F-4D97-AF65-F5344CB8AC3E}">
-        <p14:creationId xmlns:p14="http://schemas.microsoft.com/office/powerpoint/2010/main" val="3933862289"/>
+        <p14:creationId xmlns:p14="http://schemas.microsoft.com/office/powerpoint/2010/main" xmlns="" val="3933862289"/>
       </p:ext>
     </p:extLst>
   </p:cSld>
@@ -6820,6 +6780,7 @@
           <a:p>
             <a:fld id="{B19B0651-EE4F-4900-A07F-96A6BFA9D0F0}" type="slidenum">
               <a:rPr lang="ru-RU" smtClean="0"/>
+              <a:pPr/>
               <a:t>16</a:t>
             </a:fld>
             <a:endParaRPr lang="ru-RU" dirty="0"/>
@@ -6835,10 +6796,10 @@
           <p:nvPr/>
         </p:nvPicPr>
         <p:blipFill>
-          <a:blip r:embed="rId2">
+          <a:blip r:embed="rId2" cstate="print">
             <a:extLst>
               <a:ext uri="{28A0092B-C50C-407E-A947-70E740481C1C}">
-                <a14:useLocalDpi xmlns:a14="http://schemas.microsoft.com/office/drawing/2010/main" val="0"/>
+                <a14:useLocalDpi xmlns:a14="http://schemas.microsoft.com/office/drawing/2010/main" xmlns="" val="0"/>
               </a:ext>
             </a:extLst>
           </a:blip>
@@ -6862,14 +6823,14 @@
           <a:effectLst/>
           <a:extLst>
             <a:ext uri="{909E8E84-426E-40DD-AFC4-6F175D3DCCD1}">
-              <a14:hiddenFill xmlns:a14="http://schemas.microsoft.com/office/drawing/2010/main">
+              <a14:hiddenFill xmlns:a14="http://schemas.microsoft.com/office/drawing/2010/main" xmlns="">
                 <a:solidFill>
                   <a:schemeClr val="accent1"/>
                 </a:solidFill>
               </a14:hiddenFill>
             </a:ext>
             <a:ext uri="{91240B29-F687-4F45-9708-019B960494DF}">
-              <a14:hiddenLine xmlns:a14="http://schemas.microsoft.com/office/drawing/2010/main" w="9525">
+              <a14:hiddenLine xmlns:a14="http://schemas.microsoft.com/office/drawing/2010/main" xmlns="" w="9525">
                 <a:solidFill>
                   <a:schemeClr val="tx1"/>
                 </a:solidFill>
@@ -6879,7 +6840,7 @@
               </a14:hiddenLine>
             </a:ext>
             <a:ext uri="{AF507438-7753-43E0-B8FC-AC1667EBCBE1}">
-              <a14:hiddenEffects xmlns:a14="http://schemas.microsoft.com/office/drawing/2010/main">
+              <a14:hiddenEffects xmlns:a14="http://schemas.microsoft.com/office/drawing/2010/main" xmlns="">
                 <a:effectLst>
                   <a:outerShdw dist="35921" dir="2700000" algn="ctr" rotWithShape="0">
                     <a:schemeClr val="bg2"/>
@@ -6893,7 +6854,7 @@
     </p:spTree>
     <p:extLst>
       <p:ext uri="{BB962C8B-B14F-4D97-AF65-F5344CB8AC3E}">
-        <p14:creationId xmlns:p14="http://schemas.microsoft.com/office/powerpoint/2010/main" val="556429473"/>
+        <p14:creationId xmlns:p14="http://schemas.microsoft.com/office/powerpoint/2010/main" xmlns="" val="556429473"/>
       </p:ext>
     </p:extLst>
   </p:cSld>
@@ -7014,7 +6975,6 @@
               <a:rPr lang="ru-RU" dirty="0" smtClean="0"/>
               <a:t>Выходные параметры  это зависимый параметр –выходной столбец</a:t>
             </a:r>
-            <a:endParaRPr lang="ru-RU" dirty="0" smtClean="0"/>
           </a:p>
           <a:p>
             <a:endParaRPr lang="ru-RU" dirty="0" smtClean="0"/>
@@ -7041,6 +7001,7 @@
           <a:p>
             <a:fld id="{B19B0651-EE4F-4900-A07F-96A6BFA9D0F0}" type="slidenum">
               <a:rPr lang="ru-RU" smtClean="0"/>
+              <a:pPr/>
               <a:t>17</a:t>
             </a:fld>
             <a:endParaRPr lang="ru-RU" dirty="0"/>
@@ -7056,10 +7017,10 @@
           <p:nvPr/>
         </p:nvPicPr>
         <p:blipFill>
-          <a:blip r:embed="rId2">
+          <a:blip r:embed="rId2" cstate="print">
             <a:extLst>
               <a:ext uri="{28A0092B-C50C-407E-A947-70E740481C1C}">
-                <a14:useLocalDpi xmlns:a14="http://schemas.microsoft.com/office/drawing/2010/main" val="0"/>
+                <a14:useLocalDpi xmlns:a14="http://schemas.microsoft.com/office/drawing/2010/main" xmlns="" val="0"/>
               </a:ext>
             </a:extLst>
           </a:blip>
@@ -7083,14 +7044,14 @@
           <a:effectLst/>
           <a:extLst>
             <a:ext uri="{909E8E84-426E-40DD-AFC4-6F175D3DCCD1}">
-              <a14:hiddenFill xmlns:a14="http://schemas.microsoft.com/office/drawing/2010/main">
+              <a14:hiddenFill xmlns:a14="http://schemas.microsoft.com/office/drawing/2010/main" xmlns="">
                 <a:solidFill>
                   <a:schemeClr val="accent1"/>
                 </a:solidFill>
               </a14:hiddenFill>
             </a:ext>
             <a:ext uri="{91240B29-F687-4F45-9708-019B960494DF}">
-              <a14:hiddenLine xmlns:a14="http://schemas.microsoft.com/office/drawing/2010/main" w="9525">
+              <a14:hiddenLine xmlns:a14="http://schemas.microsoft.com/office/drawing/2010/main" xmlns="" w="9525">
                 <a:solidFill>
                   <a:schemeClr val="tx1"/>
                 </a:solidFill>
@@ -7100,7 +7061,7 @@
               </a14:hiddenLine>
             </a:ext>
             <a:ext uri="{AF507438-7753-43E0-B8FC-AC1667EBCBE1}">
-              <a14:hiddenEffects xmlns:a14="http://schemas.microsoft.com/office/drawing/2010/main">
+              <a14:hiddenEffects xmlns:a14="http://schemas.microsoft.com/office/drawing/2010/main" xmlns="">
                 <a:effectLst>
                   <a:outerShdw dist="35921" dir="2700000" algn="ctr" rotWithShape="0">
                     <a:schemeClr val="bg2"/>
@@ -7114,7 +7075,7 @@
     </p:spTree>
     <p:extLst>
       <p:ext uri="{BB962C8B-B14F-4D97-AF65-F5344CB8AC3E}">
-        <p14:creationId xmlns:p14="http://schemas.microsoft.com/office/powerpoint/2010/main" val="3259849278"/>
+        <p14:creationId xmlns:p14="http://schemas.microsoft.com/office/powerpoint/2010/main" xmlns="" val="3259849278"/>
       </p:ext>
     </p:extLst>
   </p:cSld>
@@ -7194,6 +7155,7 @@
           <a:p>
             <a:fld id="{B19B0651-EE4F-4900-A07F-96A6BFA9D0F0}" type="slidenum">
               <a:rPr lang="ru-RU" smtClean="0"/>
+              <a:pPr/>
               <a:t>18</a:t>
             </a:fld>
             <a:endParaRPr lang="ru-RU" dirty="0"/>
@@ -7279,10 +7241,10 @@
           <p:nvPr/>
         </p:nvPicPr>
         <p:blipFill>
-          <a:blip r:embed="rId2">
+          <a:blip r:embed="rId2" cstate="print">
             <a:extLst>
               <a:ext uri="{28A0092B-C50C-407E-A947-70E740481C1C}">
-                <a14:useLocalDpi xmlns:a14="http://schemas.microsoft.com/office/drawing/2010/main" val="0"/>
+                <a14:useLocalDpi xmlns:a14="http://schemas.microsoft.com/office/drawing/2010/main" xmlns="" val="0"/>
               </a:ext>
             </a:extLst>
           </a:blip>
@@ -7306,14 +7268,14 @@
           <a:effectLst/>
           <a:extLst>
             <a:ext uri="{909E8E84-426E-40DD-AFC4-6F175D3DCCD1}">
-              <a14:hiddenFill xmlns:a14="http://schemas.microsoft.com/office/drawing/2010/main">
+              <a14:hiddenFill xmlns:a14="http://schemas.microsoft.com/office/drawing/2010/main" xmlns="">
                 <a:solidFill>
                   <a:schemeClr val="accent1"/>
                 </a:solidFill>
               </a14:hiddenFill>
             </a:ext>
             <a:ext uri="{91240B29-F687-4F45-9708-019B960494DF}">
-              <a14:hiddenLine xmlns:a14="http://schemas.microsoft.com/office/drawing/2010/main" w="9525">
+              <a14:hiddenLine xmlns:a14="http://schemas.microsoft.com/office/drawing/2010/main" xmlns="" w="9525">
                 <a:solidFill>
                   <a:schemeClr val="tx1"/>
                 </a:solidFill>
@@ -7323,7 +7285,7 @@
               </a14:hiddenLine>
             </a:ext>
             <a:ext uri="{AF507438-7753-43E0-B8FC-AC1667EBCBE1}">
-              <a14:hiddenEffects xmlns:a14="http://schemas.microsoft.com/office/drawing/2010/main">
+              <a14:hiddenEffects xmlns:a14="http://schemas.microsoft.com/office/drawing/2010/main" xmlns="">
                 <a:effectLst>
                   <a:outerShdw dist="35921" dir="2700000" algn="ctr" rotWithShape="0">
                     <a:schemeClr val="bg2"/>
@@ -7337,7 +7299,7 @@
     </p:spTree>
     <p:extLst>
       <p:ext uri="{BB962C8B-B14F-4D97-AF65-F5344CB8AC3E}">
-        <p14:creationId xmlns:p14="http://schemas.microsoft.com/office/powerpoint/2010/main" val="1652939999"/>
+        <p14:creationId xmlns:p14="http://schemas.microsoft.com/office/powerpoint/2010/main" xmlns="" val="1652939999"/>
       </p:ext>
     </p:extLst>
   </p:cSld>
@@ -7474,7 +7436,11 @@
             </a:r>
             <a:r>
               <a:rPr lang="ru-RU" sz="1800" dirty="0" smtClean="0"/>
-              <a:t>и образование средне –специальное или высшие, ей можно выдавать кредит. В данном примере кредит выдавать можно.</a:t>
+              <a:t>и образование средне –специальное или высшие, </a:t>
+            </a:r>
+            <a:r>
+              <a:rPr lang="ru-RU" sz="1800" dirty="0" smtClean="0"/>
+              <a:t>риск не возврата кредита минимальный.</a:t>
             </a:r>
             <a:endParaRPr lang="ru-RU" sz="1800" dirty="0"/>
           </a:p>
@@ -7497,6 +7463,7 @@
           <a:p>
             <a:fld id="{B19B0651-EE4F-4900-A07F-96A6BFA9D0F0}" type="slidenum">
               <a:rPr lang="ru-RU" smtClean="0"/>
+              <a:pPr/>
               <a:t>19</a:t>
             </a:fld>
             <a:endParaRPr lang="ru-RU" dirty="0"/>
@@ -7512,10 +7479,10 @@
           <p:nvPr/>
         </p:nvPicPr>
         <p:blipFill>
-          <a:blip r:embed="rId2">
+          <a:blip r:embed="rId2" cstate="print">
             <a:extLst>
               <a:ext uri="{28A0092B-C50C-407E-A947-70E740481C1C}">
-                <a14:useLocalDpi xmlns:a14="http://schemas.microsoft.com/office/drawing/2010/main" val="0"/>
+                <a14:useLocalDpi xmlns:a14="http://schemas.microsoft.com/office/drawing/2010/main" xmlns="" val="0"/>
               </a:ext>
             </a:extLst>
           </a:blip>
@@ -7535,7 +7502,7 @@
           <a:noFill/>
           <a:extLst>
             <a:ext uri="{909E8E84-426E-40DD-AFC4-6F175D3DCCD1}">
-              <a14:hiddenFill xmlns:a14="http://schemas.microsoft.com/office/drawing/2010/main">
+              <a14:hiddenFill xmlns:a14="http://schemas.microsoft.com/office/drawing/2010/main" xmlns="">
                 <a:solidFill>
                   <a:srgbClr val="FFFFFF"/>
                 </a:solidFill>
@@ -7547,7 +7514,7 @@
     </p:spTree>
     <p:extLst>
       <p:ext uri="{BB962C8B-B14F-4D97-AF65-F5344CB8AC3E}">
-        <p14:creationId xmlns:p14="http://schemas.microsoft.com/office/powerpoint/2010/main" val="2968759258"/>
+        <p14:creationId xmlns:p14="http://schemas.microsoft.com/office/powerpoint/2010/main" xmlns="" val="2968759258"/>
       </p:ext>
     </p:extLst>
   </p:cSld>
@@ -7652,27 +7619,11 @@
           <a:p>
             <a:r>
               <a:rPr lang="ru-RU" dirty="0" smtClean="0"/>
-              <a:t>Разработать программу</a:t>
+              <a:t>Разработать </a:t>
             </a:r>
             <a:r>
               <a:rPr lang="ru-RU" dirty="0" smtClean="0"/>
-              <a:t>, которая реализует метод  </a:t>
-            </a:r>
-            <a:r>
-              <a:rPr lang="ru-RU" dirty="0" smtClean="0"/>
-              <a:t>интеллектуального анализа </a:t>
-            </a:r>
-            <a:r>
-              <a:rPr lang="ru-RU" dirty="0" smtClean="0"/>
-              <a:t> </a:t>
-            </a:r>
-            <a:r>
-              <a:rPr lang="ru-RU" dirty="0" smtClean="0"/>
-              <a:t>данных, необходимую для </a:t>
-            </a:r>
-            <a:r>
-              <a:rPr lang="ru-RU" dirty="0" smtClean="0"/>
-              <a:t>поддержки эксперта в задачах прогнозирования.</a:t>
+              <a:t>программу, реализующую методы сценарного прогнозирования</a:t>
             </a:r>
             <a:endParaRPr lang="ru-RU" dirty="0" smtClean="0"/>
           </a:p>
@@ -7683,12 +7634,20 @@
             </a:r>
           </a:p>
           <a:p>
+            <a:pPr>
+              <a:buFont typeface="+mj-lt"/>
+              <a:buAutoNum type="arabicParenR"/>
+            </a:pPr>
             <a:r>
               <a:rPr lang="ru-RU" dirty="0" smtClean="0"/>
               <a:t>Собрать информацию о методах интеллектуального анализа данных; </a:t>
             </a:r>
           </a:p>
           <a:p>
+            <a:pPr>
+              <a:buFont typeface="+mj-lt"/>
+              <a:buAutoNum type="arabicParenR"/>
+            </a:pPr>
             <a:r>
               <a:rPr lang="ru-RU" dirty="0" smtClean="0"/>
               <a:t>Провести анализ и  выбрать метод, для </a:t>
@@ -7700,6 +7659,10 @@
             <a:endParaRPr lang="ru-RU" dirty="0" smtClean="0"/>
           </a:p>
           <a:p>
+            <a:pPr>
+              <a:buFont typeface="+mj-lt"/>
+              <a:buAutoNum type="arabicParenR"/>
+            </a:pPr>
             <a:r>
               <a:rPr lang="ru-RU" dirty="0" smtClean="0"/>
               <a:t>Описать требования к программе</a:t>
@@ -7714,6 +7677,10 @@
             </a:r>
           </a:p>
           <a:p>
+            <a:pPr>
+              <a:buFont typeface="+mj-lt"/>
+              <a:buAutoNum type="arabicParenR"/>
+            </a:pPr>
             <a:r>
               <a:rPr lang="ru-RU" dirty="0" smtClean="0"/>
               <a:t>Разработать программу.</a:t>
@@ -7748,7 +7715,7 @@
     </p:spTree>
     <p:extLst>
       <p:ext uri="{BB962C8B-B14F-4D97-AF65-F5344CB8AC3E}">
-        <p14:creationId xmlns:p14="http://schemas.microsoft.com/office/powerpoint/2010/main" val="100266306"/>
+        <p14:creationId xmlns:p14="http://schemas.microsoft.com/office/powerpoint/2010/main" xmlns="" val="100266306"/>
       </p:ext>
     </p:extLst>
   </p:cSld>
@@ -7918,7 +7885,7 @@
     </p:spTree>
     <p:extLst>
       <p:ext uri="{BB962C8B-B14F-4D97-AF65-F5344CB8AC3E}">
-        <p14:creationId xmlns:p14="http://schemas.microsoft.com/office/powerpoint/2010/main" val="1488968114"/>
+        <p14:creationId xmlns:p14="http://schemas.microsoft.com/office/powerpoint/2010/main" xmlns="" val="1488968114"/>
       </p:ext>
     </p:extLst>
   </p:cSld>
@@ -8170,6 +8137,7 @@
           <a:p>
             <a:fld id="{B19B0651-EE4F-4900-A07F-96A6BFA9D0F0}" type="slidenum">
               <a:rPr lang="ru-RU" smtClean="0"/>
+              <a:pPr/>
               <a:t>21</a:t>
             </a:fld>
             <a:endParaRPr lang="ru-RU" dirty="0"/>
@@ -8179,7 +8147,7 @@
     </p:spTree>
     <p:extLst>
       <p:ext uri="{BB962C8B-B14F-4D97-AF65-F5344CB8AC3E}">
-        <p14:creationId xmlns:p14="http://schemas.microsoft.com/office/powerpoint/2010/main" val="789238555"/>
+        <p14:creationId xmlns:p14="http://schemas.microsoft.com/office/powerpoint/2010/main" xmlns="" val="789238555"/>
       </p:ext>
     </p:extLst>
   </p:cSld>
@@ -8332,7 +8300,7 @@
     </p:spTree>
     <p:extLst>
       <p:ext uri="{BB962C8B-B14F-4D97-AF65-F5344CB8AC3E}">
-        <p14:creationId xmlns:p14="http://schemas.microsoft.com/office/powerpoint/2010/main" val="513763501"/>
+        <p14:creationId xmlns:p14="http://schemas.microsoft.com/office/powerpoint/2010/main" xmlns="" val="513763501"/>
       </p:ext>
     </p:extLst>
   </p:cSld>
@@ -8448,10 +8416,10 @@
           <p:nvPr/>
         </p:nvPicPr>
         <p:blipFill>
-          <a:blip r:embed="rId3">
+          <a:blip r:embed="rId3" cstate="print">
             <a:extLst>
               <a:ext uri="{28A0092B-C50C-407E-A947-70E740481C1C}">
-                <a14:useLocalDpi xmlns:a14="http://schemas.microsoft.com/office/drawing/2010/main" val="0"/>
+                <a14:useLocalDpi xmlns:a14="http://schemas.microsoft.com/office/drawing/2010/main" xmlns="" val="0"/>
               </a:ext>
             </a:extLst>
           </a:blip>
@@ -8471,7 +8439,7 @@
           <a:noFill/>
           <a:extLst>
             <a:ext uri="{909E8E84-426E-40DD-AFC4-6F175D3DCCD1}">
-              <a14:hiddenFill xmlns:a14="http://schemas.microsoft.com/office/drawing/2010/main">
+              <a14:hiddenFill xmlns:a14="http://schemas.microsoft.com/office/drawing/2010/main" xmlns="">
                 <a:solidFill>
                   <a:srgbClr val="FFFFFF"/>
                 </a:solidFill>
@@ -8483,7 +8451,7 @@
     </p:spTree>
     <p:extLst>
       <p:ext uri="{BB962C8B-B14F-4D97-AF65-F5344CB8AC3E}">
-        <p14:creationId xmlns:p14="http://schemas.microsoft.com/office/powerpoint/2010/main" val="3407246539"/>
+        <p14:creationId xmlns:p14="http://schemas.microsoft.com/office/powerpoint/2010/main" xmlns="" val="3407246539"/>
       </p:ext>
     </p:extLst>
   </p:cSld>
@@ -8562,10 +8530,10 @@
           </p:nvPr>
         </p:nvPicPr>
         <p:blipFill>
-          <a:blip r:embed="rId2">
+          <a:blip r:embed="rId2" cstate="print">
             <a:extLst>
               <a:ext uri="{28A0092B-C50C-407E-A947-70E740481C1C}">
-                <a14:useLocalDpi xmlns:a14="http://schemas.microsoft.com/office/drawing/2010/main" val="0"/>
+                <a14:useLocalDpi xmlns:a14="http://schemas.microsoft.com/office/drawing/2010/main" xmlns="" val="0"/>
               </a:ext>
             </a:extLst>
           </a:blip>
@@ -8597,6 +8565,7 @@
           <a:p>
             <a:fld id="{B19B0651-EE4F-4900-A07F-96A6BFA9D0F0}" type="slidenum">
               <a:rPr lang="ru-RU" smtClean="0"/>
+              <a:pPr/>
               <a:t>5</a:t>
             </a:fld>
             <a:endParaRPr lang="ru-RU" dirty="0"/>
@@ -8606,7 +8575,7 @@
     </p:spTree>
     <p:extLst>
       <p:ext uri="{BB962C8B-B14F-4D97-AF65-F5344CB8AC3E}">
-        <p14:creationId xmlns:p14="http://schemas.microsoft.com/office/powerpoint/2010/main" val="976799654"/>
+        <p14:creationId xmlns:p14="http://schemas.microsoft.com/office/powerpoint/2010/main" xmlns="" val="976799654"/>
       </p:ext>
     </p:extLst>
   </p:cSld>
@@ -8680,7 +8649,7 @@
             <p:ph idx="1"/>
             <p:extLst>
               <p:ext uri="{D42A27DB-BD31-4B8C-83A1-F6EECF244321}">
-                <p14:modId xmlns:p14="http://schemas.microsoft.com/office/powerpoint/2010/main" val="231098718"/>
+                <p14:modId xmlns:p14="http://schemas.microsoft.com/office/powerpoint/2010/main" xmlns="" val="231098718"/>
               </p:ext>
             </p:extLst>
           </p:nvPr>
@@ -9201,6 +9170,7 @@
           <a:p>
             <a:fld id="{B19B0651-EE4F-4900-A07F-96A6BFA9D0F0}" type="slidenum">
               <a:rPr lang="ru-RU" smtClean="0"/>
+              <a:pPr/>
               <a:t>6</a:t>
             </a:fld>
             <a:endParaRPr lang="ru-RU" dirty="0"/>
@@ -9210,7 +9180,7 @@
     </p:spTree>
     <p:extLst>
       <p:ext uri="{BB962C8B-B14F-4D97-AF65-F5344CB8AC3E}">
-        <p14:creationId xmlns:p14="http://schemas.microsoft.com/office/powerpoint/2010/main" val="310472135"/>
+        <p14:creationId xmlns:p14="http://schemas.microsoft.com/office/powerpoint/2010/main" xmlns="" val="310472135"/>
       </p:ext>
     </p:extLst>
   </p:cSld>
@@ -9349,10 +9319,10 @@
           <p:nvPr/>
         </p:nvPicPr>
         <p:blipFill>
-          <a:blip r:embed="rId2">
+          <a:blip r:embed="rId2" cstate="print">
             <a:extLst>
               <a:ext uri="{28A0092B-C50C-407E-A947-70E740481C1C}">
-                <a14:useLocalDpi xmlns:a14="http://schemas.microsoft.com/office/drawing/2010/main" val="0"/>
+                <a14:useLocalDpi xmlns:a14="http://schemas.microsoft.com/office/drawing/2010/main" xmlns="" val="0"/>
               </a:ext>
             </a:extLst>
           </a:blip>
@@ -9372,7 +9342,7 @@
           <a:noFill/>
           <a:extLst>
             <a:ext uri="{909E8E84-426E-40DD-AFC4-6F175D3DCCD1}">
-              <a14:hiddenFill xmlns:a14="http://schemas.microsoft.com/office/drawing/2010/main">
+              <a14:hiddenFill xmlns:a14="http://schemas.microsoft.com/office/drawing/2010/main" xmlns="">
                 <a:solidFill>
                   <a:srgbClr val="FFFFFF"/>
                 </a:solidFill>
@@ -9390,10 +9360,10 @@
           <p:nvPr/>
         </p:nvPicPr>
         <p:blipFill>
-          <a:blip r:embed="rId3">
+          <a:blip r:embed="rId3" cstate="print">
             <a:extLst>
               <a:ext uri="{28A0092B-C50C-407E-A947-70E740481C1C}">
-                <a14:useLocalDpi xmlns:a14="http://schemas.microsoft.com/office/drawing/2010/main" val="0"/>
+                <a14:useLocalDpi xmlns:a14="http://schemas.microsoft.com/office/drawing/2010/main" xmlns="" val="0"/>
               </a:ext>
             </a:extLst>
           </a:blip>
@@ -9417,14 +9387,14 @@
           <a:effectLst/>
           <a:extLst>
             <a:ext uri="{909E8E84-426E-40DD-AFC4-6F175D3DCCD1}">
-              <a14:hiddenFill xmlns:a14="http://schemas.microsoft.com/office/drawing/2010/main">
+              <a14:hiddenFill xmlns:a14="http://schemas.microsoft.com/office/drawing/2010/main" xmlns="">
                 <a:solidFill>
                   <a:schemeClr val="accent1"/>
                 </a:solidFill>
               </a14:hiddenFill>
             </a:ext>
             <a:ext uri="{91240B29-F687-4F45-9708-019B960494DF}">
-              <a14:hiddenLine xmlns:a14="http://schemas.microsoft.com/office/drawing/2010/main" w="9525">
+              <a14:hiddenLine xmlns:a14="http://schemas.microsoft.com/office/drawing/2010/main" xmlns="" w="9525">
                 <a:solidFill>
                   <a:schemeClr val="tx1"/>
                 </a:solidFill>
@@ -9434,7 +9404,7 @@
               </a14:hiddenLine>
             </a:ext>
             <a:ext uri="{AF507438-7753-43E0-B8FC-AC1667EBCBE1}">
-              <a14:hiddenEffects xmlns:a14="http://schemas.microsoft.com/office/drawing/2010/main">
+              <a14:hiddenEffects xmlns:a14="http://schemas.microsoft.com/office/drawing/2010/main" xmlns="">
                 <a:effectLst>
                   <a:outerShdw dist="35921" dir="2700000" algn="ctr" rotWithShape="0">
                     <a:schemeClr val="bg2"/>
@@ -9448,7 +9418,7 @@
     </p:spTree>
     <p:extLst>
       <p:ext uri="{BB962C8B-B14F-4D97-AF65-F5344CB8AC3E}">
-        <p14:creationId xmlns:p14="http://schemas.microsoft.com/office/powerpoint/2010/main" val="286097825"/>
+        <p14:creationId xmlns:p14="http://schemas.microsoft.com/office/powerpoint/2010/main" xmlns="" val="286097825"/>
       </p:ext>
     </p:extLst>
   </p:cSld>
@@ -9735,6 +9705,7 @@
           <a:p>
             <a:fld id="{B19B0651-EE4F-4900-A07F-96A6BFA9D0F0}" type="slidenum">
               <a:rPr lang="ru-RU" smtClean="0"/>
+              <a:pPr/>
               <a:t>8</a:t>
             </a:fld>
             <a:endParaRPr lang="ru-RU" dirty="0"/>
@@ -9744,7 +9715,7 @@
     </p:spTree>
     <p:extLst>
       <p:ext uri="{BB962C8B-B14F-4D97-AF65-F5344CB8AC3E}">
-        <p14:creationId xmlns:p14="http://schemas.microsoft.com/office/powerpoint/2010/main" val="490604760"/>
+        <p14:creationId xmlns:p14="http://schemas.microsoft.com/office/powerpoint/2010/main" xmlns="" val="490604760"/>
       </p:ext>
     </p:extLst>
   </p:cSld>
@@ -9826,48 +9797,80 @@
             <a:endParaRPr lang="ru-RU" dirty="0" smtClean="0"/>
           </a:p>
           <a:p>
+            <a:pPr>
+              <a:buFont typeface="+mj-lt"/>
+              <a:buAutoNum type="arabicParenR"/>
+            </a:pPr>
             <a:r>
               <a:rPr lang="ru-RU" dirty="0" smtClean="0"/>
               <a:t>Загрузка данных</a:t>
             </a:r>
           </a:p>
           <a:p>
+            <a:pPr>
+              <a:buFont typeface="+mj-lt"/>
+              <a:buAutoNum type="arabicParenR"/>
+            </a:pPr>
             <a:r>
               <a:rPr lang="ru-RU" dirty="0" smtClean="0"/>
               <a:t>Отображение загруженных данных</a:t>
             </a:r>
           </a:p>
           <a:p>
+            <a:pPr>
+              <a:buFont typeface="+mj-lt"/>
+              <a:buAutoNum type="arabicParenR"/>
+            </a:pPr>
             <a:r>
               <a:rPr lang="ru-RU" dirty="0" smtClean="0"/>
               <a:t>Возможность редактирования загруженных данных</a:t>
             </a:r>
           </a:p>
           <a:p>
+            <a:pPr>
+              <a:buFont typeface="+mj-lt"/>
+              <a:buAutoNum type="arabicParenR"/>
+            </a:pPr>
             <a:r>
               <a:rPr lang="ru-RU" dirty="0" smtClean="0"/>
               <a:t>Возможность изменять параметров построения дерева решений</a:t>
             </a:r>
           </a:p>
           <a:p>
+            <a:pPr>
+              <a:buFont typeface="+mj-lt"/>
+              <a:buAutoNum type="arabicParenR"/>
+            </a:pPr>
             <a:r>
               <a:rPr lang="ru-RU" dirty="0" smtClean="0"/>
               <a:t>Построение дерева решений</a:t>
             </a:r>
           </a:p>
           <a:p>
+            <a:pPr>
+              <a:buFont typeface="+mj-lt"/>
+              <a:buAutoNum type="arabicParenR"/>
+            </a:pPr>
             <a:r>
               <a:rPr lang="ru-RU" dirty="0" smtClean="0"/>
               <a:t>Визуализация дерева решений</a:t>
             </a:r>
           </a:p>
           <a:p>
+            <a:pPr>
+              <a:buFont typeface="+mj-lt"/>
+              <a:buAutoNum type="arabicParenR"/>
+            </a:pPr>
             <a:r>
               <a:rPr lang="ru-RU" dirty="0" smtClean="0"/>
               <a:t>Оценка построенного дерева решений</a:t>
             </a:r>
           </a:p>
           <a:p>
+            <a:pPr>
+              <a:buFont typeface="+mj-lt"/>
+              <a:buAutoNum type="arabicParenR"/>
+            </a:pPr>
             <a:r>
               <a:rPr lang="ru-RU" dirty="0"/>
               <a:t>Экспорт в </a:t>
@@ -9883,6 +9886,10 @@
             <a:endParaRPr lang="ru-RU" dirty="0"/>
           </a:p>
           <a:p>
+            <a:pPr>
+              <a:buFont typeface="+mj-lt"/>
+              <a:buAutoNum type="arabicParenR"/>
+            </a:pPr>
             <a:endParaRPr lang="ru-RU" dirty="0"/>
           </a:p>
         </p:txBody>
@@ -9904,6 +9911,7 @@
           <a:p>
             <a:fld id="{B19B0651-EE4F-4900-A07F-96A6BFA9D0F0}" type="slidenum">
               <a:rPr lang="ru-RU" smtClean="0"/>
+              <a:pPr/>
               <a:t>9</a:t>
             </a:fld>
             <a:endParaRPr lang="ru-RU" dirty="0"/>
@@ -9913,7 +9921,7 @@
     </p:spTree>
     <p:extLst>
       <p:ext uri="{BB962C8B-B14F-4D97-AF65-F5344CB8AC3E}">
-        <p14:creationId xmlns:p14="http://schemas.microsoft.com/office/powerpoint/2010/main" val="1408244517"/>
+        <p14:creationId xmlns:p14="http://schemas.microsoft.com/office/powerpoint/2010/main" xmlns="" val="1408244517"/>
       </p:ext>
     </p:extLst>
   </p:cSld>

--- a/Prezent.pptx
+++ b/Prezent.pptx
@@ -132,7 +132,7 @@
   </p:defaultTextStyle>
   <p:extLst>
     <p:ext uri="{521415D9-36F7-43E2-AB2F-B90AF26B5E84}">
-      <p14:sectionLst xmlns:p14="http://schemas.microsoft.com/office/powerpoint/2010/main" xmlns="">
+      <p14:sectionLst xmlns:p14="http://schemas.microsoft.com/office/powerpoint/2010/main">
         <p14:section name="Раздел по умолчанию" id="{CD523E1F-8088-4412-875A-E61ADF54183C}">
           <p14:sldIdLst>
             <p14:sldId id="256"/>
@@ -323,7 +323,7 @@
     </p:spTree>
     <p:extLst>
       <p:ext uri="{BB962C8B-B14F-4D97-AF65-F5344CB8AC3E}">
-        <p14:creationId xmlns:p14="http://schemas.microsoft.com/office/powerpoint/2010/main" xmlns="" val="1197289815"/>
+        <p14:creationId xmlns:p14="http://schemas.microsoft.com/office/powerpoint/2010/main" val="1197289815"/>
       </p:ext>
     </p:extLst>
   </p:cSld>
@@ -584,7 +584,7 @@
     </p:spTree>
     <p:extLst>
       <p:ext uri="{BB962C8B-B14F-4D97-AF65-F5344CB8AC3E}">
-        <p14:creationId xmlns:p14="http://schemas.microsoft.com/office/powerpoint/2010/main" xmlns="" val="3149498749"/>
+        <p14:creationId xmlns:p14="http://schemas.microsoft.com/office/powerpoint/2010/main" val="3149498749"/>
       </p:ext>
     </p:extLst>
   </p:cSld>
@@ -751,6 +751,176 @@
             <a:fld id="{164B6B7C-7086-4250-BD91-1DF0592B416E}" type="slidenum">
               <a:rPr lang="ru-RU" smtClean="0"/>
               <a:pPr/>
+              <a:t>1</a:t>
+            </a:fld>
+            <a:endParaRPr lang="ru-RU"/>
+          </a:p>
+        </p:txBody>
+      </p:sp>
+    </p:spTree>
+    <p:extLst>
+      <p:ext uri="{BB962C8B-B14F-4D97-AF65-F5344CB8AC3E}">
+        <p14:creationId xmlns:p14="http://schemas.microsoft.com/office/powerpoint/2010/main" val="4276530037"/>
+      </p:ext>
+    </p:extLst>
+  </p:cSld>
+  <p:clrMapOvr>
+    <a:masterClrMapping/>
+  </p:clrMapOvr>
+</p:notes>
+</file>
+
+<file path=ppt/notesSlides/notesSlide2.xml><?xml version="1.0" encoding="utf-8"?>
+<p:notes xmlns:a="http://schemas.openxmlformats.org/drawingml/2006/main" xmlns:r="http://schemas.openxmlformats.org/officeDocument/2006/relationships" xmlns:p="http://schemas.openxmlformats.org/presentationml/2006/main">
+  <p:cSld>
+    <p:spTree>
+      <p:nvGrpSpPr>
+        <p:cNvPr id="1" name=""/>
+        <p:cNvGrpSpPr/>
+        <p:nvPr/>
+      </p:nvGrpSpPr>
+      <p:grpSpPr>
+        <a:xfrm>
+          <a:off x="0" y="0"/>
+          <a:ext cx="0" cy="0"/>
+          <a:chOff x="0" y="0"/>
+          <a:chExt cx="0" cy="0"/>
+        </a:xfrm>
+      </p:grpSpPr>
+      <p:sp>
+        <p:nvSpPr>
+          <p:cNvPr id="2" name="Образ слайда 1"/>
+          <p:cNvSpPr>
+            <a:spLocks noGrp="1" noRot="1" noChangeAspect="1"/>
+          </p:cNvSpPr>
+          <p:nvPr>
+            <p:ph type="sldImg"/>
+          </p:nvPr>
+        </p:nvSpPr>
+        <p:spPr/>
+      </p:sp>
+      <p:sp>
+        <p:nvSpPr>
+          <p:cNvPr id="3" name="Заметки 2"/>
+          <p:cNvSpPr>
+            <a:spLocks noGrp="1"/>
+          </p:cNvSpPr>
+          <p:nvPr>
+            <p:ph type="body" idx="1"/>
+          </p:nvPr>
+        </p:nvSpPr>
+        <p:spPr/>
+        <p:txBody>
+          <a:bodyPr/>
+          <a:lstStyle/>
+          <a:p>
+            <a:endParaRPr lang="ru-RU"/>
+          </a:p>
+        </p:txBody>
+      </p:sp>
+      <p:sp>
+        <p:nvSpPr>
+          <p:cNvPr id="4" name="Номер слайда 3"/>
+          <p:cNvSpPr>
+            <a:spLocks noGrp="1"/>
+          </p:cNvSpPr>
+          <p:nvPr>
+            <p:ph type="sldNum" sz="quarter" idx="10"/>
+          </p:nvPr>
+        </p:nvSpPr>
+        <p:spPr/>
+        <p:txBody>
+          <a:bodyPr/>
+          <a:lstStyle/>
+          <a:p>
+            <a:fld id="{164B6B7C-7086-4250-BD91-1DF0592B416E}" type="slidenum">
+              <a:rPr lang="ru-RU" smtClean="0"/>
+              <a:pPr/>
+              <a:t>2</a:t>
+            </a:fld>
+            <a:endParaRPr lang="ru-RU"/>
+          </a:p>
+        </p:txBody>
+      </p:sp>
+    </p:spTree>
+    <p:extLst>
+      <p:ext uri="{BB962C8B-B14F-4D97-AF65-F5344CB8AC3E}">
+        <p14:creationId xmlns:p14="http://schemas.microsoft.com/office/powerpoint/2010/main" val="2103085461"/>
+      </p:ext>
+    </p:extLst>
+  </p:cSld>
+  <p:clrMapOvr>
+    <a:masterClrMapping/>
+  </p:clrMapOvr>
+</p:notes>
+</file>
+
+<file path=ppt/notesSlides/notesSlide3.xml><?xml version="1.0" encoding="utf-8"?>
+<p:notes xmlns:a="http://schemas.openxmlformats.org/drawingml/2006/main" xmlns:r="http://schemas.openxmlformats.org/officeDocument/2006/relationships" xmlns:p="http://schemas.openxmlformats.org/presentationml/2006/main">
+  <p:cSld>
+    <p:spTree>
+      <p:nvGrpSpPr>
+        <p:cNvPr id="1" name=""/>
+        <p:cNvGrpSpPr/>
+        <p:nvPr/>
+      </p:nvGrpSpPr>
+      <p:grpSpPr>
+        <a:xfrm>
+          <a:off x="0" y="0"/>
+          <a:ext cx="0" cy="0"/>
+          <a:chOff x="0" y="0"/>
+          <a:chExt cx="0" cy="0"/>
+        </a:xfrm>
+      </p:grpSpPr>
+      <p:sp>
+        <p:nvSpPr>
+          <p:cNvPr id="2" name="Образ слайда 1"/>
+          <p:cNvSpPr>
+            <a:spLocks noGrp="1" noRot="1" noChangeAspect="1"/>
+          </p:cNvSpPr>
+          <p:nvPr>
+            <p:ph type="sldImg"/>
+          </p:nvPr>
+        </p:nvSpPr>
+        <p:spPr/>
+      </p:sp>
+      <p:sp>
+        <p:nvSpPr>
+          <p:cNvPr id="3" name="Заметки 2"/>
+          <p:cNvSpPr>
+            <a:spLocks noGrp="1"/>
+          </p:cNvSpPr>
+          <p:nvPr>
+            <p:ph type="body" idx="1"/>
+          </p:nvPr>
+        </p:nvSpPr>
+        <p:spPr/>
+        <p:txBody>
+          <a:bodyPr/>
+          <a:lstStyle/>
+          <a:p>
+            <a:endParaRPr lang="ru-RU"/>
+          </a:p>
+        </p:txBody>
+      </p:sp>
+      <p:sp>
+        <p:nvSpPr>
+          <p:cNvPr id="4" name="Номер слайда 3"/>
+          <p:cNvSpPr>
+            <a:spLocks noGrp="1"/>
+          </p:cNvSpPr>
+          <p:nvPr>
+            <p:ph type="sldNum" sz="quarter" idx="10"/>
+          </p:nvPr>
+        </p:nvSpPr>
+        <p:spPr/>
+        <p:txBody>
+          <a:bodyPr/>
+          <a:lstStyle/>
+          <a:p>
+            <a:fld id="{164B6B7C-7086-4250-BD91-1DF0592B416E}" type="slidenum">
+              <a:rPr lang="ru-RU" smtClean="0"/>
+              <a:pPr/>
               <a:t>4</a:t>
             </a:fld>
             <a:endParaRPr lang="ru-RU"/>
@@ -760,7 +930,7 @@
     </p:spTree>
     <p:extLst>
       <p:ext uri="{BB962C8B-B14F-4D97-AF65-F5344CB8AC3E}">
-        <p14:creationId xmlns:p14="http://schemas.microsoft.com/office/powerpoint/2010/main" xmlns="" val="1169829041"/>
+        <p14:creationId xmlns:p14="http://schemas.microsoft.com/office/powerpoint/2010/main" val="1169829041"/>
       </p:ext>
     </p:extLst>
   </p:cSld>
@@ -1426,9 +1596,8 @@
           <a:bodyPr/>
           <a:lstStyle/>
           <a:p>
-            <a:fld id="{9237A3BF-4291-4C0D-8691-5AB3F5EC249F}" type="datetime1">
+            <a:fld id="{D279322C-D2E3-4452-B622-AB07E916E4C6}" type="datetime1">
               <a:rPr lang="ru-RU" smtClean="0"/>
-              <a:pPr/>
               <a:t>15.06.2012</a:t>
             </a:fld>
             <a:endParaRPr lang="ru-RU"/>
@@ -1690,9 +1859,8 @@
           <a:bodyPr/>
           <a:lstStyle/>
           <a:p>
-            <a:fld id="{10AF1936-51CC-44FA-9A8C-EF569FADCB3F}" type="datetime1">
+            <a:fld id="{4AFC613B-60AB-4BD9-A5E4-F6A68122D2F2}" type="datetime1">
               <a:rPr lang="ru-RU" smtClean="0"/>
-              <a:pPr/>
               <a:t>15.06.2012</a:t>
             </a:fld>
             <a:endParaRPr lang="ru-RU"/>
@@ -1857,9 +2025,8 @@
           <a:bodyPr/>
           <a:lstStyle/>
           <a:p>
-            <a:fld id="{03A44580-4D3B-4977-AA04-10449578226B}" type="datetime1">
+            <a:fld id="{568B06CA-AB3E-44C7-B002-4C9ED03F9B1B}" type="datetime1">
               <a:rPr lang="ru-RU" smtClean="0"/>
-              <a:pPr/>
               <a:t>15.06.2012</a:t>
             </a:fld>
             <a:endParaRPr lang="ru-RU"/>
@@ -2034,9 +2201,8 @@
           <a:bodyPr/>
           <a:lstStyle/>
           <a:p>
-            <a:fld id="{A27DFE85-4DBC-43E9-BD98-A7AC57E32463}" type="datetime1">
+            <a:fld id="{EA0FF51E-11F7-4649-BF2F-7593C3F3D5E3}" type="datetime1">
               <a:rPr lang="ru-RU" smtClean="0"/>
-              <a:pPr/>
               <a:t>15.06.2012</a:t>
             </a:fld>
             <a:endParaRPr lang="ru-RU"/>
@@ -2201,9 +2367,8 @@
           <a:bodyPr/>
           <a:lstStyle/>
           <a:p>
-            <a:fld id="{E293B620-B667-452E-83B0-8201C552319F}" type="datetime1">
+            <a:fld id="{06F7644E-A04F-436E-B9C1-547A08AC77D3}" type="datetime1">
               <a:rPr lang="ru-RU" smtClean="0"/>
-              <a:pPr/>
               <a:t>15.06.2012</a:t>
             </a:fld>
             <a:endParaRPr lang="ru-RU"/>
@@ -2258,7 +2423,6 @@
   <p:clrMapOvr>
     <a:masterClrMapping/>
   </p:clrMapOvr>
-  <p:hf hdr="0" ftr="0" dt="0"/>
 </p:sldLayout>
 </file>
 
@@ -2403,9 +2567,8 @@
           <a:bodyPr/>
           <a:lstStyle/>
           <a:p>
-            <a:fld id="{3E6BFD31-7157-4F92-A5C0-BC1806637ACE}" type="datetime1">
+            <a:fld id="{8D24B8CA-7E84-4B57-9D4E-BC45E5B477D6}" type="datetime1">
               <a:rPr lang="ru-RU" smtClean="0"/>
-              <a:pPr/>
               <a:t>15.06.2012</a:t>
             </a:fld>
             <a:endParaRPr lang="ru-RU"/>
@@ -2458,7 +2621,7 @@
     </p:spTree>
     <p:extLst>
       <p:ext uri="{BB962C8B-B14F-4D97-AF65-F5344CB8AC3E}">
-        <p14:creationId xmlns:p14="http://schemas.microsoft.com/office/powerpoint/2010/main" xmlns="" val="2444056450"/>
+        <p14:creationId xmlns:p14="http://schemas.microsoft.com/office/powerpoint/2010/main" val="2444056450"/>
       </p:ext>
     </p:extLst>
   </p:cSld>
@@ -2638,9 +2801,8 @@
           <a:bodyPr/>
           <a:lstStyle/>
           <a:p>
-            <a:fld id="{6B379FBC-E0B6-4857-BB9F-2D5E10723449}" type="datetime1">
+            <a:fld id="{C8E24680-A5BA-44FA-B97E-9D5BC0245028}" type="datetime1">
               <a:rPr lang="ru-RU" smtClean="0"/>
-              <a:pPr/>
               <a:t>15.06.2012</a:t>
             </a:fld>
             <a:endParaRPr lang="ru-RU"/>
@@ -2899,9 +3061,8 @@
           <a:bodyPr/>
           <a:lstStyle/>
           <a:p>
-            <a:fld id="{853DC266-0BB8-4759-AE7F-293E5478EC80}" type="datetime1">
+            <a:fld id="{CD6AAFFA-D1A5-43DE-999E-9ED9361199D2}" type="datetime1">
               <a:rPr lang="ru-RU" smtClean="0"/>
-              <a:pPr/>
               <a:t>15.06.2012</a:t>
             </a:fld>
             <a:endParaRPr lang="ru-RU"/>
@@ -3305,9 +3466,8 @@
           <a:bodyPr rtlCol="0"/>
           <a:lstStyle/>
           <a:p>
-            <a:fld id="{67E0B97F-498B-42A6-9C72-5540853BCE16}" type="datetime1">
+            <a:fld id="{7A1D80CF-D88C-4222-A62C-AA6601842850}" type="datetime1">
               <a:rPr lang="ru-RU" smtClean="0"/>
-              <a:pPr/>
               <a:t>15.06.2012</a:t>
             </a:fld>
             <a:endParaRPr lang="ru-RU"/>
@@ -3438,9 +3598,8 @@
           <a:bodyPr/>
           <a:lstStyle/>
           <a:p>
-            <a:fld id="{8602C21D-EC22-4C9F-BE75-7F1765231927}" type="datetime1">
+            <a:fld id="{D2B18299-8DA8-4690-BAC9-B22866585492}" type="datetime1">
               <a:rPr lang="ru-RU" smtClean="0"/>
-              <a:pPr/>
               <a:t>15.06.2012</a:t>
             </a:fld>
             <a:endParaRPr lang="ru-RU"/>
@@ -3540,9 +3699,8 @@
           <a:bodyPr/>
           <a:lstStyle/>
           <a:p>
-            <a:fld id="{53FCD16D-7E9C-4DEF-9341-725FA24630B0}" type="datetime1">
+            <a:fld id="{E3D5850D-8B31-4D4C-BD79-DF48E3C62D26}" type="datetime1">
               <a:rPr lang="ru-RU" smtClean="0"/>
-              <a:pPr/>
               <a:t>15.06.2012</a:t>
             </a:fld>
             <a:endParaRPr lang="ru-RU"/>
@@ -3787,9 +3945,8 @@
           <a:bodyPr/>
           <a:lstStyle/>
           <a:p>
-            <a:fld id="{56361CEA-8F4F-4C21-8174-17A32BCA90A9}" type="datetime1">
+            <a:fld id="{A6962ABA-5B2A-4C11-ADB6-75AEC32E2BCA}" type="datetime1">
               <a:rPr lang="ru-RU" smtClean="0"/>
-              <a:pPr/>
               <a:t>15.06.2012</a:t>
             </a:fld>
             <a:endParaRPr lang="ru-RU"/>
@@ -4613,9 +4770,8 @@
             </a:lvl1pPr>
           </a:lstStyle>
           <a:p>
-            <a:fld id="{E293B620-B667-452E-83B0-8201C552319F}" type="datetime1">
+            <a:fld id="{6A12AC84-E29D-4095-9776-2B57BEF2B805}" type="datetime1">
               <a:rPr lang="ru-RU" smtClean="0"/>
-              <a:pPr/>
               <a:t>15.06.2012</a:t>
             </a:fld>
             <a:endParaRPr lang="ru-RU"/>
@@ -5126,7 +5282,7 @@
     </p:spTree>
     <p:extLst>
       <p:ext uri="{BB962C8B-B14F-4D97-AF65-F5344CB8AC3E}">
-        <p14:creationId xmlns:p14="http://schemas.microsoft.com/office/powerpoint/2010/main" xmlns="" val="1217712884"/>
+        <p14:creationId xmlns:p14="http://schemas.microsoft.com/office/powerpoint/2010/main" val="1217712884"/>
       </p:ext>
     </p:extLst>
   </p:cSld>
@@ -5192,30 +5348,6 @@
       </p:sp>
       <p:sp>
         <p:nvSpPr>
-          <p:cNvPr id="4" name="Номер слайда 3"/>
-          <p:cNvSpPr>
-            <a:spLocks noGrp="1"/>
-          </p:cNvSpPr>
-          <p:nvPr>
-            <p:ph type="sldNum" sz="quarter" idx="12"/>
-          </p:nvPr>
-        </p:nvSpPr>
-        <p:spPr/>
-        <p:txBody>
-          <a:bodyPr/>
-          <a:lstStyle/>
-          <a:p>
-            <a:fld id="{B19B0651-EE4F-4900-A07F-96A6BFA9D0F0}" type="slidenum">
-              <a:rPr lang="ru-RU" smtClean="0"/>
-              <a:pPr/>
-              <a:t>10</a:t>
-            </a:fld>
-            <a:endParaRPr lang="ru-RU" dirty="0"/>
-          </a:p>
-        </p:txBody>
-      </p:sp>
-      <p:sp>
-        <p:nvSpPr>
           <p:cNvPr id="3" name="Объект 2"/>
           <p:cNvSpPr>
             <a:spLocks noGrp="1"/>
@@ -5245,7 +5377,7 @@
           <a:blip r:embed="rId2" cstate="print">
             <a:extLst>
               <a:ext uri="{28A0092B-C50C-407E-A947-70E740481C1C}">
-                <a14:useLocalDpi xmlns:a14="http://schemas.microsoft.com/office/drawing/2010/main" xmlns="" val="0"/>
+                <a14:useLocalDpi xmlns:a14="http://schemas.microsoft.com/office/drawing/2010/main" val="0"/>
               </a:ext>
             </a:extLst>
           </a:blip>
@@ -5265,7 +5397,7 @@
           <a:noFill/>
           <a:extLst>
             <a:ext uri="{909E8E84-426E-40DD-AFC4-6F175D3DCCD1}">
-              <a14:hiddenFill xmlns:a14="http://schemas.microsoft.com/office/drawing/2010/main" xmlns="">
+              <a14:hiddenFill xmlns:a14="http://schemas.microsoft.com/office/drawing/2010/main">
                 <a:solidFill>
                   <a:srgbClr val="FFFFFF"/>
                 </a:solidFill>
@@ -5274,10 +5406,48 @@
           </a:extLst>
         </p:spPr>
       </p:pic>
+      <p:sp>
+        <p:nvSpPr>
+          <p:cNvPr id="7" name="Номер слайда 3"/>
+          <p:cNvSpPr>
+            <a:spLocks noGrp="1"/>
+          </p:cNvSpPr>
+          <p:nvPr>
+            <p:ph type="sldNum" sz="quarter" idx="12"/>
+          </p:nvPr>
+        </p:nvSpPr>
+        <p:spPr>
+          <a:xfrm>
+            <a:off x="9559899" y="6660951"/>
+            <a:ext cx="891117" cy="541552"/>
+          </a:xfrm>
+          <a:noFill/>
+        </p:spPr>
+        <p:txBody>
+          <a:bodyPr/>
+          <a:lstStyle/>
+          <a:p>
+            <a:fld id="{B19B0651-EE4F-4900-A07F-96A6BFA9D0F0}" type="slidenum">
+              <a:rPr lang="ru-RU" smtClean="0">
+                <a:solidFill>
+                  <a:schemeClr val="tx1"/>
+                </a:solidFill>
+              </a:rPr>
+              <a:pPr/>
+              <a:t>10</a:t>
+            </a:fld>
+            <a:endParaRPr lang="ru-RU" dirty="0">
+              <a:solidFill>
+                <a:schemeClr val="tx1"/>
+              </a:solidFill>
+            </a:endParaRPr>
+          </a:p>
+        </p:txBody>
+      </p:sp>
     </p:spTree>
     <p:extLst>
       <p:ext uri="{BB962C8B-B14F-4D97-AF65-F5344CB8AC3E}">
-        <p14:creationId xmlns:p14="http://schemas.microsoft.com/office/powerpoint/2010/main" xmlns="" val="4055876389"/>
+        <p14:creationId xmlns:p14="http://schemas.microsoft.com/office/powerpoint/2010/main" val="4055876389"/>
       </p:ext>
     </p:extLst>
   </p:cSld>
@@ -5343,30 +5513,6 @@
       </p:sp>
       <p:sp>
         <p:nvSpPr>
-          <p:cNvPr id="4" name="Номер слайда 3"/>
-          <p:cNvSpPr>
-            <a:spLocks noGrp="1"/>
-          </p:cNvSpPr>
-          <p:nvPr>
-            <p:ph type="sldNum" sz="quarter" idx="12"/>
-          </p:nvPr>
-        </p:nvSpPr>
-        <p:spPr/>
-        <p:txBody>
-          <a:bodyPr/>
-          <a:lstStyle/>
-          <a:p>
-            <a:fld id="{B19B0651-EE4F-4900-A07F-96A6BFA9D0F0}" type="slidenum">
-              <a:rPr lang="ru-RU" smtClean="0"/>
-              <a:pPr/>
-              <a:t>11</a:t>
-            </a:fld>
-            <a:endParaRPr lang="ru-RU" dirty="0"/>
-          </a:p>
-        </p:txBody>
-      </p:sp>
-      <p:sp>
-        <p:nvSpPr>
           <p:cNvPr id="3" name="Объект 2"/>
           <p:cNvSpPr>
             <a:spLocks noGrp="1"/>
@@ -5396,7 +5542,7 @@
           <a:blip r:embed="rId2" cstate="print">
             <a:extLst>
               <a:ext uri="{28A0092B-C50C-407E-A947-70E740481C1C}">
-                <a14:useLocalDpi xmlns:a14="http://schemas.microsoft.com/office/drawing/2010/main" xmlns="" val="0"/>
+                <a14:useLocalDpi xmlns:a14="http://schemas.microsoft.com/office/drawing/2010/main" val="0"/>
               </a:ext>
             </a:extLst>
           </a:blip>
@@ -5416,7 +5562,7 @@
           <a:noFill/>
           <a:extLst>
             <a:ext uri="{909E8E84-426E-40DD-AFC4-6F175D3DCCD1}">
-              <a14:hiddenFill xmlns:a14="http://schemas.microsoft.com/office/drawing/2010/main" xmlns="">
+              <a14:hiddenFill xmlns:a14="http://schemas.microsoft.com/office/drawing/2010/main">
                 <a:solidFill>
                   <a:srgbClr val="FFFFFF"/>
                 </a:solidFill>
@@ -5425,10 +5571,48 @@
           </a:extLst>
         </p:spPr>
       </p:pic>
+      <p:sp>
+        <p:nvSpPr>
+          <p:cNvPr id="7" name="Номер слайда 3"/>
+          <p:cNvSpPr>
+            <a:spLocks noGrp="1"/>
+          </p:cNvSpPr>
+          <p:nvPr>
+            <p:ph type="sldNum" sz="quarter" idx="12"/>
+          </p:nvPr>
+        </p:nvSpPr>
+        <p:spPr>
+          <a:xfrm>
+            <a:off x="9559899" y="6660951"/>
+            <a:ext cx="891117" cy="541552"/>
+          </a:xfrm>
+          <a:noFill/>
+        </p:spPr>
+        <p:txBody>
+          <a:bodyPr/>
+          <a:lstStyle/>
+          <a:p>
+            <a:fld id="{B19B0651-EE4F-4900-A07F-96A6BFA9D0F0}" type="slidenum">
+              <a:rPr lang="ru-RU" smtClean="0">
+                <a:solidFill>
+                  <a:schemeClr val="tx1"/>
+                </a:solidFill>
+              </a:rPr>
+              <a:pPr/>
+              <a:t>11</a:t>
+            </a:fld>
+            <a:endParaRPr lang="ru-RU" dirty="0">
+              <a:solidFill>
+                <a:schemeClr val="tx1"/>
+              </a:solidFill>
+            </a:endParaRPr>
+          </a:p>
+        </p:txBody>
+      </p:sp>
     </p:spTree>
     <p:extLst>
       <p:ext uri="{BB962C8B-B14F-4D97-AF65-F5344CB8AC3E}">
-        <p14:creationId xmlns:p14="http://schemas.microsoft.com/office/powerpoint/2010/main" xmlns="" val="1926050402"/>
+        <p14:creationId xmlns:p14="http://schemas.microsoft.com/office/powerpoint/2010/main" val="1926050402"/>
       </p:ext>
     </p:extLst>
   </p:cSld>
@@ -5511,30 +5695,6 @@
           </a:p>
         </p:txBody>
       </p:sp>
-      <p:sp>
-        <p:nvSpPr>
-          <p:cNvPr id="4" name="Номер слайда 3"/>
-          <p:cNvSpPr>
-            <a:spLocks noGrp="1"/>
-          </p:cNvSpPr>
-          <p:nvPr>
-            <p:ph type="sldNum" sz="quarter" idx="12"/>
-          </p:nvPr>
-        </p:nvSpPr>
-        <p:spPr/>
-        <p:txBody>
-          <a:bodyPr/>
-          <a:lstStyle/>
-          <a:p>
-            <a:fld id="{B19B0651-EE4F-4900-A07F-96A6BFA9D0F0}" type="slidenum">
-              <a:rPr lang="ru-RU" smtClean="0"/>
-              <a:pPr/>
-              <a:t>12</a:t>
-            </a:fld>
-            <a:endParaRPr lang="ru-RU" dirty="0"/>
-          </a:p>
-        </p:txBody>
-      </p:sp>
       <p:pic>
         <p:nvPicPr>
           <p:cNvPr id="2051" name="Picture 3" descr="E:\Учеба\Диплом\Программа\1.3 DecisionTrees  рекурсия\ClassDiagram4.png"/>
@@ -5547,7 +5707,7 @@
           <a:blip r:embed="rId2" cstate="print">
             <a:extLst>
               <a:ext uri="{28A0092B-C50C-407E-A947-70E740481C1C}">
-                <a14:useLocalDpi xmlns:a14="http://schemas.microsoft.com/office/drawing/2010/main" xmlns="" val="0"/>
+                <a14:useLocalDpi xmlns:a14="http://schemas.microsoft.com/office/drawing/2010/main" val="0"/>
               </a:ext>
             </a:extLst>
           </a:blip>
@@ -5567,7 +5727,7 @@
           <a:noFill/>
           <a:extLst>
             <a:ext uri="{909E8E84-426E-40DD-AFC4-6F175D3DCCD1}">
-              <a14:hiddenFill xmlns:a14="http://schemas.microsoft.com/office/drawing/2010/main" xmlns="">
+              <a14:hiddenFill xmlns:a14="http://schemas.microsoft.com/office/drawing/2010/main">
                 <a:solidFill>
                   <a:srgbClr val="FFFFFF"/>
                 </a:solidFill>
@@ -5576,10 +5736,48 @@
           </a:extLst>
         </p:spPr>
       </p:pic>
+      <p:sp>
+        <p:nvSpPr>
+          <p:cNvPr id="7" name="Номер слайда 3"/>
+          <p:cNvSpPr>
+            <a:spLocks noGrp="1"/>
+          </p:cNvSpPr>
+          <p:nvPr>
+            <p:ph type="sldNum" sz="quarter" idx="12"/>
+          </p:nvPr>
+        </p:nvSpPr>
+        <p:spPr>
+          <a:xfrm>
+            <a:off x="9559899" y="6660951"/>
+            <a:ext cx="891117" cy="541552"/>
+          </a:xfrm>
+          <a:noFill/>
+        </p:spPr>
+        <p:txBody>
+          <a:bodyPr/>
+          <a:lstStyle/>
+          <a:p>
+            <a:fld id="{B19B0651-EE4F-4900-A07F-96A6BFA9D0F0}" type="slidenum">
+              <a:rPr lang="ru-RU" smtClean="0">
+                <a:solidFill>
+                  <a:schemeClr val="tx1"/>
+                </a:solidFill>
+              </a:rPr>
+              <a:pPr/>
+              <a:t>12</a:t>
+            </a:fld>
+            <a:endParaRPr lang="ru-RU" dirty="0">
+              <a:solidFill>
+                <a:schemeClr val="tx1"/>
+              </a:solidFill>
+            </a:endParaRPr>
+          </a:p>
+        </p:txBody>
+      </p:sp>
     </p:spTree>
     <p:extLst>
       <p:ext uri="{BB962C8B-B14F-4D97-AF65-F5344CB8AC3E}">
-        <p14:creationId xmlns:p14="http://schemas.microsoft.com/office/powerpoint/2010/main" xmlns="" val="824107611"/>
+        <p14:creationId xmlns:p14="http://schemas.microsoft.com/office/powerpoint/2010/main" val="824107611"/>
       </p:ext>
     </p:extLst>
   </p:cSld>
@@ -5645,30 +5843,6 @@
       </p:sp>
       <p:sp>
         <p:nvSpPr>
-          <p:cNvPr id="4" name="Номер слайда 3"/>
-          <p:cNvSpPr>
-            <a:spLocks noGrp="1"/>
-          </p:cNvSpPr>
-          <p:nvPr>
-            <p:ph type="sldNum" sz="quarter" idx="12"/>
-          </p:nvPr>
-        </p:nvSpPr>
-        <p:spPr/>
-        <p:txBody>
-          <a:bodyPr/>
-          <a:lstStyle/>
-          <a:p>
-            <a:fld id="{B19B0651-EE4F-4900-A07F-96A6BFA9D0F0}" type="slidenum">
-              <a:rPr lang="ru-RU" smtClean="0"/>
-              <a:pPr/>
-              <a:t>13</a:t>
-            </a:fld>
-            <a:endParaRPr lang="ru-RU" dirty="0"/>
-          </a:p>
-        </p:txBody>
-      </p:sp>
-      <p:sp>
-        <p:nvSpPr>
           <p:cNvPr id="5" name="Объект 4"/>
           <p:cNvSpPr>
             <a:spLocks noGrp="1"/>
@@ -5698,7 +5872,7 @@
           <a:blip r:embed="rId2" cstate="print">
             <a:extLst>
               <a:ext uri="{28A0092B-C50C-407E-A947-70E740481C1C}">
-                <a14:useLocalDpi xmlns:a14="http://schemas.microsoft.com/office/drawing/2010/main" xmlns="" val="0"/>
+                <a14:useLocalDpi xmlns:a14="http://schemas.microsoft.com/office/drawing/2010/main" val="0"/>
               </a:ext>
             </a:extLst>
           </a:blip>
@@ -5718,7 +5892,7 @@
           <a:noFill/>
           <a:extLst>
             <a:ext uri="{909E8E84-426E-40DD-AFC4-6F175D3DCCD1}">
-              <a14:hiddenFill xmlns:a14="http://schemas.microsoft.com/office/drawing/2010/main" xmlns="">
+              <a14:hiddenFill xmlns:a14="http://schemas.microsoft.com/office/drawing/2010/main">
                 <a:solidFill>
                   <a:srgbClr val="FFFFFF"/>
                 </a:solidFill>
@@ -5727,10 +5901,48 @@
           </a:extLst>
         </p:spPr>
       </p:pic>
+      <p:sp>
+        <p:nvSpPr>
+          <p:cNvPr id="7" name="Номер слайда 3"/>
+          <p:cNvSpPr>
+            <a:spLocks noGrp="1"/>
+          </p:cNvSpPr>
+          <p:nvPr>
+            <p:ph type="sldNum" sz="quarter" idx="12"/>
+          </p:nvPr>
+        </p:nvSpPr>
+        <p:spPr>
+          <a:xfrm>
+            <a:off x="9559899" y="6660951"/>
+            <a:ext cx="891117" cy="541552"/>
+          </a:xfrm>
+          <a:noFill/>
+        </p:spPr>
+        <p:txBody>
+          <a:bodyPr/>
+          <a:lstStyle/>
+          <a:p>
+            <a:fld id="{B19B0651-EE4F-4900-A07F-96A6BFA9D0F0}" type="slidenum">
+              <a:rPr lang="ru-RU" smtClean="0">
+                <a:solidFill>
+                  <a:schemeClr val="tx1"/>
+                </a:solidFill>
+              </a:rPr>
+              <a:pPr/>
+              <a:t>13</a:t>
+            </a:fld>
+            <a:endParaRPr lang="ru-RU" dirty="0">
+              <a:solidFill>
+                <a:schemeClr val="tx1"/>
+              </a:solidFill>
+            </a:endParaRPr>
+          </a:p>
+        </p:txBody>
+      </p:sp>
     </p:spTree>
     <p:extLst>
       <p:ext uri="{BB962C8B-B14F-4D97-AF65-F5344CB8AC3E}">
-        <p14:creationId xmlns:p14="http://schemas.microsoft.com/office/powerpoint/2010/main" xmlns="" val="234370844"/>
+        <p14:creationId xmlns:p14="http://schemas.microsoft.com/office/powerpoint/2010/main" val="234370844"/>
       </p:ext>
     </p:extLst>
   </p:cSld>
@@ -5814,30 +6026,6 @@
           </a:p>
         </p:txBody>
       </p:sp>
-      <p:sp>
-        <p:nvSpPr>
-          <p:cNvPr id="4" name="Номер слайда 3"/>
-          <p:cNvSpPr>
-            <a:spLocks noGrp="1"/>
-          </p:cNvSpPr>
-          <p:nvPr>
-            <p:ph type="sldNum" sz="quarter" idx="12"/>
-          </p:nvPr>
-        </p:nvSpPr>
-        <p:spPr/>
-        <p:txBody>
-          <a:bodyPr/>
-          <a:lstStyle/>
-          <a:p>
-            <a:fld id="{B19B0651-EE4F-4900-A07F-96A6BFA9D0F0}" type="slidenum">
-              <a:rPr lang="ru-RU" smtClean="0"/>
-              <a:pPr/>
-              <a:t>14</a:t>
-            </a:fld>
-            <a:endParaRPr lang="ru-RU" dirty="0"/>
-          </a:p>
-        </p:txBody>
-      </p:sp>
       <p:graphicFrame>
         <p:nvGraphicFramePr>
           <p:cNvPr id="5" name="Объект 4"/>
@@ -5847,7 +6035,7 @@
           <p:nvPr>
             <p:extLst>
               <p:ext uri="{D42A27DB-BD31-4B8C-83A1-F6EECF244321}">
-                <p14:modId xmlns:p14="http://schemas.microsoft.com/office/powerpoint/2010/main" xmlns="" val="2494082970"/>
+                <p14:modId xmlns:p14="http://schemas.microsoft.com/office/powerpoint/2010/main" val="2494082970"/>
               </p:ext>
             </p:extLst>
           </p:nvPr>
@@ -6390,10 +6578,48 @@
           </a:graphicData>
         </a:graphic>
       </p:graphicFrame>
+      <p:sp>
+        <p:nvSpPr>
+          <p:cNvPr id="7" name="Номер слайда 3"/>
+          <p:cNvSpPr>
+            <a:spLocks noGrp="1"/>
+          </p:cNvSpPr>
+          <p:nvPr>
+            <p:ph type="sldNum" sz="quarter" idx="12"/>
+          </p:nvPr>
+        </p:nvSpPr>
+        <p:spPr>
+          <a:xfrm>
+            <a:off x="9559899" y="6660951"/>
+            <a:ext cx="891117" cy="541552"/>
+          </a:xfrm>
+          <a:noFill/>
+        </p:spPr>
+        <p:txBody>
+          <a:bodyPr/>
+          <a:lstStyle/>
+          <a:p>
+            <a:fld id="{B19B0651-EE4F-4900-A07F-96A6BFA9D0F0}" type="slidenum">
+              <a:rPr lang="ru-RU" smtClean="0">
+                <a:solidFill>
+                  <a:schemeClr val="tx1"/>
+                </a:solidFill>
+              </a:rPr>
+              <a:pPr/>
+              <a:t>14</a:t>
+            </a:fld>
+            <a:endParaRPr lang="ru-RU" dirty="0">
+              <a:solidFill>
+                <a:schemeClr val="tx1"/>
+              </a:solidFill>
+            </a:endParaRPr>
+          </a:p>
+        </p:txBody>
+      </p:sp>
     </p:spTree>
     <p:extLst>
       <p:ext uri="{BB962C8B-B14F-4D97-AF65-F5344CB8AC3E}">
-        <p14:creationId xmlns:p14="http://schemas.microsoft.com/office/powerpoint/2010/main" xmlns="" val="1964237877"/>
+        <p14:creationId xmlns:p14="http://schemas.microsoft.com/office/powerpoint/2010/main" val="1964237877"/>
       </p:ext>
     </p:extLst>
   </p:cSld>
@@ -6501,30 +6727,6 @@
           </a:p>
         </p:txBody>
       </p:sp>
-      <p:sp>
-        <p:nvSpPr>
-          <p:cNvPr id="4" name="Номер слайда 3"/>
-          <p:cNvSpPr>
-            <a:spLocks noGrp="1"/>
-          </p:cNvSpPr>
-          <p:nvPr>
-            <p:ph type="sldNum" sz="quarter" idx="12"/>
-          </p:nvPr>
-        </p:nvSpPr>
-        <p:spPr/>
-        <p:txBody>
-          <a:bodyPr/>
-          <a:lstStyle/>
-          <a:p>
-            <a:fld id="{B19B0651-EE4F-4900-A07F-96A6BFA9D0F0}" type="slidenum">
-              <a:rPr lang="ru-RU" smtClean="0"/>
-              <a:pPr/>
-              <a:t>15</a:t>
-            </a:fld>
-            <a:endParaRPr lang="ru-RU" dirty="0"/>
-          </a:p>
-        </p:txBody>
-      </p:sp>
       <p:pic>
         <p:nvPicPr>
           <p:cNvPr id="1026" name="Picture 2"/>
@@ -6537,7 +6739,7 @@
           <a:blip r:embed="rId2" cstate="print">
             <a:extLst>
               <a:ext uri="{28A0092B-C50C-407E-A947-70E740481C1C}">
-                <a14:useLocalDpi xmlns:a14="http://schemas.microsoft.com/office/drawing/2010/main" xmlns="" val="0"/>
+                <a14:useLocalDpi xmlns:a14="http://schemas.microsoft.com/office/drawing/2010/main" val="0"/>
               </a:ext>
             </a:extLst>
           </a:blip>
@@ -6561,14 +6763,14 @@
           <a:effectLst/>
           <a:extLst>
             <a:ext uri="{909E8E84-426E-40DD-AFC4-6F175D3DCCD1}">
-              <a14:hiddenFill xmlns:a14="http://schemas.microsoft.com/office/drawing/2010/main" xmlns="">
+              <a14:hiddenFill xmlns:a14="http://schemas.microsoft.com/office/drawing/2010/main">
                 <a:solidFill>
                   <a:schemeClr val="accent1"/>
                 </a:solidFill>
               </a14:hiddenFill>
             </a:ext>
             <a:ext uri="{91240B29-F687-4F45-9708-019B960494DF}">
-              <a14:hiddenLine xmlns:a14="http://schemas.microsoft.com/office/drawing/2010/main" xmlns="" w="9525">
+              <a14:hiddenLine xmlns:a14="http://schemas.microsoft.com/office/drawing/2010/main" w="9525">
                 <a:solidFill>
                   <a:schemeClr val="tx1"/>
                 </a:solidFill>
@@ -6578,7 +6780,7 @@
               </a14:hiddenLine>
             </a:ext>
             <a:ext uri="{AF507438-7753-43E0-B8FC-AC1667EBCBE1}">
-              <a14:hiddenEffects xmlns:a14="http://schemas.microsoft.com/office/drawing/2010/main" xmlns="">
+              <a14:hiddenEffects xmlns:a14="http://schemas.microsoft.com/office/drawing/2010/main">
                 <a:effectLst>
                   <a:outerShdw dist="35921" dir="2700000" algn="ctr" rotWithShape="0">
                     <a:schemeClr val="bg2"/>
@@ -6601,7 +6803,7 @@
           <a:blip r:embed="rId3" cstate="print">
             <a:extLst>
               <a:ext uri="{28A0092B-C50C-407E-A947-70E740481C1C}">
-                <a14:useLocalDpi xmlns:a14="http://schemas.microsoft.com/office/drawing/2010/main" xmlns="" val="0"/>
+                <a14:useLocalDpi xmlns:a14="http://schemas.microsoft.com/office/drawing/2010/main" val="0"/>
               </a:ext>
             </a:extLst>
           </a:blip>
@@ -6625,14 +6827,14 @@
           <a:effectLst/>
           <a:extLst>
             <a:ext uri="{909E8E84-426E-40DD-AFC4-6F175D3DCCD1}">
-              <a14:hiddenFill xmlns:a14="http://schemas.microsoft.com/office/drawing/2010/main" xmlns="">
+              <a14:hiddenFill xmlns:a14="http://schemas.microsoft.com/office/drawing/2010/main">
                 <a:solidFill>
                   <a:schemeClr val="accent1"/>
                 </a:solidFill>
               </a14:hiddenFill>
             </a:ext>
             <a:ext uri="{91240B29-F687-4F45-9708-019B960494DF}">
-              <a14:hiddenLine xmlns:a14="http://schemas.microsoft.com/office/drawing/2010/main" xmlns="" w="9525">
+              <a14:hiddenLine xmlns:a14="http://schemas.microsoft.com/office/drawing/2010/main" w="9525">
                 <a:solidFill>
                   <a:schemeClr val="tx1"/>
                 </a:solidFill>
@@ -6642,7 +6844,7 @@
               </a14:hiddenLine>
             </a:ext>
             <a:ext uri="{AF507438-7753-43E0-B8FC-AC1667EBCBE1}">
-              <a14:hiddenEffects xmlns:a14="http://schemas.microsoft.com/office/drawing/2010/main" xmlns="">
+              <a14:hiddenEffects xmlns:a14="http://schemas.microsoft.com/office/drawing/2010/main">
                 <a:effectLst>
                   <a:outerShdw dist="35921" dir="2700000" algn="ctr" rotWithShape="0">
                     <a:schemeClr val="bg2"/>
@@ -6653,10 +6855,48 @@
           </a:extLst>
         </p:spPr>
       </p:pic>
+      <p:sp>
+        <p:nvSpPr>
+          <p:cNvPr id="8" name="Номер слайда 3"/>
+          <p:cNvSpPr>
+            <a:spLocks noGrp="1"/>
+          </p:cNvSpPr>
+          <p:nvPr>
+            <p:ph type="sldNum" sz="quarter" idx="12"/>
+          </p:nvPr>
+        </p:nvSpPr>
+        <p:spPr>
+          <a:xfrm>
+            <a:off x="9559899" y="6660951"/>
+            <a:ext cx="891117" cy="541552"/>
+          </a:xfrm>
+          <a:noFill/>
+        </p:spPr>
+        <p:txBody>
+          <a:bodyPr/>
+          <a:lstStyle/>
+          <a:p>
+            <a:fld id="{B19B0651-EE4F-4900-A07F-96A6BFA9D0F0}" type="slidenum">
+              <a:rPr lang="ru-RU" smtClean="0">
+                <a:solidFill>
+                  <a:schemeClr val="tx1"/>
+                </a:solidFill>
+              </a:rPr>
+              <a:pPr/>
+              <a:t>15</a:t>
+            </a:fld>
+            <a:endParaRPr lang="ru-RU" dirty="0">
+              <a:solidFill>
+                <a:schemeClr val="tx1"/>
+              </a:solidFill>
+            </a:endParaRPr>
+          </a:p>
+        </p:txBody>
+      </p:sp>
     </p:spTree>
     <p:extLst>
       <p:ext uri="{BB962C8B-B14F-4D97-AF65-F5344CB8AC3E}">
-        <p14:creationId xmlns:p14="http://schemas.microsoft.com/office/powerpoint/2010/main" xmlns="" val="3933862289"/>
+        <p14:creationId xmlns:p14="http://schemas.microsoft.com/office/powerpoint/2010/main" val="3933862289"/>
       </p:ext>
     </p:extLst>
   </p:cSld>
@@ -6763,30 +7003,6 @@
           </a:p>
         </p:txBody>
       </p:sp>
-      <p:sp>
-        <p:nvSpPr>
-          <p:cNvPr id="4" name="Номер слайда 3"/>
-          <p:cNvSpPr>
-            <a:spLocks noGrp="1"/>
-          </p:cNvSpPr>
-          <p:nvPr>
-            <p:ph type="sldNum" sz="quarter" idx="12"/>
-          </p:nvPr>
-        </p:nvSpPr>
-        <p:spPr/>
-        <p:txBody>
-          <a:bodyPr/>
-          <a:lstStyle/>
-          <a:p>
-            <a:fld id="{B19B0651-EE4F-4900-A07F-96A6BFA9D0F0}" type="slidenum">
-              <a:rPr lang="ru-RU" smtClean="0"/>
-              <a:pPr/>
-              <a:t>16</a:t>
-            </a:fld>
-            <a:endParaRPr lang="ru-RU" dirty="0"/>
-          </a:p>
-        </p:txBody>
-      </p:sp>
       <p:pic>
         <p:nvPicPr>
           <p:cNvPr id="1026" name="Picture 2"/>
@@ -6799,7 +7015,7 @@
           <a:blip r:embed="rId2" cstate="print">
             <a:extLst>
               <a:ext uri="{28A0092B-C50C-407E-A947-70E740481C1C}">
-                <a14:useLocalDpi xmlns:a14="http://schemas.microsoft.com/office/drawing/2010/main" xmlns="" val="0"/>
+                <a14:useLocalDpi xmlns:a14="http://schemas.microsoft.com/office/drawing/2010/main" val="0"/>
               </a:ext>
             </a:extLst>
           </a:blip>
@@ -6823,14 +7039,14 @@
           <a:effectLst/>
           <a:extLst>
             <a:ext uri="{909E8E84-426E-40DD-AFC4-6F175D3DCCD1}">
-              <a14:hiddenFill xmlns:a14="http://schemas.microsoft.com/office/drawing/2010/main" xmlns="">
+              <a14:hiddenFill xmlns:a14="http://schemas.microsoft.com/office/drawing/2010/main">
                 <a:solidFill>
                   <a:schemeClr val="accent1"/>
                 </a:solidFill>
               </a14:hiddenFill>
             </a:ext>
             <a:ext uri="{91240B29-F687-4F45-9708-019B960494DF}">
-              <a14:hiddenLine xmlns:a14="http://schemas.microsoft.com/office/drawing/2010/main" xmlns="" w="9525">
+              <a14:hiddenLine xmlns:a14="http://schemas.microsoft.com/office/drawing/2010/main" w="9525">
                 <a:solidFill>
                   <a:schemeClr val="tx1"/>
                 </a:solidFill>
@@ -6840,7 +7056,7 @@
               </a14:hiddenLine>
             </a:ext>
             <a:ext uri="{AF507438-7753-43E0-B8FC-AC1667EBCBE1}">
-              <a14:hiddenEffects xmlns:a14="http://schemas.microsoft.com/office/drawing/2010/main" xmlns="">
+              <a14:hiddenEffects xmlns:a14="http://schemas.microsoft.com/office/drawing/2010/main">
                 <a:effectLst>
                   <a:outerShdw dist="35921" dir="2700000" algn="ctr" rotWithShape="0">
                     <a:schemeClr val="bg2"/>
@@ -6851,10 +7067,48 @@
           </a:extLst>
         </p:spPr>
       </p:pic>
+      <p:sp>
+        <p:nvSpPr>
+          <p:cNvPr id="7" name="Номер слайда 3"/>
+          <p:cNvSpPr>
+            <a:spLocks noGrp="1"/>
+          </p:cNvSpPr>
+          <p:nvPr>
+            <p:ph type="sldNum" sz="quarter" idx="12"/>
+          </p:nvPr>
+        </p:nvSpPr>
+        <p:spPr>
+          <a:xfrm>
+            <a:off x="9559899" y="6660951"/>
+            <a:ext cx="891117" cy="541552"/>
+          </a:xfrm>
+          <a:noFill/>
+        </p:spPr>
+        <p:txBody>
+          <a:bodyPr/>
+          <a:lstStyle/>
+          <a:p>
+            <a:fld id="{B19B0651-EE4F-4900-A07F-96A6BFA9D0F0}" type="slidenum">
+              <a:rPr lang="ru-RU" smtClean="0">
+                <a:solidFill>
+                  <a:schemeClr val="tx1"/>
+                </a:solidFill>
+              </a:rPr>
+              <a:pPr/>
+              <a:t>16</a:t>
+            </a:fld>
+            <a:endParaRPr lang="ru-RU" dirty="0">
+              <a:solidFill>
+                <a:schemeClr val="tx1"/>
+              </a:solidFill>
+            </a:endParaRPr>
+          </a:p>
+        </p:txBody>
+      </p:sp>
     </p:spTree>
     <p:extLst>
       <p:ext uri="{BB962C8B-B14F-4D97-AF65-F5344CB8AC3E}">
-        <p14:creationId xmlns:p14="http://schemas.microsoft.com/office/powerpoint/2010/main" xmlns="" val="556429473"/>
+        <p14:creationId xmlns:p14="http://schemas.microsoft.com/office/powerpoint/2010/main" val="556429473"/>
       </p:ext>
     </p:extLst>
   </p:cSld>
@@ -6984,30 +7238,6 @@
           </a:p>
         </p:txBody>
       </p:sp>
-      <p:sp>
-        <p:nvSpPr>
-          <p:cNvPr id="4" name="Номер слайда 3"/>
-          <p:cNvSpPr>
-            <a:spLocks noGrp="1"/>
-          </p:cNvSpPr>
-          <p:nvPr>
-            <p:ph type="sldNum" sz="quarter" idx="12"/>
-          </p:nvPr>
-        </p:nvSpPr>
-        <p:spPr/>
-        <p:txBody>
-          <a:bodyPr/>
-          <a:lstStyle/>
-          <a:p>
-            <a:fld id="{B19B0651-EE4F-4900-A07F-96A6BFA9D0F0}" type="slidenum">
-              <a:rPr lang="ru-RU" smtClean="0"/>
-              <a:pPr/>
-              <a:t>17</a:t>
-            </a:fld>
-            <a:endParaRPr lang="ru-RU" dirty="0"/>
-          </a:p>
-        </p:txBody>
-      </p:sp>
       <p:pic>
         <p:nvPicPr>
           <p:cNvPr id="3074" name="Picture 2"/>
@@ -7020,7 +7250,7 @@
           <a:blip r:embed="rId2" cstate="print">
             <a:extLst>
               <a:ext uri="{28A0092B-C50C-407E-A947-70E740481C1C}">
-                <a14:useLocalDpi xmlns:a14="http://schemas.microsoft.com/office/drawing/2010/main" xmlns="" val="0"/>
+                <a14:useLocalDpi xmlns:a14="http://schemas.microsoft.com/office/drawing/2010/main" val="0"/>
               </a:ext>
             </a:extLst>
           </a:blip>
@@ -7044,14 +7274,14 @@
           <a:effectLst/>
           <a:extLst>
             <a:ext uri="{909E8E84-426E-40DD-AFC4-6F175D3DCCD1}">
-              <a14:hiddenFill xmlns:a14="http://schemas.microsoft.com/office/drawing/2010/main" xmlns="">
+              <a14:hiddenFill xmlns:a14="http://schemas.microsoft.com/office/drawing/2010/main">
                 <a:solidFill>
                   <a:schemeClr val="accent1"/>
                 </a:solidFill>
               </a14:hiddenFill>
             </a:ext>
             <a:ext uri="{91240B29-F687-4F45-9708-019B960494DF}">
-              <a14:hiddenLine xmlns:a14="http://schemas.microsoft.com/office/drawing/2010/main" xmlns="" w="9525">
+              <a14:hiddenLine xmlns:a14="http://schemas.microsoft.com/office/drawing/2010/main" w="9525">
                 <a:solidFill>
                   <a:schemeClr val="tx1"/>
                 </a:solidFill>
@@ -7061,7 +7291,7 @@
               </a14:hiddenLine>
             </a:ext>
             <a:ext uri="{AF507438-7753-43E0-B8FC-AC1667EBCBE1}">
-              <a14:hiddenEffects xmlns:a14="http://schemas.microsoft.com/office/drawing/2010/main" xmlns="">
+              <a14:hiddenEffects xmlns:a14="http://schemas.microsoft.com/office/drawing/2010/main">
                 <a:effectLst>
                   <a:outerShdw dist="35921" dir="2700000" algn="ctr" rotWithShape="0">
                     <a:schemeClr val="bg2"/>
@@ -7072,10 +7302,143 @@
           </a:extLst>
         </p:spPr>
       </p:pic>
+      <p:sp>
+        <p:nvSpPr>
+          <p:cNvPr id="7" name="Номер слайда 3"/>
+          <p:cNvSpPr txBox="1">
+            <a:spLocks/>
+          </p:cNvSpPr>
+          <p:nvPr/>
+        </p:nvSpPr>
+        <p:spPr>
+          <a:xfrm>
+            <a:off x="9559899" y="6660951"/>
+            <a:ext cx="891117" cy="541552"/>
+          </a:xfrm>
+          <a:prstGeom prst="rect">
+            <a:avLst/>
+          </a:prstGeom>
+          <a:noFill/>
+        </p:spPr>
+        <p:txBody>
+          <a:bodyPr vert="horz" lIns="104306" tIns="52153" rIns="104306" bIns="52153" anchor="b"/>
+          <a:lstStyle>
+            <a:defPPr>
+              <a:defRPr lang="ru-RU"/>
+            </a:defPPr>
+            <a:lvl1pPr marL="0" algn="r" defTabSz="995514" rtl="0" eaLnBrk="1" latinLnBrk="0" hangingPunct="1">
+              <a:defRPr kumimoji="0" sz="2100" kern="1200">
+                <a:solidFill>
+                  <a:srgbClr val="FFFFFF"/>
+                </a:solidFill>
+                <a:latin typeface="+mn-lt"/>
+                <a:ea typeface="+mn-ea"/>
+                <a:cs typeface="+mn-cs"/>
+              </a:defRPr>
+            </a:lvl1pPr>
+            <a:lvl2pPr marL="497757" algn="l" defTabSz="995514" rtl="0" eaLnBrk="1" latinLnBrk="0" hangingPunct="1">
+              <a:defRPr sz="2100" kern="1200">
+                <a:solidFill>
+                  <a:schemeClr val="tx1"/>
+                </a:solidFill>
+                <a:latin typeface="+mn-lt"/>
+                <a:ea typeface="+mn-ea"/>
+                <a:cs typeface="+mn-cs"/>
+              </a:defRPr>
+            </a:lvl2pPr>
+            <a:lvl3pPr marL="995514" algn="l" defTabSz="995514" rtl="0" eaLnBrk="1" latinLnBrk="0" hangingPunct="1">
+              <a:defRPr sz="2100" kern="1200">
+                <a:solidFill>
+                  <a:schemeClr val="tx1"/>
+                </a:solidFill>
+                <a:latin typeface="+mn-lt"/>
+                <a:ea typeface="+mn-ea"/>
+                <a:cs typeface="+mn-cs"/>
+              </a:defRPr>
+            </a:lvl3pPr>
+            <a:lvl4pPr marL="1493271" algn="l" defTabSz="995514" rtl="0" eaLnBrk="1" latinLnBrk="0" hangingPunct="1">
+              <a:defRPr sz="2100" kern="1200">
+                <a:solidFill>
+                  <a:schemeClr val="tx1"/>
+                </a:solidFill>
+                <a:latin typeface="+mn-lt"/>
+                <a:ea typeface="+mn-ea"/>
+                <a:cs typeface="+mn-cs"/>
+              </a:defRPr>
+            </a:lvl4pPr>
+            <a:lvl5pPr marL="1991029" algn="l" defTabSz="995514" rtl="0" eaLnBrk="1" latinLnBrk="0" hangingPunct="1">
+              <a:defRPr sz="2100" kern="1200">
+                <a:solidFill>
+                  <a:schemeClr val="tx1"/>
+                </a:solidFill>
+                <a:latin typeface="+mn-lt"/>
+                <a:ea typeface="+mn-ea"/>
+                <a:cs typeface="+mn-cs"/>
+              </a:defRPr>
+            </a:lvl5pPr>
+            <a:lvl6pPr marL="2488786" algn="l" defTabSz="995514" rtl="0" eaLnBrk="1" latinLnBrk="0" hangingPunct="1">
+              <a:defRPr sz="2100" kern="1200">
+                <a:solidFill>
+                  <a:schemeClr val="tx1"/>
+                </a:solidFill>
+                <a:latin typeface="+mn-lt"/>
+                <a:ea typeface="+mn-ea"/>
+                <a:cs typeface="+mn-cs"/>
+              </a:defRPr>
+            </a:lvl6pPr>
+            <a:lvl7pPr marL="2986543" algn="l" defTabSz="995514" rtl="0" eaLnBrk="1" latinLnBrk="0" hangingPunct="1">
+              <a:defRPr sz="2100" kern="1200">
+                <a:solidFill>
+                  <a:schemeClr val="tx1"/>
+                </a:solidFill>
+                <a:latin typeface="+mn-lt"/>
+                <a:ea typeface="+mn-ea"/>
+                <a:cs typeface="+mn-cs"/>
+              </a:defRPr>
+            </a:lvl7pPr>
+            <a:lvl8pPr marL="3484301" algn="l" defTabSz="995514" rtl="0" eaLnBrk="1" latinLnBrk="0" hangingPunct="1">
+              <a:defRPr sz="2100" kern="1200">
+                <a:solidFill>
+                  <a:schemeClr val="tx1"/>
+                </a:solidFill>
+                <a:latin typeface="+mn-lt"/>
+                <a:ea typeface="+mn-ea"/>
+                <a:cs typeface="+mn-cs"/>
+              </a:defRPr>
+            </a:lvl8pPr>
+            <a:lvl9pPr marL="3982058" algn="l" defTabSz="995514" rtl="0" eaLnBrk="1" latinLnBrk="0" hangingPunct="1">
+              <a:defRPr sz="2100" kern="1200">
+                <a:solidFill>
+                  <a:schemeClr val="tx1"/>
+                </a:solidFill>
+                <a:latin typeface="+mn-lt"/>
+                <a:ea typeface="+mn-ea"/>
+                <a:cs typeface="+mn-cs"/>
+              </a:defRPr>
+            </a:lvl9pPr>
+          </a:lstStyle>
+          <a:p>
+            <a:fld id="{B19B0651-EE4F-4900-A07F-96A6BFA9D0F0}" type="slidenum">
+              <a:rPr lang="ru-RU" smtClean="0">
+                <a:solidFill>
+                  <a:schemeClr val="tx1"/>
+                </a:solidFill>
+              </a:rPr>
+              <a:pPr/>
+              <a:t>17</a:t>
+            </a:fld>
+            <a:endParaRPr lang="ru-RU" dirty="0">
+              <a:solidFill>
+                <a:schemeClr val="tx1"/>
+              </a:solidFill>
+            </a:endParaRPr>
+          </a:p>
+        </p:txBody>
+      </p:sp>
     </p:spTree>
     <p:extLst>
       <p:ext uri="{BB962C8B-B14F-4D97-AF65-F5344CB8AC3E}">
-        <p14:creationId xmlns:p14="http://schemas.microsoft.com/office/powerpoint/2010/main" xmlns="" val="3259849278"/>
+        <p14:creationId xmlns:p14="http://schemas.microsoft.com/office/powerpoint/2010/main" val="3259849278"/>
       </p:ext>
     </p:extLst>
   </p:cSld>
@@ -7140,30 +7503,6 @@
       </p:sp>
       <p:sp>
         <p:nvSpPr>
-          <p:cNvPr id="4" name="Номер слайда 3"/>
-          <p:cNvSpPr>
-            <a:spLocks noGrp="1"/>
-          </p:cNvSpPr>
-          <p:nvPr>
-            <p:ph type="sldNum" sz="quarter" idx="12"/>
-          </p:nvPr>
-        </p:nvSpPr>
-        <p:spPr/>
-        <p:txBody>
-          <a:bodyPr/>
-          <a:lstStyle/>
-          <a:p>
-            <a:fld id="{B19B0651-EE4F-4900-A07F-96A6BFA9D0F0}" type="slidenum">
-              <a:rPr lang="ru-RU" smtClean="0"/>
-              <a:pPr/>
-              <a:t>18</a:t>
-            </a:fld>
-            <a:endParaRPr lang="ru-RU" dirty="0"/>
-          </a:p>
-        </p:txBody>
-      </p:sp>
-      <p:sp>
-        <p:nvSpPr>
           <p:cNvPr id="6" name="Объект 5"/>
           <p:cNvSpPr>
             <a:spLocks noGrp="1"/>
@@ -7244,7 +7583,7 @@
           <a:blip r:embed="rId2" cstate="print">
             <a:extLst>
               <a:ext uri="{28A0092B-C50C-407E-A947-70E740481C1C}">
-                <a14:useLocalDpi xmlns:a14="http://schemas.microsoft.com/office/drawing/2010/main" xmlns="" val="0"/>
+                <a14:useLocalDpi xmlns:a14="http://schemas.microsoft.com/office/drawing/2010/main" val="0"/>
               </a:ext>
             </a:extLst>
           </a:blip>
@@ -7268,14 +7607,14 @@
           <a:effectLst/>
           <a:extLst>
             <a:ext uri="{909E8E84-426E-40DD-AFC4-6F175D3DCCD1}">
-              <a14:hiddenFill xmlns:a14="http://schemas.microsoft.com/office/drawing/2010/main" xmlns="">
+              <a14:hiddenFill xmlns:a14="http://schemas.microsoft.com/office/drawing/2010/main">
                 <a:solidFill>
                   <a:schemeClr val="accent1"/>
                 </a:solidFill>
               </a14:hiddenFill>
             </a:ext>
             <a:ext uri="{91240B29-F687-4F45-9708-019B960494DF}">
-              <a14:hiddenLine xmlns:a14="http://schemas.microsoft.com/office/drawing/2010/main" xmlns="" w="9525">
+              <a14:hiddenLine xmlns:a14="http://schemas.microsoft.com/office/drawing/2010/main" w="9525">
                 <a:solidFill>
                   <a:schemeClr val="tx1"/>
                 </a:solidFill>
@@ -7285,7 +7624,7 @@
               </a14:hiddenLine>
             </a:ext>
             <a:ext uri="{AF507438-7753-43E0-B8FC-AC1667EBCBE1}">
-              <a14:hiddenEffects xmlns:a14="http://schemas.microsoft.com/office/drawing/2010/main" xmlns="">
+              <a14:hiddenEffects xmlns:a14="http://schemas.microsoft.com/office/drawing/2010/main">
                 <a:effectLst>
                   <a:outerShdw dist="35921" dir="2700000" algn="ctr" rotWithShape="0">
                     <a:schemeClr val="bg2"/>
@@ -7296,10 +7635,48 @@
           </a:extLst>
         </p:spPr>
       </p:pic>
+      <p:sp>
+        <p:nvSpPr>
+          <p:cNvPr id="7" name="Номер слайда 3"/>
+          <p:cNvSpPr>
+            <a:spLocks noGrp="1"/>
+          </p:cNvSpPr>
+          <p:nvPr>
+            <p:ph type="sldNum" sz="quarter" idx="12"/>
+          </p:nvPr>
+        </p:nvSpPr>
+        <p:spPr>
+          <a:xfrm>
+            <a:off x="9559899" y="6660951"/>
+            <a:ext cx="891117" cy="541552"/>
+          </a:xfrm>
+          <a:noFill/>
+        </p:spPr>
+        <p:txBody>
+          <a:bodyPr/>
+          <a:lstStyle/>
+          <a:p>
+            <a:fld id="{B19B0651-EE4F-4900-A07F-96A6BFA9D0F0}" type="slidenum">
+              <a:rPr lang="ru-RU" smtClean="0">
+                <a:solidFill>
+                  <a:schemeClr val="tx1"/>
+                </a:solidFill>
+              </a:rPr>
+              <a:pPr/>
+              <a:t>18</a:t>
+            </a:fld>
+            <a:endParaRPr lang="ru-RU" dirty="0">
+              <a:solidFill>
+                <a:schemeClr val="tx1"/>
+              </a:solidFill>
+            </a:endParaRPr>
+          </a:p>
+        </p:txBody>
+      </p:sp>
     </p:spTree>
     <p:extLst>
       <p:ext uri="{BB962C8B-B14F-4D97-AF65-F5344CB8AC3E}">
-        <p14:creationId xmlns:p14="http://schemas.microsoft.com/office/powerpoint/2010/main" xmlns="" val="1652939999"/>
+        <p14:creationId xmlns:p14="http://schemas.microsoft.com/office/powerpoint/2010/main" val="1652939999"/>
       </p:ext>
     </p:extLst>
   </p:cSld>
@@ -7436,37 +7813,9 @@
             </a:r>
             <a:r>
               <a:rPr lang="ru-RU" sz="1800" dirty="0" smtClean="0"/>
-              <a:t>и образование средне –специальное или высшие, </a:t>
-            </a:r>
-            <a:r>
-              <a:rPr lang="ru-RU" sz="1800" dirty="0" smtClean="0"/>
-              <a:t>риск не возврата кредита минимальный.</a:t>
+              <a:t>и образование средне –специальное или высшие, риск не возврата кредита минимальный.</a:t>
             </a:r>
             <a:endParaRPr lang="ru-RU" sz="1800" dirty="0"/>
-          </a:p>
-        </p:txBody>
-      </p:sp>
-      <p:sp>
-        <p:nvSpPr>
-          <p:cNvPr id="4" name="Номер слайда 3"/>
-          <p:cNvSpPr>
-            <a:spLocks noGrp="1"/>
-          </p:cNvSpPr>
-          <p:nvPr>
-            <p:ph type="sldNum" sz="quarter" idx="12"/>
-          </p:nvPr>
-        </p:nvSpPr>
-        <p:spPr/>
-        <p:txBody>
-          <a:bodyPr/>
-          <a:lstStyle/>
-          <a:p>
-            <a:fld id="{B19B0651-EE4F-4900-A07F-96A6BFA9D0F0}" type="slidenum">
-              <a:rPr lang="ru-RU" smtClean="0"/>
-              <a:pPr/>
-              <a:t>19</a:t>
-            </a:fld>
-            <a:endParaRPr lang="ru-RU" dirty="0"/>
           </a:p>
         </p:txBody>
       </p:sp>
@@ -7482,7 +7831,7 @@
           <a:blip r:embed="rId2" cstate="print">
             <a:extLst>
               <a:ext uri="{28A0092B-C50C-407E-A947-70E740481C1C}">
-                <a14:useLocalDpi xmlns:a14="http://schemas.microsoft.com/office/drawing/2010/main" xmlns="" val="0"/>
+                <a14:useLocalDpi xmlns:a14="http://schemas.microsoft.com/office/drawing/2010/main" val="0"/>
               </a:ext>
             </a:extLst>
           </a:blip>
@@ -7502,7 +7851,7 @@
           <a:noFill/>
           <a:extLst>
             <a:ext uri="{909E8E84-426E-40DD-AFC4-6F175D3DCCD1}">
-              <a14:hiddenFill xmlns:a14="http://schemas.microsoft.com/office/drawing/2010/main" xmlns="">
+              <a14:hiddenFill xmlns:a14="http://schemas.microsoft.com/office/drawing/2010/main">
                 <a:solidFill>
                   <a:srgbClr val="FFFFFF"/>
                 </a:solidFill>
@@ -7511,10 +7860,48 @@
           </a:extLst>
         </p:spPr>
       </p:pic>
+      <p:sp>
+        <p:nvSpPr>
+          <p:cNvPr id="7" name="Номер слайда 3"/>
+          <p:cNvSpPr>
+            <a:spLocks noGrp="1"/>
+          </p:cNvSpPr>
+          <p:nvPr>
+            <p:ph type="sldNum" sz="quarter" idx="12"/>
+          </p:nvPr>
+        </p:nvSpPr>
+        <p:spPr>
+          <a:xfrm>
+            <a:off x="9559899" y="6660951"/>
+            <a:ext cx="891117" cy="541552"/>
+          </a:xfrm>
+          <a:noFill/>
+        </p:spPr>
+        <p:txBody>
+          <a:bodyPr/>
+          <a:lstStyle/>
+          <a:p>
+            <a:fld id="{B19B0651-EE4F-4900-A07F-96A6BFA9D0F0}" type="slidenum">
+              <a:rPr lang="ru-RU" smtClean="0">
+                <a:solidFill>
+                  <a:schemeClr val="tx1"/>
+                </a:solidFill>
+              </a:rPr>
+              <a:pPr/>
+              <a:t>19</a:t>
+            </a:fld>
+            <a:endParaRPr lang="ru-RU" dirty="0">
+              <a:solidFill>
+                <a:schemeClr val="tx1"/>
+              </a:solidFill>
+            </a:endParaRPr>
+          </a:p>
+        </p:txBody>
+      </p:sp>
     </p:spTree>
     <p:extLst>
       <p:ext uri="{BB962C8B-B14F-4D97-AF65-F5344CB8AC3E}">
-        <p14:creationId xmlns:p14="http://schemas.microsoft.com/office/powerpoint/2010/main" xmlns="" val="2968759258"/>
+        <p14:creationId xmlns:p14="http://schemas.microsoft.com/office/powerpoint/2010/main" val="2968759258"/>
       </p:ext>
     </p:extLst>
   </p:cSld>
@@ -7619,13 +8006,8 @@
           <a:p>
             <a:r>
               <a:rPr lang="ru-RU" dirty="0" smtClean="0"/>
-              <a:t>Разработать </a:t>
-            </a:r>
-            <a:r>
-              <a:rPr lang="ru-RU" dirty="0" smtClean="0"/>
-              <a:t>программу, реализующую методы сценарного прогнозирования</a:t>
-            </a:r>
-            <a:endParaRPr lang="ru-RU" dirty="0" smtClean="0"/>
+              <a:t>Разработать программу, реализующую методы сценарного прогнозирования</a:t>
+            </a:r>
           </a:p>
           <a:p>
             <a:r>
@@ -7690,7 +8072,7 @@
       </p:sp>
       <p:sp>
         <p:nvSpPr>
-          <p:cNvPr id="4" name="Номер слайда 3"/>
+          <p:cNvPr id="8" name="Номер слайда 3"/>
           <p:cNvSpPr>
             <a:spLocks noGrp="1"/>
           </p:cNvSpPr>
@@ -7698,24 +8080,38 @@
             <p:ph type="sldNum" sz="quarter" idx="12"/>
           </p:nvPr>
         </p:nvSpPr>
-        <p:spPr/>
+        <p:spPr>
+          <a:xfrm>
+            <a:off x="9559899" y="6660951"/>
+            <a:ext cx="891117" cy="541552"/>
+          </a:xfrm>
+          <a:noFill/>
+        </p:spPr>
         <p:txBody>
           <a:bodyPr/>
           <a:lstStyle/>
           <a:p>
             <a:fld id="{B19B0651-EE4F-4900-A07F-96A6BFA9D0F0}" type="slidenum">
-              <a:rPr lang="ru-RU" smtClean="0"/>
+              <a:rPr lang="ru-RU" smtClean="0">
+                <a:solidFill>
+                  <a:schemeClr val="tx1"/>
+                </a:solidFill>
+              </a:rPr>
               <a:pPr/>
               <a:t>2</a:t>
             </a:fld>
-            <a:endParaRPr lang="ru-RU" dirty="0"/>
+            <a:endParaRPr lang="ru-RU" dirty="0">
+              <a:solidFill>
+                <a:schemeClr val="tx1"/>
+              </a:solidFill>
+            </a:endParaRPr>
           </a:p>
         </p:txBody>
       </p:sp>
     </p:spTree>
     <p:extLst>
       <p:ext uri="{BB962C8B-B14F-4D97-AF65-F5344CB8AC3E}">
-        <p14:creationId xmlns:p14="http://schemas.microsoft.com/office/powerpoint/2010/main" xmlns="" val="100266306"/>
+        <p14:creationId xmlns:p14="http://schemas.microsoft.com/office/powerpoint/2010/main" val="100266306"/>
       </p:ext>
     </p:extLst>
   </p:cSld>
@@ -7860,7 +8256,7 @@
       </p:sp>
       <p:sp>
         <p:nvSpPr>
-          <p:cNvPr id="4" name="Номер слайда 3"/>
+          <p:cNvPr id="6" name="Номер слайда 3"/>
           <p:cNvSpPr>
             <a:spLocks noGrp="1"/>
           </p:cNvSpPr>
@@ -7868,24 +8264,38 @@
             <p:ph type="sldNum" sz="quarter" idx="12"/>
           </p:nvPr>
         </p:nvSpPr>
-        <p:spPr/>
+        <p:spPr>
+          <a:xfrm>
+            <a:off x="9559899" y="6660951"/>
+            <a:ext cx="891117" cy="541552"/>
+          </a:xfrm>
+          <a:noFill/>
+        </p:spPr>
         <p:txBody>
           <a:bodyPr/>
           <a:lstStyle/>
           <a:p>
-            <a:fld id="{F3547098-4EA3-465E-87C3-A49A196ADC7F}" type="slidenum">
-              <a:rPr lang="ru-RU" smtClean="0"/>
+            <a:fld id="{B19B0651-EE4F-4900-A07F-96A6BFA9D0F0}" type="slidenum">
+              <a:rPr lang="ru-RU" smtClean="0">
+                <a:solidFill>
+                  <a:schemeClr val="tx1"/>
+                </a:solidFill>
+              </a:rPr>
               <a:pPr/>
               <a:t>20</a:t>
             </a:fld>
-            <a:endParaRPr lang="ru-RU"/>
+            <a:endParaRPr lang="ru-RU" dirty="0">
+              <a:solidFill>
+                <a:schemeClr val="tx1"/>
+              </a:solidFill>
+            </a:endParaRPr>
           </a:p>
         </p:txBody>
       </p:sp>
     </p:spTree>
     <p:extLst>
       <p:ext uri="{BB962C8B-B14F-4D97-AF65-F5344CB8AC3E}">
-        <p14:creationId xmlns:p14="http://schemas.microsoft.com/office/powerpoint/2010/main" xmlns="" val="1488968114"/>
+        <p14:creationId xmlns:p14="http://schemas.microsoft.com/office/powerpoint/2010/main" val="1488968114"/>
       </p:ext>
     </p:extLst>
   </p:cSld>
@@ -8122,7 +8532,7 @@
       </p:sp>
       <p:sp>
         <p:nvSpPr>
-          <p:cNvPr id="4" name="Номер слайда 3"/>
+          <p:cNvPr id="6" name="Номер слайда 3"/>
           <p:cNvSpPr>
             <a:spLocks noGrp="1"/>
           </p:cNvSpPr>
@@ -8130,24 +8540,38 @@
             <p:ph type="sldNum" sz="quarter" idx="12"/>
           </p:nvPr>
         </p:nvSpPr>
-        <p:spPr/>
+        <p:spPr>
+          <a:xfrm>
+            <a:off x="9559899" y="6660951"/>
+            <a:ext cx="891117" cy="541552"/>
+          </a:xfrm>
+          <a:noFill/>
+        </p:spPr>
         <p:txBody>
           <a:bodyPr/>
           <a:lstStyle/>
           <a:p>
             <a:fld id="{B19B0651-EE4F-4900-A07F-96A6BFA9D0F0}" type="slidenum">
-              <a:rPr lang="ru-RU" smtClean="0"/>
+              <a:rPr lang="ru-RU" smtClean="0">
+                <a:solidFill>
+                  <a:schemeClr val="tx1"/>
+                </a:solidFill>
+              </a:rPr>
               <a:pPr/>
               <a:t>21</a:t>
             </a:fld>
-            <a:endParaRPr lang="ru-RU" dirty="0"/>
+            <a:endParaRPr lang="ru-RU" dirty="0">
+              <a:solidFill>
+                <a:schemeClr val="tx1"/>
+              </a:solidFill>
+            </a:endParaRPr>
           </a:p>
         </p:txBody>
       </p:sp>
     </p:spTree>
     <p:extLst>
       <p:ext uri="{BB962C8B-B14F-4D97-AF65-F5344CB8AC3E}">
-        <p14:creationId xmlns:p14="http://schemas.microsoft.com/office/powerpoint/2010/main" xmlns="" val="789238555"/>
+        <p14:creationId xmlns:p14="http://schemas.microsoft.com/office/powerpoint/2010/main" val="789238555"/>
       </p:ext>
     </p:extLst>
   </p:cSld>
@@ -8275,7 +8699,7 @@
       </p:sp>
       <p:sp>
         <p:nvSpPr>
-          <p:cNvPr id="4" name="Номер слайда 3"/>
+          <p:cNvPr id="9" name="Номер слайда 3"/>
           <p:cNvSpPr>
             <a:spLocks noGrp="1"/>
           </p:cNvSpPr>
@@ -8283,24 +8707,38 @@
             <p:ph type="sldNum" sz="quarter" idx="12"/>
           </p:nvPr>
         </p:nvSpPr>
-        <p:spPr/>
+        <p:spPr>
+          <a:xfrm>
+            <a:off x="9559899" y="6660951"/>
+            <a:ext cx="891117" cy="541552"/>
+          </a:xfrm>
+          <a:noFill/>
+        </p:spPr>
         <p:txBody>
           <a:bodyPr/>
           <a:lstStyle/>
           <a:p>
             <a:fld id="{B19B0651-EE4F-4900-A07F-96A6BFA9D0F0}" type="slidenum">
-              <a:rPr lang="ru-RU" smtClean="0"/>
+              <a:rPr lang="ru-RU" smtClean="0">
+                <a:solidFill>
+                  <a:schemeClr val="tx1"/>
+                </a:solidFill>
+              </a:rPr>
               <a:pPr/>
               <a:t>3</a:t>
             </a:fld>
-            <a:endParaRPr lang="ru-RU" dirty="0"/>
+            <a:endParaRPr lang="ru-RU" dirty="0">
+              <a:solidFill>
+                <a:schemeClr val="tx1"/>
+              </a:solidFill>
+            </a:endParaRPr>
           </a:p>
         </p:txBody>
       </p:sp>
     </p:spTree>
     <p:extLst>
       <p:ext uri="{BB962C8B-B14F-4D97-AF65-F5344CB8AC3E}">
-        <p14:creationId xmlns:p14="http://schemas.microsoft.com/office/powerpoint/2010/main" xmlns="" val="513763501"/>
+        <p14:creationId xmlns:p14="http://schemas.microsoft.com/office/powerpoint/2010/main" val="513763501"/>
       </p:ext>
     </p:extLst>
   </p:cSld>
@@ -8419,7 +8857,7 @@
           <a:blip r:embed="rId3" cstate="print">
             <a:extLst>
               <a:ext uri="{28A0092B-C50C-407E-A947-70E740481C1C}">
-                <a14:useLocalDpi xmlns:a14="http://schemas.microsoft.com/office/drawing/2010/main" xmlns="" val="0"/>
+                <a14:useLocalDpi xmlns:a14="http://schemas.microsoft.com/office/drawing/2010/main" val="0"/>
               </a:ext>
             </a:extLst>
           </a:blip>
@@ -8439,7 +8877,7 @@
           <a:noFill/>
           <a:extLst>
             <a:ext uri="{909E8E84-426E-40DD-AFC4-6F175D3DCCD1}">
-              <a14:hiddenFill xmlns:a14="http://schemas.microsoft.com/office/drawing/2010/main" xmlns="">
+              <a14:hiddenFill xmlns:a14="http://schemas.microsoft.com/office/drawing/2010/main">
                 <a:solidFill>
                   <a:srgbClr val="FFFFFF"/>
                 </a:solidFill>
@@ -8448,10 +8886,143 @@
           </a:extLst>
         </p:spPr>
       </p:pic>
+      <p:sp>
+        <p:nvSpPr>
+          <p:cNvPr id="9" name="Номер слайда 3"/>
+          <p:cNvSpPr txBox="1">
+            <a:spLocks/>
+          </p:cNvSpPr>
+          <p:nvPr/>
+        </p:nvSpPr>
+        <p:spPr>
+          <a:xfrm>
+            <a:off x="9559899" y="6660951"/>
+            <a:ext cx="891117" cy="541552"/>
+          </a:xfrm>
+          <a:prstGeom prst="rect">
+            <a:avLst/>
+          </a:prstGeom>
+          <a:noFill/>
+        </p:spPr>
+        <p:txBody>
+          <a:bodyPr vert="horz" lIns="104306" tIns="52153" rIns="104306" bIns="52153" anchor="b"/>
+          <a:lstStyle>
+            <a:defPPr>
+              <a:defRPr lang="ru-RU"/>
+            </a:defPPr>
+            <a:lvl1pPr marL="0" algn="r" defTabSz="995514" rtl="0" eaLnBrk="1" latinLnBrk="0" hangingPunct="1">
+              <a:defRPr kumimoji="0" sz="2100" kern="1200">
+                <a:solidFill>
+                  <a:srgbClr val="FFFFFF"/>
+                </a:solidFill>
+                <a:latin typeface="+mn-lt"/>
+                <a:ea typeface="+mn-ea"/>
+                <a:cs typeface="+mn-cs"/>
+              </a:defRPr>
+            </a:lvl1pPr>
+            <a:lvl2pPr marL="497757" algn="l" defTabSz="995514" rtl="0" eaLnBrk="1" latinLnBrk="0" hangingPunct="1">
+              <a:defRPr sz="2100" kern="1200">
+                <a:solidFill>
+                  <a:schemeClr val="tx1"/>
+                </a:solidFill>
+                <a:latin typeface="+mn-lt"/>
+                <a:ea typeface="+mn-ea"/>
+                <a:cs typeface="+mn-cs"/>
+              </a:defRPr>
+            </a:lvl2pPr>
+            <a:lvl3pPr marL="995514" algn="l" defTabSz="995514" rtl="0" eaLnBrk="1" latinLnBrk="0" hangingPunct="1">
+              <a:defRPr sz="2100" kern="1200">
+                <a:solidFill>
+                  <a:schemeClr val="tx1"/>
+                </a:solidFill>
+                <a:latin typeface="+mn-lt"/>
+                <a:ea typeface="+mn-ea"/>
+                <a:cs typeface="+mn-cs"/>
+              </a:defRPr>
+            </a:lvl3pPr>
+            <a:lvl4pPr marL="1493271" algn="l" defTabSz="995514" rtl="0" eaLnBrk="1" latinLnBrk="0" hangingPunct="1">
+              <a:defRPr sz="2100" kern="1200">
+                <a:solidFill>
+                  <a:schemeClr val="tx1"/>
+                </a:solidFill>
+                <a:latin typeface="+mn-lt"/>
+                <a:ea typeface="+mn-ea"/>
+                <a:cs typeface="+mn-cs"/>
+              </a:defRPr>
+            </a:lvl4pPr>
+            <a:lvl5pPr marL="1991029" algn="l" defTabSz="995514" rtl="0" eaLnBrk="1" latinLnBrk="0" hangingPunct="1">
+              <a:defRPr sz="2100" kern="1200">
+                <a:solidFill>
+                  <a:schemeClr val="tx1"/>
+                </a:solidFill>
+                <a:latin typeface="+mn-lt"/>
+                <a:ea typeface="+mn-ea"/>
+                <a:cs typeface="+mn-cs"/>
+              </a:defRPr>
+            </a:lvl5pPr>
+            <a:lvl6pPr marL="2488786" algn="l" defTabSz="995514" rtl="0" eaLnBrk="1" latinLnBrk="0" hangingPunct="1">
+              <a:defRPr sz="2100" kern="1200">
+                <a:solidFill>
+                  <a:schemeClr val="tx1"/>
+                </a:solidFill>
+                <a:latin typeface="+mn-lt"/>
+                <a:ea typeface="+mn-ea"/>
+                <a:cs typeface="+mn-cs"/>
+              </a:defRPr>
+            </a:lvl6pPr>
+            <a:lvl7pPr marL="2986543" algn="l" defTabSz="995514" rtl="0" eaLnBrk="1" latinLnBrk="0" hangingPunct="1">
+              <a:defRPr sz="2100" kern="1200">
+                <a:solidFill>
+                  <a:schemeClr val="tx1"/>
+                </a:solidFill>
+                <a:latin typeface="+mn-lt"/>
+                <a:ea typeface="+mn-ea"/>
+                <a:cs typeface="+mn-cs"/>
+              </a:defRPr>
+            </a:lvl7pPr>
+            <a:lvl8pPr marL="3484301" algn="l" defTabSz="995514" rtl="0" eaLnBrk="1" latinLnBrk="0" hangingPunct="1">
+              <a:defRPr sz="2100" kern="1200">
+                <a:solidFill>
+                  <a:schemeClr val="tx1"/>
+                </a:solidFill>
+                <a:latin typeface="+mn-lt"/>
+                <a:ea typeface="+mn-ea"/>
+                <a:cs typeface="+mn-cs"/>
+              </a:defRPr>
+            </a:lvl8pPr>
+            <a:lvl9pPr marL="3982058" algn="l" defTabSz="995514" rtl="0" eaLnBrk="1" latinLnBrk="0" hangingPunct="1">
+              <a:defRPr sz="2100" kern="1200">
+                <a:solidFill>
+                  <a:schemeClr val="tx1"/>
+                </a:solidFill>
+                <a:latin typeface="+mn-lt"/>
+                <a:ea typeface="+mn-ea"/>
+                <a:cs typeface="+mn-cs"/>
+              </a:defRPr>
+            </a:lvl9pPr>
+          </a:lstStyle>
+          <a:p>
+            <a:fld id="{B19B0651-EE4F-4900-A07F-96A6BFA9D0F0}" type="slidenum">
+              <a:rPr lang="ru-RU" smtClean="0">
+                <a:solidFill>
+                  <a:schemeClr val="tx1"/>
+                </a:solidFill>
+              </a:rPr>
+              <a:pPr/>
+              <a:t>4</a:t>
+            </a:fld>
+            <a:endParaRPr lang="ru-RU" dirty="0">
+              <a:solidFill>
+                <a:schemeClr val="tx1"/>
+              </a:solidFill>
+            </a:endParaRPr>
+          </a:p>
+        </p:txBody>
+      </p:sp>
     </p:spTree>
     <p:extLst>
       <p:ext uri="{BB962C8B-B14F-4D97-AF65-F5344CB8AC3E}">
-        <p14:creationId xmlns:p14="http://schemas.microsoft.com/office/powerpoint/2010/main" xmlns="" val="3407246539"/>
+        <p14:creationId xmlns:p14="http://schemas.microsoft.com/office/powerpoint/2010/main" val="3407246539"/>
       </p:ext>
     </p:extLst>
   </p:cSld>
@@ -8533,7 +9104,7 @@
           <a:blip r:embed="rId2" cstate="print">
             <a:extLst>
               <a:ext uri="{28A0092B-C50C-407E-A947-70E740481C1C}">
-                <a14:useLocalDpi xmlns:a14="http://schemas.microsoft.com/office/drawing/2010/main" xmlns="" val="0"/>
+                <a14:useLocalDpi xmlns:a14="http://schemas.microsoft.com/office/drawing/2010/main" val="0"/>
               </a:ext>
             </a:extLst>
           </a:blip>
@@ -8550,32 +9121,141 @@
       </p:pic>
       <p:sp>
         <p:nvSpPr>
-          <p:cNvPr id="4" name="Номер слайда 3"/>
-          <p:cNvSpPr>
-            <a:spLocks noGrp="1"/>
-          </p:cNvSpPr>
-          <p:nvPr>
-            <p:ph type="sldNum" sz="quarter" idx="12"/>
-          </p:nvPr>
-        </p:nvSpPr>
-        <p:spPr/>
-        <p:txBody>
-          <a:bodyPr/>
-          <a:lstStyle/>
+          <p:cNvPr id="6" name="Номер слайда 3"/>
+          <p:cNvSpPr txBox="1">
+            <a:spLocks/>
+          </p:cNvSpPr>
+          <p:nvPr/>
+        </p:nvSpPr>
+        <p:spPr>
+          <a:xfrm>
+            <a:off x="9559899" y="6660951"/>
+            <a:ext cx="891117" cy="541552"/>
+          </a:xfrm>
+          <a:prstGeom prst="rect">
+            <a:avLst/>
+          </a:prstGeom>
+          <a:noFill/>
+        </p:spPr>
+        <p:txBody>
+          <a:bodyPr vert="horz" lIns="104306" tIns="52153" rIns="104306" bIns="52153" anchor="b"/>
+          <a:lstStyle>
+            <a:defPPr>
+              <a:defRPr lang="ru-RU"/>
+            </a:defPPr>
+            <a:lvl1pPr marL="0" algn="r" defTabSz="995514" rtl="0" eaLnBrk="1" latinLnBrk="0" hangingPunct="1">
+              <a:defRPr kumimoji="0" sz="2100" kern="1200">
+                <a:solidFill>
+                  <a:srgbClr val="FFFFFF"/>
+                </a:solidFill>
+                <a:latin typeface="+mn-lt"/>
+                <a:ea typeface="+mn-ea"/>
+                <a:cs typeface="+mn-cs"/>
+              </a:defRPr>
+            </a:lvl1pPr>
+            <a:lvl2pPr marL="497757" algn="l" defTabSz="995514" rtl="0" eaLnBrk="1" latinLnBrk="0" hangingPunct="1">
+              <a:defRPr sz="2100" kern="1200">
+                <a:solidFill>
+                  <a:schemeClr val="tx1"/>
+                </a:solidFill>
+                <a:latin typeface="+mn-lt"/>
+                <a:ea typeface="+mn-ea"/>
+                <a:cs typeface="+mn-cs"/>
+              </a:defRPr>
+            </a:lvl2pPr>
+            <a:lvl3pPr marL="995514" algn="l" defTabSz="995514" rtl="0" eaLnBrk="1" latinLnBrk="0" hangingPunct="1">
+              <a:defRPr sz="2100" kern="1200">
+                <a:solidFill>
+                  <a:schemeClr val="tx1"/>
+                </a:solidFill>
+                <a:latin typeface="+mn-lt"/>
+                <a:ea typeface="+mn-ea"/>
+                <a:cs typeface="+mn-cs"/>
+              </a:defRPr>
+            </a:lvl3pPr>
+            <a:lvl4pPr marL="1493271" algn="l" defTabSz="995514" rtl="0" eaLnBrk="1" latinLnBrk="0" hangingPunct="1">
+              <a:defRPr sz="2100" kern="1200">
+                <a:solidFill>
+                  <a:schemeClr val="tx1"/>
+                </a:solidFill>
+                <a:latin typeface="+mn-lt"/>
+                <a:ea typeface="+mn-ea"/>
+                <a:cs typeface="+mn-cs"/>
+              </a:defRPr>
+            </a:lvl4pPr>
+            <a:lvl5pPr marL="1991029" algn="l" defTabSz="995514" rtl="0" eaLnBrk="1" latinLnBrk="0" hangingPunct="1">
+              <a:defRPr sz="2100" kern="1200">
+                <a:solidFill>
+                  <a:schemeClr val="tx1"/>
+                </a:solidFill>
+                <a:latin typeface="+mn-lt"/>
+                <a:ea typeface="+mn-ea"/>
+                <a:cs typeface="+mn-cs"/>
+              </a:defRPr>
+            </a:lvl5pPr>
+            <a:lvl6pPr marL="2488786" algn="l" defTabSz="995514" rtl="0" eaLnBrk="1" latinLnBrk="0" hangingPunct="1">
+              <a:defRPr sz="2100" kern="1200">
+                <a:solidFill>
+                  <a:schemeClr val="tx1"/>
+                </a:solidFill>
+                <a:latin typeface="+mn-lt"/>
+                <a:ea typeface="+mn-ea"/>
+                <a:cs typeface="+mn-cs"/>
+              </a:defRPr>
+            </a:lvl6pPr>
+            <a:lvl7pPr marL="2986543" algn="l" defTabSz="995514" rtl="0" eaLnBrk="1" latinLnBrk="0" hangingPunct="1">
+              <a:defRPr sz="2100" kern="1200">
+                <a:solidFill>
+                  <a:schemeClr val="tx1"/>
+                </a:solidFill>
+                <a:latin typeface="+mn-lt"/>
+                <a:ea typeface="+mn-ea"/>
+                <a:cs typeface="+mn-cs"/>
+              </a:defRPr>
+            </a:lvl7pPr>
+            <a:lvl8pPr marL="3484301" algn="l" defTabSz="995514" rtl="0" eaLnBrk="1" latinLnBrk="0" hangingPunct="1">
+              <a:defRPr sz="2100" kern="1200">
+                <a:solidFill>
+                  <a:schemeClr val="tx1"/>
+                </a:solidFill>
+                <a:latin typeface="+mn-lt"/>
+                <a:ea typeface="+mn-ea"/>
+                <a:cs typeface="+mn-cs"/>
+              </a:defRPr>
+            </a:lvl8pPr>
+            <a:lvl9pPr marL="3982058" algn="l" defTabSz="995514" rtl="0" eaLnBrk="1" latinLnBrk="0" hangingPunct="1">
+              <a:defRPr sz="2100" kern="1200">
+                <a:solidFill>
+                  <a:schemeClr val="tx1"/>
+                </a:solidFill>
+                <a:latin typeface="+mn-lt"/>
+                <a:ea typeface="+mn-ea"/>
+                <a:cs typeface="+mn-cs"/>
+              </a:defRPr>
+            </a:lvl9pPr>
+          </a:lstStyle>
           <a:p>
             <a:fld id="{B19B0651-EE4F-4900-A07F-96A6BFA9D0F0}" type="slidenum">
-              <a:rPr lang="ru-RU" smtClean="0"/>
+              <a:rPr lang="ru-RU" smtClean="0">
+                <a:solidFill>
+                  <a:schemeClr val="tx1"/>
+                </a:solidFill>
+              </a:rPr>
               <a:pPr/>
               <a:t>5</a:t>
             </a:fld>
-            <a:endParaRPr lang="ru-RU" dirty="0"/>
+            <a:endParaRPr lang="ru-RU" dirty="0">
+              <a:solidFill>
+                <a:schemeClr val="tx1"/>
+              </a:solidFill>
+            </a:endParaRPr>
           </a:p>
         </p:txBody>
       </p:sp>
     </p:spTree>
     <p:extLst>
       <p:ext uri="{BB962C8B-B14F-4D97-AF65-F5344CB8AC3E}">
-        <p14:creationId xmlns:p14="http://schemas.microsoft.com/office/powerpoint/2010/main" xmlns="" val="976799654"/>
+        <p14:creationId xmlns:p14="http://schemas.microsoft.com/office/powerpoint/2010/main" val="976799654"/>
       </p:ext>
     </p:extLst>
   </p:cSld>
@@ -8649,7 +9329,7 @@
             <p:ph idx="1"/>
             <p:extLst>
               <p:ext uri="{D42A27DB-BD31-4B8C-83A1-F6EECF244321}">
-                <p14:modId xmlns:p14="http://schemas.microsoft.com/office/powerpoint/2010/main" xmlns="" val="231098718"/>
+                <p14:modId xmlns:p14="http://schemas.microsoft.com/office/powerpoint/2010/main" val="231098718"/>
               </p:ext>
             </p:extLst>
           </p:nvPr>
@@ -9155,7 +9835,7 @@
       </p:graphicFrame>
       <p:sp>
         <p:nvSpPr>
-          <p:cNvPr id="4" name="Номер слайда 3"/>
+          <p:cNvPr id="6" name="Номер слайда 3"/>
           <p:cNvSpPr>
             <a:spLocks noGrp="1"/>
           </p:cNvSpPr>
@@ -9163,24 +9843,38 @@
             <p:ph type="sldNum" sz="quarter" idx="12"/>
           </p:nvPr>
         </p:nvSpPr>
-        <p:spPr/>
+        <p:spPr>
+          <a:xfrm>
+            <a:off x="9559899" y="6660951"/>
+            <a:ext cx="891117" cy="541552"/>
+          </a:xfrm>
+          <a:noFill/>
+        </p:spPr>
         <p:txBody>
           <a:bodyPr/>
           <a:lstStyle/>
           <a:p>
             <a:fld id="{B19B0651-EE4F-4900-A07F-96A6BFA9D0F0}" type="slidenum">
-              <a:rPr lang="ru-RU" smtClean="0"/>
+              <a:rPr lang="ru-RU" smtClean="0">
+                <a:solidFill>
+                  <a:schemeClr val="tx1"/>
+                </a:solidFill>
+              </a:rPr>
               <a:pPr/>
               <a:t>6</a:t>
             </a:fld>
-            <a:endParaRPr lang="ru-RU" dirty="0"/>
+            <a:endParaRPr lang="ru-RU" dirty="0">
+              <a:solidFill>
+                <a:schemeClr val="tx1"/>
+              </a:solidFill>
+            </a:endParaRPr>
           </a:p>
         </p:txBody>
       </p:sp>
     </p:spTree>
     <p:extLst>
       <p:ext uri="{BB962C8B-B14F-4D97-AF65-F5344CB8AC3E}">
-        <p14:creationId xmlns:p14="http://schemas.microsoft.com/office/powerpoint/2010/main" xmlns="" val="310472135"/>
+        <p14:creationId xmlns:p14="http://schemas.microsoft.com/office/powerpoint/2010/main" val="310472135"/>
       </p:ext>
     </p:extLst>
   </p:cSld>
@@ -9286,30 +9980,6 @@
           </a:p>
         </p:txBody>
       </p:sp>
-      <p:sp>
-        <p:nvSpPr>
-          <p:cNvPr id="4" name="Номер слайда 3"/>
-          <p:cNvSpPr>
-            <a:spLocks noGrp="1"/>
-          </p:cNvSpPr>
-          <p:nvPr>
-            <p:ph type="sldNum" sz="quarter" idx="12"/>
-          </p:nvPr>
-        </p:nvSpPr>
-        <p:spPr/>
-        <p:txBody>
-          <a:bodyPr/>
-          <a:lstStyle/>
-          <a:p>
-            <a:fld id="{B19B0651-EE4F-4900-A07F-96A6BFA9D0F0}" type="slidenum">
-              <a:rPr lang="ru-RU" smtClean="0"/>
-              <a:pPr/>
-              <a:t>7</a:t>
-            </a:fld>
-            <a:endParaRPr lang="ru-RU" dirty="0"/>
-          </a:p>
-        </p:txBody>
-      </p:sp>
       <p:pic>
         <p:nvPicPr>
           <p:cNvPr id="2053" name="Picture 5" descr="C:\Users\ALEX\Desktop\Дерево.png"/>
@@ -9322,7 +9992,7 @@
           <a:blip r:embed="rId2" cstate="print">
             <a:extLst>
               <a:ext uri="{28A0092B-C50C-407E-A947-70E740481C1C}">
-                <a14:useLocalDpi xmlns:a14="http://schemas.microsoft.com/office/drawing/2010/main" xmlns="" val="0"/>
+                <a14:useLocalDpi xmlns:a14="http://schemas.microsoft.com/office/drawing/2010/main" val="0"/>
               </a:ext>
             </a:extLst>
           </a:blip>
@@ -9342,7 +10012,7 @@
           <a:noFill/>
           <a:extLst>
             <a:ext uri="{909E8E84-426E-40DD-AFC4-6F175D3DCCD1}">
-              <a14:hiddenFill xmlns:a14="http://schemas.microsoft.com/office/drawing/2010/main" xmlns="">
+              <a14:hiddenFill xmlns:a14="http://schemas.microsoft.com/office/drawing/2010/main">
                 <a:solidFill>
                   <a:srgbClr val="FFFFFF"/>
                 </a:solidFill>
@@ -9363,7 +10033,7 @@
           <a:blip r:embed="rId3" cstate="print">
             <a:extLst>
               <a:ext uri="{28A0092B-C50C-407E-A947-70E740481C1C}">
-                <a14:useLocalDpi xmlns:a14="http://schemas.microsoft.com/office/drawing/2010/main" xmlns="" val="0"/>
+                <a14:useLocalDpi xmlns:a14="http://schemas.microsoft.com/office/drawing/2010/main" val="0"/>
               </a:ext>
             </a:extLst>
           </a:blip>
@@ -9387,14 +10057,14 @@
           <a:effectLst/>
           <a:extLst>
             <a:ext uri="{909E8E84-426E-40DD-AFC4-6F175D3DCCD1}">
-              <a14:hiddenFill xmlns:a14="http://schemas.microsoft.com/office/drawing/2010/main" xmlns="">
+              <a14:hiddenFill xmlns:a14="http://schemas.microsoft.com/office/drawing/2010/main">
                 <a:solidFill>
                   <a:schemeClr val="accent1"/>
                 </a:solidFill>
               </a14:hiddenFill>
             </a:ext>
             <a:ext uri="{91240B29-F687-4F45-9708-019B960494DF}">
-              <a14:hiddenLine xmlns:a14="http://schemas.microsoft.com/office/drawing/2010/main" xmlns="" w="9525">
+              <a14:hiddenLine xmlns:a14="http://schemas.microsoft.com/office/drawing/2010/main" w="9525">
                 <a:solidFill>
                   <a:schemeClr val="tx1"/>
                 </a:solidFill>
@@ -9404,7 +10074,7 @@
               </a14:hiddenLine>
             </a:ext>
             <a:ext uri="{AF507438-7753-43E0-B8FC-AC1667EBCBE1}">
-              <a14:hiddenEffects xmlns:a14="http://schemas.microsoft.com/office/drawing/2010/main" xmlns="">
+              <a14:hiddenEffects xmlns:a14="http://schemas.microsoft.com/office/drawing/2010/main">
                 <a:effectLst>
                   <a:outerShdw dist="35921" dir="2700000" algn="ctr" rotWithShape="0">
                     <a:schemeClr val="bg2"/>
@@ -9415,10 +10085,143 @@
           </a:extLst>
         </p:spPr>
       </p:pic>
+      <p:sp>
+        <p:nvSpPr>
+          <p:cNvPr id="8" name="Номер слайда 3"/>
+          <p:cNvSpPr txBox="1">
+            <a:spLocks/>
+          </p:cNvSpPr>
+          <p:nvPr/>
+        </p:nvSpPr>
+        <p:spPr>
+          <a:xfrm>
+            <a:off x="9559899" y="6660951"/>
+            <a:ext cx="891117" cy="541552"/>
+          </a:xfrm>
+          <a:prstGeom prst="rect">
+            <a:avLst/>
+          </a:prstGeom>
+          <a:noFill/>
+        </p:spPr>
+        <p:txBody>
+          <a:bodyPr vert="horz" lIns="104306" tIns="52153" rIns="104306" bIns="52153" anchor="b"/>
+          <a:lstStyle>
+            <a:defPPr>
+              <a:defRPr lang="ru-RU"/>
+            </a:defPPr>
+            <a:lvl1pPr marL="0" algn="r" defTabSz="995514" rtl="0" eaLnBrk="1" latinLnBrk="0" hangingPunct="1">
+              <a:defRPr kumimoji="0" sz="2100" kern="1200">
+                <a:solidFill>
+                  <a:srgbClr val="FFFFFF"/>
+                </a:solidFill>
+                <a:latin typeface="+mn-lt"/>
+                <a:ea typeface="+mn-ea"/>
+                <a:cs typeface="+mn-cs"/>
+              </a:defRPr>
+            </a:lvl1pPr>
+            <a:lvl2pPr marL="497757" algn="l" defTabSz="995514" rtl="0" eaLnBrk="1" latinLnBrk="0" hangingPunct="1">
+              <a:defRPr sz="2100" kern="1200">
+                <a:solidFill>
+                  <a:schemeClr val="tx1"/>
+                </a:solidFill>
+                <a:latin typeface="+mn-lt"/>
+                <a:ea typeface="+mn-ea"/>
+                <a:cs typeface="+mn-cs"/>
+              </a:defRPr>
+            </a:lvl2pPr>
+            <a:lvl3pPr marL="995514" algn="l" defTabSz="995514" rtl="0" eaLnBrk="1" latinLnBrk="0" hangingPunct="1">
+              <a:defRPr sz="2100" kern="1200">
+                <a:solidFill>
+                  <a:schemeClr val="tx1"/>
+                </a:solidFill>
+                <a:latin typeface="+mn-lt"/>
+                <a:ea typeface="+mn-ea"/>
+                <a:cs typeface="+mn-cs"/>
+              </a:defRPr>
+            </a:lvl3pPr>
+            <a:lvl4pPr marL="1493271" algn="l" defTabSz="995514" rtl="0" eaLnBrk="1" latinLnBrk="0" hangingPunct="1">
+              <a:defRPr sz="2100" kern="1200">
+                <a:solidFill>
+                  <a:schemeClr val="tx1"/>
+                </a:solidFill>
+                <a:latin typeface="+mn-lt"/>
+                <a:ea typeface="+mn-ea"/>
+                <a:cs typeface="+mn-cs"/>
+              </a:defRPr>
+            </a:lvl4pPr>
+            <a:lvl5pPr marL="1991029" algn="l" defTabSz="995514" rtl="0" eaLnBrk="1" latinLnBrk="0" hangingPunct="1">
+              <a:defRPr sz="2100" kern="1200">
+                <a:solidFill>
+                  <a:schemeClr val="tx1"/>
+                </a:solidFill>
+                <a:latin typeface="+mn-lt"/>
+                <a:ea typeface="+mn-ea"/>
+                <a:cs typeface="+mn-cs"/>
+              </a:defRPr>
+            </a:lvl5pPr>
+            <a:lvl6pPr marL="2488786" algn="l" defTabSz="995514" rtl="0" eaLnBrk="1" latinLnBrk="0" hangingPunct="1">
+              <a:defRPr sz="2100" kern="1200">
+                <a:solidFill>
+                  <a:schemeClr val="tx1"/>
+                </a:solidFill>
+                <a:latin typeface="+mn-lt"/>
+                <a:ea typeface="+mn-ea"/>
+                <a:cs typeface="+mn-cs"/>
+              </a:defRPr>
+            </a:lvl6pPr>
+            <a:lvl7pPr marL="2986543" algn="l" defTabSz="995514" rtl="0" eaLnBrk="1" latinLnBrk="0" hangingPunct="1">
+              <a:defRPr sz="2100" kern="1200">
+                <a:solidFill>
+                  <a:schemeClr val="tx1"/>
+                </a:solidFill>
+                <a:latin typeface="+mn-lt"/>
+                <a:ea typeface="+mn-ea"/>
+                <a:cs typeface="+mn-cs"/>
+              </a:defRPr>
+            </a:lvl7pPr>
+            <a:lvl8pPr marL="3484301" algn="l" defTabSz="995514" rtl="0" eaLnBrk="1" latinLnBrk="0" hangingPunct="1">
+              <a:defRPr sz="2100" kern="1200">
+                <a:solidFill>
+                  <a:schemeClr val="tx1"/>
+                </a:solidFill>
+                <a:latin typeface="+mn-lt"/>
+                <a:ea typeface="+mn-ea"/>
+                <a:cs typeface="+mn-cs"/>
+              </a:defRPr>
+            </a:lvl8pPr>
+            <a:lvl9pPr marL="3982058" algn="l" defTabSz="995514" rtl="0" eaLnBrk="1" latinLnBrk="0" hangingPunct="1">
+              <a:defRPr sz="2100" kern="1200">
+                <a:solidFill>
+                  <a:schemeClr val="tx1"/>
+                </a:solidFill>
+                <a:latin typeface="+mn-lt"/>
+                <a:ea typeface="+mn-ea"/>
+                <a:cs typeface="+mn-cs"/>
+              </a:defRPr>
+            </a:lvl9pPr>
+          </a:lstStyle>
+          <a:p>
+            <a:fld id="{B19B0651-EE4F-4900-A07F-96A6BFA9D0F0}" type="slidenum">
+              <a:rPr lang="ru-RU" smtClean="0">
+                <a:solidFill>
+                  <a:schemeClr val="tx1"/>
+                </a:solidFill>
+              </a:rPr>
+              <a:pPr/>
+              <a:t>7</a:t>
+            </a:fld>
+            <a:endParaRPr lang="ru-RU" dirty="0">
+              <a:solidFill>
+                <a:schemeClr val="tx1"/>
+              </a:solidFill>
+            </a:endParaRPr>
+          </a:p>
+        </p:txBody>
+      </p:sp>
     </p:spTree>
     <p:extLst>
       <p:ext uri="{BB962C8B-B14F-4D97-AF65-F5344CB8AC3E}">
-        <p14:creationId xmlns:p14="http://schemas.microsoft.com/office/powerpoint/2010/main" xmlns="" val="286097825"/>
+        <p14:creationId xmlns:p14="http://schemas.microsoft.com/office/powerpoint/2010/main" val="286097825"/>
       </p:ext>
     </p:extLst>
   </p:cSld>
@@ -9712,10 +10515,143 @@
           </a:p>
         </p:txBody>
       </p:sp>
+      <p:sp>
+        <p:nvSpPr>
+          <p:cNvPr id="6" name="Номер слайда 3"/>
+          <p:cNvSpPr txBox="1">
+            <a:spLocks/>
+          </p:cNvSpPr>
+          <p:nvPr/>
+        </p:nvSpPr>
+        <p:spPr>
+          <a:xfrm>
+            <a:off x="9559899" y="6660951"/>
+            <a:ext cx="891117" cy="541552"/>
+          </a:xfrm>
+          <a:prstGeom prst="rect">
+            <a:avLst/>
+          </a:prstGeom>
+          <a:noFill/>
+        </p:spPr>
+        <p:txBody>
+          <a:bodyPr vert="horz" lIns="104306" tIns="52153" rIns="104306" bIns="52153" anchor="b"/>
+          <a:lstStyle>
+            <a:defPPr>
+              <a:defRPr lang="ru-RU"/>
+            </a:defPPr>
+            <a:lvl1pPr marL="0" algn="r" defTabSz="995514" rtl="0" eaLnBrk="1" latinLnBrk="0" hangingPunct="1">
+              <a:defRPr kumimoji="0" sz="2100" kern="1200">
+                <a:solidFill>
+                  <a:srgbClr val="FFFFFF"/>
+                </a:solidFill>
+                <a:latin typeface="+mn-lt"/>
+                <a:ea typeface="+mn-ea"/>
+                <a:cs typeface="+mn-cs"/>
+              </a:defRPr>
+            </a:lvl1pPr>
+            <a:lvl2pPr marL="497757" algn="l" defTabSz="995514" rtl="0" eaLnBrk="1" latinLnBrk="0" hangingPunct="1">
+              <a:defRPr sz="2100" kern="1200">
+                <a:solidFill>
+                  <a:schemeClr val="tx1"/>
+                </a:solidFill>
+                <a:latin typeface="+mn-lt"/>
+                <a:ea typeface="+mn-ea"/>
+                <a:cs typeface="+mn-cs"/>
+              </a:defRPr>
+            </a:lvl2pPr>
+            <a:lvl3pPr marL="995514" algn="l" defTabSz="995514" rtl="0" eaLnBrk="1" latinLnBrk="0" hangingPunct="1">
+              <a:defRPr sz="2100" kern="1200">
+                <a:solidFill>
+                  <a:schemeClr val="tx1"/>
+                </a:solidFill>
+                <a:latin typeface="+mn-lt"/>
+                <a:ea typeface="+mn-ea"/>
+                <a:cs typeface="+mn-cs"/>
+              </a:defRPr>
+            </a:lvl3pPr>
+            <a:lvl4pPr marL="1493271" algn="l" defTabSz="995514" rtl="0" eaLnBrk="1" latinLnBrk="0" hangingPunct="1">
+              <a:defRPr sz="2100" kern="1200">
+                <a:solidFill>
+                  <a:schemeClr val="tx1"/>
+                </a:solidFill>
+                <a:latin typeface="+mn-lt"/>
+                <a:ea typeface="+mn-ea"/>
+                <a:cs typeface="+mn-cs"/>
+              </a:defRPr>
+            </a:lvl4pPr>
+            <a:lvl5pPr marL="1991029" algn="l" defTabSz="995514" rtl="0" eaLnBrk="1" latinLnBrk="0" hangingPunct="1">
+              <a:defRPr sz="2100" kern="1200">
+                <a:solidFill>
+                  <a:schemeClr val="tx1"/>
+                </a:solidFill>
+                <a:latin typeface="+mn-lt"/>
+                <a:ea typeface="+mn-ea"/>
+                <a:cs typeface="+mn-cs"/>
+              </a:defRPr>
+            </a:lvl5pPr>
+            <a:lvl6pPr marL="2488786" algn="l" defTabSz="995514" rtl="0" eaLnBrk="1" latinLnBrk="0" hangingPunct="1">
+              <a:defRPr sz="2100" kern="1200">
+                <a:solidFill>
+                  <a:schemeClr val="tx1"/>
+                </a:solidFill>
+                <a:latin typeface="+mn-lt"/>
+                <a:ea typeface="+mn-ea"/>
+                <a:cs typeface="+mn-cs"/>
+              </a:defRPr>
+            </a:lvl6pPr>
+            <a:lvl7pPr marL="2986543" algn="l" defTabSz="995514" rtl="0" eaLnBrk="1" latinLnBrk="0" hangingPunct="1">
+              <a:defRPr sz="2100" kern="1200">
+                <a:solidFill>
+                  <a:schemeClr val="tx1"/>
+                </a:solidFill>
+                <a:latin typeface="+mn-lt"/>
+                <a:ea typeface="+mn-ea"/>
+                <a:cs typeface="+mn-cs"/>
+              </a:defRPr>
+            </a:lvl7pPr>
+            <a:lvl8pPr marL="3484301" algn="l" defTabSz="995514" rtl="0" eaLnBrk="1" latinLnBrk="0" hangingPunct="1">
+              <a:defRPr sz="2100" kern="1200">
+                <a:solidFill>
+                  <a:schemeClr val="tx1"/>
+                </a:solidFill>
+                <a:latin typeface="+mn-lt"/>
+                <a:ea typeface="+mn-ea"/>
+                <a:cs typeface="+mn-cs"/>
+              </a:defRPr>
+            </a:lvl8pPr>
+            <a:lvl9pPr marL="3982058" algn="l" defTabSz="995514" rtl="0" eaLnBrk="1" latinLnBrk="0" hangingPunct="1">
+              <a:defRPr sz="2100" kern="1200">
+                <a:solidFill>
+                  <a:schemeClr val="tx1"/>
+                </a:solidFill>
+                <a:latin typeface="+mn-lt"/>
+                <a:ea typeface="+mn-ea"/>
+                <a:cs typeface="+mn-cs"/>
+              </a:defRPr>
+            </a:lvl9pPr>
+          </a:lstStyle>
+          <a:p>
+            <a:fld id="{B19B0651-EE4F-4900-A07F-96A6BFA9D0F0}" type="slidenum">
+              <a:rPr lang="ru-RU" smtClean="0">
+                <a:solidFill>
+                  <a:schemeClr val="tx1"/>
+                </a:solidFill>
+              </a:rPr>
+              <a:pPr/>
+              <a:t>8</a:t>
+            </a:fld>
+            <a:endParaRPr lang="ru-RU" dirty="0">
+              <a:solidFill>
+                <a:schemeClr val="tx1"/>
+              </a:solidFill>
+            </a:endParaRPr>
+          </a:p>
+        </p:txBody>
+      </p:sp>
     </p:spTree>
     <p:extLst>
       <p:ext uri="{BB962C8B-B14F-4D97-AF65-F5344CB8AC3E}">
-        <p14:creationId xmlns:p14="http://schemas.microsoft.com/office/powerpoint/2010/main" xmlns="" val="490604760"/>
+        <p14:creationId xmlns:p14="http://schemas.microsoft.com/office/powerpoint/2010/main" val="490604760"/>
       </p:ext>
     </p:extLst>
   </p:cSld>
@@ -9896,7 +10832,7 @@
       </p:sp>
       <p:sp>
         <p:nvSpPr>
-          <p:cNvPr id="4" name="Номер слайда 3"/>
+          <p:cNvPr id="6" name="Номер слайда 3"/>
           <p:cNvSpPr>
             <a:spLocks noGrp="1"/>
           </p:cNvSpPr>
@@ -9904,24 +10840,38 @@
             <p:ph type="sldNum" sz="quarter" idx="12"/>
           </p:nvPr>
         </p:nvSpPr>
-        <p:spPr/>
+        <p:spPr>
+          <a:xfrm>
+            <a:off x="9559899" y="6660951"/>
+            <a:ext cx="891117" cy="541552"/>
+          </a:xfrm>
+          <a:noFill/>
+        </p:spPr>
         <p:txBody>
           <a:bodyPr/>
           <a:lstStyle/>
           <a:p>
             <a:fld id="{B19B0651-EE4F-4900-A07F-96A6BFA9D0F0}" type="slidenum">
-              <a:rPr lang="ru-RU" smtClean="0"/>
+              <a:rPr lang="ru-RU" smtClean="0">
+                <a:solidFill>
+                  <a:schemeClr val="tx1"/>
+                </a:solidFill>
+              </a:rPr>
               <a:pPr/>
               <a:t>9</a:t>
             </a:fld>
-            <a:endParaRPr lang="ru-RU" dirty="0"/>
+            <a:endParaRPr lang="ru-RU" dirty="0">
+              <a:solidFill>
+                <a:schemeClr val="tx1"/>
+              </a:solidFill>
+            </a:endParaRPr>
           </a:p>
         </p:txBody>
       </p:sp>
     </p:spTree>
     <p:extLst>
       <p:ext uri="{BB962C8B-B14F-4D97-AF65-F5344CB8AC3E}">
-        <p14:creationId xmlns:p14="http://schemas.microsoft.com/office/powerpoint/2010/main" xmlns="" val="1408244517"/>
+        <p14:creationId xmlns:p14="http://schemas.microsoft.com/office/powerpoint/2010/main" val="1408244517"/>
       </p:ext>
     </p:extLst>
   </p:cSld>
